--- a/과제PPT/기업업무 1강.pptx
+++ b/과제PPT/기업업무 1강.pptx
@@ -6,13 +6,31 @@
   </p:sldMasterIdLst>
   <p:sldIdLst>
     <p:sldId id="256" r:id="rId2"/>
-    <p:sldId id="257" r:id="rId3"/>
-    <p:sldId id="258" r:id="rId4"/>
-    <p:sldId id="259" r:id="rId5"/>
-    <p:sldId id="260" r:id="rId6"/>
-    <p:sldId id="261" r:id="rId7"/>
-    <p:sldId id="262" r:id="rId8"/>
-    <p:sldId id="263" r:id="rId9"/>
+    <p:sldId id="264" r:id="rId3"/>
+    <p:sldId id="257" r:id="rId4"/>
+    <p:sldId id="258" r:id="rId5"/>
+    <p:sldId id="259" r:id="rId6"/>
+    <p:sldId id="265" r:id="rId7"/>
+    <p:sldId id="266" r:id="rId8"/>
+    <p:sldId id="267" r:id="rId9"/>
+    <p:sldId id="268" r:id="rId10"/>
+    <p:sldId id="269" r:id="rId11"/>
+    <p:sldId id="270" r:id="rId12"/>
+    <p:sldId id="271" r:id="rId13"/>
+    <p:sldId id="272" r:id="rId14"/>
+    <p:sldId id="273" r:id="rId15"/>
+    <p:sldId id="274" r:id="rId16"/>
+    <p:sldId id="275" r:id="rId17"/>
+    <p:sldId id="276" r:id="rId18"/>
+    <p:sldId id="277" r:id="rId19"/>
+    <p:sldId id="278" r:id="rId20"/>
+    <p:sldId id="279" r:id="rId21"/>
+    <p:sldId id="280" r:id="rId22"/>
+    <p:sldId id="282" r:id="rId23"/>
+    <p:sldId id="283" r:id="rId24"/>
+    <p:sldId id="284" r:id="rId25"/>
+    <p:sldId id="281" r:id="rId26"/>
+    <p:sldId id="263" r:id="rId27"/>
   </p:sldIdLst>
   <p:sldSz cx="12192000" cy="6858000"/>
   <p:notesSz cx="6858000" cy="9144000"/>
@@ -111,6 +129,11 @@
       </a:defRPr>
     </a:lvl9pPr>
   </p:defaultTextStyle>
+  <p:extLst>
+    <p:ext uri="{EFAFB233-063F-42B5-8137-9DF3F51BA10A}">
+      <p15:sldGuideLst xmlns:p15="http://schemas.microsoft.com/office/powerpoint/2012/main"/>
+    </p:ext>
+  </p:extLst>
 </p:presentation>
 </file>
 
@@ -222,7 +245,7 @@
           </a:lstStyle>
           <a:p>
             <a:r>
-              <a:rPr lang="ko-KR" altLang="en-US" smtClean="0"/>
+              <a:rPr lang="ko-KR" altLang="en-US"/>
               <a:t>마스터 제목 스타일 편집</a:t>
             </a:r>
             <a:endParaRPr lang="en-US" dirty="0"/>
@@ -293,7 +316,7 @@
           </a:lstStyle>
           <a:p>
             <a:r>
-              <a:rPr lang="ko-KR" altLang="en-US" smtClean="0"/>
+              <a:rPr lang="ko-KR" altLang="en-US"/>
               <a:t>마스터 부제목 스타일 편집</a:t>
             </a:r>
             <a:endParaRPr lang="en-US" dirty="0"/>
@@ -326,7 +349,7 @@
             <a:fld id="{96DFF08F-DC6B-4601-B491-B0F83F6DD2DA}" type="datetimeFigureOut">
               <a:rPr lang="en-US" dirty="0"/>
               <a:pPr/>
-              <a:t>5/12/2023</a:t>
+              <a:t>5/14/2023</a:t>
             </a:fld>
             <a:endParaRPr lang="en-US" dirty="0"/>
           </a:p>
@@ -467,7 +490,7 @@
           <a:lstStyle/>
           <a:p>
             <a:r>
-              <a:rPr lang="ko-KR" altLang="en-US" smtClean="0"/>
+              <a:rPr lang="ko-KR" altLang="en-US"/>
               <a:t>마스터 제목 스타일 편집</a:t>
             </a:r>
             <a:endParaRPr lang="en-US" dirty="0"/>
@@ -491,35 +514,35 @@
           <a:p>
             <a:pPr lvl="0"/>
             <a:r>
-              <a:rPr lang="ko-KR" altLang="en-US" smtClean="0"/>
+              <a:rPr lang="ko-KR" altLang="en-US"/>
               <a:t>마스터 텍스트 스타일을 편집합니다</a:t>
             </a:r>
           </a:p>
           <a:p>
             <a:pPr lvl="1"/>
             <a:r>
-              <a:rPr lang="ko-KR" altLang="en-US" smtClean="0"/>
+              <a:rPr lang="ko-KR" altLang="en-US"/>
               <a:t>둘째 수준</a:t>
             </a:r>
           </a:p>
           <a:p>
             <a:pPr lvl="2"/>
             <a:r>
-              <a:rPr lang="ko-KR" altLang="en-US" smtClean="0"/>
+              <a:rPr lang="ko-KR" altLang="en-US"/>
               <a:t>셋째 수준</a:t>
             </a:r>
           </a:p>
           <a:p>
             <a:pPr lvl="3"/>
             <a:r>
-              <a:rPr lang="ko-KR" altLang="en-US" smtClean="0"/>
+              <a:rPr lang="ko-KR" altLang="en-US"/>
               <a:t>넷째 수준</a:t>
             </a:r>
           </a:p>
           <a:p>
             <a:pPr lvl="4"/>
             <a:r>
-              <a:rPr lang="ko-KR" altLang="en-US" smtClean="0"/>
+              <a:rPr lang="ko-KR" altLang="en-US"/>
               <a:t>다섯째 수준</a:t>
             </a:r>
             <a:endParaRPr lang="en-US" dirty="0"/>
@@ -543,7 +566,7 @@
           <a:p>
             <a:fld id="{96DFF08F-DC6B-4601-B491-B0F83F6DD2DA}" type="datetimeFigureOut">
               <a:rPr lang="en-US" dirty="0"/>
-              <a:t>5/12/2023</a:t>
+              <a:t>5/14/2023</a:t>
             </a:fld>
             <a:endParaRPr lang="en-US" dirty="0"/>
           </a:p>
@@ -637,7 +660,7 @@
           <a:lstStyle/>
           <a:p>
             <a:r>
-              <a:rPr lang="ko-KR" altLang="en-US" smtClean="0"/>
+              <a:rPr lang="ko-KR" altLang="en-US"/>
               <a:t>마스터 제목 스타일 편집</a:t>
             </a:r>
             <a:endParaRPr lang="en-US" dirty="0"/>
@@ -666,35 +689,35 @@
           <a:p>
             <a:pPr lvl="0"/>
             <a:r>
-              <a:rPr lang="ko-KR" altLang="en-US" smtClean="0"/>
+              <a:rPr lang="ko-KR" altLang="en-US"/>
               <a:t>마스터 텍스트 스타일을 편집합니다</a:t>
             </a:r>
           </a:p>
           <a:p>
             <a:pPr lvl="1"/>
             <a:r>
-              <a:rPr lang="ko-KR" altLang="en-US" smtClean="0"/>
+              <a:rPr lang="ko-KR" altLang="en-US"/>
               <a:t>둘째 수준</a:t>
             </a:r>
           </a:p>
           <a:p>
             <a:pPr lvl="2"/>
             <a:r>
-              <a:rPr lang="ko-KR" altLang="en-US" smtClean="0"/>
+              <a:rPr lang="ko-KR" altLang="en-US"/>
               <a:t>셋째 수준</a:t>
             </a:r>
           </a:p>
           <a:p>
             <a:pPr lvl="3"/>
             <a:r>
-              <a:rPr lang="ko-KR" altLang="en-US" smtClean="0"/>
+              <a:rPr lang="ko-KR" altLang="en-US"/>
               <a:t>넷째 수준</a:t>
             </a:r>
           </a:p>
           <a:p>
             <a:pPr lvl="4"/>
             <a:r>
-              <a:rPr lang="ko-KR" altLang="en-US" smtClean="0"/>
+              <a:rPr lang="ko-KR" altLang="en-US"/>
               <a:t>다섯째 수준</a:t>
             </a:r>
             <a:endParaRPr lang="en-US" dirty="0"/>
@@ -718,7 +741,7 @@
           <a:p>
             <a:fld id="{96DFF08F-DC6B-4601-B491-B0F83F6DD2DA}" type="datetimeFigureOut">
               <a:rPr lang="en-US" dirty="0"/>
-              <a:t>5/12/2023</a:t>
+              <a:t>5/14/2023</a:t>
             </a:fld>
             <a:endParaRPr lang="en-US" dirty="0"/>
           </a:p>
@@ -807,7 +830,7 @@
           <a:lstStyle/>
           <a:p>
             <a:r>
-              <a:rPr lang="ko-KR" altLang="en-US" smtClean="0"/>
+              <a:rPr lang="ko-KR" altLang="en-US"/>
               <a:t>마스터 제목 스타일 편집</a:t>
             </a:r>
             <a:endParaRPr lang="en-US" dirty="0"/>
@@ -831,35 +854,35 @@
           <a:p>
             <a:pPr lvl="0"/>
             <a:r>
-              <a:rPr lang="ko-KR" altLang="en-US" smtClean="0"/>
+              <a:rPr lang="ko-KR" altLang="en-US"/>
               <a:t>마스터 텍스트 스타일을 편집합니다</a:t>
             </a:r>
           </a:p>
           <a:p>
             <a:pPr lvl="1"/>
             <a:r>
-              <a:rPr lang="ko-KR" altLang="en-US" smtClean="0"/>
+              <a:rPr lang="ko-KR" altLang="en-US"/>
               <a:t>둘째 수준</a:t>
             </a:r>
           </a:p>
           <a:p>
             <a:pPr lvl="2"/>
             <a:r>
-              <a:rPr lang="ko-KR" altLang="en-US" smtClean="0"/>
+              <a:rPr lang="ko-KR" altLang="en-US"/>
               <a:t>셋째 수준</a:t>
             </a:r>
           </a:p>
           <a:p>
             <a:pPr lvl="3"/>
             <a:r>
-              <a:rPr lang="ko-KR" altLang="en-US" smtClean="0"/>
+              <a:rPr lang="ko-KR" altLang="en-US"/>
               <a:t>넷째 수준</a:t>
             </a:r>
           </a:p>
           <a:p>
             <a:pPr lvl="4"/>
             <a:r>
-              <a:rPr lang="ko-KR" altLang="en-US" smtClean="0"/>
+              <a:rPr lang="ko-KR" altLang="en-US"/>
               <a:t>다섯째 수준</a:t>
             </a:r>
             <a:endParaRPr lang="en-US" dirty="0"/>
@@ -883,7 +906,7 @@
           <a:p>
             <a:fld id="{96DFF08F-DC6B-4601-B491-B0F83F6DD2DA}" type="datetimeFigureOut">
               <a:rPr lang="en-US" dirty="0"/>
-              <a:t>5/12/2023</a:t>
+              <a:t>5/14/2023</a:t>
             </a:fld>
             <a:endParaRPr lang="en-US" dirty="0"/>
           </a:p>
@@ -1009,7 +1032,7 @@
           </a:lstStyle>
           <a:p>
             <a:r>
-              <a:rPr lang="ko-KR" altLang="en-US" smtClean="0"/>
+              <a:rPr lang="ko-KR" altLang="en-US"/>
               <a:t>마스터 제목 스타일 편집</a:t>
             </a:r>
             <a:endParaRPr lang="en-US" dirty="0"/>
@@ -1129,7 +1152,7 @@
           <a:p>
             <a:pPr lvl="0"/>
             <a:r>
-              <a:rPr lang="ko-KR" altLang="en-US" smtClean="0"/>
+              <a:rPr lang="ko-KR" altLang="en-US"/>
               <a:t>마스터 텍스트 스타일을 편집합니다</a:t>
             </a:r>
           </a:p>
@@ -1152,7 +1175,7 @@
           <a:p>
             <a:fld id="{96DFF08F-DC6B-4601-B491-B0F83F6DD2DA}" type="datetimeFigureOut">
               <a:rPr lang="en-US" dirty="0"/>
-              <a:t>5/12/2023</a:t>
+              <a:t>5/14/2023</a:t>
             </a:fld>
             <a:endParaRPr lang="en-US" dirty="0"/>
           </a:p>
@@ -1276,7 +1299,7 @@
           <a:lstStyle/>
           <a:p>
             <a:r>
-              <a:rPr lang="ko-KR" altLang="en-US" smtClean="0"/>
+              <a:rPr lang="ko-KR" altLang="en-US"/>
               <a:t>마스터 제목 스타일 편집</a:t>
             </a:r>
             <a:endParaRPr lang="en-US" dirty="0"/>
@@ -1333,35 +1356,35 @@
           <a:p>
             <a:pPr lvl="0"/>
             <a:r>
-              <a:rPr lang="ko-KR" altLang="en-US" smtClean="0"/>
+              <a:rPr lang="ko-KR" altLang="en-US"/>
               <a:t>마스터 텍스트 스타일을 편집합니다</a:t>
             </a:r>
           </a:p>
           <a:p>
             <a:pPr lvl="1"/>
             <a:r>
-              <a:rPr lang="ko-KR" altLang="en-US" smtClean="0"/>
+              <a:rPr lang="ko-KR" altLang="en-US"/>
               <a:t>둘째 수준</a:t>
             </a:r>
           </a:p>
           <a:p>
             <a:pPr lvl="2"/>
             <a:r>
-              <a:rPr lang="ko-KR" altLang="en-US" smtClean="0"/>
+              <a:rPr lang="ko-KR" altLang="en-US"/>
               <a:t>셋째 수준</a:t>
             </a:r>
           </a:p>
           <a:p>
             <a:pPr lvl="3"/>
             <a:r>
-              <a:rPr lang="ko-KR" altLang="en-US" smtClean="0"/>
+              <a:rPr lang="ko-KR" altLang="en-US"/>
               <a:t>넷째 수준</a:t>
             </a:r>
           </a:p>
           <a:p>
             <a:pPr lvl="4"/>
             <a:r>
-              <a:rPr lang="ko-KR" altLang="en-US" smtClean="0"/>
+              <a:rPr lang="ko-KR" altLang="en-US"/>
               <a:t>다섯째 수준</a:t>
             </a:r>
             <a:endParaRPr lang="en-US" dirty="0"/>
@@ -1418,35 +1441,35 @@
           <a:p>
             <a:pPr lvl="0"/>
             <a:r>
-              <a:rPr lang="ko-KR" altLang="en-US" smtClean="0"/>
+              <a:rPr lang="ko-KR" altLang="en-US"/>
               <a:t>마스터 텍스트 스타일을 편집합니다</a:t>
             </a:r>
           </a:p>
           <a:p>
             <a:pPr lvl="1"/>
             <a:r>
-              <a:rPr lang="ko-KR" altLang="en-US" smtClean="0"/>
+              <a:rPr lang="ko-KR" altLang="en-US"/>
               <a:t>둘째 수준</a:t>
             </a:r>
           </a:p>
           <a:p>
             <a:pPr lvl="2"/>
             <a:r>
-              <a:rPr lang="ko-KR" altLang="en-US" smtClean="0"/>
+              <a:rPr lang="ko-KR" altLang="en-US"/>
               <a:t>셋째 수준</a:t>
             </a:r>
           </a:p>
           <a:p>
             <a:pPr lvl="3"/>
             <a:r>
-              <a:rPr lang="ko-KR" altLang="en-US" smtClean="0"/>
+              <a:rPr lang="ko-KR" altLang="en-US"/>
               <a:t>넷째 수준</a:t>
             </a:r>
           </a:p>
           <a:p>
             <a:pPr lvl="4"/>
             <a:r>
-              <a:rPr lang="ko-KR" altLang="en-US" smtClean="0"/>
+              <a:rPr lang="ko-KR" altLang="en-US"/>
               <a:t>다섯째 수준</a:t>
             </a:r>
             <a:endParaRPr lang="en-US" dirty="0"/>
@@ -1470,7 +1493,7 @@
           <a:p>
             <a:fld id="{96DFF08F-DC6B-4601-B491-B0F83F6DD2DA}" type="datetimeFigureOut">
               <a:rPr lang="en-US" dirty="0"/>
-              <a:t>5/12/2023</a:t>
+              <a:t>5/14/2023</a:t>
             </a:fld>
             <a:endParaRPr lang="en-US" dirty="0"/>
           </a:p>
@@ -1559,7 +1582,7 @@
           <a:lstStyle/>
           <a:p>
             <a:r>
-              <a:rPr lang="ko-KR" altLang="en-US" smtClean="0"/>
+              <a:rPr lang="ko-KR" altLang="en-US"/>
               <a:t>마스터 제목 스타일 편집</a:t>
             </a:r>
             <a:endParaRPr lang="en-US" dirty="0"/>
@@ -1628,7 +1651,7 @@
           <a:p>
             <a:pPr lvl="0"/>
             <a:r>
-              <a:rPr lang="ko-KR" altLang="en-US" smtClean="0"/>
+              <a:rPr lang="ko-KR" altLang="en-US"/>
               <a:t>마스터 텍스트 스타일을 편집합니다</a:t>
             </a:r>
           </a:p>
@@ -1684,35 +1707,35 @@
           <a:p>
             <a:pPr lvl="0"/>
             <a:r>
-              <a:rPr lang="ko-KR" altLang="en-US" smtClean="0"/>
+              <a:rPr lang="ko-KR" altLang="en-US"/>
               <a:t>마스터 텍스트 스타일을 편집합니다</a:t>
             </a:r>
           </a:p>
           <a:p>
             <a:pPr lvl="1"/>
             <a:r>
-              <a:rPr lang="ko-KR" altLang="en-US" smtClean="0"/>
+              <a:rPr lang="ko-KR" altLang="en-US"/>
               <a:t>둘째 수준</a:t>
             </a:r>
           </a:p>
           <a:p>
             <a:pPr lvl="2"/>
             <a:r>
-              <a:rPr lang="ko-KR" altLang="en-US" smtClean="0"/>
+              <a:rPr lang="ko-KR" altLang="en-US"/>
               <a:t>셋째 수준</a:t>
             </a:r>
           </a:p>
           <a:p>
             <a:pPr lvl="3"/>
             <a:r>
-              <a:rPr lang="ko-KR" altLang="en-US" smtClean="0"/>
+              <a:rPr lang="ko-KR" altLang="en-US"/>
               <a:t>넷째 수준</a:t>
             </a:r>
           </a:p>
           <a:p>
             <a:pPr lvl="4"/>
             <a:r>
-              <a:rPr lang="ko-KR" altLang="en-US" smtClean="0"/>
+              <a:rPr lang="ko-KR" altLang="en-US"/>
               <a:t>다섯째 수준</a:t>
             </a:r>
             <a:endParaRPr lang="en-US" dirty="0"/>
@@ -1781,7 +1804,7 @@
           <a:p>
             <a:pPr lvl="0"/>
             <a:r>
-              <a:rPr lang="ko-KR" altLang="en-US" smtClean="0"/>
+              <a:rPr lang="ko-KR" altLang="en-US"/>
               <a:t>마스터 텍스트 스타일을 편집합니다</a:t>
             </a:r>
           </a:p>
@@ -1837,35 +1860,35 @@
           <a:p>
             <a:pPr lvl="0"/>
             <a:r>
-              <a:rPr lang="ko-KR" altLang="en-US" smtClean="0"/>
+              <a:rPr lang="ko-KR" altLang="en-US"/>
               <a:t>마스터 텍스트 스타일을 편집합니다</a:t>
             </a:r>
           </a:p>
           <a:p>
             <a:pPr lvl="1"/>
             <a:r>
-              <a:rPr lang="ko-KR" altLang="en-US" smtClean="0"/>
+              <a:rPr lang="ko-KR" altLang="en-US"/>
               <a:t>둘째 수준</a:t>
             </a:r>
           </a:p>
           <a:p>
             <a:pPr lvl="2"/>
             <a:r>
-              <a:rPr lang="ko-KR" altLang="en-US" smtClean="0"/>
+              <a:rPr lang="ko-KR" altLang="en-US"/>
               <a:t>셋째 수준</a:t>
             </a:r>
           </a:p>
           <a:p>
             <a:pPr lvl="3"/>
             <a:r>
-              <a:rPr lang="ko-KR" altLang="en-US" smtClean="0"/>
+              <a:rPr lang="ko-KR" altLang="en-US"/>
               <a:t>넷째 수준</a:t>
             </a:r>
           </a:p>
           <a:p>
             <a:pPr lvl="4"/>
             <a:r>
-              <a:rPr lang="ko-KR" altLang="en-US" smtClean="0"/>
+              <a:rPr lang="ko-KR" altLang="en-US"/>
               <a:t>다섯째 수준</a:t>
             </a:r>
             <a:endParaRPr lang="en-US" dirty="0"/>
@@ -1889,7 +1912,7 @@
           <a:p>
             <a:fld id="{96DFF08F-DC6B-4601-B491-B0F83F6DD2DA}" type="datetimeFigureOut">
               <a:rPr lang="en-US" dirty="0"/>
-              <a:t>5/12/2023</a:t>
+              <a:t>5/14/2023</a:t>
             </a:fld>
             <a:endParaRPr lang="en-US" dirty="0"/>
           </a:p>
@@ -1978,7 +2001,7 @@
           <a:lstStyle/>
           <a:p>
             <a:r>
-              <a:rPr lang="ko-KR" altLang="en-US" smtClean="0"/>
+              <a:rPr lang="ko-KR" altLang="en-US"/>
               <a:t>마스터 제목 스타일 편집</a:t>
             </a:r>
             <a:endParaRPr lang="en-US" dirty="0"/>
@@ -2002,7 +2025,7 @@
           <a:p>
             <a:fld id="{96DFF08F-DC6B-4601-B491-B0F83F6DD2DA}" type="datetimeFigureOut">
               <a:rPr lang="en-US" dirty="0"/>
-              <a:t>5/12/2023</a:t>
+              <a:t>5/14/2023</a:t>
             </a:fld>
             <a:endParaRPr lang="en-US" dirty="0"/>
           </a:p>
@@ -2092,7 +2115,7 @@
           <a:p>
             <a:fld id="{96DFF08F-DC6B-4601-B491-B0F83F6DD2DA}" type="datetimeFigureOut">
               <a:rPr lang="en-US" dirty="0"/>
-              <a:t>5/12/2023</a:t>
+              <a:t>5/14/2023</a:t>
             </a:fld>
             <a:endParaRPr lang="en-US" dirty="0"/>
           </a:p>
@@ -2195,7 +2218,7 @@
           </a:lstStyle>
           <a:p>
             <a:r>
-              <a:rPr lang="ko-KR" altLang="en-US" smtClean="0"/>
+              <a:rPr lang="ko-KR" altLang="en-US"/>
               <a:t>마스터 제목 스타일 편집</a:t>
             </a:r>
             <a:endParaRPr lang="en-US" dirty="0"/>
@@ -2252,35 +2275,35 @@
           <a:p>
             <a:pPr lvl="0"/>
             <a:r>
-              <a:rPr lang="ko-KR" altLang="en-US" smtClean="0"/>
+              <a:rPr lang="ko-KR" altLang="en-US"/>
               <a:t>마스터 텍스트 스타일을 편집합니다</a:t>
             </a:r>
           </a:p>
           <a:p>
             <a:pPr lvl="1"/>
             <a:r>
-              <a:rPr lang="ko-KR" altLang="en-US" smtClean="0"/>
+              <a:rPr lang="ko-KR" altLang="en-US"/>
               <a:t>둘째 수준</a:t>
             </a:r>
           </a:p>
           <a:p>
             <a:pPr lvl="2"/>
             <a:r>
-              <a:rPr lang="ko-KR" altLang="en-US" smtClean="0"/>
+              <a:rPr lang="ko-KR" altLang="en-US"/>
               <a:t>셋째 수준</a:t>
             </a:r>
           </a:p>
           <a:p>
             <a:pPr lvl="3"/>
             <a:r>
-              <a:rPr lang="ko-KR" altLang="en-US" smtClean="0"/>
+              <a:rPr lang="ko-KR" altLang="en-US"/>
               <a:t>넷째 수준</a:t>
             </a:r>
           </a:p>
           <a:p>
             <a:pPr lvl="4"/>
             <a:r>
-              <a:rPr lang="ko-KR" altLang="en-US" smtClean="0"/>
+              <a:rPr lang="ko-KR" altLang="en-US"/>
               <a:t>다섯째 수준</a:t>
             </a:r>
             <a:endParaRPr lang="en-US" dirty="0"/>
@@ -2354,7 +2377,7 @@
           <a:p>
             <a:pPr lvl="0"/>
             <a:r>
-              <a:rPr lang="ko-KR" altLang="en-US" smtClean="0"/>
+              <a:rPr lang="ko-KR" altLang="en-US"/>
               <a:t>마스터 텍스트 스타일을 편집합니다</a:t>
             </a:r>
           </a:p>
@@ -2377,7 +2400,7 @@
           <a:p>
             <a:fld id="{96DFF08F-DC6B-4601-B491-B0F83F6DD2DA}" type="datetimeFigureOut">
               <a:rPr lang="en-US" dirty="0"/>
-              <a:t>5/12/2023</a:t>
+              <a:t>5/14/2023</a:t>
             </a:fld>
             <a:endParaRPr lang="en-US" dirty="0"/>
           </a:p>
@@ -2480,7 +2503,7 @@
           </a:lstStyle>
           <a:p>
             <a:r>
-              <a:rPr lang="ko-KR" altLang="en-US" smtClean="0"/>
+              <a:rPr lang="ko-KR" altLang="en-US"/>
               <a:t>마스터 제목 스타일 편집</a:t>
             </a:r>
             <a:endParaRPr lang="en-US" dirty="0"/>
@@ -2547,7 +2570,7 @@
           </a:lstStyle>
           <a:p>
             <a:r>
-              <a:rPr lang="ko-KR" altLang="en-US" smtClean="0"/>
+              <a:rPr lang="ko-KR" altLang="en-US"/>
               <a:t>그림을 추가하려면 아이콘을 클릭하십시오</a:t>
             </a:r>
             <a:endParaRPr lang="en-US" dirty="0"/>
@@ -2621,7 +2644,7 @@
           <a:p>
             <a:pPr lvl="0"/>
             <a:r>
-              <a:rPr lang="ko-KR" altLang="en-US" smtClean="0"/>
+              <a:rPr lang="ko-KR" altLang="en-US"/>
               <a:t>마스터 텍스트 스타일을 편집합니다</a:t>
             </a:r>
           </a:p>
@@ -2644,7 +2667,7 @@
           <a:p>
             <a:fld id="{96DFF08F-DC6B-4601-B491-B0F83F6DD2DA}" type="datetimeFigureOut">
               <a:rPr lang="en-US" dirty="0"/>
-              <a:t>5/12/2023</a:t>
+              <a:t>5/14/2023</a:t>
             </a:fld>
             <a:endParaRPr lang="en-US" dirty="0"/>
           </a:p>
@@ -2791,7 +2814,7 @@
           <a:lstStyle/>
           <a:p>
             <a:r>
-              <a:rPr lang="ko-KR" altLang="en-US" smtClean="0"/>
+              <a:rPr lang="ko-KR" altLang="en-US"/>
               <a:t>마스터 제목 스타일 편집</a:t>
             </a:r>
             <a:endParaRPr lang="en-US" dirty="0"/>
@@ -2825,35 +2848,35 @@
           <a:p>
             <a:pPr lvl="0"/>
             <a:r>
-              <a:rPr lang="ko-KR" altLang="en-US" smtClean="0"/>
+              <a:rPr lang="ko-KR" altLang="en-US"/>
               <a:t>마스터 텍스트 스타일을 편집합니다</a:t>
             </a:r>
           </a:p>
           <a:p>
             <a:pPr lvl="1"/>
             <a:r>
-              <a:rPr lang="ko-KR" altLang="en-US" smtClean="0"/>
+              <a:rPr lang="ko-KR" altLang="en-US"/>
               <a:t>둘째 수준</a:t>
             </a:r>
           </a:p>
           <a:p>
             <a:pPr lvl="2"/>
             <a:r>
-              <a:rPr lang="ko-KR" altLang="en-US" smtClean="0"/>
+              <a:rPr lang="ko-KR" altLang="en-US"/>
               <a:t>셋째 수준</a:t>
             </a:r>
           </a:p>
           <a:p>
             <a:pPr lvl="3"/>
             <a:r>
-              <a:rPr lang="ko-KR" altLang="en-US" smtClean="0"/>
+              <a:rPr lang="ko-KR" altLang="en-US"/>
               <a:t>넷째 수준</a:t>
             </a:r>
           </a:p>
           <a:p>
             <a:pPr lvl="4"/>
             <a:r>
-              <a:rPr lang="ko-KR" altLang="en-US" smtClean="0"/>
+              <a:rPr lang="ko-KR" altLang="en-US"/>
               <a:t>다섯째 수준</a:t>
             </a:r>
             <a:endParaRPr lang="en-US" dirty="0"/>
@@ -2894,7 +2917,7 @@
             <a:fld id="{96DFF08F-DC6B-4601-B491-B0F83F6DD2DA}" type="datetimeFigureOut">
               <a:rPr lang="en-US" dirty="0"/>
               <a:pPr/>
-              <a:t>5/12/2023</a:t>
+              <a:t>5/14/2023</a:t>
             </a:fld>
             <a:endParaRPr lang="en-US" dirty="0"/>
           </a:p>
@@ -3361,14 +3384,67 @@
             <p:ph type="ctrTitle"/>
           </p:nvPr>
         </p:nvSpPr>
-        <p:spPr/>
+        <p:spPr>
+          <a:xfrm>
+            <a:off x="1109980" y="882376"/>
+            <a:ext cx="9966960" cy="2775224"/>
+          </a:xfrm>
+        </p:spPr>
         <p:txBody>
           <a:bodyPr/>
           <a:lstStyle/>
           <a:p>
-            <a:endParaRPr lang="ko-KR" altLang="en-US" dirty="0">
-              <a:effectLst/>
-            </a:endParaRPr>
+            <a:r>
+              <a:rPr lang="ko-KR" altLang="en-US" dirty="0">
+                <a:solidFill>
+                  <a:schemeClr val="accent1"/>
+                </a:solidFill>
+                <a:effectLst>
+                  <a:outerShdw blurRad="38100" dist="38100" dir="2700000" algn="tl">
+                    <a:srgbClr val="000000">
+                      <a:alpha val="43137"/>
+                    </a:srgbClr>
+                  </a:outerShdw>
+                </a:effectLst>
+                <a:latin typeface="+mj-ea"/>
+                <a:ea typeface="+mj-ea"/>
+              </a:rPr>
+              <a:t>기업프로그래밍 </a:t>
+            </a:r>
+            <a:r>
+              <a:rPr lang="en-US" altLang="ko-KR" dirty="0">
+                <a:solidFill>
+                  <a:schemeClr val="accent1"/>
+                </a:solidFill>
+                <a:effectLst>
+                  <a:outerShdw blurRad="38100" dist="38100" dir="2700000" algn="tl">
+                    <a:srgbClr val="000000">
+                      <a:alpha val="43137"/>
+                    </a:srgbClr>
+                  </a:outerShdw>
+                </a:effectLst>
+                <a:latin typeface="+mj-ea"/>
+                <a:ea typeface="+mj-ea"/>
+              </a:rPr>
+              <a:t>1</a:t>
+            </a:r>
+            <a:r>
+              <a:rPr lang="ko-KR" altLang="en-US" dirty="0">
+                <a:solidFill>
+                  <a:schemeClr val="accent1"/>
+                </a:solidFill>
+                <a:effectLst>
+                  <a:outerShdw blurRad="38100" dist="38100" dir="2700000" algn="tl">
+                    <a:srgbClr val="000000">
+                      <a:alpha val="43137"/>
+                    </a:srgbClr>
+                  </a:outerShdw>
+                </a:effectLst>
+                <a:latin typeface="+mj-ea"/>
+                <a:ea typeface="+mj-ea"/>
+              </a:rPr>
+              <a:t>강</a:t>
+            </a:r>
           </a:p>
         </p:txBody>
       </p:sp>
@@ -3382,12 +3458,103 @@
             <p:ph type="subTitle" idx="1"/>
           </p:nvPr>
         </p:nvSpPr>
-        <p:spPr/>
-        <p:txBody>
-          <a:bodyPr/>
-          <a:lstStyle/>
-          <a:p>
-            <a:endParaRPr lang="ko-KR" altLang="en-US" dirty="0"/>
+        <p:spPr>
+          <a:xfrm>
+            <a:off x="1542737" y="4131733"/>
+            <a:ext cx="9534203" cy="1346199"/>
+          </a:xfrm>
+        </p:spPr>
+        <p:txBody>
+          <a:bodyPr>
+            <a:normAutofit/>
+          </a:bodyPr>
+          <a:lstStyle/>
+          <a:p>
+            <a:pPr algn="r"/>
+            <a:r>
+              <a:rPr lang="ko-KR" altLang="en-US" sz="3200" dirty="0">
+                <a:effectLst>
+                  <a:outerShdw blurRad="38100" dist="38100" dir="2700000" algn="tl">
+                    <a:srgbClr val="000000">
+                      <a:alpha val="43137"/>
+                    </a:srgbClr>
+                  </a:outerShdw>
+                </a:effectLst>
+                <a:latin typeface="+mj-ea"/>
+                <a:ea typeface="+mj-ea"/>
+              </a:rPr>
+              <a:t>데이터융합</a:t>
+            </a:r>
+            <a:r>
+              <a:rPr lang="en-US" altLang="ko-KR" sz="3200" dirty="0" err="1">
+                <a:effectLst>
+                  <a:outerShdw blurRad="38100" dist="38100" dir="2700000" algn="tl">
+                    <a:srgbClr val="000000">
+                      <a:alpha val="43137"/>
+                    </a:srgbClr>
+                  </a:outerShdw>
+                </a:effectLst>
+                <a:latin typeface="+mj-ea"/>
+                <a:ea typeface="+mj-ea"/>
+              </a:rPr>
+              <a:t>sw</a:t>
+            </a:r>
+            <a:r>
+              <a:rPr lang="ko-KR" altLang="en-US" sz="3200" dirty="0">
+                <a:effectLst>
+                  <a:outerShdw blurRad="38100" dist="38100" dir="2700000" algn="tl">
+                    <a:srgbClr val="000000">
+                      <a:alpha val="43137"/>
+                    </a:srgbClr>
+                  </a:outerShdw>
+                </a:effectLst>
+                <a:latin typeface="+mj-ea"/>
+                <a:ea typeface="+mj-ea"/>
+              </a:rPr>
+              <a:t>학과</a:t>
+            </a:r>
+            <a:endParaRPr lang="en-US" altLang="ko-KR" sz="3200" dirty="0">
+              <a:effectLst>
+                <a:outerShdw blurRad="38100" dist="38100" dir="2700000" algn="tl">
+                  <a:srgbClr val="000000">
+                    <a:alpha val="43137"/>
+                  </a:srgbClr>
+                </a:outerShdw>
+              </a:effectLst>
+              <a:latin typeface="+mj-ea"/>
+              <a:ea typeface="+mj-ea"/>
+            </a:endParaRPr>
+          </a:p>
+          <a:p>
+            <a:pPr algn="r"/>
+            <a:r>
+              <a:rPr lang="en-US" altLang="ko-KR" sz="3200" dirty="0">
+                <a:effectLst>
+                  <a:outerShdw blurRad="38100" dist="38100" dir="2700000" algn="tl">
+                    <a:srgbClr val="000000">
+                      <a:alpha val="43137"/>
+                    </a:srgbClr>
+                  </a:outerShdw>
+                </a:effectLst>
+                <a:latin typeface="+mj-ea"/>
+                <a:ea typeface="+mj-ea"/>
+              </a:rPr>
+              <a:t>KOPO11 </a:t>
+            </a:r>
+            <a:r>
+              <a:rPr lang="ko-KR" altLang="en-US" sz="3200" dirty="0">
+                <a:effectLst>
+                  <a:outerShdw blurRad="38100" dist="38100" dir="2700000" algn="tl">
+                    <a:srgbClr val="000000">
+                      <a:alpha val="43137"/>
+                    </a:srgbClr>
+                  </a:outerShdw>
+                </a:effectLst>
+                <a:latin typeface="+mj-ea"/>
+                <a:ea typeface="+mj-ea"/>
+              </a:rPr>
+              <a:t>노을</a:t>
+            </a:r>
           </a:p>
         </p:txBody>
       </p:sp>
@@ -3401,13 +3568,2584 @@
   <p:clrMapOvr>
     <a:masterClrMapping/>
   </p:clrMapOvr>
-  <p:timing>
-    <p:tnLst>
-      <p:par>
-        <p:cTn id="1" dur="indefinite" restart="never" nodeType="tmRoot"/>
-      </p:par>
-    </p:tnLst>
-  </p:timing>
+</p:sld>
+</file>
+
+<file path=ppt/slides/slide10.xml><?xml version="1.0" encoding="utf-8"?>
+<p:sld xmlns:a="http://schemas.openxmlformats.org/drawingml/2006/main" xmlns:r="http://schemas.openxmlformats.org/officeDocument/2006/relationships" xmlns:p="http://schemas.openxmlformats.org/presentationml/2006/main">
+  <p:cSld>
+    <p:spTree>
+      <p:nvGrpSpPr>
+        <p:cNvPr id="1" name=""/>
+        <p:cNvGrpSpPr/>
+        <p:nvPr/>
+      </p:nvGrpSpPr>
+      <p:grpSpPr>
+        <a:xfrm>
+          <a:off x="0" y="0"/>
+          <a:ext cx="0" cy="0"/>
+          <a:chOff x="0" y="0"/>
+          <a:chExt cx="0" cy="0"/>
+        </a:xfrm>
+      </p:grpSpPr>
+      <p:sp>
+        <p:nvSpPr>
+          <p:cNvPr id="2" name="제목 1">
+            <a:extLst>
+              <a:ext uri="{FF2B5EF4-FFF2-40B4-BE49-F238E27FC236}">
+                <a16:creationId xmlns:a16="http://schemas.microsoft.com/office/drawing/2014/main" id="{635C47BF-19DD-7A68-913E-EF8F14DBA234}"/>
+              </a:ext>
+            </a:extLst>
+          </p:cNvPr>
+          <p:cNvSpPr>
+            <a:spLocks noGrp="1"/>
+          </p:cNvSpPr>
+          <p:nvPr>
+            <p:ph type="title"/>
+          </p:nvPr>
+        </p:nvSpPr>
+        <p:spPr>
+          <a:xfrm>
+            <a:off x="479323" y="550606"/>
+            <a:ext cx="9875520" cy="481781"/>
+          </a:xfrm>
+        </p:spPr>
+        <p:txBody>
+          <a:bodyPr>
+            <a:noAutofit/>
+          </a:bodyPr>
+          <a:lstStyle/>
+          <a:p>
+            <a:pPr marL="571500" indent="-571500">
+              <a:buFont typeface="Arial" panose="020B0604020202020204" pitchFamily="34" charset="0"/>
+              <a:buChar char="•"/>
+            </a:pPr>
+            <a:r>
+              <a:rPr lang="en-US" altLang="ko-KR" sz="3200" dirty="0">
+                <a:latin typeface="+mj-ea"/>
+              </a:rPr>
+              <a:t>&lt;</a:t>
+            </a:r>
+            <a:r>
+              <a:rPr lang="en-US" altLang="ko-KR" sz="3200" dirty="0" err="1">
+                <a:latin typeface="+mj-ea"/>
+              </a:rPr>
+              <a:t>ol</a:t>
+            </a:r>
+            <a:r>
+              <a:rPr lang="en-US" altLang="ko-KR" sz="3200" dirty="0">
+                <a:latin typeface="+mj-ea"/>
+              </a:rPr>
+              <a:t>&gt;</a:t>
+            </a:r>
+            <a:r>
+              <a:rPr lang="ko-KR" altLang="en-US" sz="3200" dirty="0">
+                <a:latin typeface="+mj-ea"/>
+              </a:rPr>
+              <a:t>로 라면 끓이는 순서 나열 </a:t>
+            </a:r>
+          </a:p>
+        </p:txBody>
+      </p:sp>
+      <p:pic>
+        <p:nvPicPr>
+          <p:cNvPr id="4" name="그림 3">
+            <a:extLst>
+              <a:ext uri="{FF2B5EF4-FFF2-40B4-BE49-F238E27FC236}">
+                <a16:creationId xmlns:a16="http://schemas.microsoft.com/office/drawing/2014/main" id="{39EC71CB-B1C3-8E9E-D662-050355F93B1A}"/>
+              </a:ext>
+            </a:extLst>
+          </p:cNvPr>
+          <p:cNvPicPr>
+            <a:picLocks noChangeAspect="1"/>
+          </p:cNvPicPr>
+          <p:nvPr/>
+        </p:nvPicPr>
+        <p:blipFill>
+          <a:blip r:embed="rId2"/>
+          <a:stretch>
+            <a:fillRect/>
+          </a:stretch>
+        </p:blipFill>
+        <p:spPr>
+          <a:xfrm>
+            <a:off x="479323" y="1150799"/>
+            <a:ext cx="7611537" cy="3477110"/>
+          </a:xfrm>
+          <a:prstGeom prst="rect">
+            <a:avLst/>
+          </a:prstGeom>
+        </p:spPr>
+      </p:pic>
+      <p:pic>
+        <p:nvPicPr>
+          <p:cNvPr id="6" name="그림 5">
+            <a:extLst>
+              <a:ext uri="{FF2B5EF4-FFF2-40B4-BE49-F238E27FC236}">
+                <a16:creationId xmlns:a16="http://schemas.microsoft.com/office/drawing/2014/main" id="{19E66B89-9C85-0124-F897-2BE6763FD64E}"/>
+              </a:ext>
+            </a:extLst>
+          </p:cNvPr>
+          <p:cNvPicPr>
+            <a:picLocks noChangeAspect="1"/>
+          </p:cNvPicPr>
+          <p:nvPr/>
+        </p:nvPicPr>
+        <p:blipFill>
+          <a:blip r:embed="rId3"/>
+          <a:stretch>
+            <a:fillRect/>
+          </a:stretch>
+        </p:blipFill>
+        <p:spPr>
+          <a:xfrm>
+            <a:off x="7152480" y="3242213"/>
+            <a:ext cx="4764699" cy="3385107"/>
+          </a:xfrm>
+          <a:prstGeom prst="rect">
+            <a:avLst/>
+          </a:prstGeom>
+        </p:spPr>
+      </p:pic>
+      <p:sp>
+        <p:nvSpPr>
+          <p:cNvPr id="7" name="화살표: 오른쪽 6">
+            <a:extLst>
+              <a:ext uri="{FF2B5EF4-FFF2-40B4-BE49-F238E27FC236}">
+                <a16:creationId xmlns:a16="http://schemas.microsoft.com/office/drawing/2014/main" id="{348A3A05-3D1E-008D-641B-4D4CA575520F}"/>
+              </a:ext>
+            </a:extLst>
+          </p:cNvPr>
+          <p:cNvSpPr/>
+          <p:nvPr/>
+        </p:nvSpPr>
+        <p:spPr>
+          <a:xfrm>
+            <a:off x="5688826" y="5074230"/>
+            <a:ext cx="1335428" cy="666891"/>
+          </a:xfrm>
+          <a:prstGeom prst="rightArrow">
+            <a:avLst/>
+          </a:prstGeom>
+        </p:spPr>
+        <p:style>
+          <a:lnRef idx="2">
+            <a:schemeClr val="accent1">
+              <a:shade val="50000"/>
+            </a:schemeClr>
+          </a:lnRef>
+          <a:fillRef idx="1">
+            <a:schemeClr val="accent1"/>
+          </a:fillRef>
+          <a:effectRef idx="0">
+            <a:schemeClr val="accent1"/>
+          </a:effectRef>
+          <a:fontRef idx="minor">
+            <a:schemeClr val="lt1"/>
+          </a:fontRef>
+        </p:style>
+        <p:txBody>
+          <a:bodyPr rtlCol="0" anchor="ctr"/>
+          <a:lstStyle/>
+          <a:p>
+            <a:pPr algn="ctr"/>
+            <a:endParaRPr lang="ko-KR" altLang="en-US"/>
+          </a:p>
+        </p:txBody>
+      </p:sp>
+      <p:sp>
+        <p:nvSpPr>
+          <p:cNvPr id="8" name="TextBox 7">
+            <a:extLst>
+              <a:ext uri="{FF2B5EF4-FFF2-40B4-BE49-F238E27FC236}">
+                <a16:creationId xmlns:a16="http://schemas.microsoft.com/office/drawing/2014/main" id="{57AF1518-7916-E1C3-6AEA-0A58605640CD}"/>
+              </a:ext>
+            </a:extLst>
+          </p:cNvPr>
+          <p:cNvSpPr txBox="1"/>
+          <p:nvPr/>
+        </p:nvSpPr>
+        <p:spPr>
+          <a:xfrm>
+            <a:off x="5582162" y="4484711"/>
+            <a:ext cx="1442092" cy="523220"/>
+          </a:xfrm>
+          <a:prstGeom prst="rect">
+            <a:avLst/>
+          </a:prstGeom>
+          <a:noFill/>
+        </p:spPr>
+        <p:txBody>
+          <a:bodyPr wrap="square" rtlCol="0">
+            <a:spAutoFit/>
+          </a:bodyPr>
+          <a:lstStyle/>
+          <a:p>
+            <a:r>
+              <a:rPr lang="en-US" altLang="ko-KR" sz="2800" dirty="0">
+                <a:solidFill>
+                  <a:schemeClr val="accent1"/>
+                </a:solidFill>
+              </a:rPr>
+              <a:t>&lt; </a:t>
+            </a:r>
+            <a:r>
+              <a:rPr lang="ko-KR" altLang="en-US" sz="2800" dirty="0">
+                <a:solidFill>
+                  <a:schemeClr val="accent1"/>
+                </a:solidFill>
+              </a:rPr>
+              <a:t>결과 </a:t>
+            </a:r>
+            <a:r>
+              <a:rPr lang="en-US" altLang="ko-KR" sz="2800" dirty="0">
+                <a:solidFill>
+                  <a:schemeClr val="accent1"/>
+                </a:solidFill>
+              </a:rPr>
+              <a:t>&gt;</a:t>
+            </a:r>
+            <a:endParaRPr lang="ko-KR" altLang="en-US" sz="2800" dirty="0">
+              <a:solidFill>
+                <a:schemeClr val="accent1"/>
+              </a:solidFill>
+            </a:endParaRPr>
+          </a:p>
+        </p:txBody>
+      </p:sp>
+    </p:spTree>
+    <p:extLst>
+      <p:ext uri="{BB962C8B-B14F-4D97-AF65-F5344CB8AC3E}">
+        <p14:creationId xmlns:p14="http://schemas.microsoft.com/office/powerpoint/2010/main" val="3374508376"/>
+      </p:ext>
+    </p:extLst>
+  </p:cSld>
+  <p:clrMapOvr>
+    <a:masterClrMapping/>
+  </p:clrMapOvr>
+</p:sld>
+</file>
+
+<file path=ppt/slides/slide11.xml><?xml version="1.0" encoding="utf-8"?>
+<p:sld xmlns:a="http://schemas.openxmlformats.org/drawingml/2006/main" xmlns:r="http://schemas.openxmlformats.org/officeDocument/2006/relationships" xmlns:p="http://schemas.openxmlformats.org/presentationml/2006/main">
+  <p:cSld>
+    <p:spTree>
+      <p:nvGrpSpPr>
+        <p:cNvPr id="1" name=""/>
+        <p:cNvGrpSpPr/>
+        <p:nvPr/>
+      </p:nvGrpSpPr>
+      <p:grpSpPr>
+        <a:xfrm>
+          <a:off x="0" y="0"/>
+          <a:ext cx="0" cy="0"/>
+          <a:chOff x="0" y="0"/>
+          <a:chExt cx="0" cy="0"/>
+        </a:xfrm>
+      </p:grpSpPr>
+      <p:sp>
+        <p:nvSpPr>
+          <p:cNvPr id="2" name="제목 1">
+            <a:extLst>
+              <a:ext uri="{FF2B5EF4-FFF2-40B4-BE49-F238E27FC236}">
+                <a16:creationId xmlns:a16="http://schemas.microsoft.com/office/drawing/2014/main" id="{635C47BF-19DD-7A68-913E-EF8F14DBA234}"/>
+              </a:ext>
+            </a:extLst>
+          </p:cNvPr>
+          <p:cNvSpPr>
+            <a:spLocks noGrp="1"/>
+          </p:cNvSpPr>
+          <p:nvPr>
+            <p:ph type="title"/>
+          </p:nvPr>
+        </p:nvSpPr>
+        <p:spPr>
+          <a:xfrm>
+            <a:off x="479323" y="550606"/>
+            <a:ext cx="9875520" cy="481781"/>
+          </a:xfrm>
+        </p:spPr>
+        <p:txBody>
+          <a:bodyPr>
+            <a:noAutofit/>
+          </a:bodyPr>
+          <a:lstStyle/>
+          <a:p>
+            <a:pPr marL="571500" indent="-571500">
+              <a:buFont typeface="Arial" panose="020B0604020202020204" pitchFamily="34" charset="0"/>
+              <a:buChar char="•"/>
+            </a:pPr>
+            <a:r>
+              <a:rPr lang="en-US" altLang="ko-KR" sz="3200" dirty="0">
+                <a:latin typeface="+mj-ea"/>
+              </a:rPr>
+              <a:t>&lt;</a:t>
+            </a:r>
+            <a:r>
+              <a:rPr lang="en-US" altLang="ko-KR" sz="3200" dirty="0" err="1">
+                <a:latin typeface="+mj-ea"/>
+              </a:rPr>
+              <a:t>ul</a:t>
+            </a:r>
+            <a:r>
+              <a:rPr lang="en-US" altLang="ko-KR" sz="3200" dirty="0">
+                <a:latin typeface="+mj-ea"/>
+              </a:rPr>
+              <a:t>&gt;</a:t>
+            </a:r>
+            <a:r>
+              <a:rPr lang="ko-KR" altLang="en-US" sz="3200" dirty="0">
+                <a:latin typeface="+mj-ea"/>
+              </a:rPr>
+              <a:t>로 좋아하는 음식 나열 </a:t>
+            </a:r>
+          </a:p>
+        </p:txBody>
+      </p:sp>
+      <p:pic>
+        <p:nvPicPr>
+          <p:cNvPr id="4" name="그림 3">
+            <a:extLst>
+              <a:ext uri="{FF2B5EF4-FFF2-40B4-BE49-F238E27FC236}">
+                <a16:creationId xmlns:a16="http://schemas.microsoft.com/office/drawing/2014/main" id="{0957AA1C-EDF3-EE0C-32A0-FDF0287D7850}"/>
+              </a:ext>
+            </a:extLst>
+          </p:cNvPr>
+          <p:cNvPicPr>
+            <a:picLocks noChangeAspect="1"/>
+          </p:cNvPicPr>
+          <p:nvPr/>
+        </p:nvPicPr>
+        <p:blipFill>
+          <a:blip r:embed="rId2"/>
+          <a:stretch>
+            <a:fillRect/>
+          </a:stretch>
+        </p:blipFill>
+        <p:spPr>
+          <a:xfrm>
+            <a:off x="479323" y="1231772"/>
+            <a:ext cx="8340462" cy="3610051"/>
+          </a:xfrm>
+          <a:prstGeom prst="rect">
+            <a:avLst/>
+          </a:prstGeom>
+        </p:spPr>
+      </p:pic>
+      <p:pic>
+        <p:nvPicPr>
+          <p:cNvPr id="6" name="그림 5">
+            <a:extLst>
+              <a:ext uri="{FF2B5EF4-FFF2-40B4-BE49-F238E27FC236}">
+                <a16:creationId xmlns:a16="http://schemas.microsoft.com/office/drawing/2014/main" id="{1E9DEBCF-96B8-E7AA-B3D8-79CF024D9731}"/>
+              </a:ext>
+            </a:extLst>
+          </p:cNvPr>
+          <p:cNvPicPr>
+            <a:picLocks noChangeAspect="1"/>
+          </p:cNvPicPr>
+          <p:nvPr/>
+        </p:nvPicPr>
+        <p:blipFill>
+          <a:blip r:embed="rId3"/>
+          <a:stretch>
+            <a:fillRect/>
+          </a:stretch>
+        </p:blipFill>
+        <p:spPr>
+          <a:xfrm>
+            <a:off x="7096023" y="3731227"/>
+            <a:ext cx="4725197" cy="2801019"/>
+          </a:xfrm>
+          <a:prstGeom prst="rect">
+            <a:avLst/>
+          </a:prstGeom>
+        </p:spPr>
+      </p:pic>
+      <p:sp>
+        <p:nvSpPr>
+          <p:cNvPr id="7" name="화살표: 오른쪽 6">
+            <a:extLst>
+              <a:ext uri="{FF2B5EF4-FFF2-40B4-BE49-F238E27FC236}">
+                <a16:creationId xmlns:a16="http://schemas.microsoft.com/office/drawing/2014/main" id="{377F6EB9-04DD-E48B-35F4-1FDC8C656B50}"/>
+              </a:ext>
+            </a:extLst>
+          </p:cNvPr>
+          <p:cNvSpPr/>
+          <p:nvPr/>
+        </p:nvSpPr>
+        <p:spPr>
+          <a:xfrm>
+            <a:off x="5688826" y="5074230"/>
+            <a:ext cx="1335428" cy="666891"/>
+          </a:xfrm>
+          <a:prstGeom prst="rightArrow">
+            <a:avLst/>
+          </a:prstGeom>
+        </p:spPr>
+        <p:style>
+          <a:lnRef idx="2">
+            <a:schemeClr val="accent1">
+              <a:shade val="50000"/>
+            </a:schemeClr>
+          </a:lnRef>
+          <a:fillRef idx="1">
+            <a:schemeClr val="accent1"/>
+          </a:fillRef>
+          <a:effectRef idx="0">
+            <a:schemeClr val="accent1"/>
+          </a:effectRef>
+          <a:fontRef idx="minor">
+            <a:schemeClr val="lt1"/>
+          </a:fontRef>
+        </p:style>
+        <p:txBody>
+          <a:bodyPr rtlCol="0" anchor="ctr"/>
+          <a:lstStyle/>
+          <a:p>
+            <a:pPr algn="ctr"/>
+            <a:endParaRPr lang="ko-KR" altLang="en-US"/>
+          </a:p>
+        </p:txBody>
+      </p:sp>
+      <p:sp>
+        <p:nvSpPr>
+          <p:cNvPr id="8" name="TextBox 7">
+            <a:extLst>
+              <a:ext uri="{FF2B5EF4-FFF2-40B4-BE49-F238E27FC236}">
+                <a16:creationId xmlns:a16="http://schemas.microsoft.com/office/drawing/2014/main" id="{9EACEF18-3773-C1E3-C895-16E79BA820EE}"/>
+              </a:ext>
+            </a:extLst>
+          </p:cNvPr>
+          <p:cNvSpPr txBox="1"/>
+          <p:nvPr/>
+        </p:nvSpPr>
+        <p:spPr>
+          <a:xfrm>
+            <a:off x="5582162" y="4484711"/>
+            <a:ext cx="1442092" cy="523220"/>
+          </a:xfrm>
+          <a:prstGeom prst="rect">
+            <a:avLst/>
+          </a:prstGeom>
+          <a:noFill/>
+        </p:spPr>
+        <p:txBody>
+          <a:bodyPr wrap="square" rtlCol="0">
+            <a:spAutoFit/>
+          </a:bodyPr>
+          <a:lstStyle/>
+          <a:p>
+            <a:r>
+              <a:rPr lang="en-US" altLang="ko-KR" sz="2800" dirty="0">
+                <a:solidFill>
+                  <a:schemeClr val="accent1"/>
+                </a:solidFill>
+              </a:rPr>
+              <a:t>&lt; </a:t>
+            </a:r>
+            <a:r>
+              <a:rPr lang="ko-KR" altLang="en-US" sz="2800" dirty="0">
+                <a:solidFill>
+                  <a:schemeClr val="accent1"/>
+                </a:solidFill>
+              </a:rPr>
+              <a:t>결과 </a:t>
+            </a:r>
+            <a:r>
+              <a:rPr lang="en-US" altLang="ko-KR" sz="2800" dirty="0">
+                <a:solidFill>
+                  <a:schemeClr val="accent1"/>
+                </a:solidFill>
+              </a:rPr>
+              <a:t>&gt;</a:t>
+            </a:r>
+            <a:endParaRPr lang="ko-KR" altLang="en-US" sz="2800" dirty="0">
+              <a:solidFill>
+                <a:schemeClr val="accent1"/>
+              </a:solidFill>
+            </a:endParaRPr>
+          </a:p>
+        </p:txBody>
+      </p:sp>
+    </p:spTree>
+    <p:extLst>
+      <p:ext uri="{BB962C8B-B14F-4D97-AF65-F5344CB8AC3E}">
+        <p14:creationId xmlns:p14="http://schemas.microsoft.com/office/powerpoint/2010/main" val="959428918"/>
+      </p:ext>
+    </p:extLst>
+  </p:cSld>
+  <p:clrMapOvr>
+    <a:masterClrMapping/>
+  </p:clrMapOvr>
+</p:sld>
+</file>
+
+<file path=ppt/slides/slide12.xml><?xml version="1.0" encoding="utf-8"?>
+<p:sld xmlns:a="http://schemas.openxmlformats.org/drawingml/2006/main" xmlns:r="http://schemas.openxmlformats.org/officeDocument/2006/relationships" xmlns:p="http://schemas.openxmlformats.org/presentationml/2006/main">
+  <p:cSld>
+    <p:spTree>
+      <p:nvGrpSpPr>
+        <p:cNvPr id="1" name=""/>
+        <p:cNvGrpSpPr/>
+        <p:nvPr/>
+      </p:nvGrpSpPr>
+      <p:grpSpPr>
+        <a:xfrm>
+          <a:off x="0" y="0"/>
+          <a:ext cx="0" cy="0"/>
+          <a:chOff x="0" y="0"/>
+          <a:chExt cx="0" cy="0"/>
+        </a:xfrm>
+      </p:grpSpPr>
+      <p:sp>
+        <p:nvSpPr>
+          <p:cNvPr id="2" name="제목 1">
+            <a:extLst>
+              <a:ext uri="{FF2B5EF4-FFF2-40B4-BE49-F238E27FC236}">
+                <a16:creationId xmlns:a16="http://schemas.microsoft.com/office/drawing/2014/main" id="{635C47BF-19DD-7A68-913E-EF8F14DBA234}"/>
+              </a:ext>
+            </a:extLst>
+          </p:cNvPr>
+          <p:cNvSpPr>
+            <a:spLocks noGrp="1"/>
+          </p:cNvSpPr>
+          <p:nvPr>
+            <p:ph type="title"/>
+          </p:nvPr>
+        </p:nvSpPr>
+        <p:spPr>
+          <a:xfrm>
+            <a:off x="479323" y="550606"/>
+            <a:ext cx="9875520" cy="481781"/>
+          </a:xfrm>
+        </p:spPr>
+        <p:txBody>
+          <a:bodyPr>
+            <a:noAutofit/>
+          </a:bodyPr>
+          <a:lstStyle/>
+          <a:p>
+            <a:pPr marL="571500" indent="-571500">
+              <a:buFont typeface="Arial" panose="020B0604020202020204" pitchFamily="34" charset="0"/>
+              <a:buChar char="•"/>
+            </a:pPr>
+            <a:r>
+              <a:rPr lang="ko-KR" altLang="en-US" sz="3200" dirty="0">
+                <a:latin typeface="+mj-ea"/>
+              </a:rPr>
+              <a:t>글자의 모양을 정의해 주는 태그 </a:t>
+            </a:r>
+          </a:p>
+        </p:txBody>
+      </p:sp>
+      <p:pic>
+        <p:nvPicPr>
+          <p:cNvPr id="4" name="그림 3">
+            <a:extLst>
+              <a:ext uri="{FF2B5EF4-FFF2-40B4-BE49-F238E27FC236}">
+                <a16:creationId xmlns:a16="http://schemas.microsoft.com/office/drawing/2014/main" id="{0CCFF9D3-5444-26E8-15BB-C1C93D5703D4}"/>
+              </a:ext>
+            </a:extLst>
+          </p:cNvPr>
+          <p:cNvPicPr>
+            <a:picLocks noChangeAspect="1"/>
+          </p:cNvPicPr>
+          <p:nvPr/>
+        </p:nvPicPr>
+        <p:blipFill>
+          <a:blip r:embed="rId2"/>
+          <a:stretch>
+            <a:fillRect/>
+          </a:stretch>
+        </p:blipFill>
+        <p:spPr>
+          <a:xfrm>
+            <a:off x="479323" y="1141233"/>
+            <a:ext cx="8433776" cy="4997405"/>
+          </a:xfrm>
+          <a:prstGeom prst="rect">
+            <a:avLst/>
+          </a:prstGeom>
+        </p:spPr>
+      </p:pic>
+      <p:pic>
+        <p:nvPicPr>
+          <p:cNvPr id="6" name="그림 5">
+            <a:extLst>
+              <a:ext uri="{FF2B5EF4-FFF2-40B4-BE49-F238E27FC236}">
+                <a16:creationId xmlns:a16="http://schemas.microsoft.com/office/drawing/2014/main" id="{182E2669-04BF-B00B-015A-9A5125870AC4}"/>
+              </a:ext>
+            </a:extLst>
+          </p:cNvPr>
+          <p:cNvPicPr>
+            <a:picLocks noChangeAspect="1"/>
+          </p:cNvPicPr>
+          <p:nvPr/>
+        </p:nvPicPr>
+        <p:blipFill>
+          <a:blip r:embed="rId3"/>
+          <a:stretch>
+            <a:fillRect/>
+          </a:stretch>
+        </p:blipFill>
+        <p:spPr>
+          <a:xfrm>
+            <a:off x="10069059" y="1032387"/>
+            <a:ext cx="1803150" cy="5215098"/>
+          </a:xfrm>
+          <a:prstGeom prst="rect">
+            <a:avLst/>
+          </a:prstGeom>
+        </p:spPr>
+      </p:pic>
+      <p:sp>
+        <p:nvSpPr>
+          <p:cNvPr id="7" name="화살표: 오른쪽 6">
+            <a:extLst>
+              <a:ext uri="{FF2B5EF4-FFF2-40B4-BE49-F238E27FC236}">
+                <a16:creationId xmlns:a16="http://schemas.microsoft.com/office/drawing/2014/main" id="{6DCEBFB2-C9E8-2E53-75C1-573454306C7D}"/>
+              </a:ext>
+            </a:extLst>
+          </p:cNvPr>
+          <p:cNvSpPr/>
+          <p:nvPr/>
+        </p:nvSpPr>
+        <p:spPr>
+          <a:xfrm>
+            <a:off x="8612135" y="3306489"/>
+            <a:ext cx="1335428" cy="666891"/>
+          </a:xfrm>
+          <a:prstGeom prst="rightArrow">
+            <a:avLst/>
+          </a:prstGeom>
+        </p:spPr>
+        <p:style>
+          <a:lnRef idx="2">
+            <a:schemeClr val="accent1">
+              <a:shade val="50000"/>
+            </a:schemeClr>
+          </a:lnRef>
+          <a:fillRef idx="1">
+            <a:schemeClr val="accent1"/>
+          </a:fillRef>
+          <a:effectRef idx="0">
+            <a:schemeClr val="accent1"/>
+          </a:effectRef>
+          <a:fontRef idx="minor">
+            <a:schemeClr val="lt1"/>
+          </a:fontRef>
+        </p:style>
+        <p:txBody>
+          <a:bodyPr rtlCol="0" anchor="ctr"/>
+          <a:lstStyle/>
+          <a:p>
+            <a:pPr algn="ctr"/>
+            <a:endParaRPr lang="ko-KR" altLang="en-US"/>
+          </a:p>
+        </p:txBody>
+      </p:sp>
+      <p:sp>
+        <p:nvSpPr>
+          <p:cNvPr id="8" name="TextBox 7">
+            <a:extLst>
+              <a:ext uri="{FF2B5EF4-FFF2-40B4-BE49-F238E27FC236}">
+                <a16:creationId xmlns:a16="http://schemas.microsoft.com/office/drawing/2014/main" id="{82D2A4B0-45CD-4F74-F411-1CE3BD84ADA9}"/>
+              </a:ext>
+            </a:extLst>
+          </p:cNvPr>
+          <p:cNvSpPr txBox="1"/>
+          <p:nvPr/>
+        </p:nvSpPr>
+        <p:spPr>
+          <a:xfrm>
+            <a:off x="8490639" y="2783269"/>
+            <a:ext cx="1442092" cy="523220"/>
+          </a:xfrm>
+          <a:prstGeom prst="rect">
+            <a:avLst/>
+          </a:prstGeom>
+          <a:noFill/>
+        </p:spPr>
+        <p:txBody>
+          <a:bodyPr wrap="square" rtlCol="0">
+            <a:spAutoFit/>
+          </a:bodyPr>
+          <a:lstStyle/>
+          <a:p>
+            <a:r>
+              <a:rPr lang="en-US" altLang="ko-KR" sz="2800" dirty="0">
+                <a:solidFill>
+                  <a:schemeClr val="accent1"/>
+                </a:solidFill>
+              </a:rPr>
+              <a:t>&lt; </a:t>
+            </a:r>
+            <a:r>
+              <a:rPr lang="ko-KR" altLang="en-US" sz="2800" dirty="0">
+                <a:solidFill>
+                  <a:schemeClr val="accent1"/>
+                </a:solidFill>
+              </a:rPr>
+              <a:t>결과 </a:t>
+            </a:r>
+            <a:r>
+              <a:rPr lang="en-US" altLang="ko-KR" sz="2800" dirty="0">
+                <a:solidFill>
+                  <a:schemeClr val="accent1"/>
+                </a:solidFill>
+              </a:rPr>
+              <a:t>&gt;</a:t>
+            </a:r>
+            <a:endParaRPr lang="ko-KR" altLang="en-US" sz="2800" dirty="0">
+              <a:solidFill>
+                <a:schemeClr val="accent1"/>
+              </a:solidFill>
+            </a:endParaRPr>
+          </a:p>
+        </p:txBody>
+      </p:sp>
+    </p:spTree>
+    <p:extLst>
+      <p:ext uri="{BB962C8B-B14F-4D97-AF65-F5344CB8AC3E}">
+        <p14:creationId xmlns:p14="http://schemas.microsoft.com/office/powerpoint/2010/main" val="148610554"/>
+      </p:ext>
+    </p:extLst>
+  </p:cSld>
+  <p:clrMapOvr>
+    <a:masterClrMapping/>
+  </p:clrMapOvr>
+</p:sld>
+</file>
+
+<file path=ppt/slides/slide13.xml><?xml version="1.0" encoding="utf-8"?>
+<p:sld xmlns:a="http://schemas.openxmlformats.org/drawingml/2006/main" xmlns:r="http://schemas.openxmlformats.org/officeDocument/2006/relationships" xmlns:p="http://schemas.openxmlformats.org/presentationml/2006/main">
+  <p:cSld>
+    <p:spTree>
+      <p:nvGrpSpPr>
+        <p:cNvPr id="1" name=""/>
+        <p:cNvGrpSpPr/>
+        <p:nvPr/>
+      </p:nvGrpSpPr>
+      <p:grpSpPr>
+        <a:xfrm>
+          <a:off x="0" y="0"/>
+          <a:ext cx="0" cy="0"/>
+          <a:chOff x="0" y="0"/>
+          <a:chExt cx="0" cy="0"/>
+        </a:xfrm>
+      </p:grpSpPr>
+      <p:sp>
+        <p:nvSpPr>
+          <p:cNvPr id="2" name="제목 1">
+            <a:extLst>
+              <a:ext uri="{FF2B5EF4-FFF2-40B4-BE49-F238E27FC236}">
+                <a16:creationId xmlns:a16="http://schemas.microsoft.com/office/drawing/2014/main" id="{635C47BF-19DD-7A68-913E-EF8F14DBA234}"/>
+              </a:ext>
+            </a:extLst>
+          </p:cNvPr>
+          <p:cNvSpPr>
+            <a:spLocks noGrp="1"/>
+          </p:cNvSpPr>
+          <p:nvPr>
+            <p:ph type="title"/>
+          </p:nvPr>
+        </p:nvSpPr>
+        <p:spPr>
+          <a:xfrm>
+            <a:off x="479323" y="550606"/>
+            <a:ext cx="9875520" cy="481781"/>
+          </a:xfrm>
+        </p:spPr>
+        <p:txBody>
+          <a:bodyPr>
+            <a:noAutofit/>
+          </a:bodyPr>
+          <a:lstStyle/>
+          <a:p>
+            <a:pPr marL="571500" indent="-571500">
+              <a:buFont typeface="Arial" panose="020B0604020202020204" pitchFamily="34" charset="0"/>
+              <a:buChar char="•"/>
+            </a:pPr>
+            <a:r>
+              <a:rPr lang="ko-KR" altLang="en-US" sz="3200" dirty="0">
+                <a:latin typeface="+mj-ea"/>
+              </a:rPr>
+              <a:t>배경 이미지 작업하기</a:t>
+            </a:r>
+            <a:r>
+              <a:rPr lang="en-US" altLang="ko-KR" sz="3200" dirty="0">
+                <a:latin typeface="+mj-ea"/>
+              </a:rPr>
+              <a:t> 1</a:t>
+            </a:r>
+            <a:endParaRPr lang="ko-KR" altLang="en-US" sz="3200" dirty="0">
+              <a:latin typeface="+mj-ea"/>
+            </a:endParaRPr>
+          </a:p>
+        </p:txBody>
+      </p:sp>
+      <p:pic>
+        <p:nvPicPr>
+          <p:cNvPr id="4" name="그림 3">
+            <a:extLst>
+              <a:ext uri="{FF2B5EF4-FFF2-40B4-BE49-F238E27FC236}">
+                <a16:creationId xmlns:a16="http://schemas.microsoft.com/office/drawing/2014/main" id="{FA6E82DB-0B30-4A69-36D1-E33010E36AF1}"/>
+              </a:ext>
+            </a:extLst>
+          </p:cNvPr>
+          <p:cNvPicPr>
+            <a:picLocks noChangeAspect="1"/>
+          </p:cNvPicPr>
+          <p:nvPr/>
+        </p:nvPicPr>
+        <p:blipFill>
+          <a:blip r:embed="rId2"/>
+          <a:stretch>
+            <a:fillRect/>
+          </a:stretch>
+        </p:blipFill>
+        <p:spPr>
+          <a:xfrm>
+            <a:off x="479323" y="1162527"/>
+            <a:ext cx="7379404" cy="4532945"/>
+          </a:xfrm>
+          <a:prstGeom prst="rect">
+            <a:avLst/>
+          </a:prstGeom>
+        </p:spPr>
+      </p:pic>
+      <p:pic>
+        <p:nvPicPr>
+          <p:cNvPr id="6" name="그림 5">
+            <a:extLst>
+              <a:ext uri="{FF2B5EF4-FFF2-40B4-BE49-F238E27FC236}">
+                <a16:creationId xmlns:a16="http://schemas.microsoft.com/office/drawing/2014/main" id="{3AB2A78B-6F32-7CAF-0DF2-E19A949771E7}"/>
+              </a:ext>
+            </a:extLst>
+          </p:cNvPr>
+          <p:cNvPicPr>
+            <a:picLocks noChangeAspect="1"/>
+          </p:cNvPicPr>
+          <p:nvPr/>
+        </p:nvPicPr>
+        <p:blipFill>
+          <a:blip r:embed="rId3"/>
+          <a:stretch>
+            <a:fillRect/>
+          </a:stretch>
+        </p:blipFill>
+        <p:spPr>
+          <a:xfrm>
+            <a:off x="7999270" y="2671431"/>
+            <a:ext cx="3930012" cy="3924241"/>
+          </a:xfrm>
+          <a:prstGeom prst="rect">
+            <a:avLst/>
+          </a:prstGeom>
+        </p:spPr>
+      </p:pic>
+      <p:sp>
+        <p:nvSpPr>
+          <p:cNvPr id="7" name="화살표: 오른쪽 6">
+            <a:extLst>
+              <a:ext uri="{FF2B5EF4-FFF2-40B4-BE49-F238E27FC236}">
+                <a16:creationId xmlns:a16="http://schemas.microsoft.com/office/drawing/2014/main" id="{2E52D649-F013-8717-AF4F-5792F88809A9}"/>
+              </a:ext>
+            </a:extLst>
+          </p:cNvPr>
+          <p:cNvSpPr/>
+          <p:nvPr/>
+        </p:nvSpPr>
+        <p:spPr>
+          <a:xfrm>
+            <a:off x="6523299" y="5362026"/>
+            <a:ext cx="1335428" cy="666891"/>
+          </a:xfrm>
+          <a:prstGeom prst="rightArrow">
+            <a:avLst/>
+          </a:prstGeom>
+        </p:spPr>
+        <p:style>
+          <a:lnRef idx="2">
+            <a:schemeClr val="accent1">
+              <a:shade val="50000"/>
+            </a:schemeClr>
+          </a:lnRef>
+          <a:fillRef idx="1">
+            <a:schemeClr val="accent1"/>
+          </a:fillRef>
+          <a:effectRef idx="0">
+            <a:schemeClr val="accent1"/>
+          </a:effectRef>
+          <a:fontRef idx="minor">
+            <a:schemeClr val="lt1"/>
+          </a:fontRef>
+        </p:style>
+        <p:txBody>
+          <a:bodyPr rtlCol="0" anchor="ctr"/>
+          <a:lstStyle/>
+          <a:p>
+            <a:pPr algn="ctr"/>
+            <a:endParaRPr lang="ko-KR" altLang="en-US"/>
+          </a:p>
+        </p:txBody>
+      </p:sp>
+      <p:sp>
+        <p:nvSpPr>
+          <p:cNvPr id="8" name="TextBox 7">
+            <a:extLst>
+              <a:ext uri="{FF2B5EF4-FFF2-40B4-BE49-F238E27FC236}">
+                <a16:creationId xmlns:a16="http://schemas.microsoft.com/office/drawing/2014/main" id="{6C5B5E04-678C-3E3A-CF98-754E7F60DD80}"/>
+              </a:ext>
+            </a:extLst>
+          </p:cNvPr>
+          <p:cNvSpPr txBox="1"/>
+          <p:nvPr/>
+        </p:nvSpPr>
+        <p:spPr>
+          <a:xfrm>
+            <a:off x="6416635" y="4766971"/>
+            <a:ext cx="1442092" cy="523220"/>
+          </a:xfrm>
+          <a:prstGeom prst="rect">
+            <a:avLst/>
+          </a:prstGeom>
+          <a:noFill/>
+        </p:spPr>
+        <p:txBody>
+          <a:bodyPr wrap="square" rtlCol="0">
+            <a:spAutoFit/>
+          </a:bodyPr>
+          <a:lstStyle/>
+          <a:p>
+            <a:r>
+              <a:rPr lang="en-US" altLang="ko-KR" sz="2800" dirty="0">
+                <a:solidFill>
+                  <a:schemeClr val="accent1"/>
+                </a:solidFill>
+              </a:rPr>
+              <a:t>&lt; </a:t>
+            </a:r>
+            <a:r>
+              <a:rPr lang="ko-KR" altLang="en-US" sz="2800" dirty="0">
+                <a:solidFill>
+                  <a:schemeClr val="accent1"/>
+                </a:solidFill>
+              </a:rPr>
+              <a:t>결과 </a:t>
+            </a:r>
+            <a:r>
+              <a:rPr lang="en-US" altLang="ko-KR" sz="2800" dirty="0">
+                <a:solidFill>
+                  <a:schemeClr val="accent1"/>
+                </a:solidFill>
+              </a:rPr>
+              <a:t>&gt;</a:t>
+            </a:r>
+            <a:endParaRPr lang="ko-KR" altLang="en-US" sz="2800" dirty="0">
+              <a:solidFill>
+                <a:schemeClr val="accent1"/>
+              </a:solidFill>
+            </a:endParaRPr>
+          </a:p>
+        </p:txBody>
+      </p:sp>
+    </p:spTree>
+    <p:extLst>
+      <p:ext uri="{BB962C8B-B14F-4D97-AF65-F5344CB8AC3E}">
+        <p14:creationId xmlns:p14="http://schemas.microsoft.com/office/powerpoint/2010/main" val="4254470058"/>
+      </p:ext>
+    </p:extLst>
+  </p:cSld>
+  <p:clrMapOvr>
+    <a:masterClrMapping/>
+  </p:clrMapOvr>
+</p:sld>
+</file>
+
+<file path=ppt/slides/slide14.xml><?xml version="1.0" encoding="utf-8"?>
+<p:sld xmlns:a="http://schemas.openxmlformats.org/drawingml/2006/main" xmlns:r="http://schemas.openxmlformats.org/officeDocument/2006/relationships" xmlns:p="http://schemas.openxmlformats.org/presentationml/2006/main">
+  <p:cSld>
+    <p:spTree>
+      <p:nvGrpSpPr>
+        <p:cNvPr id="1" name=""/>
+        <p:cNvGrpSpPr/>
+        <p:nvPr/>
+      </p:nvGrpSpPr>
+      <p:grpSpPr>
+        <a:xfrm>
+          <a:off x="0" y="0"/>
+          <a:ext cx="0" cy="0"/>
+          <a:chOff x="0" y="0"/>
+          <a:chExt cx="0" cy="0"/>
+        </a:xfrm>
+      </p:grpSpPr>
+      <p:sp>
+        <p:nvSpPr>
+          <p:cNvPr id="2" name="제목 1">
+            <a:extLst>
+              <a:ext uri="{FF2B5EF4-FFF2-40B4-BE49-F238E27FC236}">
+                <a16:creationId xmlns:a16="http://schemas.microsoft.com/office/drawing/2014/main" id="{635C47BF-19DD-7A68-913E-EF8F14DBA234}"/>
+              </a:ext>
+            </a:extLst>
+          </p:cNvPr>
+          <p:cNvSpPr>
+            <a:spLocks noGrp="1"/>
+          </p:cNvSpPr>
+          <p:nvPr>
+            <p:ph type="title"/>
+          </p:nvPr>
+        </p:nvSpPr>
+        <p:spPr>
+          <a:xfrm>
+            <a:off x="479323" y="550606"/>
+            <a:ext cx="9875520" cy="481781"/>
+          </a:xfrm>
+        </p:spPr>
+        <p:txBody>
+          <a:bodyPr>
+            <a:noAutofit/>
+          </a:bodyPr>
+          <a:lstStyle/>
+          <a:p>
+            <a:pPr marL="571500" indent="-571500">
+              <a:buFont typeface="Arial" panose="020B0604020202020204" pitchFamily="34" charset="0"/>
+              <a:buChar char="•"/>
+            </a:pPr>
+            <a:r>
+              <a:rPr lang="ko-KR" altLang="en-US" sz="3200" dirty="0">
+                <a:latin typeface="+mj-ea"/>
+              </a:rPr>
+              <a:t>배경 이미지 작업하기</a:t>
+            </a:r>
+            <a:r>
+              <a:rPr lang="en-US" altLang="ko-KR" sz="3200" dirty="0">
+                <a:latin typeface="+mj-ea"/>
+              </a:rPr>
+              <a:t> 2</a:t>
+            </a:r>
+            <a:endParaRPr lang="ko-KR" altLang="en-US" sz="3200" dirty="0">
+              <a:latin typeface="+mj-ea"/>
+            </a:endParaRPr>
+          </a:p>
+        </p:txBody>
+      </p:sp>
+      <p:pic>
+        <p:nvPicPr>
+          <p:cNvPr id="4" name="그림 3">
+            <a:extLst>
+              <a:ext uri="{FF2B5EF4-FFF2-40B4-BE49-F238E27FC236}">
+                <a16:creationId xmlns:a16="http://schemas.microsoft.com/office/drawing/2014/main" id="{1187F3FF-F4F3-CD77-9918-A06EB400D219}"/>
+              </a:ext>
+            </a:extLst>
+          </p:cNvPr>
+          <p:cNvPicPr>
+            <a:picLocks noChangeAspect="1"/>
+          </p:cNvPicPr>
+          <p:nvPr/>
+        </p:nvPicPr>
+        <p:blipFill>
+          <a:blip r:embed="rId2"/>
+          <a:stretch>
+            <a:fillRect/>
+          </a:stretch>
+        </p:blipFill>
+        <p:spPr>
+          <a:xfrm>
+            <a:off x="479323" y="1183015"/>
+            <a:ext cx="9943172" cy="3538887"/>
+          </a:xfrm>
+          <a:prstGeom prst="rect">
+            <a:avLst/>
+          </a:prstGeom>
+        </p:spPr>
+      </p:pic>
+      <p:pic>
+        <p:nvPicPr>
+          <p:cNvPr id="6" name="그림 5">
+            <a:extLst>
+              <a:ext uri="{FF2B5EF4-FFF2-40B4-BE49-F238E27FC236}">
+                <a16:creationId xmlns:a16="http://schemas.microsoft.com/office/drawing/2014/main" id="{28046C9D-A7B9-CA45-360D-8B0A94231D4E}"/>
+              </a:ext>
+            </a:extLst>
+          </p:cNvPr>
+          <p:cNvPicPr>
+            <a:picLocks noChangeAspect="1"/>
+          </p:cNvPicPr>
+          <p:nvPr/>
+        </p:nvPicPr>
+        <p:blipFill>
+          <a:blip r:embed="rId3"/>
+          <a:stretch>
+            <a:fillRect/>
+          </a:stretch>
+        </p:blipFill>
+        <p:spPr>
+          <a:xfrm>
+            <a:off x="7263576" y="4490760"/>
+            <a:ext cx="4601141" cy="2044951"/>
+          </a:xfrm>
+          <a:prstGeom prst="rect">
+            <a:avLst/>
+          </a:prstGeom>
+        </p:spPr>
+      </p:pic>
+      <p:sp>
+        <p:nvSpPr>
+          <p:cNvPr id="7" name="화살표: 오른쪽 6">
+            <a:extLst>
+              <a:ext uri="{FF2B5EF4-FFF2-40B4-BE49-F238E27FC236}">
+                <a16:creationId xmlns:a16="http://schemas.microsoft.com/office/drawing/2014/main" id="{DD8C83BB-8C77-CA1B-52D4-48048C992DC1}"/>
+              </a:ext>
+            </a:extLst>
+          </p:cNvPr>
+          <p:cNvSpPr/>
+          <p:nvPr/>
+        </p:nvSpPr>
+        <p:spPr>
+          <a:xfrm>
+            <a:off x="5688826" y="5074230"/>
+            <a:ext cx="1335428" cy="666891"/>
+          </a:xfrm>
+          <a:prstGeom prst="rightArrow">
+            <a:avLst/>
+          </a:prstGeom>
+        </p:spPr>
+        <p:style>
+          <a:lnRef idx="2">
+            <a:schemeClr val="accent1">
+              <a:shade val="50000"/>
+            </a:schemeClr>
+          </a:lnRef>
+          <a:fillRef idx="1">
+            <a:schemeClr val="accent1"/>
+          </a:fillRef>
+          <a:effectRef idx="0">
+            <a:schemeClr val="accent1"/>
+          </a:effectRef>
+          <a:fontRef idx="minor">
+            <a:schemeClr val="lt1"/>
+          </a:fontRef>
+        </p:style>
+        <p:txBody>
+          <a:bodyPr rtlCol="0" anchor="ctr"/>
+          <a:lstStyle/>
+          <a:p>
+            <a:pPr algn="ctr"/>
+            <a:endParaRPr lang="ko-KR" altLang="en-US"/>
+          </a:p>
+        </p:txBody>
+      </p:sp>
+      <p:sp>
+        <p:nvSpPr>
+          <p:cNvPr id="8" name="TextBox 7">
+            <a:extLst>
+              <a:ext uri="{FF2B5EF4-FFF2-40B4-BE49-F238E27FC236}">
+                <a16:creationId xmlns:a16="http://schemas.microsoft.com/office/drawing/2014/main" id="{D0CF2C55-0674-8640-68E8-816D4D59C6AF}"/>
+              </a:ext>
+            </a:extLst>
+          </p:cNvPr>
+          <p:cNvSpPr txBox="1"/>
+          <p:nvPr/>
+        </p:nvSpPr>
+        <p:spPr>
+          <a:xfrm>
+            <a:off x="5688826" y="4551010"/>
+            <a:ext cx="1442092" cy="523220"/>
+          </a:xfrm>
+          <a:prstGeom prst="rect">
+            <a:avLst/>
+          </a:prstGeom>
+          <a:noFill/>
+        </p:spPr>
+        <p:txBody>
+          <a:bodyPr wrap="square" rtlCol="0">
+            <a:spAutoFit/>
+          </a:bodyPr>
+          <a:lstStyle/>
+          <a:p>
+            <a:r>
+              <a:rPr lang="en-US" altLang="ko-KR" sz="2800" dirty="0">
+                <a:solidFill>
+                  <a:schemeClr val="accent1"/>
+                </a:solidFill>
+              </a:rPr>
+              <a:t>&lt; </a:t>
+            </a:r>
+            <a:r>
+              <a:rPr lang="ko-KR" altLang="en-US" sz="2800" dirty="0">
+                <a:solidFill>
+                  <a:schemeClr val="accent1"/>
+                </a:solidFill>
+              </a:rPr>
+              <a:t>결과 </a:t>
+            </a:r>
+            <a:r>
+              <a:rPr lang="en-US" altLang="ko-KR" sz="2800" dirty="0">
+                <a:solidFill>
+                  <a:schemeClr val="accent1"/>
+                </a:solidFill>
+              </a:rPr>
+              <a:t>&gt;</a:t>
+            </a:r>
+            <a:endParaRPr lang="ko-KR" altLang="en-US" sz="2800" dirty="0">
+              <a:solidFill>
+                <a:schemeClr val="accent1"/>
+              </a:solidFill>
+            </a:endParaRPr>
+          </a:p>
+        </p:txBody>
+      </p:sp>
+    </p:spTree>
+    <p:extLst>
+      <p:ext uri="{BB962C8B-B14F-4D97-AF65-F5344CB8AC3E}">
+        <p14:creationId xmlns:p14="http://schemas.microsoft.com/office/powerpoint/2010/main" val="2361340604"/>
+      </p:ext>
+    </p:extLst>
+  </p:cSld>
+  <p:clrMapOvr>
+    <a:masterClrMapping/>
+  </p:clrMapOvr>
+</p:sld>
+</file>
+
+<file path=ppt/slides/slide15.xml><?xml version="1.0" encoding="utf-8"?>
+<p:sld xmlns:a="http://schemas.openxmlformats.org/drawingml/2006/main" xmlns:r="http://schemas.openxmlformats.org/officeDocument/2006/relationships" xmlns:p="http://schemas.openxmlformats.org/presentationml/2006/main">
+  <p:cSld>
+    <p:spTree>
+      <p:nvGrpSpPr>
+        <p:cNvPr id="1" name=""/>
+        <p:cNvGrpSpPr/>
+        <p:nvPr/>
+      </p:nvGrpSpPr>
+      <p:grpSpPr>
+        <a:xfrm>
+          <a:off x="0" y="0"/>
+          <a:ext cx="0" cy="0"/>
+          <a:chOff x="0" y="0"/>
+          <a:chExt cx="0" cy="0"/>
+        </a:xfrm>
+      </p:grpSpPr>
+      <p:sp>
+        <p:nvSpPr>
+          <p:cNvPr id="2" name="제목 1">
+            <a:extLst>
+              <a:ext uri="{FF2B5EF4-FFF2-40B4-BE49-F238E27FC236}">
+                <a16:creationId xmlns:a16="http://schemas.microsoft.com/office/drawing/2014/main" id="{635C47BF-19DD-7A68-913E-EF8F14DBA234}"/>
+              </a:ext>
+            </a:extLst>
+          </p:cNvPr>
+          <p:cNvSpPr>
+            <a:spLocks noGrp="1"/>
+          </p:cNvSpPr>
+          <p:nvPr>
+            <p:ph type="title"/>
+          </p:nvPr>
+        </p:nvSpPr>
+        <p:spPr>
+          <a:xfrm>
+            <a:off x="479323" y="550606"/>
+            <a:ext cx="9875520" cy="481781"/>
+          </a:xfrm>
+        </p:spPr>
+        <p:txBody>
+          <a:bodyPr>
+            <a:noAutofit/>
+          </a:bodyPr>
+          <a:lstStyle/>
+          <a:p>
+            <a:pPr marL="571500" indent="-571500">
+              <a:buFont typeface="Arial" panose="020B0604020202020204" pitchFamily="34" charset="0"/>
+              <a:buChar char="•"/>
+            </a:pPr>
+            <a:r>
+              <a:rPr lang="ko-KR" altLang="en-US" sz="3200" dirty="0">
+                <a:latin typeface="+mj-ea"/>
+              </a:rPr>
+              <a:t>연결하기 태그 </a:t>
+            </a:r>
+          </a:p>
+        </p:txBody>
+      </p:sp>
+      <p:pic>
+        <p:nvPicPr>
+          <p:cNvPr id="4" name="그림 3">
+            <a:extLst>
+              <a:ext uri="{FF2B5EF4-FFF2-40B4-BE49-F238E27FC236}">
+                <a16:creationId xmlns:a16="http://schemas.microsoft.com/office/drawing/2014/main" id="{9AFDC4F0-8DD4-0FE8-9131-9C93B6D8775C}"/>
+              </a:ext>
+            </a:extLst>
+          </p:cNvPr>
+          <p:cNvPicPr>
+            <a:picLocks noChangeAspect="1"/>
+          </p:cNvPicPr>
+          <p:nvPr/>
+        </p:nvPicPr>
+        <p:blipFill>
+          <a:blip r:embed="rId2"/>
+          <a:stretch>
+            <a:fillRect/>
+          </a:stretch>
+        </p:blipFill>
+        <p:spPr>
+          <a:xfrm>
+            <a:off x="479323" y="1117146"/>
+            <a:ext cx="8799589" cy="3148176"/>
+          </a:xfrm>
+          <a:prstGeom prst="rect">
+            <a:avLst/>
+          </a:prstGeom>
+        </p:spPr>
+      </p:pic>
+      <p:pic>
+        <p:nvPicPr>
+          <p:cNvPr id="6" name="그림 5">
+            <a:extLst>
+              <a:ext uri="{FF2B5EF4-FFF2-40B4-BE49-F238E27FC236}">
+                <a16:creationId xmlns:a16="http://schemas.microsoft.com/office/drawing/2014/main" id="{35213836-96D2-2C88-A01C-9B466B3AC3B4}"/>
+              </a:ext>
+            </a:extLst>
+          </p:cNvPr>
+          <p:cNvPicPr>
+            <a:picLocks noChangeAspect="1"/>
+          </p:cNvPicPr>
+          <p:nvPr/>
+        </p:nvPicPr>
+        <p:blipFill>
+          <a:blip r:embed="rId3"/>
+          <a:stretch>
+            <a:fillRect/>
+          </a:stretch>
+        </p:blipFill>
+        <p:spPr>
+          <a:xfrm>
+            <a:off x="7210844" y="3659970"/>
+            <a:ext cx="2843274" cy="747138"/>
+          </a:xfrm>
+          <a:prstGeom prst="rect">
+            <a:avLst/>
+          </a:prstGeom>
+        </p:spPr>
+      </p:pic>
+      <p:pic>
+        <p:nvPicPr>
+          <p:cNvPr id="8" name="그림 7">
+            <a:extLst>
+              <a:ext uri="{FF2B5EF4-FFF2-40B4-BE49-F238E27FC236}">
+                <a16:creationId xmlns:a16="http://schemas.microsoft.com/office/drawing/2014/main" id="{DAFE2B7C-7252-6903-AB33-5D54FF3A9352}"/>
+              </a:ext>
+            </a:extLst>
+          </p:cNvPr>
+          <p:cNvPicPr>
+            <a:picLocks noChangeAspect="1"/>
+          </p:cNvPicPr>
+          <p:nvPr/>
+        </p:nvPicPr>
+        <p:blipFill>
+          <a:blip r:embed="rId4"/>
+          <a:stretch>
+            <a:fillRect/>
+          </a:stretch>
+        </p:blipFill>
+        <p:spPr>
+          <a:xfrm>
+            <a:off x="8506487" y="5105569"/>
+            <a:ext cx="3371165" cy="1085369"/>
+          </a:xfrm>
+          <a:prstGeom prst="rect">
+            <a:avLst/>
+          </a:prstGeom>
+        </p:spPr>
+      </p:pic>
+      <p:pic>
+        <p:nvPicPr>
+          <p:cNvPr id="10" name="그림 9">
+            <a:extLst>
+              <a:ext uri="{FF2B5EF4-FFF2-40B4-BE49-F238E27FC236}">
+                <a16:creationId xmlns:a16="http://schemas.microsoft.com/office/drawing/2014/main" id="{647FC1BE-CC0F-0CD0-5FF3-189068C64692}"/>
+              </a:ext>
+            </a:extLst>
+          </p:cNvPr>
+          <p:cNvPicPr>
+            <a:picLocks noChangeAspect="1"/>
+          </p:cNvPicPr>
+          <p:nvPr/>
+        </p:nvPicPr>
+        <p:blipFill>
+          <a:blip r:embed="rId5"/>
+          <a:stretch>
+            <a:fillRect/>
+          </a:stretch>
+        </p:blipFill>
+        <p:spPr>
+          <a:xfrm>
+            <a:off x="5046473" y="4732644"/>
+            <a:ext cx="3460014" cy="1574750"/>
+          </a:xfrm>
+          <a:prstGeom prst="rect">
+            <a:avLst/>
+          </a:prstGeom>
+        </p:spPr>
+      </p:pic>
+      <p:sp>
+        <p:nvSpPr>
+          <p:cNvPr id="11" name="화살표: 오른쪽 10">
+            <a:extLst>
+              <a:ext uri="{FF2B5EF4-FFF2-40B4-BE49-F238E27FC236}">
+                <a16:creationId xmlns:a16="http://schemas.microsoft.com/office/drawing/2014/main" id="{BA064BA3-3F21-E42C-1DBF-DF36450B10D2}"/>
+              </a:ext>
+            </a:extLst>
+          </p:cNvPr>
+          <p:cNvSpPr/>
+          <p:nvPr/>
+        </p:nvSpPr>
+        <p:spPr>
+          <a:xfrm rot="3709614">
+            <a:off x="9141903" y="4482962"/>
+            <a:ext cx="624029" cy="357030"/>
+          </a:xfrm>
+          <a:prstGeom prst="rightArrow">
+            <a:avLst/>
+          </a:prstGeom>
+        </p:spPr>
+        <p:style>
+          <a:lnRef idx="2">
+            <a:schemeClr val="accent1">
+              <a:shade val="50000"/>
+            </a:schemeClr>
+          </a:lnRef>
+          <a:fillRef idx="1">
+            <a:schemeClr val="accent1"/>
+          </a:fillRef>
+          <a:effectRef idx="0">
+            <a:schemeClr val="accent1"/>
+          </a:effectRef>
+          <a:fontRef idx="minor">
+            <a:schemeClr val="lt1"/>
+          </a:fontRef>
+        </p:style>
+        <p:txBody>
+          <a:bodyPr rtlCol="0" anchor="ctr"/>
+          <a:lstStyle/>
+          <a:p>
+            <a:pPr algn="ctr"/>
+            <a:endParaRPr lang="ko-KR" altLang="en-US" b="1" dirty="0"/>
+          </a:p>
+        </p:txBody>
+      </p:sp>
+      <p:sp>
+        <p:nvSpPr>
+          <p:cNvPr id="12" name="화살표: 오른쪽 11">
+            <a:extLst>
+              <a:ext uri="{FF2B5EF4-FFF2-40B4-BE49-F238E27FC236}">
+                <a16:creationId xmlns:a16="http://schemas.microsoft.com/office/drawing/2014/main" id="{97E514FA-2D7B-B36D-D278-B2FA3FCC9FE8}"/>
+              </a:ext>
+            </a:extLst>
+          </p:cNvPr>
+          <p:cNvSpPr/>
+          <p:nvPr/>
+        </p:nvSpPr>
+        <p:spPr>
+          <a:xfrm rot="6883881">
+            <a:off x="7191507" y="4481245"/>
+            <a:ext cx="624029" cy="357030"/>
+          </a:xfrm>
+          <a:prstGeom prst="rightArrow">
+            <a:avLst/>
+          </a:prstGeom>
+        </p:spPr>
+        <p:style>
+          <a:lnRef idx="2">
+            <a:schemeClr val="accent1">
+              <a:shade val="50000"/>
+            </a:schemeClr>
+          </a:lnRef>
+          <a:fillRef idx="1">
+            <a:schemeClr val="accent1"/>
+          </a:fillRef>
+          <a:effectRef idx="0">
+            <a:schemeClr val="accent1"/>
+          </a:effectRef>
+          <a:fontRef idx="minor">
+            <a:schemeClr val="lt1"/>
+          </a:fontRef>
+        </p:style>
+        <p:txBody>
+          <a:bodyPr rtlCol="0" anchor="ctr"/>
+          <a:lstStyle/>
+          <a:p>
+            <a:pPr algn="ctr"/>
+            <a:endParaRPr lang="ko-KR" altLang="en-US"/>
+          </a:p>
+        </p:txBody>
+      </p:sp>
+      <p:sp>
+        <p:nvSpPr>
+          <p:cNvPr id="13" name="사각형: 둥근 모서리 12">
+            <a:extLst>
+              <a:ext uri="{FF2B5EF4-FFF2-40B4-BE49-F238E27FC236}">
+                <a16:creationId xmlns:a16="http://schemas.microsoft.com/office/drawing/2014/main" id="{514A602B-A69A-3240-562B-2EE520D5020E}"/>
+              </a:ext>
+            </a:extLst>
+          </p:cNvPr>
+          <p:cNvSpPr/>
+          <p:nvPr/>
+        </p:nvSpPr>
+        <p:spPr>
+          <a:xfrm>
+            <a:off x="7153871" y="3659968"/>
+            <a:ext cx="2547753" cy="687559"/>
+          </a:xfrm>
+          <a:prstGeom prst="roundRect">
+            <a:avLst/>
+          </a:prstGeom>
+          <a:noFill/>
+          <a:ln w="28575"/>
+        </p:spPr>
+        <p:style>
+          <a:lnRef idx="2">
+            <a:schemeClr val="accent1">
+              <a:shade val="50000"/>
+            </a:schemeClr>
+          </a:lnRef>
+          <a:fillRef idx="1">
+            <a:schemeClr val="accent1"/>
+          </a:fillRef>
+          <a:effectRef idx="0">
+            <a:schemeClr val="accent1"/>
+          </a:effectRef>
+          <a:fontRef idx="minor">
+            <a:schemeClr val="lt1"/>
+          </a:fontRef>
+        </p:style>
+        <p:txBody>
+          <a:bodyPr rtlCol="0" anchor="ctr"/>
+          <a:lstStyle/>
+          <a:p>
+            <a:pPr algn="ctr"/>
+            <a:endParaRPr lang="ko-KR" altLang="en-US"/>
+          </a:p>
+        </p:txBody>
+      </p:sp>
+      <p:sp>
+        <p:nvSpPr>
+          <p:cNvPr id="16" name="TextBox 15">
+            <a:extLst>
+              <a:ext uri="{FF2B5EF4-FFF2-40B4-BE49-F238E27FC236}">
+                <a16:creationId xmlns:a16="http://schemas.microsoft.com/office/drawing/2014/main" id="{45ADC754-A6BE-2745-C793-19F39EB81981}"/>
+              </a:ext>
+            </a:extLst>
+          </p:cNvPr>
+          <p:cNvSpPr txBox="1"/>
+          <p:nvPr/>
+        </p:nvSpPr>
+        <p:spPr>
+          <a:xfrm>
+            <a:off x="5473231" y="4210566"/>
+            <a:ext cx="1442092" cy="523220"/>
+          </a:xfrm>
+          <a:prstGeom prst="rect">
+            <a:avLst/>
+          </a:prstGeom>
+          <a:noFill/>
+        </p:spPr>
+        <p:txBody>
+          <a:bodyPr wrap="square" rtlCol="0">
+            <a:spAutoFit/>
+          </a:bodyPr>
+          <a:lstStyle/>
+          <a:p>
+            <a:r>
+              <a:rPr lang="en-US" altLang="ko-KR" sz="2800" dirty="0">
+                <a:solidFill>
+                  <a:schemeClr val="accent1"/>
+                </a:solidFill>
+              </a:rPr>
+              <a:t>&lt; </a:t>
+            </a:r>
+            <a:r>
+              <a:rPr lang="ko-KR" altLang="en-US" sz="2800" dirty="0">
+                <a:solidFill>
+                  <a:schemeClr val="accent1"/>
+                </a:solidFill>
+              </a:rPr>
+              <a:t>결과 </a:t>
+            </a:r>
+            <a:r>
+              <a:rPr lang="en-US" altLang="ko-KR" sz="2800" dirty="0">
+                <a:solidFill>
+                  <a:schemeClr val="accent1"/>
+                </a:solidFill>
+              </a:rPr>
+              <a:t>&gt;</a:t>
+            </a:r>
+            <a:endParaRPr lang="ko-KR" altLang="en-US" sz="2800" dirty="0">
+              <a:solidFill>
+                <a:schemeClr val="accent1"/>
+              </a:solidFill>
+            </a:endParaRPr>
+          </a:p>
+        </p:txBody>
+      </p:sp>
+    </p:spTree>
+    <p:extLst>
+      <p:ext uri="{BB962C8B-B14F-4D97-AF65-F5344CB8AC3E}">
+        <p14:creationId xmlns:p14="http://schemas.microsoft.com/office/powerpoint/2010/main" val="3544072058"/>
+      </p:ext>
+    </p:extLst>
+  </p:cSld>
+  <p:clrMapOvr>
+    <a:masterClrMapping/>
+  </p:clrMapOvr>
+</p:sld>
+</file>
+
+<file path=ppt/slides/slide16.xml><?xml version="1.0" encoding="utf-8"?>
+<p:sld xmlns:a="http://schemas.openxmlformats.org/drawingml/2006/main" xmlns:r="http://schemas.openxmlformats.org/officeDocument/2006/relationships" xmlns:p="http://schemas.openxmlformats.org/presentationml/2006/main">
+  <p:cSld>
+    <p:spTree>
+      <p:nvGrpSpPr>
+        <p:cNvPr id="1" name=""/>
+        <p:cNvGrpSpPr/>
+        <p:nvPr/>
+      </p:nvGrpSpPr>
+      <p:grpSpPr>
+        <a:xfrm>
+          <a:off x="0" y="0"/>
+          <a:ext cx="0" cy="0"/>
+          <a:chOff x="0" y="0"/>
+          <a:chExt cx="0" cy="0"/>
+        </a:xfrm>
+      </p:grpSpPr>
+      <p:sp>
+        <p:nvSpPr>
+          <p:cNvPr id="2" name="제목 1">
+            <a:extLst>
+              <a:ext uri="{FF2B5EF4-FFF2-40B4-BE49-F238E27FC236}">
+                <a16:creationId xmlns:a16="http://schemas.microsoft.com/office/drawing/2014/main" id="{635C47BF-19DD-7A68-913E-EF8F14DBA234}"/>
+              </a:ext>
+            </a:extLst>
+          </p:cNvPr>
+          <p:cNvSpPr>
+            <a:spLocks noGrp="1"/>
+          </p:cNvSpPr>
+          <p:nvPr>
+            <p:ph type="title"/>
+          </p:nvPr>
+        </p:nvSpPr>
+        <p:spPr>
+          <a:xfrm>
+            <a:off x="479323" y="550606"/>
+            <a:ext cx="9875520" cy="481781"/>
+          </a:xfrm>
+        </p:spPr>
+        <p:txBody>
+          <a:bodyPr>
+            <a:noAutofit/>
+          </a:bodyPr>
+          <a:lstStyle/>
+          <a:p>
+            <a:pPr marL="571500" indent="-571500">
+              <a:buFont typeface="Arial" panose="020B0604020202020204" pitchFamily="34" charset="0"/>
+              <a:buChar char="•"/>
+            </a:pPr>
+            <a:r>
+              <a:rPr lang="ko-KR" altLang="en-US" sz="3200" dirty="0">
+                <a:latin typeface="+mj-ea"/>
+              </a:rPr>
+              <a:t>색상 지정하기</a:t>
+            </a:r>
+          </a:p>
+        </p:txBody>
+      </p:sp>
+      <p:pic>
+        <p:nvPicPr>
+          <p:cNvPr id="4" name="그림 3">
+            <a:extLst>
+              <a:ext uri="{FF2B5EF4-FFF2-40B4-BE49-F238E27FC236}">
+                <a16:creationId xmlns:a16="http://schemas.microsoft.com/office/drawing/2014/main" id="{C17C27DB-A7B4-6FDB-1826-62F88BE93AD1}"/>
+              </a:ext>
+            </a:extLst>
+          </p:cNvPr>
+          <p:cNvPicPr>
+            <a:picLocks noChangeAspect="1"/>
+          </p:cNvPicPr>
+          <p:nvPr/>
+        </p:nvPicPr>
+        <p:blipFill>
+          <a:blip r:embed="rId2"/>
+          <a:stretch>
+            <a:fillRect/>
+          </a:stretch>
+        </p:blipFill>
+        <p:spPr>
+          <a:xfrm>
+            <a:off x="479323" y="1226350"/>
+            <a:ext cx="7659169" cy="3296110"/>
+          </a:xfrm>
+          <a:prstGeom prst="rect">
+            <a:avLst/>
+          </a:prstGeom>
+        </p:spPr>
+      </p:pic>
+      <p:pic>
+        <p:nvPicPr>
+          <p:cNvPr id="6" name="그림 5">
+            <a:extLst>
+              <a:ext uri="{FF2B5EF4-FFF2-40B4-BE49-F238E27FC236}">
+                <a16:creationId xmlns:a16="http://schemas.microsoft.com/office/drawing/2014/main" id="{38E32B38-5B6A-9E30-C0D4-412EC83C34D3}"/>
+              </a:ext>
+            </a:extLst>
+          </p:cNvPr>
+          <p:cNvPicPr>
+            <a:picLocks noChangeAspect="1"/>
+          </p:cNvPicPr>
+          <p:nvPr/>
+        </p:nvPicPr>
+        <p:blipFill>
+          <a:blip r:embed="rId3"/>
+          <a:stretch>
+            <a:fillRect/>
+          </a:stretch>
+        </p:blipFill>
+        <p:spPr>
+          <a:xfrm>
+            <a:off x="7433954" y="3646194"/>
+            <a:ext cx="4456833" cy="2796111"/>
+          </a:xfrm>
+          <a:prstGeom prst="rect">
+            <a:avLst/>
+          </a:prstGeom>
+        </p:spPr>
+      </p:pic>
+      <p:sp>
+        <p:nvSpPr>
+          <p:cNvPr id="7" name="화살표: 오른쪽 6">
+            <a:extLst>
+              <a:ext uri="{FF2B5EF4-FFF2-40B4-BE49-F238E27FC236}">
+                <a16:creationId xmlns:a16="http://schemas.microsoft.com/office/drawing/2014/main" id="{A5102118-1104-CABE-E873-A594E62DACAD}"/>
+              </a:ext>
+            </a:extLst>
+          </p:cNvPr>
+          <p:cNvSpPr/>
+          <p:nvPr/>
+        </p:nvSpPr>
+        <p:spPr>
+          <a:xfrm>
+            <a:off x="5839203" y="4964759"/>
+            <a:ext cx="1335428" cy="666891"/>
+          </a:xfrm>
+          <a:prstGeom prst="rightArrow">
+            <a:avLst/>
+          </a:prstGeom>
+        </p:spPr>
+        <p:style>
+          <a:lnRef idx="2">
+            <a:schemeClr val="accent1">
+              <a:shade val="50000"/>
+            </a:schemeClr>
+          </a:lnRef>
+          <a:fillRef idx="1">
+            <a:schemeClr val="accent1"/>
+          </a:fillRef>
+          <a:effectRef idx="0">
+            <a:schemeClr val="accent1"/>
+          </a:effectRef>
+          <a:fontRef idx="minor">
+            <a:schemeClr val="lt1"/>
+          </a:fontRef>
+        </p:style>
+        <p:txBody>
+          <a:bodyPr rtlCol="0" anchor="ctr"/>
+          <a:lstStyle/>
+          <a:p>
+            <a:pPr algn="ctr"/>
+            <a:endParaRPr lang="ko-KR" altLang="en-US"/>
+          </a:p>
+        </p:txBody>
+      </p:sp>
+      <p:sp>
+        <p:nvSpPr>
+          <p:cNvPr id="8" name="TextBox 7">
+            <a:extLst>
+              <a:ext uri="{FF2B5EF4-FFF2-40B4-BE49-F238E27FC236}">
+                <a16:creationId xmlns:a16="http://schemas.microsoft.com/office/drawing/2014/main" id="{DE8771B7-6222-47EF-BBE8-1ADBA696B5DF}"/>
+              </a:ext>
+            </a:extLst>
+          </p:cNvPr>
+          <p:cNvSpPr txBox="1"/>
+          <p:nvPr/>
+        </p:nvSpPr>
+        <p:spPr>
+          <a:xfrm>
+            <a:off x="5732539" y="4441539"/>
+            <a:ext cx="1442092" cy="523220"/>
+          </a:xfrm>
+          <a:prstGeom prst="rect">
+            <a:avLst/>
+          </a:prstGeom>
+          <a:noFill/>
+        </p:spPr>
+        <p:txBody>
+          <a:bodyPr wrap="square" rtlCol="0">
+            <a:spAutoFit/>
+          </a:bodyPr>
+          <a:lstStyle/>
+          <a:p>
+            <a:r>
+              <a:rPr lang="en-US" altLang="ko-KR" sz="2800" dirty="0">
+                <a:solidFill>
+                  <a:schemeClr val="accent1"/>
+                </a:solidFill>
+              </a:rPr>
+              <a:t>&lt; </a:t>
+            </a:r>
+            <a:r>
+              <a:rPr lang="ko-KR" altLang="en-US" sz="2800" dirty="0">
+                <a:solidFill>
+                  <a:schemeClr val="accent1"/>
+                </a:solidFill>
+              </a:rPr>
+              <a:t>결과 </a:t>
+            </a:r>
+            <a:r>
+              <a:rPr lang="en-US" altLang="ko-KR" sz="2800" dirty="0">
+                <a:solidFill>
+                  <a:schemeClr val="accent1"/>
+                </a:solidFill>
+              </a:rPr>
+              <a:t>&gt;</a:t>
+            </a:r>
+            <a:endParaRPr lang="ko-KR" altLang="en-US" sz="2800" dirty="0">
+              <a:solidFill>
+                <a:schemeClr val="accent1"/>
+              </a:solidFill>
+            </a:endParaRPr>
+          </a:p>
+        </p:txBody>
+      </p:sp>
+    </p:spTree>
+    <p:extLst>
+      <p:ext uri="{BB962C8B-B14F-4D97-AF65-F5344CB8AC3E}">
+        <p14:creationId xmlns:p14="http://schemas.microsoft.com/office/powerpoint/2010/main" val="959154269"/>
+      </p:ext>
+    </p:extLst>
+  </p:cSld>
+  <p:clrMapOvr>
+    <a:masterClrMapping/>
+  </p:clrMapOvr>
+</p:sld>
+</file>
+
+<file path=ppt/slides/slide17.xml><?xml version="1.0" encoding="utf-8"?>
+<p:sld xmlns:a="http://schemas.openxmlformats.org/drawingml/2006/main" xmlns:r="http://schemas.openxmlformats.org/officeDocument/2006/relationships" xmlns:p="http://schemas.openxmlformats.org/presentationml/2006/main">
+  <p:cSld>
+    <p:spTree>
+      <p:nvGrpSpPr>
+        <p:cNvPr id="1" name=""/>
+        <p:cNvGrpSpPr/>
+        <p:nvPr/>
+      </p:nvGrpSpPr>
+      <p:grpSpPr>
+        <a:xfrm>
+          <a:off x="0" y="0"/>
+          <a:ext cx="0" cy="0"/>
+          <a:chOff x="0" y="0"/>
+          <a:chExt cx="0" cy="0"/>
+        </a:xfrm>
+      </p:grpSpPr>
+      <p:sp>
+        <p:nvSpPr>
+          <p:cNvPr id="2" name="제목 1">
+            <a:extLst>
+              <a:ext uri="{FF2B5EF4-FFF2-40B4-BE49-F238E27FC236}">
+                <a16:creationId xmlns:a16="http://schemas.microsoft.com/office/drawing/2014/main" id="{635C47BF-19DD-7A68-913E-EF8F14DBA234}"/>
+              </a:ext>
+            </a:extLst>
+          </p:cNvPr>
+          <p:cNvSpPr>
+            <a:spLocks noGrp="1"/>
+          </p:cNvSpPr>
+          <p:nvPr>
+            <p:ph type="title"/>
+          </p:nvPr>
+        </p:nvSpPr>
+        <p:spPr>
+          <a:xfrm>
+            <a:off x="479323" y="550606"/>
+            <a:ext cx="9875520" cy="481781"/>
+          </a:xfrm>
+        </p:spPr>
+        <p:txBody>
+          <a:bodyPr>
+            <a:noAutofit/>
+          </a:bodyPr>
+          <a:lstStyle/>
+          <a:p>
+            <a:pPr marL="571500" indent="-571500">
+              <a:buFont typeface="Arial" panose="020B0604020202020204" pitchFamily="34" charset="0"/>
+              <a:buChar char="•"/>
+            </a:pPr>
+            <a:r>
+              <a:rPr lang="ko-KR" altLang="en-US" sz="3200" dirty="0">
+                <a:latin typeface="+mj-ea"/>
+              </a:rPr>
+              <a:t>표 만들기 태그 </a:t>
+            </a:r>
+          </a:p>
+        </p:txBody>
+      </p:sp>
+      <p:pic>
+        <p:nvPicPr>
+          <p:cNvPr id="4" name="그림 3">
+            <a:extLst>
+              <a:ext uri="{FF2B5EF4-FFF2-40B4-BE49-F238E27FC236}">
+                <a16:creationId xmlns:a16="http://schemas.microsoft.com/office/drawing/2014/main" id="{106ABDD4-C8DF-4FEB-1E1F-7C2EB5BE4E64}"/>
+              </a:ext>
+            </a:extLst>
+          </p:cNvPr>
+          <p:cNvPicPr>
+            <a:picLocks noChangeAspect="1"/>
+          </p:cNvPicPr>
+          <p:nvPr/>
+        </p:nvPicPr>
+        <p:blipFill>
+          <a:blip r:embed="rId2"/>
+          <a:stretch>
+            <a:fillRect/>
+          </a:stretch>
+        </p:blipFill>
+        <p:spPr>
+          <a:xfrm>
+            <a:off x="479323" y="1137781"/>
+            <a:ext cx="6645589" cy="5374259"/>
+          </a:xfrm>
+          <a:prstGeom prst="rect">
+            <a:avLst/>
+          </a:prstGeom>
+        </p:spPr>
+      </p:pic>
+      <p:pic>
+        <p:nvPicPr>
+          <p:cNvPr id="6" name="그림 5">
+            <a:extLst>
+              <a:ext uri="{FF2B5EF4-FFF2-40B4-BE49-F238E27FC236}">
+                <a16:creationId xmlns:a16="http://schemas.microsoft.com/office/drawing/2014/main" id="{463BE261-BE90-8155-A8C1-A36F8437415B}"/>
+              </a:ext>
+            </a:extLst>
+          </p:cNvPr>
+          <p:cNvPicPr>
+            <a:picLocks noChangeAspect="1"/>
+          </p:cNvPicPr>
+          <p:nvPr/>
+        </p:nvPicPr>
+        <p:blipFill>
+          <a:blip r:embed="rId3"/>
+          <a:stretch>
+            <a:fillRect/>
+          </a:stretch>
+        </p:blipFill>
+        <p:spPr>
+          <a:xfrm>
+            <a:off x="8548938" y="3544971"/>
+            <a:ext cx="3293292" cy="2967070"/>
+          </a:xfrm>
+          <a:prstGeom prst="rect">
+            <a:avLst/>
+          </a:prstGeom>
+        </p:spPr>
+      </p:pic>
+      <p:sp>
+        <p:nvSpPr>
+          <p:cNvPr id="7" name="화살표: 오른쪽 6">
+            <a:extLst>
+              <a:ext uri="{FF2B5EF4-FFF2-40B4-BE49-F238E27FC236}">
+                <a16:creationId xmlns:a16="http://schemas.microsoft.com/office/drawing/2014/main" id="{186BEBA1-8610-B97A-5D4E-84DA666EB12E}"/>
+              </a:ext>
+            </a:extLst>
+          </p:cNvPr>
+          <p:cNvSpPr/>
+          <p:nvPr/>
+        </p:nvSpPr>
+        <p:spPr>
+          <a:xfrm>
+            <a:off x="7124912" y="4695060"/>
+            <a:ext cx="1335428" cy="666891"/>
+          </a:xfrm>
+          <a:prstGeom prst="rightArrow">
+            <a:avLst/>
+          </a:prstGeom>
+        </p:spPr>
+        <p:style>
+          <a:lnRef idx="2">
+            <a:schemeClr val="accent1">
+              <a:shade val="50000"/>
+            </a:schemeClr>
+          </a:lnRef>
+          <a:fillRef idx="1">
+            <a:schemeClr val="accent1"/>
+          </a:fillRef>
+          <a:effectRef idx="0">
+            <a:schemeClr val="accent1"/>
+          </a:effectRef>
+          <a:fontRef idx="minor">
+            <a:schemeClr val="lt1"/>
+          </a:fontRef>
+        </p:style>
+        <p:txBody>
+          <a:bodyPr rtlCol="0" anchor="ctr"/>
+          <a:lstStyle/>
+          <a:p>
+            <a:pPr algn="ctr"/>
+            <a:endParaRPr lang="ko-KR" altLang="en-US"/>
+          </a:p>
+        </p:txBody>
+      </p:sp>
+      <p:sp>
+        <p:nvSpPr>
+          <p:cNvPr id="8" name="TextBox 7">
+            <a:extLst>
+              <a:ext uri="{FF2B5EF4-FFF2-40B4-BE49-F238E27FC236}">
+                <a16:creationId xmlns:a16="http://schemas.microsoft.com/office/drawing/2014/main" id="{8F093084-9902-13CE-CA47-297530B80C3D}"/>
+              </a:ext>
+            </a:extLst>
+          </p:cNvPr>
+          <p:cNvSpPr txBox="1"/>
+          <p:nvPr/>
+        </p:nvSpPr>
+        <p:spPr>
+          <a:xfrm>
+            <a:off x="7018248" y="4066446"/>
+            <a:ext cx="1442092" cy="523220"/>
+          </a:xfrm>
+          <a:prstGeom prst="rect">
+            <a:avLst/>
+          </a:prstGeom>
+          <a:noFill/>
+        </p:spPr>
+        <p:txBody>
+          <a:bodyPr wrap="square" rtlCol="0">
+            <a:spAutoFit/>
+          </a:bodyPr>
+          <a:lstStyle/>
+          <a:p>
+            <a:r>
+              <a:rPr lang="en-US" altLang="ko-KR" sz="2800" dirty="0">
+                <a:solidFill>
+                  <a:schemeClr val="accent1"/>
+                </a:solidFill>
+              </a:rPr>
+              <a:t>&lt; </a:t>
+            </a:r>
+            <a:r>
+              <a:rPr lang="ko-KR" altLang="en-US" sz="2800" dirty="0">
+                <a:solidFill>
+                  <a:schemeClr val="accent1"/>
+                </a:solidFill>
+              </a:rPr>
+              <a:t>결과 </a:t>
+            </a:r>
+            <a:r>
+              <a:rPr lang="en-US" altLang="ko-KR" sz="2800" dirty="0">
+                <a:solidFill>
+                  <a:schemeClr val="accent1"/>
+                </a:solidFill>
+              </a:rPr>
+              <a:t>&gt;</a:t>
+            </a:r>
+            <a:endParaRPr lang="ko-KR" altLang="en-US" sz="2800" dirty="0">
+              <a:solidFill>
+                <a:schemeClr val="accent1"/>
+              </a:solidFill>
+            </a:endParaRPr>
+          </a:p>
+        </p:txBody>
+      </p:sp>
+    </p:spTree>
+    <p:extLst>
+      <p:ext uri="{BB962C8B-B14F-4D97-AF65-F5344CB8AC3E}">
+        <p14:creationId xmlns:p14="http://schemas.microsoft.com/office/powerpoint/2010/main" val="397626236"/>
+      </p:ext>
+    </p:extLst>
+  </p:cSld>
+  <p:clrMapOvr>
+    <a:masterClrMapping/>
+  </p:clrMapOvr>
+</p:sld>
+</file>
+
+<file path=ppt/slides/slide18.xml><?xml version="1.0" encoding="utf-8"?>
+<p:sld xmlns:a="http://schemas.openxmlformats.org/drawingml/2006/main" xmlns:r="http://schemas.openxmlformats.org/officeDocument/2006/relationships" xmlns:p="http://schemas.openxmlformats.org/presentationml/2006/main">
+  <p:cSld>
+    <p:spTree>
+      <p:nvGrpSpPr>
+        <p:cNvPr id="1" name=""/>
+        <p:cNvGrpSpPr/>
+        <p:nvPr/>
+      </p:nvGrpSpPr>
+      <p:grpSpPr>
+        <a:xfrm>
+          <a:off x="0" y="0"/>
+          <a:ext cx="0" cy="0"/>
+          <a:chOff x="0" y="0"/>
+          <a:chExt cx="0" cy="0"/>
+        </a:xfrm>
+      </p:grpSpPr>
+      <p:sp>
+        <p:nvSpPr>
+          <p:cNvPr id="2" name="제목 1">
+            <a:extLst>
+              <a:ext uri="{FF2B5EF4-FFF2-40B4-BE49-F238E27FC236}">
+                <a16:creationId xmlns:a16="http://schemas.microsoft.com/office/drawing/2014/main" id="{635C47BF-19DD-7A68-913E-EF8F14DBA234}"/>
+              </a:ext>
+            </a:extLst>
+          </p:cNvPr>
+          <p:cNvSpPr>
+            <a:spLocks noGrp="1"/>
+          </p:cNvSpPr>
+          <p:nvPr>
+            <p:ph type="title"/>
+          </p:nvPr>
+        </p:nvSpPr>
+        <p:spPr>
+          <a:xfrm>
+            <a:off x="479323" y="550606"/>
+            <a:ext cx="9875520" cy="481781"/>
+          </a:xfrm>
+        </p:spPr>
+        <p:txBody>
+          <a:bodyPr>
+            <a:noAutofit/>
+          </a:bodyPr>
+          <a:lstStyle/>
+          <a:p>
+            <a:pPr marL="571500" indent="-571500">
+              <a:buFont typeface="Arial" panose="020B0604020202020204" pitchFamily="34" charset="0"/>
+              <a:buChar char="•"/>
+            </a:pPr>
+            <a:r>
+              <a:rPr lang="ko-KR" altLang="en-US" sz="3200" dirty="0">
+                <a:latin typeface="+mj-ea"/>
+              </a:rPr>
+              <a:t>입력 폼 만들기</a:t>
+            </a:r>
+          </a:p>
+        </p:txBody>
+      </p:sp>
+      <p:pic>
+        <p:nvPicPr>
+          <p:cNvPr id="4" name="그림 3">
+            <a:extLst>
+              <a:ext uri="{FF2B5EF4-FFF2-40B4-BE49-F238E27FC236}">
+                <a16:creationId xmlns:a16="http://schemas.microsoft.com/office/drawing/2014/main" id="{42B0B1C8-368C-AD76-30D8-407573B5D32E}"/>
+              </a:ext>
+            </a:extLst>
+          </p:cNvPr>
+          <p:cNvPicPr>
+            <a:picLocks noChangeAspect="1"/>
+          </p:cNvPicPr>
+          <p:nvPr/>
+        </p:nvPicPr>
+        <p:blipFill>
+          <a:blip r:embed="rId2"/>
+          <a:stretch>
+            <a:fillRect/>
+          </a:stretch>
+        </p:blipFill>
+        <p:spPr>
+          <a:xfrm>
+            <a:off x="479323" y="1157077"/>
+            <a:ext cx="6395218" cy="5409977"/>
+          </a:xfrm>
+          <a:prstGeom prst="rect">
+            <a:avLst/>
+          </a:prstGeom>
+        </p:spPr>
+      </p:pic>
+      <p:pic>
+        <p:nvPicPr>
+          <p:cNvPr id="6" name="그림 5">
+            <a:extLst>
+              <a:ext uri="{FF2B5EF4-FFF2-40B4-BE49-F238E27FC236}">
+                <a16:creationId xmlns:a16="http://schemas.microsoft.com/office/drawing/2014/main" id="{60FB2311-8EB5-3C88-0769-FD984401103D}"/>
+              </a:ext>
+            </a:extLst>
+          </p:cNvPr>
+          <p:cNvPicPr>
+            <a:picLocks noChangeAspect="1"/>
+          </p:cNvPicPr>
+          <p:nvPr/>
+        </p:nvPicPr>
+        <p:blipFill>
+          <a:blip r:embed="rId3"/>
+          <a:stretch>
+            <a:fillRect/>
+          </a:stretch>
+        </p:blipFill>
+        <p:spPr>
+          <a:xfrm>
+            <a:off x="7227331" y="1880655"/>
+            <a:ext cx="4629889" cy="1277532"/>
+          </a:xfrm>
+          <a:prstGeom prst="rect">
+            <a:avLst/>
+          </a:prstGeom>
+        </p:spPr>
+      </p:pic>
+      <p:sp>
+        <p:nvSpPr>
+          <p:cNvPr id="7" name="화살표: 오른쪽 6">
+            <a:extLst>
+              <a:ext uri="{FF2B5EF4-FFF2-40B4-BE49-F238E27FC236}">
+                <a16:creationId xmlns:a16="http://schemas.microsoft.com/office/drawing/2014/main" id="{834B34F8-0503-4E7B-6118-AB8A16D3C333}"/>
+              </a:ext>
+            </a:extLst>
+          </p:cNvPr>
+          <p:cNvSpPr/>
+          <p:nvPr/>
+        </p:nvSpPr>
+        <p:spPr>
+          <a:xfrm>
+            <a:off x="6351789" y="1880655"/>
+            <a:ext cx="699147" cy="461179"/>
+          </a:xfrm>
+          <a:prstGeom prst="rightArrow">
+            <a:avLst/>
+          </a:prstGeom>
+        </p:spPr>
+        <p:style>
+          <a:lnRef idx="2">
+            <a:schemeClr val="accent1">
+              <a:shade val="50000"/>
+            </a:schemeClr>
+          </a:lnRef>
+          <a:fillRef idx="1">
+            <a:schemeClr val="accent1"/>
+          </a:fillRef>
+          <a:effectRef idx="0">
+            <a:schemeClr val="accent1"/>
+          </a:effectRef>
+          <a:fontRef idx="minor">
+            <a:schemeClr val="lt1"/>
+          </a:fontRef>
+        </p:style>
+        <p:txBody>
+          <a:bodyPr rtlCol="0" anchor="ctr"/>
+          <a:lstStyle/>
+          <a:p>
+            <a:pPr algn="ctr"/>
+            <a:endParaRPr lang="ko-KR" altLang="en-US"/>
+          </a:p>
+        </p:txBody>
+      </p:sp>
+      <p:sp>
+        <p:nvSpPr>
+          <p:cNvPr id="8" name="TextBox 7">
+            <a:extLst>
+              <a:ext uri="{FF2B5EF4-FFF2-40B4-BE49-F238E27FC236}">
+                <a16:creationId xmlns:a16="http://schemas.microsoft.com/office/drawing/2014/main" id="{E18708F3-BBDF-FFE5-DE01-8BF6A3557574}"/>
+              </a:ext>
+            </a:extLst>
+          </p:cNvPr>
+          <p:cNvSpPr txBox="1"/>
+          <p:nvPr/>
+        </p:nvSpPr>
+        <p:spPr>
+          <a:xfrm>
+            <a:off x="7227331" y="1157077"/>
+            <a:ext cx="1442092" cy="523220"/>
+          </a:xfrm>
+          <a:prstGeom prst="rect">
+            <a:avLst/>
+          </a:prstGeom>
+          <a:noFill/>
+        </p:spPr>
+        <p:txBody>
+          <a:bodyPr wrap="square" rtlCol="0">
+            <a:spAutoFit/>
+          </a:bodyPr>
+          <a:lstStyle/>
+          <a:p>
+            <a:r>
+              <a:rPr lang="en-US" altLang="ko-KR" sz="2800" dirty="0">
+                <a:solidFill>
+                  <a:schemeClr val="accent1"/>
+                </a:solidFill>
+              </a:rPr>
+              <a:t>&lt; </a:t>
+            </a:r>
+            <a:r>
+              <a:rPr lang="ko-KR" altLang="en-US" sz="2800" dirty="0">
+                <a:solidFill>
+                  <a:schemeClr val="accent1"/>
+                </a:solidFill>
+              </a:rPr>
+              <a:t>결과 </a:t>
+            </a:r>
+            <a:r>
+              <a:rPr lang="en-US" altLang="ko-KR" sz="2800" dirty="0">
+                <a:solidFill>
+                  <a:schemeClr val="accent1"/>
+                </a:solidFill>
+              </a:rPr>
+              <a:t>&gt;</a:t>
+            </a:r>
+            <a:endParaRPr lang="ko-KR" altLang="en-US" sz="2800" dirty="0">
+              <a:solidFill>
+                <a:schemeClr val="accent1"/>
+              </a:solidFill>
+            </a:endParaRPr>
+          </a:p>
+        </p:txBody>
+      </p:sp>
+    </p:spTree>
+    <p:extLst>
+      <p:ext uri="{BB962C8B-B14F-4D97-AF65-F5344CB8AC3E}">
+        <p14:creationId xmlns:p14="http://schemas.microsoft.com/office/powerpoint/2010/main" val="1655849758"/>
+      </p:ext>
+    </p:extLst>
+  </p:cSld>
+  <p:clrMapOvr>
+    <a:masterClrMapping/>
+  </p:clrMapOvr>
+</p:sld>
+</file>
+
+<file path=ppt/slides/slide19.xml><?xml version="1.0" encoding="utf-8"?>
+<p:sld xmlns:a="http://schemas.openxmlformats.org/drawingml/2006/main" xmlns:r="http://schemas.openxmlformats.org/officeDocument/2006/relationships" xmlns:p="http://schemas.openxmlformats.org/presentationml/2006/main">
+  <p:cSld>
+    <p:spTree>
+      <p:nvGrpSpPr>
+        <p:cNvPr id="1" name=""/>
+        <p:cNvGrpSpPr/>
+        <p:nvPr/>
+      </p:nvGrpSpPr>
+      <p:grpSpPr>
+        <a:xfrm>
+          <a:off x="0" y="0"/>
+          <a:ext cx="0" cy="0"/>
+          <a:chOff x="0" y="0"/>
+          <a:chExt cx="0" cy="0"/>
+        </a:xfrm>
+      </p:grpSpPr>
+      <p:sp>
+        <p:nvSpPr>
+          <p:cNvPr id="2" name="제목 1">
+            <a:extLst>
+              <a:ext uri="{FF2B5EF4-FFF2-40B4-BE49-F238E27FC236}">
+                <a16:creationId xmlns:a16="http://schemas.microsoft.com/office/drawing/2014/main" id="{635C47BF-19DD-7A68-913E-EF8F14DBA234}"/>
+              </a:ext>
+            </a:extLst>
+          </p:cNvPr>
+          <p:cNvSpPr>
+            <a:spLocks noGrp="1"/>
+          </p:cNvSpPr>
+          <p:nvPr>
+            <p:ph type="title"/>
+          </p:nvPr>
+        </p:nvSpPr>
+        <p:spPr>
+          <a:xfrm>
+            <a:off x="479323" y="550606"/>
+            <a:ext cx="9875520" cy="481781"/>
+          </a:xfrm>
+        </p:spPr>
+        <p:txBody>
+          <a:bodyPr>
+            <a:noAutofit/>
+          </a:bodyPr>
+          <a:lstStyle/>
+          <a:p>
+            <a:pPr marL="571500" indent="-571500">
+              <a:buFont typeface="Arial" panose="020B0604020202020204" pitchFamily="34" charset="0"/>
+              <a:buChar char="•"/>
+            </a:pPr>
+            <a:r>
+              <a:rPr lang="ko-KR" altLang="en-US" sz="3200" dirty="0">
+                <a:latin typeface="+mj-ea"/>
+              </a:rPr>
+              <a:t>창 만들기 태그 </a:t>
+            </a:r>
+          </a:p>
+        </p:txBody>
+      </p:sp>
+      <p:pic>
+        <p:nvPicPr>
+          <p:cNvPr id="4" name="그림 3">
+            <a:extLst>
+              <a:ext uri="{FF2B5EF4-FFF2-40B4-BE49-F238E27FC236}">
+                <a16:creationId xmlns:a16="http://schemas.microsoft.com/office/drawing/2014/main" id="{5F938DED-8F40-BC3F-0AA9-27627D33F2A5}"/>
+              </a:ext>
+            </a:extLst>
+          </p:cNvPr>
+          <p:cNvPicPr>
+            <a:picLocks noChangeAspect="1"/>
+          </p:cNvPicPr>
+          <p:nvPr/>
+        </p:nvPicPr>
+        <p:blipFill>
+          <a:blip r:embed="rId2"/>
+          <a:stretch>
+            <a:fillRect/>
+          </a:stretch>
+        </p:blipFill>
+        <p:spPr>
+          <a:xfrm>
+            <a:off x="479323" y="1090061"/>
+            <a:ext cx="8299912" cy="3344741"/>
+          </a:xfrm>
+          <a:prstGeom prst="rect">
+            <a:avLst/>
+          </a:prstGeom>
+        </p:spPr>
+      </p:pic>
+      <p:pic>
+        <p:nvPicPr>
+          <p:cNvPr id="6" name="그림 5">
+            <a:extLst>
+              <a:ext uri="{FF2B5EF4-FFF2-40B4-BE49-F238E27FC236}">
+                <a16:creationId xmlns:a16="http://schemas.microsoft.com/office/drawing/2014/main" id="{1A256742-830C-DC57-445B-162C65FD9C45}"/>
+              </a:ext>
+            </a:extLst>
+          </p:cNvPr>
+          <p:cNvPicPr>
+            <a:picLocks noChangeAspect="1"/>
+          </p:cNvPicPr>
+          <p:nvPr/>
+        </p:nvPicPr>
+        <p:blipFill>
+          <a:blip r:embed="rId3"/>
+          <a:stretch>
+            <a:fillRect/>
+          </a:stretch>
+        </p:blipFill>
+        <p:spPr>
+          <a:xfrm>
+            <a:off x="6564149" y="3710762"/>
+            <a:ext cx="5148528" cy="2837912"/>
+          </a:xfrm>
+          <a:prstGeom prst="rect">
+            <a:avLst/>
+          </a:prstGeom>
+        </p:spPr>
+      </p:pic>
+      <p:sp>
+        <p:nvSpPr>
+          <p:cNvPr id="7" name="화살표: 오른쪽 6">
+            <a:extLst>
+              <a:ext uri="{FF2B5EF4-FFF2-40B4-BE49-F238E27FC236}">
+                <a16:creationId xmlns:a16="http://schemas.microsoft.com/office/drawing/2014/main" id="{07C7293A-F2BE-4F74-680B-B0FB75AE9BCA}"/>
+              </a:ext>
+            </a:extLst>
+          </p:cNvPr>
+          <p:cNvSpPr/>
+          <p:nvPr/>
+        </p:nvSpPr>
+        <p:spPr>
+          <a:xfrm>
+            <a:off x="5063348" y="4937191"/>
+            <a:ext cx="1335428" cy="666891"/>
+          </a:xfrm>
+          <a:prstGeom prst="rightArrow">
+            <a:avLst/>
+          </a:prstGeom>
+        </p:spPr>
+        <p:style>
+          <a:lnRef idx="2">
+            <a:schemeClr val="accent1">
+              <a:shade val="50000"/>
+            </a:schemeClr>
+          </a:lnRef>
+          <a:fillRef idx="1">
+            <a:schemeClr val="accent1"/>
+          </a:fillRef>
+          <a:effectRef idx="0">
+            <a:schemeClr val="accent1"/>
+          </a:effectRef>
+          <a:fontRef idx="minor">
+            <a:schemeClr val="lt1"/>
+          </a:fontRef>
+        </p:style>
+        <p:txBody>
+          <a:bodyPr rtlCol="0" anchor="ctr"/>
+          <a:lstStyle/>
+          <a:p>
+            <a:pPr algn="ctr"/>
+            <a:endParaRPr lang="ko-KR" altLang="en-US"/>
+          </a:p>
+        </p:txBody>
+      </p:sp>
+      <p:sp>
+        <p:nvSpPr>
+          <p:cNvPr id="8" name="TextBox 7">
+            <a:extLst>
+              <a:ext uri="{FF2B5EF4-FFF2-40B4-BE49-F238E27FC236}">
+                <a16:creationId xmlns:a16="http://schemas.microsoft.com/office/drawing/2014/main" id="{684A099B-C378-4AE2-7A74-03DFE5C26BCB}"/>
+              </a:ext>
+            </a:extLst>
+          </p:cNvPr>
+          <p:cNvSpPr txBox="1"/>
+          <p:nvPr/>
+        </p:nvSpPr>
+        <p:spPr>
+          <a:xfrm>
+            <a:off x="5063348" y="4413971"/>
+            <a:ext cx="1442092" cy="523220"/>
+          </a:xfrm>
+          <a:prstGeom prst="rect">
+            <a:avLst/>
+          </a:prstGeom>
+          <a:noFill/>
+        </p:spPr>
+        <p:txBody>
+          <a:bodyPr wrap="square" rtlCol="0">
+            <a:spAutoFit/>
+          </a:bodyPr>
+          <a:lstStyle/>
+          <a:p>
+            <a:r>
+              <a:rPr lang="en-US" altLang="ko-KR" sz="2800" dirty="0">
+                <a:solidFill>
+                  <a:schemeClr val="accent1"/>
+                </a:solidFill>
+              </a:rPr>
+              <a:t>&lt; </a:t>
+            </a:r>
+            <a:r>
+              <a:rPr lang="ko-KR" altLang="en-US" sz="2800" dirty="0">
+                <a:solidFill>
+                  <a:schemeClr val="accent1"/>
+                </a:solidFill>
+              </a:rPr>
+              <a:t>결과 </a:t>
+            </a:r>
+            <a:r>
+              <a:rPr lang="en-US" altLang="ko-KR" sz="2800" dirty="0">
+                <a:solidFill>
+                  <a:schemeClr val="accent1"/>
+                </a:solidFill>
+              </a:rPr>
+              <a:t>&gt;</a:t>
+            </a:r>
+            <a:endParaRPr lang="ko-KR" altLang="en-US" sz="2800" dirty="0">
+              <a:solidFill>
+                <a:schemeClr val="accent1"/>
+              </a:solidFill>
+            </a:endParaRPr>
+          </a:p>
+        </p:txBody>
+      </p:sp>
+    </p:spTree>
+    <p:extLst>
+      <p:ext uri="{BB962C8B-B14F-4D97-AF65-F5344CB8AC3E}">
+        <p14:creationId xmlns:p14="http://schemas.microsoft.com/office/powerpoint/2010/main" val="3572944163"/>
+      </p:ext>
+    </p:extLst>
+  </p:cSld>
+  <p:clrMapOvr>
+    <a:masterClrMapping/>
+  </p:clrMapOvr>
 </p:sld>
 </file>
 
@@ -3428,9 +6166,548 @@
           <a:chExt cx="0" cy="0"/>
         </a:xfrm>
       </p:grpSpPr>
+      <p:sp>
+        <p:nvSpPr>
+          <p:cNvPr id="2" name="제목 1">
+            <a:extLst>
+              <a:ext uri="{FF2B5EF4-FFF2-40B4-BE49-F238E27FC236}">
+                <a16:creationId xmlns:a16="http://schemas.microsoft.com/office/drawing/2014/main" id="{FB32A8CE-07CC-9609-7A69-E66CD99D4153}"/>
+              </a:ext>
+            </a:extLst>
+          </p:cNvPr>
+          <p:cNvSpPr>
+            <a:spLocks noGrp="1"/>
+          </p:cNvSpPr>
+          <p:nvPr>
+            <p:ph type="title"/>
+          </p:nvPr>
+        </p:nvSpPr>
+        <p:spPr>
+          <a:xfrm>
+            <a:off x="507098" y="609600"/>
+            <a:ext cx="9875520" cy="673510"/>
+          </a:xfrm>
+        </p:spPr>
+        <p:txBody>
+          <a:bodyPr>
+            <a:normAutofit fontScale="90000"/>
+          </a:bodyPr>
+          <a:lstStyle/>
+          <a:p>
+            <a:r>
+              <a:rPr lang="en-US" altLang="ko-KR" b="1" dirty="0">
+                <a:latin typeface="+mj-ea"/>
+              </a:rPr>
+              <a:t>1. HTML </a:t>
+            </a:r>
+            <a:r>
+              <a:rPr lang="ko-KR" altLang="en-US" b="1" dirty="0">
+                <a:latin typeface="+mj-ea"/>
+              </a:rPr>
+              <a:t>태그 이해 및 실습</a:t>
+            </a:r>
+          </a:p>
+        </p:txBody>
+      </p:sp>
+      <p:sp>
+        <p:nvSpPr>
+          <p:cNvPr id="3" name="TextBox 2">
+            <a:extLst>
+              <a:ext uri="{FF2B5EF4-FFF2-40B4-BE49-F238E27FC236}">
+                <a16:creationId xmlns:a16="http://schemas.microsoft.com/office/drawing/2014/main" id="{DDCEE8A9-2178-BDAB-9AA1-73F5EC93914F}"/>
+              </a:ext>
+            </a:extLst>
+          </p:cNvPr>
+          <p:cNvSpPr txBox="1"/>
+          <p:nvPr/>
+        </p:nvSpPr>
+        <p:spPr>
+          <a:xfrm>
+            <a:off x="507098" y="1598922"/>
+            <a:ext cx="11394850" cy="4649478"/>
+          </a:xfrm>
+          <a:prstGeom prst="rect">
+            <a:avLst/>
+          </a:prstGeom>
+          <a:noFill/>
+        </p:spPr>
+        <p:txBody>
+          <a:bodyPr wrap="square" numCol="2" rtlCol="0">
+            <a:spAutoFit/>
+          </a:bodyPr>
+          <a:lstStyle/>
+          <a:p>
+            <a:pPr marL="342900" indent="-342900">
+              <a:lnSpc>
+                <a:spcPct val="150000"/>
+              </a:lnSpc>
+              <a:buFont typeface="+mj-lt"/>
+              <a:buAutoNum type="arabicPeriod"/>
+            </a:pPr>
+            <a:r>
+              <a:rPr lang="ko-KR" altLang="en-US" sz="2000" dirty="0">
+                <a:latin typeface="+mj-ea"/>
+                <a:ea typeface="+mj-ea"/>
+              </a:rPr>
+              <a:t>문서의 기본 구조를 나타내 주는 태그</a:t>
+            </a:r>
+            <a:endParaRPr lang="en-US" altLang="ko-KR" sz="2000" dirty="0">
+              <a:latin typeface="+mj-ea"/>
+              <a:ea typeface="+mj-ea"/>
+            </a:endParaRPr>
+          </a:p>
+          <a:p>
+            <a:pPr marL="342900" indent="-342900">
+              <a:lnSpc>
+                <a:spcPct val="150000"/>
+              </a:lnSpc>
+              <a:buFont typeface="+mj-lt"/>
+              <a:buAutoNum type="arabicPeriod"/>
+            </a:pPr>
+            <a:r>
+              <a:rPr lang="ko-KR" altLang="en-US" sz="2000" dirty="0">
+                <a:latin typeface="+mj-ea"/>
+                <a:ea typeface="+mj-ea"/>
+              </a:rPr>
+              <a:t>문단 혹은 줄을 바꾸는 태그</a:t>
+            </a:r>
+            <a:endParaRPr lang="en-US" altLang="ko-KR" sz="2000" dirty="0">
+              <a:latin typeface="+mj-ea"/>
+              <a:ea typeface="+mj-ea"/>
+            </a:endParaRPr>
+          </a:p>
+          <a:p>
+            <a:pPr marL="342900" indent="-342900">
+              <a:lnSpc>
+                <a:spcPct val="150000"/>
+              </a:lnSpc>
+              <a:buFont typeface="+mj-lt"/>
+              <a:buAutoNum type="arabicPeriod"/>
+            </a:pPr>
+            <a:r>
+              <a:rPr lang="ko-KR" altLang="en-US" sz="2000" dirty="0">
+                <a:latin typeface="+mj-ea"/>
+                <a:ea typeface="+mj-ea"/>
+              </a:rPr>
+              <a:t>글자의 크기를 마음대로 조절하는 태그</a:t>
+            </a:r>
+            <a:endParaRPr lang="en-US" altLang="ko-KR" sz="2000" dirty="0">
+              <a:latin typeface="+mj-ea"/>
+              <a:ea typeface="+mj-ea"/>
+            </a:endParaRPr>
+          </a:p>
+          <a:p>
+            <a:pPr marL="342900" indent="-342900">
+              <a:lnSpc>
+                <a:spcPct val="150000"/>
+              </a:lnSpc>
+              <a:buFont typeface="+mj-lt"/>
+              <a:buAutoNum type="arabicPeriod"/>
+            </a:pPr>
+            <a:r>
+              <a:rPr lang="ko-KR" altLang="en-US" sz="2000" dirty="0">
+                <a:latin typeface="+mj-ea"/>
+                <a:ea typeface="+mj-ea"/>
+              </a:rPr>
+              <a:t>선 그리기 태그</a:t>
+            </a:r>
+            <a:endParaRPr lang="en-US" altLang="ko-KR" sz="2000" dirty="0">
+              <a:latin typeface="+mj-ea"/>
+              <a:ea typeface="+mj-ea"/>
+            </a:endParaRPr>
+          </a:p>
+          <a:p>
+            <a:pPr marL="342900" indent="-342900">
+              <a:lnSpc>
+                <a:spcPct val="150000"/>
+              </a:lnSpc>
+              <a:buFont typeface="+mj-lt"/>
+              <a:buAutoNum type="arabicPeriod"/>
+            </a:pPr>
+            <a:r>
+              <a:rPr lang="ko-KR" altLang="en-US" sz="2000" dirty="0">
+                <a:latin typeface="+mj-ea"/>
+                <a:ea typeface="+mj-ea"/>
+              </a:rPr>
+              <a:t>이미지 </a:t>
+            </a:r>
+            <a:r>
+              <a:rPr lang="ko-KR" altLang="en-US" sz="2000" dirty="0" err="1">
+                <a:latin typeface="+mj-ea"/>
+                <a:ea typeface="+mj-ea"/>
+              </a:rPr>
+              <a:t>맵을</a:t>
+            </a:r>
+            <a:r>
+              <a:rPr lang="ko-KR" altLang="en-US" sz="2000" dirty="0">
+                <a:latin typeface="+mj-ea"/>
+                <a:ea typeface="+mj-ea"/>
+              </a:rPr>
+              <a:t> 처리하는 태그</a:t>
+            </a:r>
+            <a:endParaRPr lang="en-US" altLang="ko-KR" sz="2000" dirty="0">
+              <a:latin typeface="+mj-ea"/>
+              <a:ea typeface="+mj-ea"/>
+            </a:endParaRPr>
+          </a:p>
+          <a:p>
+            <a:pPr marL="342900" indent="-342900">
+              <a:lnSpc>
+                <a:spcPct val="150000"/>
+              </a:lnSpc>
+              <a:buFont typeface="+mj-lt"/>
+              <a:buAutoNum type="arabicPeriod"/>
+            </a:pPr>
+            <a:r>
+              <a:rPr lang="ko-KR" altLang="en-US" sz="2000" dirty="0">
+                <a:latin typeface="+mj-ea"/>
+                <a:ea typeface="+mj-ea"/>
+              </a:rPr>
+              <a:t>목록을 정리해 주는 태그</a:t>
+            </a:r>
+            <a:endParaRPr lang="en-US" altLang="ko-KR" sz="2000" dirty="0">
+              <a:latin typeface="+mj-ea"/>
+              <a:ea typeface="+mj-ea"/>
+            </a:endParaRPr>
+          </a:p>
+          <a:p>
+            <a:pPr marL="342900" indent="-342900">
+              <a:lnSpc>
+                <a:spcPct val="150000"/>
+              </a:lnSpc>
+              <a:buFont typeface="+mj-lt"/>
+              <a:buAutoNum type="arabicPeriod"/>
+            </a:pPr>
+            <a:r>
+              <a:rPr lang="ko-KR" altLang="en-US" sz="2000" dirty="0">
+                <a:latin typeface="+mj-ea"/>
+                <a:ea typeface="+mj-ea"/>
+              </a:rPr>
+              <a:t>문서를 가운데로 정렬시켜 주는 태그</a:t>
+            </a:r>
+            <a:endParaRPr lang="en-US" altLang="ko-KR" sz="2000" dirty="0">
+              <a:latin typeface="+mj-ea"/>
+              <a:ea typeface="+mj-ea"/>
+            </a:endParaRPr>
+          </a:p>
+          <a:p>
+            <a:pPr marL="342900" indent="-342900">
+              <a:lnSpc>
+                <a:spcPct val="150000"/>
+              </a:lnSpc>
+              <a:buFont typeface="+mj-lt"/>
+              <a:buAutoNum type="arabicPeriod"/>
+            </a:pPr>
+            <a:r>
+              <a:rPr lang="ko-KR" altLang="en-US" sz="2000" dirty="0">
+                <a:latin typeface="+mj-ea"/>
+                <a:ea typeface="+mj-ea"/>
+              </a:rPr>
+              <a:t>인용하기 태그</a:t>
+            </a:r>
+            <a:endParaRPr lang="en-US" altLang="ko-KR" sz="2000" dirty="0">
+              <a:latin typeface="+mj-ea"/>
+              <a:ea typeface="+mj-ea"/>
+            </a:endParaRPr>
+          </a:p>
+          <a:p>
+            <a:pPr marL="342900" indent="-342900">
+              <a:lnSpc>
+                <a:spcPct val="150000"/>
+              </a:lnSpc>
+              <a:buFont typeface="+mj-lt"/>
+              <a:buAutoNum type="arabicPeriod"/>
+            </a:pPr>
+            <a:r>
+              <a:rPr lang="ko-KR" altLang="en-US" sz="2000" dirty="0">
+                <a:latin typeface="+mj-ea"/>
+                <a:ea typeface="+mj-ea"/>
+              </a:rPr>
+              <a:t>글자의 모양을 정의해 주는 태그</a:t>
+            </a:r>
+            <a:endParaRPr lang="en-US" altLang="ko-KR" sz="2000" dirty="0">
+              <a:latin typeface="+mj-ea"/>
+              <a:ea typeface="+mj-ea"/>
+            </a:endParaRPr>
+          </a:p>
+          <a:p>
+            <a:pPr marL="342900" indent="-342900">
+              <a:lnSpc>
+                <a:spcPct val="150000"/>
+              </a:lnSpc>
+              <a:buFont typeface="+mj-lt"/>
+              <a:buAutoNum type="arabicPeriod"/>
+            </a:pPr>
+            <a:r>
+              <a:rPr lang="ko-KR" altLang="en-US" sz="2000" dirty="0">
+                <a:latin typeface="+mj-ea"/>
+                <a:ea typeface="+mj-ea"/>
+              </a:rPr>
+              <a:t>배경 이미지 작업하기</a:t>
+            </a:r>
+            <a:endParaRPr lang="en-US" altLang="ko-KR" sz="2000" dirty="0">
+              <a:latin typeface="+mj-ea"/>
+              <a:ea typeface="+mj-ea"/>
+            </a:endParaRPr>
+          </a:p>
+          <a:p>
+            <a:pPr marL="342900" indent="-342900">
+              <a:lnSpc>
+                <a:spcPct val="150000"/>
+              </a:lnSpc>
+              <a:buFont typeface="+mj-lt"/>
+              <a:buAutoNum type="arabicPeriod"/>
+            </a:pPr>
+            <a:r>
+              <a:rPr lang="ko-KR" altLang="en-US" sz="2000" dirty="0">
+                <a:latin typeface="+mj-ea"/>
+                <a:ea typeface="+mj-ea"/>
+              </a:rPr>
+              <a:t>부분을 강조해 주는 태그</a:t>
+            </a:r>
+            <a:endParaRPr lang="en-US" altLang="ko-KR" sz="2000" dirty="0">
+              <a:latin typeface="+mj-ea"/>
+              <a:ea typeface="+mj-ea"/>
+            </a:endParaRPr>
+          </a:p>
+          <a:p>
+            <a:pPr marL="342900" indent="-342900">
+              <a:lnSpc>
+                <a:spcPct val="150000"/>
+              </a:lnSpc>
+              <a:buFont typeface="+mj-lt"/>
+              <a:buAutoNum type="arabicPeriod"/>
+            </a:pPr>
+            <a:r>
+              <a:rPr lang="ko-KR" altLang="en-US" sz="2000" dirty="0">
+                <a:latin typeface="+mj-ea"/>
+                <a:ea typeface="+mj-ea"/>
+              </a:rPr>
+              <a:t>연결하기 태그</a:t>
+            </a:r>
+            <a:endParaRPr lang="en-US" altLang="ko-KR" sz="2000" dirty="0">
+              <a:latin typeface="+mj-ea"/>
+              <a:ea typeface="+mj-ea"/>
+            </a:endParaRPr>
+          </a:p>
+          <a:p>
+            <a:pPr marL="342900" indent="-342900">
+              <a:lnSpc>
+                <a:spcPct val="150000"/>
+              </a:lnSpc>
+              <a:buFont typeface="+mj-lt"/>
+              <a:buAutoNum type="arabicPeriod"/>
+            </a:pPr>
+            <a:r>
+              <a:rPr lang="ko-KR" altLang="en-US" sz="2000" dirty="0">
+                <a:latin typeface="+mj-ea"/>
+                <a:ea typeface="+mj-ea"/>
+              </a:rPr>
+              <a:t>주소 및 편지 서비스</a:t>
+            </a:r>
+            <a:endParaRPr lang="en-US" altLang="ko-KR" sz="2000" dirty="0">
+              <a:latin typeface="+mj-ea"/>
+              <a:ea typeface="+mj-ea"/>
+            </a:endParaRPr>
+          </a:p>
+          <a:p>
+            <a:pPr marL="342900" indent="-342900">
+              <a:lnSpc>
+                <a:spcPct val="150000"/>
+              </a:lnSpc>
+              <a:buFont typeface="+mj-lt"/>
+              <a:buAutoNum type="arabicPeriod"/>
+            </a:pPr>
+            <a:r>
+              <a:rPr lang="ko-KR" altLang="en-US" sz="2000" dirty="0">
+                <a:latin typeface="+mj-ea"/>
+                <a:ea typeface="+mj-ea"/>
+              </a:rPr>
+              <a:t>색상 지정하기</a:t>
+            </a:r>
+            <a:endParaRPr lang="en-US" altLang="ko-KR" sz="2000" dirty="0">
+              <a:latin typeface="+mj-ea"/>
+              <a:ea typeface="+mj-ea"/>
+            </a:endParaRPr>
+          </a:p>
+          <a:p>
+            <a:pPr marL="342900" indent="-342900">
+              <a:lnSpc>
+                <a:spcPct val="150000"/>
+              </a:lnSpc>
+              <a:buFont typeface="+mj-lt"/>
+              <a:buAutoNum type="arabicPeriod"/>
+            </a:pPr>
+            <a:r>
+              <a:rPr lang="ko-KR" altLang="en-US" sz="2000" dirty="0">
+                <a:latin typeface="+mj-ea"/>
+                <a:ea typeface="+mj-ea"/>
+              </a:rPr>
+              <a:t>표 만들기 태그</a:t>
+            </a:r>
+            <a:endParaRPr lang="en-US" altLang="ko-KR" sz="2000" dirty="0">
+              <a:latin typeface="+mj-ea"/>
+              <a:ea typeface="+mj-ea"/>
+            </a:endParaRPr>
+          </a:p>
+          <a:p>
+            <a:pPr marL="342900" indent="-342900">
+              <a:lnSpc>
+                <a:spcPct val="150000"/>
+              </a:lnSpc>
+              <a:buFont typeface="+mj-lt"/>
+              <a:buAutoNum type="arabicPeriod"/>
+            </a:pPr>
+            <a:r>
+              <a:rPr lang="ko-KR" altLang="en-US" sz="2000" dirty="0">
+                <a:latin typeface="+mj-ea"/>
+                <a:ea typeface="+mj-ea"/>
+              </a:rPr>
+              <a:t>문서를 임의로 고정시키는 태그</a:t>
+            </a:r>
+            <a:endParaRPr lang="en-US" altLang="ko-KR" sz="2000" dirty="0">
+              <a:latin typeface="+mj-ea"/>
+              <a:ea typeface="+mj-ea"/>
+            </a:endParaRPr>
+          </a:p>
+          <a:p>
+            <a:pPr marL="342900" indent="-342900">
+              <a:lnSpc>
+                <a:spcPct val="150000"/>
+              </a:lnSpc>
+              <a:buFont typeface="+mj-lt"/>
+              <a:buAutoNum type="arabicPeriod"/>
+            </a:pPr>
+            <a:r>
+              <a:rPr lang="ko-KR" altLang="en-US" sz="2000" dirty="0">
+                <a:latin typeface="+mj-ea"/>
+                <a:ea typeface="+mj-ea"/>
+              </a:rPr>
+              <a:t>입력 폼 만들기</a:t>
+            </a:r>
+            <a:endParaRPr lang="en-US" altLang="ko-KR" sz="2000" dirty="0">
+              <a:latin typeface="+mj-ea"/>
+              <a:ea typeface="+mj-ea"/>
+            </a:endParaRPr>
+          </a:p>
+          <a:p>
+            <a:pPr marL="342900" indent="-342900">
+              <a:lnSpc>
+                <a:spcPct val="150000"/>
+              </a:lnSpc>
+              <a:buFont typeface="+mj-lt"/>
+              <a:buAutoNum type="arabicPeriod"/>
+            </a:pPr>
+            <a:r>
+              <a:rPr lang="ko-KR" altLang="en-US" sz="2000" dirty="0">
+                <a:latin typeface="+mj-ea"/>
+                <a:ea typeface="+mj-ea"/>
+              </a:rPr>
+              <a:t>창 만들기 태그</a:t>
+            </a:r>
+            <a:endParaRPr lang="en-US" altLang="ko-KR" sz="2000" dirty="0">
+              <a:latin typeface="+mj-ea"/>
+              <a:ea typeface="+mj-ea"/>
+            </a:endParaRPr>
+          </a:p>
+          <a:p>
+            <a:pPr marL="342900" indent="-342900">
+              <a:lnSpc>
+                <a:spcPct val="150000"/>
+              </a:lnSpc>
+              <a:buFont typeface="+mj-lt"/>
+              <a:buAutoNum type="arabicPeriod"/>
+            </a:pPr>
+            <a:r>
+              <a:rPr lang="ko-KR" altLang="en-US" sz="2000" dirty="0">
+                <a:latin typeface="+mj-ea"/>
+                <a:ea typeface="+mj-ea"/>
+              </a:rPr>
+              <a:t>이미지 다루기에 필요한 태그 </a:t>
+            </a:r>
+          </a:p>
+        </p:txBody>
+      </p:sp>
+    </p:spTree>
+    <p:extLst>
+      <p:ext uri="{BB962C8B-B14F-4D97-AF65-F5344CB8AC3E}">
+        <p14:creationId xmlns:p14="http://schemas.microsoft.com/office/powerpoint/2010/main" val="1914941605"/>
+      </p:ext>
+    </p:extLst>
+  </p:cSld>
+  <p:clrMapOvr>
+    <a:masterClrMapping/>
+  </p:clrMapOvr>
+</p:sld>
+</file>
+
+<file path=ppt/slides/slide20.xml><?xml version="1.0" encoding="utf-8"?>
+<p:sld xmlns:a="http://schemas.openxmlformats.org/drawingml/2006/main" xmlns:r="http://schemas.openxmlformats.org/officeDocument/2006/relationships" xmlns:p="http://schemas.openxmlformats.org/presentationml/2006/main">
+  <p:cSld>
+    <p:spTree>
+      <p:nvGrpSpPr>
+        <p:cNvPr id="1" name=""/>
+        <p:cNvGrpSpPr/>
+        <p:nvPr/>
+      </p:nvGrpSpPr>
+      <p:grpSpPr>
+        <a:xfrm>
+          <a:off x="0" y="0"/>
+          <a:ext cx="0" cy="0"/>
+          <a:chOff x="0" y="0"/>
+          <a:chExt cx="0" cy="0"/>
+        </a:xfrm>
+      </p:grpSpPr>
+      <p:sp>
+        <p:nvSpPr>
+          <p:cNvPr id="2" name="제목 1">
+            <a:extLst>
+              <a:ext uri="{FF2B5EF4-FFF2-40B4-BE49-F238E27FC236}">
+                <a16:creationId xmlns:a16="http://schemas.microsoft.com/office/drawing/2014/main" id="{635C47BF-19DD-7A68-913E-EF8F14DBA234}"/>
+              </a:ext>
+            </a:extLst>
+          </p:cNvPr>
+          <p:cNvSpPr>
+            <a:spLocks noGrp="1"/>
+          </p:cNvSpPr>
+          <p:nvPr>
+            <p:ph type="title"/>
+          </p:nvPr>
+        </p:nvSpPr>
+        <p:spPr>
+          <a:xfrm>
+            <a:off x="479323" y="550606"/>
+            <a:ext cx="9875520" cy="481781"/>
+          </a:xfrm>
+        </p:spPr>
+        <p:txBody>
+          <a:bodyPr>
+            <a:noAutofit/>
+          </a:bodyPr>
+          <a:lstStyle/>
+          <a:p>
+            <a:pPr marL="571500" indent="-571500">
+              <a:buFont typeface="Arial" panose="020B0604020202020204" pitchFamily="34" charset="0"/>
+              <a:buChar char="•"/>
+            </a:pPr>
+            <a:r>
+              <a:rPr lang="ko-KR" altLang="en-US" sz="3200" dirty="0">
+                <a:latin typeface="+mj-ea"/>
+              </a:rPr>
+              <a:t>이미지 다루기에 필요한 태그 </a:t>
+            </a:r>
+          </a:p>
+        </p:txBody>
+      </p:sp>
       <p:pic>
         <p:nvPicPr>
-          <p:cNvPr id="2" name="그림 1"/>
+          <p:cNvPr id="4" name="그림 3">
+            <a:extLst>
+              <a:ext uri="{FF2B5EF4-FFF2-40B4-BE49-F238E27FC236}">
+                <a16:creationId xmlns:a16="http://schemas.microsoft.com/office/drawing/2014/main" id="{00923515-A5B3-265C-CB51-500099103611}"/>
+              </a:ext>
+            </a:extLst>
+          </p:cNvPr>
           <p:cNvPicPr>
             <a:picLocks noChangeAspect="1"/>
           </p:cNvPicPr>
@@ -3444,8 +6721,8 @@
         </p:blipFill>
         <p:spPr>
           <a:xfrm>
-            <a:off x="306350" y="320116"/>
-            <a:ext cx="9863002" cy="2190002"/>
+            <a:off x="479323" y="1157078"/>
+            <a:ext cx="7625586" cy="4879999"/>
           </a:xfrm>
           <a:prstGeom prst="rect">
             <a:avLst/>
@@ -3454,7 +6731,13 @@
       </p:pic>
       <p:pic>
         <p:nvPicPr>
-          <p:cNvPr id="3" name="그림 2"/>
+          <p:cNvPr id="6" name="그림 5">
+            <a:extLst>
+              <a:ext uri="{FF2B5EF4-FFF2-40B4-BE49-F238E27FC236}">
+                <a16:creationId xmlns:a16="http://schemas.microsoft.com/office/drawing/2014/main" id="{7F193B0E-621E-5C86-4D07-680539179B3A}"/>
+              </a:ext>
+            </a:extLst>
+          </p:cNvPr>
           <p:cNvPicPr>
             <a:picLocks noChangeAspect="1"/>
           </p:cNvPicPr>
@@ -3468,58 +6751,34 @@
         </p:blipFill>
         <p:spPr>
           <a:xfrm>
-            <a:off x="306350" y="2510118"/>
-            <a:ext cx="9863002" cy="1622415"/>
+            <a:off x="9697163" y="1684292"/>
+            <a:ext cx="2191056" cy="4791744"/>
           </a:xfrm>
           <a:prstGeom prst="rect">
             <a:avLst/>
           </a:prstGeom>
         </p:spPr>
       </p:pic>
-      <p:pic>
-        <p:nvPicPr>
-          <p:cNvPr id="4" name="그림 3"/>
-          <p:cNvPicPr>
-            <a:picLocks noChangeAspect="1"/>
-          </p:cNvPicPr>
-          <p:nvPr/>
-        </p:nvPicPr>
-        <p:blipFill>
-          <a:blip r:embed="rId4"/>
-          <a:stretch>
-            <a:fillRect/>
-          </a:stretch>
-        </p:blipFill>
-        <p:spPr>
-          <a:xfrm>
-            <a:off x="306350" y="4132533"/>
-            <a:ext cx="9863002" cy="2425061"/>
-          </a:xfrm>
-          <a:prstGeom prst="rect">
-            <a:avLst/>
-          </a:prstGeom>
-        </p:spPr>
-      </p:pic>
-      <p:sp>
-        <p:nvSpPr>
-          <p:cNvPr id="5" name="모서리가 둥근 직사각형 4"/>
+      <p:sp>
+        <p:nvSpPr>
+          <p:cNvPr id="7" name="화살표: 오른쪽 6">
+            <a:extLst>
+              <a:ext uri="{FF2B5EF4-FFF2-40B4-BE49-F238E27FC236}">
+                <a16:creationId xmlns:a16="http://schemas.microsoft.com/office/drawing/2014/main" id="{9131DA1B-21E0-4D0B-0E63-0AF6B839E557}"/>
+              </a:ext>
+            </a:extLst>
+          </p:cNvPr>
           <p:cNvSpPr/>
           <p:nvPr/>
         </p:nvSpPr>
         <p:spPr>
           <a:xfrm>
-            <a:off x="493964" y="1810870"/>
-            <a:ext cx="3540154" cy="699248"/>
-          </a:xfrm>
-          <a:prstGeom prst="roundRect">
-            <a:avLst/>
-          </a:prstGeom>
-          <a:noFill/>
-          <a:ln w="28575">
-            <a:solidFill>
-              <a:srgbClr val="C00000"/>
-            </a:solidFill>
-          </a:ln>
+            <a:off x="8233322" y="2930186"/>
+            <a:ext cx="1335428" cy="666891"/>
+          </a:xfrm>
+          <a:prstGeom prst="rightArrow">
+            <a:avLst/>
+          </a:prstGeom>
         </p:spPr>
         <p:style>
           <a:lnRef idx="2">
@@ -3548,24 +6807,630 @@
       </p:sp>
       <p:sp>
         <p:nvSpPr>
-          <p:cNvPr id="6" name="모서리가 둥근 직사각형 5"/>
+          <p:cNvPr id="8" name="TextBox 7">
+            <a:extLst>
+              <a:ext uri="{FF2B5EF4-FFF2-40B4-BE49-F238E27FC236}">
+                <a16:creationId xmlns:a16="http://schemas.microsoft.com/office/drawing/2014/main" id="{A350AC6E-4663-2718-9156-276D689B64DE}"/>
+              </a:ext>
+            </a:extLst>
+          </p:cNvPr>
+          <p:cNvSpPr txBox="1"/>
+          <p:nvPr/>
+        </p:nvSpPr>
+        <p:spPr>
+          <a:xfrm>
+            <a:off x="8104909" y="2309547"/>
+            <a:ext cx="1442092" cy="523220"/>
+          </a:xfrm>
+          <a:prstGeom prst="rect">
+            <a:avLst/>
+          </a:prstGeom>
+          <a:noFill/>
+        </p:spPr>
+        <p:txBody>
+          <a:bodyPr wrap="square" rtlCol="0">
+            <a:spAutoFit/>
+          </a:bodyPr>
+          <a:lstStyle/>
+          <a:p>
+            <a:r>
+              <a:rPr lang="en-US" altLang="ko-KR" sz="2800" dirty="0">
+                <a:solidFill>
+                  <a:schemeClr val="accent1"/>
+                </a:solidFill>
+              </a:rPr>
+              <a:t>&lt; </a:t>
+            </a:r>
+            <a:r>
+              <a:rPr lang="ko-KR" altLang="en-US" sz="2800" dirty="0">
+                <a:solidFill>
+                  <a:schemeClr val="accent1"/>
+                </a:solidFill>
+              </a:rPr>
+              <a:t>결과 </a:t>
+            </a:r>
+            <a:r>
+              <a:rPr lang="en-US" altLang="ko-KR" sz="2800" dirty="0">
+                <a:solidFill>
+                  <a:schemeClr val="accent1"/>
+                </a:solidFill>
+              </a:rPr>
+              <a:t>&gt;</a:t>
+            </a:r>
+            <a:endParaRPr lang="ko-KR" altLang="en-US" sz="2800" dirty="0">
+              <a:solidFill>
+                <a:schemeClr val="accent1"/>
+              </a:solidFill>
+            </a:endParaRPr>
+          </a:p>
+        </p:txBody>
+      </p:sp>
+    </p:spTree>
+    <p:extLst>
+      <p:ext uri="{BB962C8B-B14F-4D97-AF65-F5344CB8AC3E}">
+        <p14:creationId xmlns:p14="http://schemas.microsoft.com/office/powerpoint/2010/main" val="3276773214"/>
+      </p:ext>
+    </p:extLst>
+  </p:cSld>
+  <p:clrMapOvr>
+    <a:masterClrMapping/>
+  </p:clrMapOvr>
+</p:sld>
+</file>
+
+<file path=ppt/slides/slide21.xml><?xml version="1.0" encoding="utf-8"?>
+<p:sld xmlns:a="http://schemas.openxmlformats.org/drawingml/2006/main" xmlns:r="http://schemas.openxmlformats.org/officeDocument/2006/relationships" xmlns:p="http://schemas.openxmlformats.org/presentationml/2006/main">
+  <p:cSld>
+    <p:spTree>
+      <p:nvGrpSpPr>
+        <p:cNvPr id="1" name=""/>
+        <p:cNvGrpSpPr/>
+        <p:nvPr/>
+      </p:nvGrpSpPr>
+      <p:grpSpPr>
+        <a:xfrm>
+          <a:off x="0" y="0"/>
+          <a:ext cx="0" cy="0"/>
+          <a:chOff x="0" y="0"/>
+          <a:chExt cx="0" cy="0"/>
+        </a:xfrm>
+      </p:grpSpPr>
+      <p:sp>
+        <p:nvSpPr>
+          <p:cNvPr id="2" name="제목 1">
+            <a:extLst>
+              <a:ext uri="{FF2B5EF4-FFF2-40B4-BE49-F238E27FC236}">
+                <a16:creationId xmlns:a16="http://schemas.microsoft.com/office/drawing/2014/main" id="{635C47BF-19DD-7A68-913E-EF8F14DBA234}"/>
+              </a:ext>
+            </a:extLst>
+          </p:cNvPr>
+          <p:cNvSpPr>
+            <a:spLocks noGrp="1"/>
+          </p:cNvSpPr>
+          <p:nvPr>
+            <p:ph type="title"/>
+          </p:nvPr>
+        </p:nvSpPr>
+        <p:spPr>
+          <a:xfrm>
+            <a:off x="479323" y="550606"/>
+            <a:ext cx="9875520" cy="481781"/>
+          </a:xfrm>
+        </p:spPr>
+        <p:txBody>
+          <a:bodyPr>
+            <a:noAutofit/>
+          </a:bodyPr>
+          <a:lstStyle/>
+          <a:p>
+            <a:pPr marL="571500" indent="-571500">
+              <a:buFont typeface="Arial" panose="020B0604020202020204" pitchFamily="34" charset="0"/>
+              <a:buChar char="•"/>
+            </a:pPr>
+            <a:r>
+              <a:rPr lang="ko-KR" altLang="en-US" sz="3200" dirty="0" err="1">
+                <a:latin typeface="+mj-ea"/>
+              </a:rPr>
+              <a:t>태그표</a:t>
+            </a:r>
+            <a:r>
+              <a:rPr lang="ko-KR" altLang="en-US" sz="3200" dirty="0">
+                <a:latin typeface="+mj-ea"/>
+              </a:rPr>
+              <a:t> 홈페이지 만들기</a:t>
+            </a:r>
+          </a:p>
+        </p:txBody>
+      </p:sp>
+      <p:pic>
+        <p:nvPicPr>
+          <p:cNvPr id="4" name="그림 3">
+            <a:extLst>
+              <a:ext uri="{FF2B5EF4-FFF2-40B4-BE49-F238E27FC236}">
+                <a16:creationId xmlns:a16="http://schemas.microsoft.com/office/drawing/2014/main" id="{BA164B4D-7B2A-55D6-E238-6FA871E4224C}"/>
+              </a:ext>
+            </a:extLst>
+          </p:cNvPr>
+          <p:cNvPicPr>
+            <a:picLocks noChangeAspect="1"/>
+          </p:cNvPicPr>
+          <p:nvPr/>
+        </p:nvPicPr>
+        <p:blipFill>
+          <a:blip r:embed="rId2"/>
+          <a:stretch>
+            <a:fillRect/>
+          </a:stretch>
+        </p:blipFill>
+        <p:spPr>
+          <a:xfrm>
+            <a:off x="479323" y="2920262"/>
+            <a:ext cx="5090160" cy="3387132"/>
+          </a:xfrm>
+          <a:prstGeom prst="rect">
+            <a:avLst/>
+          </a:prstGeom>
+        </p:spPr>
+      </p:pic>
+      <p:pic>
+        <p:nvPicPr>
+          <p:cNvPr id="7" name="그림 6">
+            <a:extLst>
+              <a:ext uri="{FF2B5EF4-FFF2-40B4-BE49-F238E27FC236}">
+                <a16:creationId xmlns:a16="http://schemas.microsoft.com/office/drawing/2014/main" id="{C183592E-0C8E-4E38-38CD-D6F9D0277337}"/>
+              </a:ext>
+            </a:extLst>
+          </p:cNvPr>
+          <p:cNvPicPr>
+            <a:picLocks noChangeAspect="1"/>
+          </p:cNvPicPr>
+          <p:nvPr/>
+        </p:nvPicPr>
+        <p:blipFill>
+          <a:blip r:embed="rId3"/>
+          <a:stretch>
+            <a:fillRect/>
+          </a:stretch>
+        </p:blipFill>
+        <p:spPr>
+          <a:xfrm>
+            <a:off x="5569483" y="550606"/>
+            <a:ext cx="6252636" cy="3134714"/>
+          </a:xfrm>
+          <a:prstGeom prst="rect">
+            <a:avLst/>
+          </a:prstGeom>
+        </p:spPr>
+      </p:pic>
+      <p:pic>
+        <p:nvPicPr>
+          <p:cNvPr id="9" name="그림 8">
+            <a:extLst>
+              <a:ext uri="{FF2B5EF4-FFF2-40B4-BE49-F238E27FC236}">
+                <a16:creationId xmlns:a16="http://schemas.microsoft.com/office/drawing/2014/main" id="{B667BE30-D4B6-A8B8-DDB0-2165CA49ACAF}"/>
+              </a:ext>
+            </a:extLst>
+          </p:cNvPr>
+          <p:cNvPicPr>
+            <a:picLocks noChangeAspect="1"/>
+          </p:cNvPicPr>
+          <p:nvPr/>
+        </p:nvPicPr>
+        <p:blipFill>
+          <a:blip r:embed="rId4"/>
+          <a:stretch>
+            <a:fillRect/>
+          </a:stretch>
+        </p:blipFill>
+        <p:spPr>
+          <a:xfrm>
+            <a:off x="5569483" y="3685320"/>
+            <a:ext cx="5090160" cy="2936405"/>
+          </a:xfrm>
+          <a:prstGeom prst="rect">
+            <a:avLst/>
+          </a:prstGeom>
+        </p:spPr>
+      </p:pic>
+      <p:sp>
+        <p:nvSpPr>
+          <p:cNvPr id="11" name="TextBox 10">
+            <a:extLst>
+              <a:ext uri="{FF2B5EF4-FFF2-40B4-BE49-F238E27FC236}">
+                <a16:creationId xmlns:a16="http://schemas.microsoft.com/office/drawing/2014/main" id="{34EC1517-1EFD-300B-F753-B939EE9E6E0D}"/>
+              </a:ext>
+            </a:extLst>
+          </p:cNvPr>
+          <p:cNvSpPr txBox="1"/>
+          <p:nvPr/>
+        </p:nvSpPr>
+        <p:spPr>
+          <a:xfrm>
+            <a:off x="479323" y="1357745"/>
+            <a:ext cx="4813113" cy="461665"/>
+          </a:xfrm>
+          <a:prstGeom prst="rect">
+            <a:avLst/>
+          </a:prstGeom>
+          <a:noFill/>
+        </p:spPr>
+        <p:txBody>
+          <a:bodyPr wrap="square" rtlCol="0">
+            <a:spAutoFit/>
+          </a:bodyPr>
+          <a:lstStyle/>
+          <a:p>
+            <a:pPr marL="342900" indent="-342900">
+              <a:buFont typeface="Arial" panose="020B0604020202020204" pitchFamily="34" charset="0"/>
+              <a:buChar char="•"/>
+            </a:pPr>
+            <a:r>
+              <a:rPr lang="en-US" altLang="ko-KR" sz="2400" dirty="0"/>
+              <a:t>list.html</a:t>
+            </a:r>
+            <a:r>
+              <a:rPr lang="ko-KR" altLang="en-US" sz="2400" dirty="0"/>
+              <a:t> 구현 부분</a:t>
+            </a:r>
+          </a:p>
+        </p:txBody>
+      </p:sp>
+    </p:spTree>
+    <p:extLst>
+      <p:ext uri="{BB962C8B-B14F-4D97-AF65-F5344CB8AC3E}">
+        <p14:creationId xmlns:p14="http://schemas.microsoft.com/office/powerpoint/2010/main" val="4004109818"/>
+      </p:ext>
+    </p:extLst>
+  </p:cSld>
+  <p:clrMapOvr>
+    <a:masterClrMapping/>
+  </p:clrMapOvr>
+</p:sld>
+</file>
+
+<file path=ppt/slides/slide22.xml><?xml version="1.0" encoding="utf-8"?>
+<p:sld xmlns:a="http://schemas.openxmlformats.org/drawingml/2006/main" xmlns:r="http://schemas.openxmlformats.org/officeDocument/2006/relationships" xmlns:p="http://schemas.openxmlformats.org/presentationml/2006/main">
+  <p:cSld>
+    <p:spTree>
+      <p:nvGrpSpPr>
+        <p:cNvPr id="1" name=""/>
+        <p:cNvGrpSpPr/>
+        <p:nvPr/>
+      </p:nvGrpSpPr>
+      <p:grpSpPr>
+        <a:xfrm>
+          <a:off x="0" y="0"/>
+          <a:ext cx="0" cy="0"/>
+          <a:chOff x="0" y="0"/>
+          <a:chExt cx="0" cy="0"/>
+        </a:xfrm>
+      </p:grpSpPr>
+      <p:sp>
+        <p:nvSpPr>
+          <p:cNvPr id="3" name="TextBox 2">
+            <a:extLst>
+              <a:ext uri="{FF2B5EF4-FFF2-40B4-BE49-F238E27FC236}">
+                <a16:creationId xmlns:a16="http://schemas.microsoft.com/office/drawing/2014/main" id="{67FA0D5F-DB02-E0EC-7E2D-24B0A5A7AF9B}"/>
+              </a:ext>
+            </a:extLst>
+          </p:cNvPr>
+          <p:cNvSpPr txBox="1"/>
+          <p:nvPr/>
+        </p:nvSpPr>
+        <p:spPr>
+          <a:xfrm>
+            <a:off x="534742" y="540327"/>
+            <a:ext cx="4813113" cy="461665"/>
+          </a:xfrm>
+          <a:prstGeom prst="rect">
+            <a:avLst/>
+          </a:prstGeom>
+          <a:noFill/>
+        </p:spPr>
+        <p:txBody>
+          <a:bodyPr wrap="square" rtlCol="0">
+            <a:spAutoFit/>
+          </a:bodyPr>
+          <a:lstStyle/>
+          <a:p>
+            <a:pPr marL="342900" indent="-342900">
+              <a:buFont typeface="Arial" panose="020B0604020202020204" pitchFamily="34" charset="0"/>
+              <a:buChar char="•"/>
+            </a:pPr>
+            <a:r>
+              <a:rPr lang="en-US" altLang="ko-KR" sz="2400" dirty="0"/>
+              <a:t>main.html</a:t>
+            </a:r>
+            <a:r>
+              <a:rPr lang="ko-KR" altLang="en-US" sz="2400" dirty="0"/>
+              <a:t> 구현 부분</a:t>
+            </a:r>
+          </a:p>
+        </p:txBody>
+      </p:sp>
+      <p:pic>
+        <p:nvPicPr>
+          <p:cNvPr id="5" name="그림 4">
+            <a:extLst>
+              <a:ext uri="{FF2B5EF4-FFF2-40B4-BE49-F238E27FC236}">
+                <a16:creationId xmlns:a16="http://schemas.microsoft.com/office/drawing/2014/main" id="{043EECE2-38F1-023D-5237-C2668FD6E9A1}"/>
+              </a:ext>
+            </a:extLst>
+          </p:cNvPr>
+          <p:cNvPicPr>
+            <a:picLocks noChangeAspect="1"/>
+          </p:cNvPicPr>
+          <p:nvPr/>
+        </p:nvPicPr>
+        <p:blipFill>
+          <a:blip r:embed="rId2"/>
+          <a:stretch>
+            <a:fillRect/>
+          </a:stretch>
+        </p:blipFill>
+        <p:spPr>
+          <a:xfrm>
+            <a:off x="459737" y="1001992"/>
+            <a:ext cx="11272526" cy="5107863"/>
+          </a:xfrm>
+          <a:prstGeom prst="rect">
+            <a:avLst/>
+          </a:prstGeom>
+        </p:spPr>
+      </p:pic>
+    </p:spTree>
+    <p:extLst>
+      <p:ext uri="{BB962C8B-B14F-4D97-AF65-F5344CB8AC3E}">
+        <p14:creationId xmlns:p14="http://schemas.microsoft.com/office/powerpoint/2010/main" val="2719818355"/>
+      </p:ext>
+    </p:extLst>
+  </p:cSld>
+  <p:clrMapOvr>
+    <a:masterClrMapping/>
+  </p:clrMapOvr>
+</p:sld>
+</file>
+
+<file path=ppt/slides/slide23.xml><?xml version="1.0" encoding="utf-8"?>
+<p:sld xmlns:a="http://schemas.openxmlformats.org/drawingml/2006/main" xmlns:r="http://schemas.openxmlformats.org/officeDocument/2006/relationships" xmlns:p="http://schemas.openxmlformats.org/presentationml/2006/main">
+  <p:cSld>
+    <p:spTree>
+      <p:nvGrpSpPr>
+        <p:cNvPr id="1" name=""/>
+        <p:cNvGrpSpPr/>
+        <p:nvPr/>
+      </p:nvGrpSpPr>
+      <p:grpSpPr>
+        <a:xfrm>
+          <a:off x="0" y="0"/>
+          <a:ext cx="0" cy="0"/>
+          <a:chOff x="0" y="0"/>
+          <a:chExt cx="0" cy="0"/>
+        </a:xfrm>
+      </p:grpSpPr>
+      <p:pic>
+        <p:nvPicPr>
+          <p:cNvPr id="5" name="그림 4">
+            <a:extLst>
+              <a:ext uri="{FF2B5EF4-FFF2-40B4-BE49-F238E27FC236}">
+                <a16:creationId xmlns:a16="http://schemas.microsoft.com/office/drawing/2014/main" id="{5409DB29-1F61-3CCA-B241-D9BB52B50AB6}"/>
+              </a:ext>
+            </a:extLst>
+          </p:cNvPr>
+          <p:cNvPicPr>
+            <a:picLocks noChangeAspect="1"/>
+          </p:cNvPicPr>
+          <p:nvPr/>
+        </p:nvPicPr>
+        <p:blipFill>
+          <a:blip r:embed="rId2"/>
+          <a:stretch>
+            <a:fillRect/>
+          </a:stretch>
+        </p:blipFill>
+        <p:spPr>
+          <a:xfrm>
+            <a:off x="335018" y="1147912"/>
+            <a:ext cx="10772522" cy="5377578"/>
+          </a:xfrm>
+          <a:prstGeom prst="rect">
+            <a:avLst/>
+          </a:prstGeom>
+        </p:spPr>
+      </p:pic>
+    </p:spTree>
+    <p:extLst>
+      <p:ext uri="{BB962C8B-B14F-4D97-AF65-F5344CB8AC3E}">
+        <p14:creationId xmlns:p14="http://schemas.microsoft.com/office/powerpoint/2010/main" val="1558128960"/>
+      </p:ext>
+    </p:extLst>
+  </p:cSld>
+  <p:clrMapOvr>
+    <a:masterClrMapping/>
+  </p:clrMapOvr>
+</p:sld>
+</file>
+
+<file path=ppt/slides/slide24.xml><?xml version="1.0" encoding="utf-8"?>
+<p:sld xmlns:a="http://schemas.openxmlformats.org/drawingml/2006/main" xmlns:r="http://schemas.openxmlformats.org/officeDocument/2006/relationships" xmlns:p="http://schemas.openxmlformats.org/presentationml/2006/main">
+  <p:cSld>
+    <p:spTree>
+      <p:nvGrpSpPr>
+        <p:cNvPr id="1" name=""/>
+        <p:cNvGrpSpPr/>
+        <p:nvPr/>
+      </p:nvGrpSpPr>
+      <p:grpSpPr>
+        <a:xfrm>
+          <a:off x="0" y="0"/>
+          <a:ext cx="0" cy="0"/>
+          <a:chOff x="0" y="0"/>
+          <a:chExt cx="0" cy="0"/>
+        </a:xfrm>
+      </p:grpSpPr>
+    </p:spTree>
+    <p:extLst>
+      <p:ext uri="{BB962C8B-B14F-4D97-AF65-F5344CB8AC3E}">
+        <p14:creationId xmlns:p14="http://schemas.microsoft.com/office/powerpoint/2010/main" val="1735865810"/>
+      </p:ext>
+    </p:extLst>
+  </p:cSld>
+  <p:clrMapOvr>
+    <a:masterClrMapping/>
+  </p:clrMapOvr>
+</p:sld>
+</file>
+
+<file path=ppt/slides/slide25.xml><?xml version="1.0" encoding="utf-8"?>
+<p:sld xmlns:a="http://schemas.openxmlformats.org/drawingml/2006/main" xmlns:r="http://schemas.openxmlformats.org/officeDocument/2006/relationships" xmlns:p="http://schemas.openxmlformats.org/presentationml/2006/main">
+  <p:cSld>
+    <p:spTree>
+      <p:nvGrpSpPr>
+        <p:cNvPr id="1" name=""/>
+        <p:cNvGrpSpPr/>
+        <p:nvPr/>
+      </p:nvGrpSpPr>
+      <p:grpSpPr>
+        <a:xfrm>
+          <a:off x="0" y="0"/>
+          <a:ext cx="0" cy="0"/>
+          <a:chOff x="0" y="0"/>
+          <a:chExt cx="0" cy="0"/>
+        </a:xfrm>
+      </p:grpSpPr>
+      <p:sp>
+        <p:nvSpPr>
+          <p:cNvPr id="2" name="제목 1">
+            <a:extLst>
+              <a:ext uri="{FF2B5EF4-FFF2-40B4-BE49-F238E27FC236}">
+                <a16:creationId xmlns:a16="http://schemas.microsoft.com/office/drawing/2014/main" id="{635C47BF-19DD-7A68-913E-EF8F14DBA234}"/>
+              </a:ext>
+            </a:extLst>
+          </p:cNvPr>
+          <p:cNvSpPr>
+            <a:spLocks noGrp="1"/>
+          </p:cNvSpPr>
+          <p:nvPr>
+            <p:ph type="title"/>
+          </p:nvPr>
+        </p:nvSpPr>
+        <p:spPr>
+          <a:xfrm>
+            <a:off x="479323" y="550606"/>
+            <a:ext cx="9875520" cy="481781"/>
+          </a:xfrm>
+        </p:spPr>
+        <p:txBody>
+          <a:bodyPr>
+            <a:noAutofit/>
+          </a:bodyPr>
+          <a:lstStyle/>
+          <a:p>
+            <a:pPr marL="571500" indent="-571500">
+              <a:buFont typeface="Arial" panose="020B0604020202020204" pitchFamily="34" charset="0"/>
+              <a:buChar char="•"/>
+            </a:pPr>
+            <a:r>
+              <a:rPr lang="ko-KR" altLang="en-US" sz="3200" dirty="0">
+                <a:latin typeface="+mj-ea"/>
+              </a:rPr>
+              <a:t>블록태그</a:t>
+            </a:r>
+            <a:r>
+              <a:rPr lang="en-US" altLang="ko-KR" sz="3200" dirty="0">
+                <a:latin typeface="+mj-ea"/>
+              </a:rPr>
+              <a:t>, </a:t>
+            </a:r>
+            <a:r>
+              <a:rPr lang="ko-KR" altLang="en-US" sz="3200" dirty="0">
+                <a:latin typeface="+mj-ea"/>
+              </a:rPr>
+              <a:t>인라인 태그</a:t>
+            </a:r>
+          </a:p>
+        </p:txBody>
+      </p:sp>
+      <p:pic>
+        <p:nvPicPr>
+          <p:cNvPr id="4" name="그림 3">
+            <a:extLst>
+              <a:ext uri="{FF2B5EF4-FFF2-40B4-BE49-F238E27FC236}">
+                <a16:creationId xmlns:a16="http://schemas.microsoft.com/office/drawing/2014/main" id="{193FB077-7CCF-D0B8-D767-BBCAE58C9723}"/>
+              </a:ext>
+            </a:extLst>
+          </p:cNvPr>
+          <p:cNvPicPr>
+            <a:picLocks noChangeAspect="1"/>
+          </p:cNvPicPr>
+          <p:nvPr/>
+        </p:nvPicPr>
+        <p:blipFill>
+          <a:blip r:embed="rId2"/>
+          <a:stretch>
+            <a:fillRect/>
+          </a:stretch>
+        </p:blipFill>
+        <p:spPr>
+          <a:xfrm>
+            <a:off x="479323" y="1157078"/>
+            <a:ext cx="7542459" cy="4312576"/>
+          </a:xfrm>
+          <a:prstGeom prst="rect">
+            <a:avLst/>
+          </a:prstGeom>
+        </p:spPr>
+      </p:pic>
+      <p:pic>
+        <p:nvPicPr>
+          <p:cNvPr id="6" name="그림 5">
+            <a:extLst>
+              <a:ext uri="{FF2B5EF4-FFF2-40B4-BE49-F238E27FC236}">
+                <a16:creationId xmlns:a16="http://schemas.microsoft.com/office/drawing/2014/main" id="{3745059D-4E8A-6BEF-02C4-9A1E057D05A3}"/>
+              </a:ext>
+            </a:extLst>
+          </p:cNvPr>
+          <p:cNvPicPr>
+            <a:picLocks noChangeAspect="1"/>
+          </p:cNvPicPr>
+          <p:nvPr/>
+        </p:nvPicPr>
+        <p:blipFill>
+          <a:blip r:embed="rId3"/>
+          <a:stretch>
+            <a:fillRect/>
+          </a:stretch>
+        </p:blipFill>
+        <p:spPr>
+          <a:xfrm>
+            <a:off x="6096000" y="4812523"/>
+            <a:ext cx="5838208" cy="1708744"/>
+          </a:xfrm>
+          <a:prstGeom prst="rect">
+            <a:avLst/>
+          </a:prstGeom>
+        </p:spPr>
+      </p:pic>
+      <p:sp>
+        <p:nvSpPr>
+          <p:cNvPr id="7" name="화살표: 오른쪽 6">
+            <a:extLst>
+              <a:ext uri="{FF2B5EF4-FFF2-40B4-BE49-F238E27FC236}">
+                <a16:creationId xmlns:a16="http://schemas.microsoft.com/office/drawing/2014/main" id="{104168AD-4AA7-2EBC-C39A-732FC9581025}"/>
+              </a:ext>
+            </a:extLst>
+          </p:cNvPr>
           <p:cNvSpPr/>
           <p:nvPr/>
         </p:nvSpPr>
         <p:spPr>
           <a:xfrm>
-            <a:off x="493964" y="3106171"/>
-            <a:ext cx="1890648" cy="461781"/>
-          </a:xfrm>
-          <a:prstGeom prst="roundRect">
-            <a:avLst/>
-          </a:prstGeom>
-          <a:noFill/>
-          <a:ln w="28575">
-            <a:solidFill>
-              <a:srgbClr val="C00000"/>
-            </a:solidFill>
-          </a:ln>
+            <a:off x="4676433" y="5662015"/>
+            <a:ext cx="1335428" cy="666891"/>
+          </a:xfrm>
+          <a:prstGeom prst="rightArrow">
+            <a:avLst/>
+          </a:prstGeom>
         </p:spPr>
         <p:style>
           <a:lnRef idx="2">
@@ -3594,67 +7459,104 @@
       </p:sp>
       <p:sp>
         <p:nvSpPr>
-          <p:cNvPr id="7" name="모서리가 둥근 직사각형 6"/>
-          <p:cNvSpPr/>
+          <p:cNvPr id="8" name="TextBox 7">
+            <a:extLst>
+              <a:ext uri="{FF2B5EF4-FFF2-40B4-BE49-F238E27FC236}">
+                <a16:creationId xmlns:a16="http://schemas.microsoft.com/office/drawing/2014/main" id="{C27938AF-C4CD-C307-1903-32B5207903C5}"/>
+              </a:ext>
+            </a:extLst>
+          </p:cNvPr>
+          <p:cNvSpPr txBox="1"/>
           <p:nvPr/>
         </p:nvSpPr>
         <p:spPr>
           <a:xfrm>
-            <a:off x="493964" y="4914757"/>
-            <a:ext cx="2715401" cy="410278"/>
-          </a:xfrm>
-          <a:prstGeom prst="roundRect">
+            <a:off x="4569769" y="5138795"/>
+            <a:ext cx="1442092" cy="523220"/>
+          </a:xfrm>
+          <a:prstGeom prst="rect">
             <a:avLst/>
           </a:prstGeom>
           <a:noFill/>
-          <a:ln w="28575">
-            <a:solidFill>
-              <a:srgbClr val="C00000"/>
-            </a:solidFill>
-          </a:ln>
-        </p:spPr>
-        <p:style>
-          <a:lnRef idx="2">
-            <a:schemeClr val="accent1">
-              <a:shade val="50000"/>
-            </a:schemeClr>
-          </a:lnRef>
-          <a:fillRef idx="1">
-            <a:schemeClr val="accent1"/>
-          </a:fillRef>
-          <a:effectRef idx="0">
-            <a:schemeClr val="accent1"/>
-          </a:effectRef>
-          <a:fontRef idx="minor">
-            <a:schemeClr val="lt1"/>
-          </a:fontRef>
-        </p:style>
-        <p:txBody>
-          <a:bodyPr rtlCol="0" anchor="ctr"/>
-          <a:lstStyle/>
-          <a:p>
-            <a:pPr algn="ctr"/>
-            <a:endParaRPr lang="ko-KR" altLang="en-US"/>
+        </p:spPr>
+        <p:txBody>
+          <a:bodyPr wrap="square" rtlCol="0">
+            <a:spAutoFit/>
+          </a:bodyPr>
+          <a:lstStyle/>
+          <a:p>
+            <a:r>
+              <a:rPr lang="en-US" altLang="ko-KR" sz="2800" dirty="0">
+                <a:solidFill>
+                  <a:schemeClr val="accent1"/>
+                </a:solidFill>
+              </a:rPr>
+              <a:t>&lt; </a:t>
+            </a:r>
+            <a:r>
+              <a:rPr lang="ko-KR" altLang="en-US" sz="2800" dirty="0">
+                <a:solidFill>
+                  <a:schemeClr val="accent1"/>
+                </a:solidFill>
+              </a:rPr>
+              <a:t>결과 </a:t>
+            </a:r>
+            <a:r>
+              <a:rPr lang="en-US" altLang="ko-KR" sz="2800" dirty="0">
+                <a:solidFill>
+                  <a:schemeClr val="accent1"/>
+                </a:solidFill>
+              </a:rPr>
+              <a:t>&gt;</a:t>
+            </a:r>
+            <a:endParaRPr lang="ko-KR" altLang="en-US" sz="2800" dirty="0">
+              <a:solidFill>
+                <a:schemeClr val="accent1"/>
+              </a:solidFill>
+            </a:endParaRPr>
           </a:p>
         </p:txBody>
       </p:sp>
     </p:spTree>
     <p:extLst>
       <p:ext uri="{BB962C8B-B14F-4D97-AF65-F5344CB8AC3E}">
-        <p14:creationId xmlns:p14="http://schemas.microsoft.com/office/powerpoint/2010/main" val="1819476527"/>
+        <p14:creationId xmlns:p14="http://schemas.microsoft.com/office/powerpoint/2010/main" val="130721161"/>
       </p:ext>
     </p:extLst>
   </p:cSld>
   <p:clrMapOvr>
     <a:masterClrMapping/>
   </p:clrMapOvr>
-  <p:timing>
-    <p:tnLst>
-      <p:par>
-        <p:cTn id="1" dur="indefinite" restart="never" nodeType="tmRoot"/>
-      </p:par>
-    </p:tnLst>
-  </p:timing>
+</p:sld>
+</file>
+
+<file path=ppt/slides/slide26.xml><?xml version="1.0" encoding="utf-8"?>
+<p:sld xmlns:a="http://schemas.openxmlformats.org/drawingml/2006/main" xmlns:r="http://schemas.openxmlformats.org/officeDocument/2006/relationships" xmlns:p="http://schemas.openxmlformats.org/presentationml/2006/main">
+  <p:cSld>
+    <p:spTree>
+      <p:nvGrpSpPr>
+        <p:cNvPr id="1" name=""/>
+        <p:cNvGrpSpPr/>
+        <p:nvPr/>
+      </p:nvGrpSpPr>
+      <p:grpSpPr>
+        <a:xfrm>
+          <a:off x="0" y="0"/>
+          <a:ext cx="0" cy="0"/>
+          <a:chOff x="0" y="0"/>
+          <a:chExt cx="0" cy="0"/>
+        </a:xfrm>
+      </p:grpSpPr>
+    </p:spTree>
+    <p:extLst>
+      <p:ext uri="{BB962C8B-B14F-4D97-AF65-F5344CB8AC3E}">
+        <p14:creationId xmlns:p14="http://schemas.microsoft.com/office/powerpoint/2010/main" val="196054215"/>
+      </p:ext>
+    </p:extLst>
+  </p:cSld>
+  <p:clrMapOvr>
+    <a:masterClrMapping/>
+  </p:clrMapOvr>
 </p:sld>
 </file>
 
@@ -3691,8 +7593,8 @@
         </p:blipFill>
         <p:spPr>
           <a:xfrm>
-            <a:off x="428031" y="409223"/>
-            <a:ext cx="4486901" cy="1019317"/>
+            <a:off x="306350" y="320116"/>
+            <a:ext cx="7864256" cy="1746196"/>
           </a:xfrm>
           <a:prstGeom prst="rect">
             <a:avLst/>
@@ -3715,24 +7617,48 @@
         </p:blipFill>
         <p:spPr>
           <a:xfrm>
-            <a:off x="428031" y="1733340"/>
-            <a:ext cx="6230219" cy="2457793"/>
+            <a:off x="306350" y="2227827"/>
+            <a:ext cx="7864256" cy="1293631"/>
           </a:xfrm>
           <a:prstGeom prst="rect">
             <a:avLst/>
           </a:prstGeom>
         </p:spPr>
       </p:pic>
-      <p:sp>
-        <p:nvSpPr>
-          <p:cNvPr id="4" name="모서리가 둥근 직사각형 3"/>
+      <p:pic>
+        <p:nvPicPr>
+          <p:cNvPr id="4" name="그림 3"/>
+          <p:cNvPicPr>
+            <a:picLocks noChangeAspect="1"/>
+          </p:cNvPicPr>
+          <p:nvPr/>
+        </p:nvPicPr>
+        <p:blipFill>
+          <a:blip r:embed="rId4"/>
+          <a:stretch>
+            <a:fillRect/>
+          </a:stretch>
+        </p:blipFill>
+        <p:spPr>
+          <a:xfrm>
+            <a:off x="306350" y="3682974"/>
+            <a:ext cx="7864256" cy="1933620"/>
+          </a:xfrm>
+          <a:prstGeom prst="rect">
+            <a:avLst/>
+          </a:prstGeom>
+        </p:spPr>
+      </p:pic>
+      <p:sp>
+        <p:nvSpPr>
+          <p:cNvPr id="5" name="모서리가 둥근 직사각형 4"/>
           <p:cNvSpPr/>
           <p:nvPr/>
         </p:nvSpPr>
         <p:spPr>
           <a:xfrm>
-            <a:off x="3418732" y="918881"/>
-            <a:ext cx="812610" cy="336178"/>
+            <a:off x="493964" y="1453473"/>
+            <a:ext cx="2620838" cy="582128"/>
           </a:xfrm>
           <a:prstGeom prst="roundRect">
             <a:avLst/>
@@ -3771,14 +7697,14 @@
       </p:sp>
       <p:sp>
         <p:nvSpPr>
-          <p:cNvPr id="5" name="모서리가 둥근 직사각형 4"/>
+          <p:cNvPr id="6" name="모서리가 둥근 직사각형 5"/>
           <p:cNvSpPr/>
           <p:nvPr/>
         </p:nvSpPr>
         <p:spPr>
           <a:xfrm>
-            <a:off x="804549" y="2531929"/>
-            <a:ext cx="2243451" cy="1659203"/>
+            <a:off x="493964" y="2731871"/>
+            <a:ext cx="1379081" cy="306297"/>
           </a:xfrm>
           <a:prstGeom prst="roundRect">
             <a:avLst/>
@@ -3815,6 +7741,222 @@
           </a:p>
         </p:txBody>
       </p:sp>
+      <p:sp>
+        <p:nvSpPr>
+          <p:cNvPr id="7" name="모서리가 둥근 직사각형 6"/>
+          <p:cNvSpPr/>
+          <p:nvPr/>
+        </p:nvSpPr>
+        <p:spPr>
+          <a:xfrm>
+            <a:off x="493964" y="4280576"/>
+            <a:ext cx="2057507" cy="350418"/>
+          </a:xfrm>
+          <a:prstGeom prst="roundRect">
+            <a:avLst/>
+          </a:prstGeom>
+          <a:noFill/>
+          <a:ln w="28575">
+            <a:solidFill>
+              <a:srgbClr val="C00000"/>
+            </a:solidFill>
+          </a:ln>
+        </p:spPr>
+        <p:style>
+          <a:lnRef idx="2">
+            <a:schemeClr val="accent1">
+              <a:shade val="50000"/>
+            </a:schemeClr>
+          </a:lnRef>
+          <a:fillRef idx="1">
+            <a:schemeClr val="accent1"/>
+          </a:fillRef>
+          <a:effectRef idx="0">
+            <a:schemeClr val="accent1"/>
+          </a:effectRef>
+          <a:fontRef idx="minor">
+            <a:schemeClr val="lt1"/>
+          </a:fontRef>
+        </p:style>
+        <p:txBody>
+          <a:bodyPr rtlCol="0" anchor="ctr"/>
+          <a:lstStyle/>
+          <a:p>
+            <a:pPr algn="ctr"/>
+            <a:endParaRPr lang="ko-KR" altLang="en-US"/>
+          </a:p>
+        </p:txBody>
+      </p:sp>
+    </p:spTree>
+    <p:extLst>
+      <p:ext uri="{BB962C8B-B14F-4D97-AF65-F5344CB8AC3E}">
+        <p14:creationId xmlns:p14="http://schemas.microsoft.com/office/powerpoint/2010/main" val="1819476527"/>
+      </p:ext>
+    </p:extLst>
+  </p:cSld>
+  <p:clrMapOvr>
+    <a:masterClrMapping/>
+  </p:clrMapOvr>
+</p:sld>
+</file>
+
+<file path=ppt/slides/slide4.xml><?xml version="1.0" encoding="utf-8"?>
+<p:sld xmlns:a="http://schemas.openxmlformats.org/drawingml/2006/main" xmlns:r="http://schemas.openxmlformats.org/officeDocument/2006/relationships" xmlns:p="http://schemas.openxmlformats.org/presentationml/2006/main">
+  <p:cSld>
+    <p:spTree>
+      <p:nvGrpSpPr>
+        <p:cNvPr id="1" name=""/>
+        <p:cNvGrpSpPr/>
+        <p:nvPr/>
+      </p:nvGrpSpPr>
+      <p:grpSpPr>
+        <a:xfrm>
+          <a:off x="0" y="0"/>
+          <a:ext cx="0" cy="0"/>
+          <a:chOff x="0" y="0"/>
+          <a:chExt cx="0" cy="0"/>
+        </a:xfrm>
+      </p:grpSpPr>
+      <p:pic>
+        <p:nvPicPr>
+          <p:cNvPr id="2" name="그림 1"/>
+          <p:cNvPicPr>
+            <a:picLocks noChangeAspect="1"/>
+          </p:cNvPicPr>
+          <p:nvPr/>
+        </p:nvPicPr>
+        <p:blipFill>
+          <a:blip r:embed="rId2"/>
+          <a:stretch>
+            <a:fillRect/>
+          </a:stretch>
+        </p:blipFill>
+        <p:spPr>
+          <a:xfrm>
+            <a:off x="428031" y="409223"/>
+            <a:ext cx="4486901" cy="1019317"/>
+          </a:xfrm>
+          <a:prstGeom prst="rect">
+            <a:avLst/>
+          </a:prstGeom>
+        </p:spPr>
+      </p:pic>
+      <p:pic>
+        <p:nvPicPr>
+          <p:cNvPr id="3" name="그림 2"/>
+          <p:cNvPicPr>
+            <a:picLocks noChangeAspect="1"/>
+          </p:cNvPicPr>
+          <p:nvPr/>
+        </p:nvPicPr>
+        <p:blipFill>
+          <a:blip r:embed="rId3"/>
+          <a:stretch>
+            <a:fillRect/>
+          </a:stretch>
+        </p:blipFill>
+        <p:spPr>
+          <a:xfrm>
+            <a:off x="428031" y="1733340"/>
+            <a:ext cx="6230219" cy="2457793"/>
+          </a:xfrm>
+          <a:prstGeom prst="rect">
+            <a:avLst/>
+          </a:prstGeom>
+        </p:spPr>
+      </p:pic>
+      <p:sp>
+        <p:nvSpPr>
+          <p:cNvPr id="4" name="모서리가 둥근 직사각형 3"/>
+          <p:cNvSpPr/>
+          <p:nvPr/>
+        </p:nvSpPr>
+        <p:spPr>
+          <a:xfrm>
+            <a:off x="3418732" y="918881"/>
+            <a:ext cx="812610" cy="336178"/>
+          </a:xfrm>
+          <a:prstGeom prst="roundRect">
+            <a:avLst/>
+          </a:prstGeom>
+          <a:noFill/>
+          <a:ln w="28575">
+            <a:solidFill>
+              <a:srgbClr val="C00000"/>
+            </a:solidFill>
+          </a:ln>
+        </p:spPr>
+        <p:style>
+          <a:lnRef idx="2">
+            <a:schemeClr val="accent1">
+              <a:shade val="50000"/>
+            </a:schemeClr>
+          </a:lnRef>
+          <a:fillRef idx="1">
+            <a:schemeClr val="accent1"/>
+          </a:fillRef>
+          <a:effectRef idx="0">
+            <a:schemeClr val="accent1"/>
+          </a:effectRef>
+          <a:fontRef idx="minor">
+            <a:schemeClr val="lt1"/>
+          </a:fontRef>
+        </p:style>
+        <p:txBody>
+          <a:bodyPr rtlCol="0" anchor="ctr"/>
+          <a:lstStyle/>
+          <a:p>
+            <a:pPr algn="ctr"/>
+            <a:endParaRPr lang="ko-KR" altLang="en-US"/>
+          </a:p>
+        </p:txBody>
+      </p:sp>
+      <p:sp>
+        <p:nvSpPr>
+          <p:cNvPr id="5" name="모서리가 둥근 직사각형 4"/>
+          <p:cNvSpPr/>
+          <p:nvPr/>
+        </p:nvSpPr>
+        <p:spPr>
+          <a:xfrm>
+            <a:off x="804549" y="2531929"/>
+            <a:ext cx="2243451" cy="1659203"/>
+          </a:xfrm>
+          <a:prstGeom prst="roundRect">
+            <a:avLst/>
+          </a:prstGeom>
+          <a:noFill/>
+          <a:ln w="28575">
+            <a:solidFill>
+              <a:srgbClr val="C00000"/>
+            </a:solidFill>
+          </a:ln>
+        </p:spPr>
+        <p:style>
+          <a:lnRef idx="2">
+            <a:schemeClr val="accent1">
+              <a:shade val="50000"/>
+            </a:schemeClr>
+          </a:lnRef>
+          <a:fillRef idx="1">
+            <a:schemeClr val="accent1"/>
+          </a:fillRef>
+          <a:effectRef idx="0">
+            <a:schemeClr val="accent1"/>
+          </a:effectRef>
+          <a:fontRef idx="minor">
+            <a:schemeClr val="lt1"/>
+          </a:fontRef>
+        </p:style>
+        <p:txBody>
+          <a:bodyPr rtlCol="0" anchor="ctr"/>
+          <a:lstStyle/>
+          <a:p>
+            <a:pPr algn="ctr"/>
+            <a:endParaRPr lang="ko-KR" altLang="en-US"/>
+          </a:p>
+        </p:txBody>
+      </p:sp>
     </p:spTree>
     <p:extLst>
       <p:ext uri="{BB962C8B-B14F-4D97-AF65-F5344CB8AC3E}">
@@ -3825,17 +7967,10 @@
   <p:clrMapOvr>
     <a:masterClrMapping/>
   </p:clrMapOvr>
-  <p:timing>
-    <p:tnLst>
-      <p:par>
-        <p:cTn id="1" dur="indefinite" restart="never" nodeType="tmRoot"/>
-      </p:par>
-    </p:tnLst>
-  </p:timing>
 </p:sld>
 </file>
 
-<file path=ppt/slides/slide4.xml><?xml version="1.0" encoding="utf-8"?>
+<file path=ppt/slides/slide5.xml><?xml version="1.0" encoding="utf-8"?>
 <p:sld xmlns:a="http://schemas.openxmlformats.org/drawingml/2006/main" xmlns:r="http://schemas.openxmlformats.org/officeDocument/2006/relationships" xmlns:p="http://schemas.openxmlformats.org/presentationml/2006/main">
   <p:cSld>
     <p:spTree>
@@ -3978,50 +8113,6 @@
   <p:clrMapOvr>
     <a:masterClrMapping/>
   </p:clrMapOvr>
-  <p:timing>
-    <p:tnLst>
-      <p:par>
-        <p:cTn id="1" dur="indefinite" restart="never" nodeType="tmRoot"/>
-      </p:par>
-    </p:tnLst>
-  </p:timing>
-</p:sld>
-</file>
-
-<file path=ppt/slides/slide5.xml><?xml version="1.0" encoding="utf-8"?>
-<p:sld xmlns:a="http://schemas.openxmlformats.org/drawingml/2006/main" xmlns:r="http://schemas.openxmlformats.org/officeDocument/2006/relationships" xmlns:p="http://schemas.openxmlformats.org/presentationml/2006/main">
-  <p:cSld>
-    <p:spTree>
-      <p:nvGrpSpPr>
-        <p:cNvPr id="1" name=""/>
-        <p:cNvGrpSpPr/>
-        <p:nvPr/>
-      </p:nvGrpSpPr>
-      <p:grpSpPr>
-        <a:xfrm>
-          <a:off x="0" y="0"/>
-          <a:ext cx="0" cy="0"/>
-          <a:chOff x="0" y="0"/>
-          <a:chExt cx="0" cy="0"/>
-        </a:xfrm>
-      </p:grpSpPr>
-    </p:spTree>
-    <p:extLst>
-      <p:ext uri="{BB962C8B-B14F-4D97-AF65-F5344CB8AC3E}">
-        <p14:creationId xmlns:p14="http://schemas.microsoft.com/office/powerpoint/2010/main" val="3958443304"/>
-      </p:ext>
-    </p:extLst>
-  </p:cSld>
-  <p:clrMapOvr>
-    <a:masterClrMapping/>
-  </p:clrMapOvr>
-  <p:timing>
-    <p:tnLst>
-      <p:par>
-        <p:cTn id="1" dur="indefinite" restart="never" nodeType="tmRoot"/>
-      </p:par>
-    </p:tnLst>
-  </p:timing>
 </p:sld>
 </file>
 
@@ -4042,23 +8133,223 @@
           <a:chExt cx="0" cy="0"/>
         </a:xfrm>
       </p:grpSpPr>
+      <p:sp>
+        <p:nvSpPr>
+          <p:cNvPr id="2" name="제목 1">
+            <a:extLst>
+              <a:ext uri="{FF2B5EF4-FFF2-40B4-BE49-F238E27FC236}">
+                <a16:creationId xmlns:a16="http://schemas.microsoft.com/office/drawing/2014/main" id="{635C47BF-19DD-7A68-913E-EF8F14DBA234}"/>
+              </a:ext>
+            </a:extLst>
+          </p:cNvPr>
+          <p:cNvSpPr>
+            <a:spLocks noGrp="1"/>
+          </p:cNvSpPr>
+          <p:nvPr>
+            <p:ph type="title"/>
+          </p:nvPr>
+        </p:nvSpPr>
+        <p:spPr>
+          <a:xfrm>
+            <a:off x="479323" y="550606"/>
+            <a:ext cx="9875520" cy="481781"/>
+          </a:xfrm>
+        </p:spPr>
+        <p:txBody>
+          <a:bodyPr>
+            <a:noAutofit/>
+          </a:bodyPr>
+          <a:lstStyle/>
+          <a:p>
+            <a:pPr marL="571500" indent="-571500">
+              <a:buFont typeface="Arial" panose="020B0604020202020204" pitchFamily="34" charset="0"/>
+              <a:buChar char="•"/>
+            </a:pPr>
+            <a:r>
+              <a:rPr lang="ko-KR" altLang="en-US" sz="3200" dirty="0">
+                <a:latin typeface="+mj-ea"/>
+              </a:rPr>
+              <a:t>문서의 기본 구조를 나타내 주는 태그 </a:t>
+            </a:r>
+          </a:p>
+        </p:txBody>
+      </p:sp>
+      <p:pic>
+        <p:nvPicPr>
+          <p:cNvPr id="6" name="그림 5">
+            <a:extLst>
+              <a:ext uri="{FF2B5EF4-FFF2-40B4-BE49-F238E27FC236}">
+                <a16:creationId xmlns:a16="http://schemas.microsoft.com/office/drawing/2014/main" id="{34FAFA3B-E645-FFF9-D532-E3E71813ADB5}"/>
+              </a:ext>
+            </a:extLst>
+          </p:cNvPr>
+          <p:cNvPicPr>
+            <a:picLocks noChangeAspect="1"/>
+          </p:cNvPicPr>
+          <p:nvPr/>
+        </p:nvPicPr>
+        <p:blipFill>
+          <a:blip r:embed="rId2"/>
+          <a:stretch>
+            <a:fillRect/>
+          </a:stretch>
+        </p:blipFill>
+        <p:spPr>
+          <a:xfrm>
+            <a:off x="479323" y="1166038"/>
+            <a:ext cx="7675613" cy="3091170"/>
+          </a:xfrm>
+          <a:prstGeom prst="rect">
+            <a:avLst/>
+          </a:prstGeom>
+        </p:spPr>
+      </p:pic>
+      <p:pic>
+        <p:nvPicPr>
+          <p:cNvPr id="8" name="그림 7">
+            <a:extLst>
+              <a:ext uri="{FF2B5EF4-FFF2-40B4-BE49-F238E27FC236}">
+                <a16:creationId xmlns:a16="http://schemas.microsoft.com/office/drawing/2014/main" id="{8ADC3045-6FD4-192E-CB85-EF7A7EE499B5}"/>
+              </a:ext>
+            </a:extLst>
+          </p:cNvPr>
+          <p:cNvPicPr>
+            <a:picLocks noChangeAspect="1"/>
+          </p:cNvPicPr>
+          <p:nvPr/>
+        </p:nvPicPr>
+        <p:blipFill>
+          <a:blip r:embed="rId3"/>
+          <a:stretch>
+            <a:fillRect/>
+          </a:stretch>
+        </p:blipFill>
+        <p:spPr>
+          <a:xfrm>
+            <a:off x="8450053" y="2711623"/>
+            <a:ext cx="3334215" cy="3772426"/>
+          </a:xfrm>
+          <a:prstGeom prst="rect">
+            <a:avLst/>
+          </a:prstGeom>
+        </p:spPr>
+      </p:pic>
+      <p:sp>
+        <p:nvSpPr>
+          <p:cNvPr id="9" name="화살표: 오른쪽 8">
+            <a:extLst>
+              <a:ext uri="{FF2B5EF4-FFF2-40B4-BE49-F238E27FC236}">
+                <a16:creationId xmlns:a16="http://schemas.microsoft.com/office/drawing/2014/main" id="{F7A0CACB-9090-1CB4-6886-F1C5F67174B1}"/>
+              </a:ext>
+            </a:extLst>
+          </p:cNvPr>
+          <p:cNvSpPr/>
+          <p:nvPr/>
+        </p:nvSpPr>
+        <p:spPr>
+          <a:xfrm>
+            <a:off x="6672499" y="4597836"/>
+            <a:ext cx="1335428" cy="666891"/>
+          </a:xfrm>
+          <a:prstGeom prst="rightArrow">
+            <a:avLst/>
+          </a:prstGeom>
+        </p:spPr>
+        <p:style>
+          <a:lnRef idx="2">
+            <a:schemeClr val="accent1">
+              <a:shade val="50000"/>
+            </a:schemeClr>
+          </a:lnRef>
+          <a:fillRef idx="1">
+            <a:schemeClr val="accent1"/>
+          </a:fillRef>
+          <a:effectRef idx="0">
+            <a:schemeClr val="accent1"/>
+          </a:effectRef>
+          <a:fontRef idx="minor">
+            <a:schemeClr val="lt1"/>
+          </a:fontRef>
+        </p:style>
+        <p:txBody>
+          <a:bodyPr rtlCol="0" anchor="ctr"/>
+          <a:lstStyle/>
+          <a:p>
+            <a:pPr algn="ctr"/>
+            <a:endParaRPr lang="ko-KR" altLang="en-US"/>
+          </a:p>
+        </p:txBody>
+      </p:sp>
+      <p:sp>
+        <p:nvSpPr>
+          <p:cNvPr id="10" name="TextBox 9">
+            <a:extLst>
+              <a:ext uri="{FF2B5EF4-FFF2-40B4-BE49-F238E27FC236}">
+                <a16:creationId xmlns:a16="http://schemas.microsoft.com/office/drawing/2014/main" id="{774316CF-2689-3C85-4391-F0E702A69276}"/>
+              </a:ext>
+            </a:extLst>
+          </p:cNvPr>
+          <p:cNvSpPr txBox="1"/>
+          <p:nvPr/>
+        </p:nvSpPr>
+        <p:spPr>
+          <a:xfrm>
+            <a:off x="6672499" y="3904302"/>
+            <a:ext cx="1442092" cy="523220"/>
+          </a:xfrm>
+          <a:prstGeom prst="rect">
+            <a:avLst/>
+          </a:prstGeom>
+          <a:noFill/>
+        </p:spPr>
+        <p:txBody>
+          <a:bodyPr wrap="square" rtlCol="0">
+            <a:spAutoFit/>
+          </a:bodyPr>
+          <a:lstStyle/>
+          <a:p>
+            <a:r>
+              <a:rPr lang="en-US" altLang="ko-KR" sz="2800" dirty="0">
+                <a:solidFill>
+                  <a:schemeClr val="accent1"/>
+                </a:solidFill>
+              </a:rPr>
+              <a:t>&lt; </a:t>
+            </a:r>
+            <a:r>
+              <a:rPr lang="ko-KR" altLang="en-US" sz="2800" dirty="0">
+                <a:solidFill>
+                  <a:schemeClr val="accent1"/>
+                </a:solidFill>
+              </a:rPr>
+              <a:t>결과 </a:t>
+            </a:r>
+            <a:r>
+              <a:rPr lang="en-US" altLang="ko-KR" sz="2800" dirty="0">
+                <a:solidFill>
+                  <a:schemeClr val="accent1"/>
+                </a:solidFill>
+              </a:rPr>
+              <a:t>&gt;</a:t>
+            </a:r>
+            <a:endParaRPr lang="ko-KR" altLang="en-US" sz="2800" dirty="0">
+              <a:solidFill>
+                <a:schemeClr val="accent1"/>
+              </a:solidFill>
+            </a:endParaRPr>
+          </a:p>
+        </p:txBody>
+      </p:sp>
     </p:spTree>
     <p:extLst>
       <p:ext uri="{BB962C8B-B14F-4D97-AF65-F5344CB8AC3E}">
-        <p14:creationId xmlns:p14="http://schemas.microsoft.com/office/powerpoint/2010/main" val="3040574436"/>
+        <p14:creationId xmlns:p14="http://schemas.microsoft.com/office/powerpoint/2010/main" val="3615664906"/>
       </p:ext>
     </p:extLst>
   </p:cSld>
   <p:clrMapOvr>
     <a:masterClrMapping/>
   </p:clrMapOvr>
-  <p:timing>
-    <p:tnLst>
-      <p:par>
-        <p:cTn id="1" dur="indefinite" restart="never" nodeType="tmRoot"/>
-      </p:par>
-    </p:tnLst>
-  </p:timing>
 </p:sld>
 </file>
 
@@ -4079,23 +8370,223 @@
           <a:chExt cx="0" cy="0"/>
         </a:xfrm>
       </p:grpSpPr>
+      <p:sp>
+        <p:nvSpPr>
+          <p:cNvPr id="2" name="제목 1">
+            <a:extLst>
+              <a:ext uri="{FF2B5EF4-FFF2-40B4-BE49-F238E27FC236}">
+                <a16:creationId xmlns:a16="http://schemas.microsoft.com/office/drawing/2014/main" id="{635C47BF-19DD-7A68-913E-EF8F14DBA234}"/>
+              </a:ext>
+            </a:extLst>
+          </p:cNvPr>
+          <p:cNvSpPr>
+            <a:spLocks noGrp="1"/>
+          </p:cNvSpPr>
+          <p:nvPr>
+            <p:ph type="title"/>
+          </p:nvPr>
+        </p:nvSpPr>
+        <p:spPr>
+          <a:xfrm>
+            <a:off x="479323" y="550606"/>
+            <a:ext cx="9875520" cy="481781"/>
+          </a:xfrm>
+        </p:spPr>
+        <p:txBody>
+          <a:bodyPr>
+            <a:noAutofit/>
+          </a:bodyPr>
+          <a:lstStyle/>
+          <a:p>
+            <a:pPr marL="571500" indent="-571500">
+              <a:buFont typeface="Arial" panose="020B0604020202020204" pitchFamily="34" charset="0"/>
+              <a:buChar char="•"/>
+            </a:pPr>
+            <a:r>
+              <a:rPr lang="ko-KR" altLang="en-US" sz="3200" dirty="0">
+                <a:latin typeface="+mj-ea"/>
+              </a:rPr>
+              <a:t>문단 혹은 줄을 바꾸는 태그 </a:t>
+            </a:r>
+          </a:p>
+        </p:txBody>
+      </p:sp>
+      <p:pic>
+        <p:nvPicPr>
+          <p:cNvPr id="4" name="그림 3">
+            <a:extLst>
+              <a:ext uri="{FF2B5EF4-FFF2-40B4-BE49-F238E27FC236}">
+                <a16:creationId xmlns:a16="http://schemas.microsoft.com/office/drawing/2014/main" id="{50D262FB-5543-7D51-03D2-66C1112FDFED}"/>
+              </a:ext>
+            </a:extLst>
+          </p:cNvPr>
+          <p:cNvPicPr>
+            <a:picLocks noChangeAspect="1"/>
+          </p:cNvPicPr>
+          <p:nvPr/>
+        </p:nvPicPr>
+        <p:blipFill>
+          <a:blip r:embed="rId2"/>
+          <a:stretch>
+            <a:fillRect/>
+          </a:stretch>
+        </p:blipFill>
+        <p:spPr>
+          <a:xfrm>
+            <a:off x="479323" y="1169993"/>
+            <a:ext cx="7687748" cy="3648584"/>
+          </a:xfrm>
+          <a:prstGeom prst="rect">
+            <a:avLst/>
+          </a:prstGeom>
+        </p:spPr>
+      </p:pic>
+      <p:pic>
+        <p:nvPicPr>
+          <p:cNvPr id="6" name="그림 5">
+            <a:extLst>
+              <a:ext uri="{FF2B5EF4-FFF2-40B4-BE49-F238E27FC236}">
+                <a16:creationId xmlns:a16="http://schemas.microsoft.com/office/drawing/2014/main" id="{6B055145-4B79-F648-F72B-3E98C6263863}"/>
+              </a:ext>
+            </a:extLst>
+          </p:cNvPr>
+          <p:cNvPicPr>
+            <a:picLocks noChangeAspect="1"/>
+          </p:cNvPicPr>
+          <p:nvPr/>
+        </p:nvPicPr>
+        <p:blipFill>
+          <a:blip r:embed="rId3"/>
+          <a:stretch>
+            <a:fillRect/>
+          </a:stretch>
+        </p:blipFill>
+        <p:spPr>
+          <a:xfrm>
+            <a:off x="6096000" y="4564075"/>
+            <a:ext cx="5776210" cy="1972101"/>
+          </a:xfrm>
+          <a:prstGeom prst="rect">
+            <a:avLst/>
+          </a:prstGeom>
+        </p:spPr>
+      </p:pic>
+      <p:sp>
+        <p:nvSpPr>
+          <p:cNvPr id="8" name="화살표: 오른쪽 7">
+            <a:extLst>
+              <a:ext uri="{FF2B5EF4-FFF2-40B4-BE49-F238E27FC236}">
+                <a16:creationId xmlns:a16="http://schemas.microsoft.com/office/drawing/2014/main" id="{2915661F-C83D-5244-8CC2-8094D825A072}"/>
+              </a:ext>
+            </a:extLst>
+          </p:cNvPr>
+          <p:cNvSpPr/>
+          <p:nvPr/>
+        </p:nvSpPr>
+        <p:spPr>
+          <a:xfrm>
+            <a:off x="4497336" y="5550125"/>
+            <a:ext cx="1335428" cy="666891"/>
+          </a:xfrm>
+          <a:prstGeom prst="rightArrow">
+            <a:avLst/>
+          </a:prstGeom>
+        </p:spPr>
+        <p:style>
+          <a:lnRef idx="2">
+            <a:schemeClr val="accent1">
+              <a:shade val="50000"/>
+            </a:schemeClr>
+          </a:lnRef>
+          <a:fillRef idx="1">
+            <a:schemeClr val="accent1"/>
+          </a:fillRef>
+          <a:effectRef idx="0">
+            <a:schemeClr val="accent1"/>
+          </a:effectRef>
+          <a:fontRef idx="minor">
+            <a:schemeClr val="lt1"/>
+          </a:fontRef>
+        </p:style>
+        <p:txBody>
+          <a:bodyPr rtlCol="0" anchor="ctr"/>
+          <a:lstStyle/>
+          <a:p>
+            <a:pPr algn="ctr"/>
+            <a:endParaRPr lang="ko-KR" altLang="en-US"/>
+          </a:p>
+        </p:txBody>
+      </p:sp>
+      <p:sp>
+        <p:nvSpPr>
+          <p:cNvPr id="9" name="TextBox 8">
+            <a:extLst>
+              <a:ext uri="{FF2B5EF4-FFF2-40B4-BE49-F238E27FC236}">
+                <a16:creationId xmlns:a16="http://schemas.microsoft.com/office/drawing/2014/main" id="{F236DDC0-AFCA-76E4-C0BC-D41A22F62A28}"/>
+              </a:ext>
+            </a:extLst>
+          </p:cNvPr>
+          <p:cNvSpPr txBox="1"/>
+          <p:nvPr/>
+        </p:nvSpPr>
+        <p:spPr>
+          <a:xfrm>
+            <a:off x="4390672" y="4818577"/>
+            <a:ext cx="1442092" cy="523220"/>
+          </a:xfrm>
+          <a:prstGeom prst="rect">
+            <a:avLst/>
+          </a:prstGeom>
+          <a:noFill/>
+        </p:spPr>
+        <p:txBody>
+          <a:bodyPr wrap="square" rtlCol="0">
+            <a:spAutoFit/>
+          </a:bodyPr>
+          <a:lstStyle/>
+          <a:p>
+            <a:r>
+              <a:rPr lang="en-US" altLang="ko-KR" sz="2800" dirty="0">
+                <a:solidFill>
+                  <a:schemeClr val="accent1"/>
+                </a:solidFill>
+              </a:rPr>
+              <a:t>&lt; </a:t>
+            </a:r>
+            <a:r>
+              <a:rPr lang="ko-KR" altLang="en-US" sz="2800" dirty="0">
+                <a:solidFill>
+                  <a:schemeClr val="accent1"/>
+                </a:solidFill>
+              </a:rPr>
+              <a:t>결과 </a:t>
+            </a:r>
+            <a:r>
+              <a:rPr lang="en-US" altLang="ko-KR" sz="2800" dirty="0">
+                <a:solidFill>
+                  <a:schemeClr val="accent1"/>
+                </a:solidFill>
+              </a:rPr>
+              <a:t>&gt;</a:t>
+            </a:r>
+            <a:endParaRPr lang="ko-KR" altLang="en-US" sz="2800" dirty="0">
+              <a:solidFill>
+                <a:schemeClr val="accent1"/>
+              </a:solidFill>
+            </a:endParaRPr>
+          </a:p>
+        </p:txBody>
+      </p:sp>
     </p:spTree>
     <p:extLst>
       <p:ext uri="{BB962C8B-B14F-4D97-AF65-F5344CB8AC3E}">
-        <p14:creationId xmlns:p14="http://schemas.microsoft.com/office/powerpoint/2010/main" val="3982502674"/>
+        <p14:creationId xmlns:p14="http://schemas.microsoft.com/office/powerpoint/2010/main" val="3175942963"/>
       </p:ext>
     </p:extLst>
   </p:cSld>
   <p:clrMapOvr>
     <a:masterClrMapping/>
   </p:clrMapOvr>
-  <p:timing>
-    <p:tnLst>
-      <p:par>
-        <p:cTn id="1" dur="indefinite" restart="never" nodeType="tmRoot"/>
-      </p:par>
-    </p:tnLst>
-  </p:timing>
 </p:sld>
 </file>
 
@@ -4116,23 +8607,460 @@
           <a:chExt cx="0" cy="0"/>
         </a:xfrm>
       </p:grpSpPr>
+      <p:sp>
+        <p:nvSpPr>
+          <p:cNvPr id="2" name="제목 1">
+            <a:extLst>
+              <a:ext uri="{FF2B5EF4-FFF2-40B4-BE49-F238E27FC236}">
+                <a16:creationId xmlns:a16="http://schemas.microsoft.com/office/drawing/2014/main" id="{635C47BF-19DD-7A68-913E-EF8F14DBA234}"/>
+              </a:ext>
+            </a:extLst>
+          </p:cNvPr>
+          <p:cNvSpPr>
+            <a:spLocks noGrp="1"/>
+          </p:cNvSpPr>
+          <p:nvPr>
+            <p:ph type="title"/>
+          </p:nvPr>
+        </p:nvSpPr>
+        <p:spPr>
+          <a:xfrm>
+            <a:off x="479323" y="550606"/>
+            <a:ext cx="9875520" cy="481781"/>
+          </a:xfrm>
+        </p:spPr>
+        <p:txBody>
+          <a:bodyPr>
+            <a:noAutofit/>
+          </a:bodyPr>
+          <a:lstStyle/>
+          <a:p>
+            <a:pPr marL="571500" indent="-571500">
+              <a:buFont typeface="Arial" panose="020B0604020202020204" pitchFamily="34" charset="0"/>
+              <a:buChar char="•"/>
+            </a:pPr>
+            <a:r>
+              <a:rPr lang="ko-KR" altLang="en-US" sz="3200" dirty="0">
+                <a:latin typeface="+mj-ea"/>
+              </a:rPr>
+              <a:t>선 그리기 태그 </a:t>
+            </a:r>
+          </a:p>
+        </p:txBody>
+      </p:sp>
+      <p:pic>
+        <p:nvPicPr>
+          <p:cNvPr id="4" name="그림 3">
+            <a:extLst>
+              <a:ext uri="{FF2B5EF4-FFF2-40B4-BE49-F238E27FC236}">
+                <a16:creationId xmlns:a16="http://schemas.microsoft.com/office/drawing/2014/main" id="{1873CC68-B47F-E1DB-38B5-B3160A3BD68C}"/>
+              </a:ext>
+            </a:extLst>
+          </p:cNvPr>
+          <p:cNvPicPr>
+            <a:picLocks noChangeAspect="1"/>
+          </p:cNvPicPr>
+          <p:nvPr/>
+        </p:nvPicPr>
+        <p:blipFill>
+          <a:blip r:embed="rId2"/>
+          <a:stretch>
+            <a:fillRect/>
+          </a:stretch>
+        </p:blipFill>
+        <p:spPr>
+          <a:xfrm>
+            <a:off x="479323" y="1157078"/>
+            <a:ext cx="8459812" cy="3415258"/>
+          </a:xfrm>
+          <a:prstGeom prst="rect">
+            <a:avLst/>
+          </a:prstGeom>
+        </p:spPr>
+      </p:pic>
+      <p:pic>
+        <p:nvPicPr>
+          <p:cNvPr id="6" name="그림 5">
+            <a:extLst>
+              <a:ext uri="{FF2B5EF4-FFF2-40B4-BE49-F238E27FC236}">
+                <a16:creationId xmlns:a16="http://schemas.microsoft.com/office/drawing/2014/main" id="{60063130-F9CE-B1C8-F7CA-57D7BF89039A}"/>
+              </a:ext>
+            </a:extLst>
+          </p:cNvPr>
+          <p:cNvPicPr>
+            <a:picLocks noChangeAspect="1"/>
+          </p:cNvPicPr>
+          <p:nvPr/>
+        </p:nvPicPr>
+        <p:blipFill>
+          <a:blip r:embed="rId3"/>
+          <a:stretch>
+            <a:fillRect/>
+          </a:stretch>
+        </p:blipFill>
+        <p:spPr>
+          <a:xfrm>
+            <a:off x="3209453" y="4951914"/>
+            <a:ext cx="8736988" cy="873699"/>
+          </a:xfrm>
+          <a:prstGeom prst="rect">
+            <a:avLst/>
+          </a:prstGeom>
+        </p:spPr>
+      </p:pic>
+      <p:sp>
+        <p:nvSpPr>
+          <p:cNvPr id="9" name="화살표: 오른쪽 8">
+            <a:extLst>
+              <a:ext uri="{FF2B5EF4-FFF2-40B4-BE49-F238E27FC236}">
+                <a16:creationId xmlns:a16="http://schemas.microsoft.com/office/drawing/2014/main" id="{D50A1D10-5904-C61D-3996-C5AB0AF205B1}"/>
+              </a:ext>
+            </a:extLst>
+          </p:cNvPr>
+          <p:cNvSpPr/>
+          <p:nvPr/>
+        </p:nvSpPr>
+        <p:spPr>
+          <a:xfrm>
+            <a:off x="1435481" y="5285359"/>
+            <a:ext cx="1335428" cy="666891"/>
+          </a:xfrm>
+          <a:prstGeom prst="rightArrow">
+            <a:avLst/>
+          </a:prstGeom>
+        </p:spPr>
+        <p:style>
+          <a:lnRef idx="2">
+            <a:schemeClr val="accent1">
+              <a:shade val="50000"/>
+            </a:schemeClr>
+          </a:lnRef>
+          <a:fillRef idx="1">
+            <a:schemeClr val="accent1"/>
+          </a:fillRef>
+          <a:effectRef idx="0">
+            <a:schemeClr val="accent1"/>
+          </a:effectRef>
+          <a:fontRef idx="minor">
+            <a:schemeClr val="lt1"/>
+          </a:fontRef>
+        </p:style>
+        <p:txBody>
+          <a:bodyPr rtlCol="0" anchor="ctr"/>
+          <a:lstStyle/>
+          <a:p>
+            <a:pPr algn="ctr"/>
+            <a:endParaRPr lang="ko-KR" altLang="en-US"/>
+          </a:p>
+        </p:txBody>
+      </p:sp>
+      <p:sp>
+        <p:nvSpPr>
+          <p:cNvPr id="10" name="TextBox 9">
+            <a:extLst>
+              <a:ext uri="{FF2B5EF4-FFF2-40B4-BE49-F238E27FC236}">
+                <a16:creationId xmlns:a16="http://schemas.microsoft.com/office/drawing/2014/main" id="{45EE9717-4C9A-FE98-6435-3D4D2F9A9661}"/>
+              </a:ext>
+            </a:extLst>
+          </p:cNvPr>
+          <p:cNvSpPr txBox="1"/>
+          <p:nvPr/>
+        </p:nvSpPr>
+        <p:spPr>
+          <a:xfrm>
+            <a:off x="1435481" y="4762139"/>
+            <a:ext cx="1442092" cy="523220"/>
+          </a:xfrm>
+          <a:prstGeom prst="rect">
+            <a:avLst/>
+          </a:prstGeom>
+          <a:noFill/>
+        </p:spPr>
+        <p:txBody>
+          <a:bodyPr wrap="square" rtlCol="0">
+            <a:spAutoFit/>
+          </a:bodyPr>
+          <a:lstStyle/>
+          <a:p>
+            <a:r>
+              <a:rPr lang="en-US" altLang="ko-KR" sz="2800" dirty="0">
+                <a:solidFill>
+                  <a:schemeClr val="accent1"/>
+                </a:solidFill>
+              </a:rPr>
+              <a:t>&lt; </a:t>
+            </a:r>
+            <a:r>
+              <a:rPr lang="ko-KR" altLang="en-US" sz="2800" dirty="0">
+                <a:solidFill>
+                  <a:schemeClr val="accent1"/>
+                </a:solidFill>
+              </a:rPr>
+              <a:t>결과 </a:t>
+            </a:r>
+            <a:r>
+              <a:rPr lang="en-US" altLang="ko-KR" sz="2800" dirty="0">
+                <a:solidFill>
+                  <a:schemeClr val="accent1"/>
+                </a:solidFill>
+              </a:rPr>
+              <a:t>&gt;</a:t>
+            </a:r>
+            <a:endParaRPr lang="ko-KR" altLang="en-US" sz="2800" dirty="0">
+              <a:solidFill>
+                <a:schemeClr val="accent1"/>
+              </a:solidFill>
+            </a:endParaRPr>
+          </a:p>
+        </p:txBody>
+      </p:sp>
     </p:spTree>
     <p:extLst>
       <p:ext uri="{BB962C8B-B14F-4D97-AF65-F5344CB8AC3E}">
-        <p14:creationId xmlns:p14="http://schemas.microsoft.com/office/powerpoint/2010/main" val="196054215"/>
+        <p14:creationId xmlns:p14="http://schemas.microsoft.com/office/powerpoint/2010/main" val="3016452585"/>
       </p:ext>
     </p:extLst>
   </p:cSld>
   <p:clrMapOvr>
     <a:masterClrMapping/>
   </p:clrMapOvr>
-  <p:timing>
-    <p:tnLst>
-      <p:par>
-        <p:cTn id="1" dur="indefinite" restart="never" nodeType="tmRoot"/>
-      </p:par>
-    </p:tnLst>
-  </p:timing>
+</p:sld>
+</file>
+
+<file path=ppt/slides/slide9.xml><?xml version="1.0" encoding="utf-8"?>
+<p:sld xmlns:a="http://schemas.openxmlformats.org/drawingml/2006/main" xmlns:r="http://schemas.openxmlformats.org/officeDocument/2006/relationships" xmlns:p="http://schemas.openxmlformats.org/presentationml/2006/main">
+  <p:cSld>
+    <p:spTree>
+      <p:nvGrpSpPr>
+        <p:cNvPr id="1" name=""/>
+        <p:cNvGrpSpPr/>
+        <p:nvPr/>
+      </p:nvGrpSpPr>
+      <p:grpSpPr>
+        <a:xfrm>
+          <a:off x="0" y="0"/>
+          <a:ext cx="0" cy="0"/>
+          <a:chOff x="0" y="0"/>
+          <a:chExt cx="0" cy="0"/>
+        </a:xfrm>
+      </p:grpSpPr>
+      <p:sp>
+        <p:nvSpPr>
+          <p:cNvPr id="2" name="제목 1">
+            <a:extLst>
+              <a:ext uri="{FF2B5EF4-FFF2-40B4-BE49-F238E27FC236}">
+                <a16:creationId xmlns:a16="http://schemas.microsoft.com/office/drawing/2014/main" id="{635C47BF-19DD-7A68-913E-EF8F14DBA234}"/>
+              </a:ext>
+            </a:extLst>
+          </p:cNvPr>
+          <p:cNvSpPr>
+            <a:spLocks noGrp="1"/>
+          </p:cNvSpPr>
+          <p:nvPr>
+            <p:ph type="title"/>
+          </p:nvPr>
+        </p:nvSpPr>
+        <p:spPr>
+          <a:xfrm>
+            <a:off x="479323" y="550606"/>
+            <a:ext cx="9875520" cy="481781"/>
+          </a:xfrm>
+        </p:spPr>
+        <p:txBody>
+          <a:bodyPr>
+            <a:noAutofit/>
+          </a:bodyPr>
+          <a:lstStyle/>
+          <a:p>
+            <a:pPr marL="571500" indent="-571500">
+              <a:buFont typeface="Arial" panose="020B0604020202020204" pitchFamily="34" charset="0"/>
+              <a:buChar char="•"/>
+            </a:pPr>
+            <a:r>
+              <a:rPr lang="ko-KR" altLang="en-US" sz="3200" dirty="0">
+                <a:latin typeface="+mj-ea"/>
+              </a:rPr>
+              <a:t>목록을 정리해 주는 태그 </a:t>
+            </a:r>
+          </a:p>
+        </p:txBody>
+      </p:sp>
+      <p:pic>
+        <p:nvPicPr>
+          <p:cNvPr id="4" name="그림 3">
+            <a:extLst>
+              <a:ext uri="{FF2B5EF4-FFF2-40B4-BE49-F238E27FC236}">
+                <a16:creationId xmlns:a16="http://schemas.microsoft.com/office/drawing/2014/main" id="{CE4C73DC-12F5-CDE0-9C32-D4E59EDDA179}"/>
+              </a:ext>
+            </a:extLst>
+          </p:cNvPr>
+          <p:cNvPicPr>
+            <a:picLocks noChangeAspect="1"/>
+          </p:cNvPicPr>
+          <p:nvPr/>
+        </p:nvPicPr>
+        <p:blipFill>
+          <a:blip r:embed="rId2"/>
+          <a:stretch>
+            <a:fillRect/>
+          </a:stretch>
+        </p:blipFill>
+        <p:spPr>
+          <a:xfrm>
+            <a:off x="479323" y="1116879"/>
+            <a:ext cx="6843528" cy="3677245"/>
+          </a:xfrm>
+          <a:prstGeom prst="rect">
+            <a:avLst/>
+          </a:prstGeom>
+        </p:spPr>
+      </p:pic>
+      <p:pic>
+        <p:nvPicPr>
+          <p:cNvPr id="6" name="그림 5">
+            <a:extLst>
+              <a:ext uri="{FF2B5EF4-FFF2-40B4-BE49-F238E27FC236}">
+                <a16:creationId xmlns:a16="http://schemas.microsoft.com/office/drawing/2014/main" id="{F31EC88E-920E-2080-9B14-06FADC17EB5E}"/>
+              </a:ext>
+            </a:extLst>
+          </p:cNvPr>
+          <p:cNvPicPr>
+            <a:picLocks noChangeAspect="1"/>
+          </p:cNvPicPr>
+          <p:nvPr/>
+        </p:nvPicPr>
+        <p:blipFill>
+          <a:blip r:embed="rId3"/>
+          <a:stretch>
+            <a:fillRect/>
+          </a:stretch>
+        </p:blipFill>
+        <p:spPr>
+          <a:xfrm>
+            <a:off x="7322851" y="3164170"/>
+            <a:ext cx="4528504" cy="3259908"/>
+          </a:xfrm>
+          <a:prstGeom prst="rect">
+            <a:avLst/>
+          </a:prstGeom>
+        </p:spPr>
+      </p:pic>
+      <p:sp>
+        <p:nvSpPr>
+          <p:cNvPr id="7" name="화살표: 오른쪽 6">
+            <a:extLst>
+              <a:ext uri="{FF2B5EF4-FFF2-40B4-BE49-F238E27FC236}">
+                <a16:creationId xmlns:a16="http://schemas.microsoft.com/office/drawing/2014/main" id="{FEAC9E94-B572-FCE5-6DD8-DFEE4D0D4410}"/>
+              </a:ext>
+            </a:extLst>
+          </p:cNvPr>
+          <p:cNvSpPr/>
+          <p:nvPr/>
+        </p:nvSpPr>
+        <p:spPr>
+          <a:xfrm>
+            <a:off x="5688826" y="5275655"/>
+            <a:ext cx="1335428" cy="666891"/>
+          </a:xfrm>
+          <a:prstGeom prst="rightArrow">
+            <a:avLst/>
+          </a:prstGeom>
+        </p:spPr>
+        <p:style>
+          <a:lnRef idx="2">
+            <a:schemeClr val="accent1">
+              <a:shade val="50000"/>
+            </a:schemeClr>
+          </a:lnRef>
+          <a:fillRef idx="1">
+            <a:schemeClr val="accent1"/>
+          </a:fillRef>
+          <a:effectRef idx="0">
+            <a:schemeClr val="accent1"/>
+          </a:effectRef>
+          <a:fontRef idx="minor">
+            <a:schemeClr val="lt1"/>
+          </a:fontRef>
+        </p:style>
+        <p:txBody>
+          <a:bodyPr rtlCol="0" anchor="ctr"/>
+          <a:lstStyle/>
+          <a:p>
+            <a:pPr algn="ctr"/>
+            <a:endParaRPr lang="ko-KR" altLang="en-US"/>
+          </a:p>
+        </p:txBody>
+      </p:sp>
+      <p:sp>
+        <p:nvSpPr>
+          <p:cNvPr id="8" name="TextBox 7">
+            <a:extLst>
+              <a:ext uri="{FF2B5EF4-FFF2-40B4-BE49-F238E27FC236}">
+                <a16:creationId xmlns:a16="http://schemas.microsoft.com/office/drawing/2014/main" id="{0CD6325E-8D4A-7302-3C0A-32043D15849F}"/>
+              </a:ext>
+            </a:extLst>
+          </p:cNvPr>
+          <p:cNvSpPr txBox="1"/>
+          <p:nvPr/>
+        </p:nvSpPr>
+        <p:spPr>
+          <a:xfrm>
+            <a:off x="5688826" y="4745897"/>
+            <a:ext cx="1442092" cy="523220"/>
+          </a:xfrm>
+          <a:prstGeom prst="rect">
+            <a:avLst/>
+          </a:prstGeom>
+          <a:noFill/>
+        </p:spPr>
+        <p:txBody>
+          <a:bodyPr wrap="square" rtlCol="0">
+            <a:spAutoFit/>
+          </a:bodyPr>
+          <a:lstStyle/>
+          <a:p>
+            <a:r>
+              <a:rPr lang="en-US" altLang="ko-KR" sz="2800" dirty="0">
+                <a:solidFill>
+                  <a:schemeClr val="accent1"/>
+                </a:solidFill>
+              </a:rPr>
+              <a:t>&lt; </a:t>
+            </a:r>
+            <a:r>
+              <a:rPr lang="ko-KR" altLang="en-US" sz="2800" dirty="0">
+                <a:solidFill>
+                  <a:schemeClr val="accent1"/>
+                </a:solidFill>
+              </a:rPr>
+              <a:t>결과 </a:t>
+            </a:r>
+            <a:r>
+              <a:rPr lang="en-US" altLang="ko-KR" sz="2800" dirty="0">
+                <a:solidFill>
+                  <a:schemeClr val="accent1"/>
+                </a:solidFill>
+              </a:rPr>
+              <a:t>&gt;</a:t>
+            </a:r>
+            <a:endParaRPr lang="ko-KR" altLang="en-US" sz="2800" dirty="0">
+              <a:solidFill>
+                <a:schemeClr val="accent1"/>
+              </a:solidFill>
+            </a:endParaRPr>
+          </a:p>
+        </p:txBody>
+      </p:sp>
+    </p:spTree>
+    <p:extLst>
+      <p:ext uri="{BB962C8B-B14F-4D97-AF65-F5344CB8AC3E}">
+        <p14:creationId xmlns:p14="http://schemas.microsoft.com/office/powerpoint/2010/main" val="51496347"/>
+      </p:ext>
+    </p:extLst>
+  </p:cSld>
+  <p:clrMapOvr>
+    <a:masterClrMapping/>
+  </p:clrMapOvr>
 </p:sld>
 </file>
 

--- a/과제PPT/기업업무 1강.pptx
+++ b/과제PPT/기업업무 1강.pptx
@@ -28,8 +28,8 @@
     <p:sldId id="280" r:id="rId22"/>
     <p:sldId id="282" r:id="rId23"/>
     <p:sldId id="283" r:id="rId24"/>
-    <p:sldId id="284" r:id="rId25"/>
-    <p:sldId id="281" r:id="rId26"/>
+    <p:sldId id="281" r:id="rId25"/>
+    <p:sldId id="284" r:id="rId26"/>
     <p:sldId id="263" r:id="rId27"/>
   </p:sldIdLst>
   <p:sldSz cx="12192000" cy="6858000"/>
@@ -349,7 +349,7 @@
             <a:fld id="{96DFF08F-DC6B-4601-B491-B0F83F6DD2DA}" type="datetimeFigureOut">
               <a:rPr lang="en-US" dirty="0"/>
               <a:pPr/>
-              <a:t>5/14/2023</a:t>
+              <a:t>5/15/2023</a:t>
             </a:fld>
             <a:endParaRPr lang="en-US" dirty="0"/>
           </a:p>
@@ -566,7 +566,7 @@
           <a:p>
             <a:fld id="{96DFF08F-DC6B-4601-B491-B0F83F6DD2DA}" type="datetimeFigureOut">
               <a:rPr lang="en-US" dirty="0"/>
-              <a:t>5/14/2023</a:t>
+              <a:t>5/15/2023</a:t>
             </a:fld>
             <a:endParaRPr lang="en-US" dirty="0"/>
           </a:p>
@@ -741,7 +741,7 @@
           <a:p>
             <a:fld id="{96DFF08F-DC6B-4601-B491-B0F83F6DD2DA}" type="datetimeFigureOut">
               <a:rPr lang="en-US" dirty="0"/>
-              <a:t>5/14/2023</a:t>
+              <a:t>5/15/2023</a:t>
             </a:fld>
             <a:endParaRPr lang="en-US" dirty="0"/>
           </a:p>
@@ -906,7 +906,7 @@
           <a:p>
             <a:fld id="{96DFF08F-DC6B-4601-B491-B0F83F6DD2DA}" type="datetimeFigureOut">
               <a:rPr lang="en-US" dirty="0"/>
-              <a:t>5/14/2023</a:t>
+              <a:t>5/15/2023</a:t>
             </a:fld>
             <a:endParaRPr lang="en-US" dirty="0"/>
           </a:p>
@@ -1175,7 +1175,7 @@
           <a:p>
             <a:fld id="{96DFF08F-DC6B-4601-B491-B0F83F6DD2DA}" type="datetimeFigureOut">
               <a:rPr lang="en-US" dirty="0"/>
-              <a:t>5/14/2023</a:t>
+              <a:t>5/15/2023</a:t>
             </a:fld>
             <a:endParaRPr lang="en-US" dirty="0"/>
           </a:p>
@@ -1493,7 +1493,7 @@
           <a:p>
             <a:fld id="{96DFF08F-DC6B-4601-B491-B0F83F6DD2DA}" type="datetimeFigureOut">
               <a:rPr lang="en-US" dirty="0"/>
-              <a:t>5/14/2023</a:t>
+              <a:t>5/15/2023</a:t>
             </a:fld>
             <a:endParaRPr lang="en-US" dirty="0"/>
           </a:p>
@@ -1912,7 +1912,7 @@
           <a:p>
             <a:fld id="{96DFF08F-DC6B-4601-B491-B0F83F6DD2DA}" type="datetimeFigureOut">
               <a:rPr lang="en-US" dirty="0"/>
-              <a:t>5/14/2023</a:t>
+              <a:t>5/15/2023</a:t>
             </a:fld>
             <a:endParaRPr lang="en-US" dirty="0"/>
           </a:p>
@@ -2025,7 +2025,7 @@
           <a:p>
             <a:fld id="{96DFF08F-DC6B-4601-B491-B0F83F6DD2DA}" type="datetimeFigureOut">
               <a:rPr lang="en-US" dirty="0"/>
-              <a:t>5/14/2023</a:t>
+              <a:t>5/15/2023</a:t>
             </a:fld>
             <a:endParaRPr lang="en-US" dirty="0"/>
           </a:p>
@@ -2115,7 +2115,7 @@
           <a:p>
             <a:fld id="{96DFF08F-DC6B-4601-B491-B0F83F6DD2DA}" type="datetimeFigureOut">
               <a:rPr lang="en-US" dirty="0"/>
-              <a:t>5/14/2023</a:t>
+              <a:t>5/15/2023</a:t>
             </a:fld>
             <a:endParaRPr lang="en-US" dirty="0"/>
           </a:p>
@@ -2400,7 +2400,7 @@
           <a:p>
             <a:fld id="{96DFF08F-DC6B-4601-B491-B0F83F6DD2DA}" type="datetimeFigureOut">
               <a:rPr lang="en-US" dirty="0"/>
-              <a:t>5/14/2023</a:t>
+              <a:t>5/15/2023</a:t>
             </a:fld>
             <a:endParaRPr lang="en-US" dirty="0"/>
           </a:p>
@@ -2667,7 +2667,7 @@
           <a:p>
             <a:fld id="{96DFF08F-DC6B-4601-B491-B0F83F6DD2DA}" type="datetimeFigureOut">
               <a:rPr lang="en-US" dirty="0"/>
-              <a:t>5/14/2023</a:t>
+              <a:t>5/15/2023</a:t>
             </a:fld>
             <a:endParaRPr lang="en-US" dirty="0"/>
           </a:p>
@@ -2917,7 +2917,7 @@
             <a:fld id="{96DFF08F-DC6B-4601-B491-B0F83F6DD2DA}" type="datetimeFigureOut">
               <a:rPr lang="en-US" dirty="0"/>
               <a:pPr/>
-              <a:t>5/14/2023</a:t>
+              <a:t>5/15/2023</a:t>
             </a:fld>
             <a:endParaRPr lang="en-US" dirty="0"/>
           </a:p>
@@ -3593,7 +3593,7 @@
           <p:cNvPr id="2" name="제목 1">
             <a:extLst>
               <a:ext uri="{FF2B5EF4-FFF2-40B4-BE49-F238E27FC236}">
-                <a16:creationId xmlns:a16="http://schemas.microsoft.com/office/drawing/2014/main" id="{635C47BF-19DD-7A68-913E-EF8F14DBA234}"/>
+                <a16:creationId xmlns:a16="http://schemas.microsoft.com/office/drawing/2014/main" xmlns="" id="{635C47BF-19DD-7A68-913E-EF8F14DBA234}"/>
               </a:ext>
             </a:extLst>
           </p:cNvPr>
@@ -3652,7 +3652,7 @@
           <p:cNvPr id="4" name="그림 3">
             <a:extLst>
               <a:ext uri="{FF2B5EF4-FFF2-40B4-BE49-F238E27FC236}">
-                <a16:creationId xmlns:a16="http://schemas.microsoft.com/office/drawing/2014/main" id="{39EC71CB-B1C3-8E9E-D662-050355F93B1A}"/>
+                <a16:creationId xmlns:a16="http://schemas.microsoft.com/office/drawing/2014/main" xmlns="" id="{39EC71CB-B1C3-8E9E-D662-050355F93B1A}"/>
               </a:ext>
             </a:extLst>
           </p:cNvPr>
@@ -3682,7 +3682,7 @@
           <p:cNvPr id="6" name="그림 5">
             <a:extLst>
               <a:ext uri="{FF2B5EF4-FFF2-40B4-BE49-F238E27FC236}">
-                <a16:creationId xmlns:a16="http://schemas.microsoft.com/office/drawing/2014/main" id="{19E66B89-9C85-0124-F897-2BE6763FD64E}"/>
+                <a16:creationId xmlns:a16="http://schemas.microsoft.com/office/drawing/2014/main" xmlns="" id="{19E66B89-9C85-0124-F897-2BE6763FD64E}"/>
               </a:ext>
             </a:extLst>
           </p:cNvPr>
@@ -3712,7 +3712,7 @@
           <p:cNvPr id="7" name="화살표: 오른쪽 6">
             <a:extLst>
               <a:ext uri="{FF2B5EF4-FFF2-40B4-BE49-F238E27FC236}">
-                <a16:creationId xmlns:a16="http://schemas.microsoft.com/office/drawing/2014/main" id="{348A3A05-3D1E-008D-641B-4D4CA575520F}"/>
+                <a16:creationId xmlns:a16="http://schemas.microsoft.com/office/drawing/2014/main" xmlns="" id="{348A3A05-3D1E-008D-641B-4D4CA575520F}"/>
               </a:ext>
             </a:extLst>
           </p:cNvPr>
@@ -3758,7 +3758,7 @@
           <p:cNvPr id="8" name="TextBox 7">
             <a:extLst>
               <a:ext uri="{FF2B5EF4-FFF2-40B4-BE49-F238E27FC236}">
-                <a16:creationId xmlns:a16="http://schemas.microsoft.com/office/drawing/2014/main" id="{57AF1518-7916-E1C3-6AEA-0A58605640CD}"/>
+                <a16:creationId xmlns:a16="http://schemas.microsoft.com/office/drawing/2014/main" xmlns="" id="{57AF1518-7916-E1C3-6AEA-0A58605640CD}"/>
               </a:ext>
             </a:extLst>
           </p:cNvPr>
@@ -3848,7 +3848,7 @@
           <p:cNvPr id="2" name="제목 1">
             <a:extLst>
               <a:ext uri="{FF2B5EF4-FFF2-40B4-BE49-F238E27FC236}">
-                <a16:creationId xmlns:a16="http://schemas.microsoft.com/office/drawing/2014/main" id="{635C47BF-19DD-7A68-913E-EF8F14DBA234}"/>
+                <a16:creationId xmlns:a16="http://schemas.microsoft.com/office/drawing/2014/main" xmlns="" id="{635C47BF-19DD-7A68-913E-EF8F14DBA234}"/>
               </a:ext>
             </a:extLst>
           </p:cNvPr>
@@ -3907,7 +3907,7 @@
           <p:cNvPr id="4" name="그림 3">
             <a:extLst>
               <a:ext uri="{FF2B5EF4-FFF2-40B4-BE49-F238E27FC236}">
-                <a16:creationId xmlns:a16="http://schemas.microsoft.com/office/drawing/2014/main" id="{0957AA1C-EDF3-EE0C-32A0-FDF0287D7850}"/>
+                <a16:creationId xmlns:a16="http://schemas.microsoft.com/office/drawing/2014/main" xmlns="" id="{0957AA1C-EDF3-EE0C-32A0-FDF0287D7850}"/>
               </a:ext>
             </a:extLst>
           </p:cNvPr>
@@ -3937,7 +3937,7 @@
           <p:cNvPr id="6" name="그림 5">
             <a:extLst>
               <a:ext uri="{FF2B5EF4-FFF2-40B4-BE49-F238E27FC236}">
-                <a16:creationId xmlns:a16="http://schemas.microsoft.com/office/drawing/2014/main" id="{1E9DEBCF-96B8-E7AA-B3D8-79CF024D9731}"/>
+                <a16:creationId xmlns:a16="http://schemas.microsoft.com/office/drawing/2014/main" xmlns="" id="{1E9DEBCF-96B8-E7AA-B3D8-79CF024D9731}"/>
               </a:ext>
             </a:extLst>
           </p:cNvPr>
@@ -3967,7 +3967,7 @@
           <p:cNvPr id="7" name="화살표: 오른쪽 6">
             <a:extLst>
               <a:ext uri="{FF2B5EF4-FFF2-40B4-BE49-F238E27FC236}">
-                <a16:creationId xmlns:a16="http://schemas.microsoft.com/office/drawing/2014/main" id="{377F6EB9-04DD-E48B-35F4-1FDC8C656B50}"/>
+                <a16:creationId xmlns:a16="http://schemas.microsoft.com/office/drawing/2014/main" xmlns="" id="{377F6EB9-04DD-E48B-35F4-1FDC8C656B50}"/>
               </a:ext>
             </a:extLst>
           </p:cNvPr>
@@ -4013,7 +4013,7 @@
           <p:cNvPr id="8" name="TextBox 7">
             <a:extLst>
               <a:ext uri="{FF2B5EF4-FFF2-40B4-BE49-F238E27FC236}">
-                <a16:creationId xmlns:a16="http://schemas.microsoft.com/office/drawing/2014/main" id="{9EACEF18-3773-C1E3-C895-16E79BA820EE}"/>
+                <a16:creationId xmlns:a16="http://schemas.microsoft.com/office/drawing/2014/main" xmlns="" id="{9EACEF18-3773-C1E3-C895-16E79BA820EE}"/>
               </a:ext>
             </a:extLst>
           </p:cNvPr>
@@ -4103,7 +4103,7 @@
           <p:cNvPr id="2" name="제목 1">
             <a:extLst>
               <a:ext uri="{FF2B5EF4-FFF2-40B4-BE49-F238E27FC236}">
-                <a16:creationId xmlns:a16="http://schemas.microsoft.com/office/drawing/2014/main" id="{635C47BF-19DD-7A68-913E-EF8F14DBA234}"/>
+                <a16:creationId xmlns:a16="http://schemas.microsoft.com/office/drawing/2014/main" xmlns="" id="{635C47BF-19DD-7A68-913E-EF8F14DBA234}"/>
               </a:ext>
             </a:extLst>
           </p:cNvPr>
@@ -4144,7 +4144,7 @@
           <p:cNvPr id="4" name="그림 3">
             <a:extLst>
               <a:ext uri="{FF2B5EF4-FFF2-40B4-BE49-F238E27FC236}">
-                <a16:creationId xmlns:a16="http://schemas.microsoft.com/office/drawing/2014/main" id="{0CCFF9D3-5444-26E8-15BB-C1C93D5703D4}"/>
+                <a16:creationId xmlns:a16="http://schemas.microsoft.com/office/drawing/2014/main" xmlns="" id="{0CCFF9D3-5444-26E8-15BB-C1C93D5703D4}"/>
               </a:ext>
             </a:extLst>
           </p:cNvPr>
@@ -4174,7 +4174,7 @@
           <p:cNvPr id="6" name="그림 5">
             <a:extLst>
               <a:ext uri="{FF2B5EF4-FFF2-40B4-BE49-F238E27FC236}">
-                <a16:creationId xmlns:a16="http://schemas.microsoft.com/office/drawing/2014/main" id="{182E2669-04BF-B00B-015A-9A5125870AC4}"/>
+                <a16:creationId xmlns:a16="http://schemas.microsoft.com/office/drawing/2014/main" xmlns="" id="{182E2669-04BF-B00B-015A-9A5125870AC4}"/>
               </a:ext>
             </a:extLst>
           </p:cNvPr>
@@ -4204,7 +4204,7 @@
           <p:cNvPr id="7" name="화살표: 오른쪽 6">
             <a:extLst>
               <a:ext uri="{FF2B5EF4-FFF2-40B4-BE49-F238E27FC236}">
-                <a16:creationId xmlns:a16="http://schemas.microsoft.com/office/drawing/2014/main" id="{6DCEBFB2-C9E8-2E53-75C1-573454306C7D}"/>
+                <a16:creationId xmlns:a16="http://schemas.microsoft.com/office/drawing/2014/main" xmlns="" id="{6DCEBFB2-C9E8-2E53-75C1-573454306C7D}"/>
               </a:ext>
             </a:extLst>
           </p:cNvPr>
@@ -4250,7 +4250,7 @@
           <p:cNvPr id="8" name="TextBox 7">
             <a:extLst>
               <a:ext uri="{FF2B5EF4-FFF2-40B4-BE49-F238E27FC236}">
-                <a16:creationId xmlns:a16="http://schemas.microsoft.com/office/drawing/2014/main" id="{82D2A4B0-45CD-4F74-F411-1CE3BD84ADA9}"/>
+                <a16:creationId xmlns:a16="http://schemas.microsoft.com/office/drawing/2014/main" xmlns="" id="{82D2A4B0-45CD-4F74-F411-1CE3BD84ADA9}"/>
               </a:ext>
             </a:extLst>
           </p:cNvPr>
@@ -4340,7 +4340,7 @@
           <p:cNvPr id="2" name="제목 1">
             <a:extLst>
               <a:ext uri="{FF2B5EF4-FFF2-40B4-BE49-F238E27FC236}">
-                <a16:creationId xmlns:a16="http://schemas.microsoft.com/office/drawing/2014/main" id="{635C47BF-19DD-7A68-913E-EF8F14DBA234}"/>
+                <a16:creationId xmlns:a16="http://schemas.microsoft.com/office/drawing/2014/main" xmlns="" id="{635C47BF-19DD-7A68-913E-EF8F14DBA234}"/>
               </a:ext>
             </a:extLst>
           </p:cNvPr>
@@ -4390,7 +4390,7 @@
           <p:cNvPr id="4" name="그림 3">
             <a:extLst>
               <a:ext uri="{FF2B5EF4-FFF2-40B4-BE49-F238E27FC236}">
-                <a16:creationId xmlns:a16="http://schemas.microsoft.com/office/drawing/2014/main" id="{FA6E82DB-0B30-4A69-36D1-E33010E36AF1}"/>
+                <a16:creationId xmlns:a16="http://schemas.microsoft.com/office/drawing/2014/main" xmlns="" id="{FA6E82DB-0B30-4A69-36D1-E33010E36AF1}"/>
               </a:ext>
             </a:extLst>
           </p:cNvPr>
@@ -4420,7 +4420,7 @@
           <p:cNvPr id="6" name="그림 5">
             <a:extLst>
               <a:ext uri="{FF2B5EF4-FFF2-40B4-BE49-F238E27FC236}">
-                <a16:creationId xmlns:a16="http://schemas.microsoft.com/office/drawing/2014/main" id="{3AB2A78B-6F32-7CAF-0DF2-E19A949771E7}"/>
+                <a16:creationId xmlns:a16="http://schemas.microsoft.com/office/drawing/2014/main" xmlns="" id="{3AB2A78B-6F32-7CAF-0DF2-E19A949771E7}"/>
               </a:ext>
             </a:extLst>
           </p:cNvPr>
@@ -4450,7 +4450,7 @@
           <p:cNvPr id="7" name="화살표: 오른쪽 6">
             <a:extLst>
               <a:ext uri="{FF2B5EF4-FFF2-40B4-BE49-F238E27FC236}">
-                <a16:creationId xmlns:a16="http://schemas.microsoft.com/office/drawing/2014/main" id="{2E52D649-F013-8717-AF4F-5792F88809A9}"/>
+                <a16:creationId xmlns:a16="http://schemas.microsoft.com/office/drawing/2014/main" xmlns="" id="{2E52D649-F013-8717-AF4F-5792F88809A9}"/>
               </a:ext>
             </a:extLst>
           </p:cNvPr>
@@ -4496,7 +4496,7 @@
           <p:cNvPr id="8" name="TextBox 7">
             <a:extLst>
               <a:ext uri="{FF2B5EF4-FFF2-40B4-BE49-F238E27FC236}">
-                <a16:creationId xmlns:a16="http://schemas.microsoft.com/office/drawing/2014/main" id="{6C5B5E04-678C-3E3A-CF98-754E7F60DD80}"/>
+                <a16:creationId xmlns:a16="http://schemas.microsoft.com/office/drawing/2014/main" xmlns="" id="{6C5B5E04-678C-3E3A-CF98-754E7F60DD80}"/>
               </a:ext>
             </a:extLst>
           </p:cNvPr>
@@ -4586,7 +4586,7 @@
           <p:cNvPr id="2" name="제목 1">
             <a:extLst>
               <a:ext uri="{FF2B5EF4-FFF2-40B4-BE49-F238E27FC236}">
-                <a16:creationId xmlns:a16="http://schemas.microsoft.com/office/drawing/2014/main" id="{635C47BF-19DD-7A68-913E-EF8F14DBA234}"/>
+                <a16:creationId xmlns:a16="http://schemas.microsoft.com/office/drawing/2014/main" xmlns="" id="{635C47BF-19DD-7A68-913E-EF8F14DBA234}"/>
               </a:ext>
             </a:extLst>
           </p:cNvPr>
@@ -4636,7 +4636,7 @@
           <p:cNvPr id="4" name="그림 3">
             <a:extLst>
               <a:ext uri="{FF2B5EF4-FFF2-40B4-BE49-F238E27FC236}">
-                <a16:creationId xmlns:a16="http://schemas.microsoft.com/office/drawing/2014/main" id="{1187F3FF-F4F3-CD77-9918-A06EB400D219}"/>
+                <a16:creationId xmlns:a16="http://schemas.microsoft.com/office/drawing/2014/main" xmlns="" id="{1187F3FF-F4F3-CD77-9918-A06EB400D219}"/>
               </a:ext>
             </a:extLst>
           </p:cNvPr>
@@ -4666,7 +4666,7 @@
           <p:cNvPr id="6" name="그림 5">
             <a:extLst>
               <a:ext uri="{FF2B5EF4-FFF2-40B4-BE49-F238E27FC236}">
-                <a16:creationId xmlns:a16="http://schemas.microsoft.com/office/drawing/2014/main" id="{28046C9D-A7B9-CA45-360D-8B0A94231D4E}"/>
+                <a16:creationId xmlns:a16="http://schemas.microsoft.com/office/drawing/2014/main" xmlns="" id="{28046C9D-A7B9-CA45-360D-8B0A94231D4E}"/>
               </a:ext>
             </a:extLst>
           </p:cNvPr>
@@ -4696,7 +4696,7 @@
           <p:cNvPr id="7" name="화살표: 오른쪽 6">
             <a:extLst>
               <a:ext uri="{FF2B5EF4-FFF2-40B4-BE49-F238E27FC236}">
-                <a16:creationId xmlns:a16="http://schemas.microsoft.com/office/drawing/2014/main" id="{DD8C83BB-8C77-CA1B-52D4-48048C992DC1}"/>
+                <a16:creationId xmlns:a16="http://schemas.microsoft.com/office/drawing/2014/main" xmlns="" id="{DD8C83BB-8C77-CA1B-52D4-48048C992DC1}"/>
               </a:ext>
             </a:extLst>
           </p:cNvPr>
@@ -4742,7 +4742,7 @@
           <p:cNvPr id="8" name="TextBox 7">
             <a:extLst>
               <a:ext uri="{FF2B5EF4-FFF2-40B4-BE49-F238E27FC236}">
-                <a16:creationId xmlns:a16="http://schemas.microsoft.com/office/drawing/2014/main" id="{D0CF2C55-0674-8640-68E8-816D4D59C6AF}"/>
+                <a16:creationId xmlns:a16="http://schemas.microsoft.com/office/drawing/2014/main" xmlns="" id="{D0CF2C55-0674-8640-68E8-816D4D59C6AF}"/>
               </a:ext>
             </a:extLst>
           </p:cNvPr>
@@ -4832,7 +4832,7 @@
           <p:cNvPr id="2" name="제목 1">
             <a:extLst>
               <a:ext uri="{FF2B5EF4-FFF2-40B4-BE49-F238E27FC236}">
-                <a16:creationId xmlns:a16="http://schemas.microsoft.com/office/drawing/2014/main" id="{635C47BF-19DD-7A68-913E-EF8F14DBA234}"/>
+                <a16:creationId xmlns:a16="http://schemas.microsoft.com/office/drawing/2014/main" xmlns="" id="{635C47BF-19DD-7A68-913E-EF8F14DBA234}"/>
               </a:ext>
             </a:extLst>
           </p:cNvPr>
@@ -4873,7 +4873,7 @@
           <p:cNvPr id="4" name="그림 3">
             <a:extLst>
               <a:ext uri="{FF2B5EF4-FFF2-40B4-BE49-F238E27FC236}">
-                <a16:creationId xmlns:a16="http://schemas.microsoft.com/office/drawing/2014/main" id="{9AFDC4F0-8DD4-0FE8-9131-9C93B6D8775C}"/>
+                <a16:creationId xmlns:a16="http://schemas.microsoft.com/office/drawing/2014/main" xmlns="" id="{9AFDC4F0-8DD4-0FE8-9131-9C93B6D8775C}"/>
               </a:ext>
             </a:extLst>
           </p:cNvPr>
@@ -4903,7 +4903,7 @@
           <p:cNvPr id="6" name="그림 5">
             <a:extLst>
               <a:ext uri="{FF2B5EF4-FFF2-40B4-BE49-F238E27FC236}">
-                <a16:creationId xmlns:a16="http://schemas.microsoft.com/office/drawing/2014/main" id="{35213836-96D2-2C88-A01C-9B466B3AC3B4}"/>
+                <a16:creationId xmlns:a16="http://schemas.microsoft.com/office/drawing/2014/main" xmlns="" id="{35213836-96D2-2C88-A01C-9B466B3AC3B4}"/>
               </a:ext>
             </a:extLst>
           </p:cNvPr>
@@ -4933,7 +4933,7 @@
           <p:cNvPr id="8" name="그림 7">
             <a:extLst>
               <a:ext uri="{FF2B5EF4-FFF2-40B4-BE49-F238E27FC236}">
-                <a16:creationId xmlns:a16="http://schemas.microsoft.com/office/drawing/2014/main" id="{DAFE2B7C-7252-6903-AB33-5D54FF3A9352}"/>
+                <a16:creationId xmlns:a16="http://schemas.microsoft.com/office/drawing/2014/main" xmlns="" id="{DAFE2B7C-7252-6903-AB33-5D54FF3A9352}"/>
               </a:ext>
             </a:extLst>
           </p:cNvPr>
@@ -4963,7 +4963,7 @@
           <p:cNvPr id="10" name="그림 9">
             <a:extLst>
               <a:ext uri="{FF2B5EF4-FFF2-40B4-BE49-F238E27FC236}">
-                <a16:creationId xmlns:a16="http://schemas.microsoft.com/office/drawing/2014/main" id="{647FC1BE-CC0F-0CD0-5FF3-189068C64692}"/>
+                <a16:creationId xmlns:a16="http://schemas.microsoft.com/office/drawing/2014/main" xmlns="" id="{647FC1BE-CC0F-0CD0-5FF3-189068C64692}"/>
               </a:ext>
             </a:extLst>
           </p:cNvPr>
@@ -4993,7 +4993,7 @@
           <p:cNvPr id="11" name="화살표: 오른쪽 10">
             <a:extLst>
               <a:ext uri="{FF2B5EF4-FFF2-40B4-BE49-F238E27FC236}">
-                <a16:creationId xmlns:a16="http://schemas.microsoft.com/office/drawing/2014/main" id="{BA064BA3-3F21-E42C-1DBF-DF36450B10D2}"/>
+                <a16:creationId xmlns:a16="http://schemas.microsoft.com/office/drawing/2014/main" xmlns="" id="{BA064BA3-3F21-E42C-1DBF-DF36450B10D2}"/>
               </a:ext>
             </a:extLst>
           </p:cNvPr>
@@ -5039,7 +5039,7 @@
           <p:cNvPr id="12" name="화살표: 오른쪽 11">
             <a:extLst>
               <a:ext uri="{FF2B5EF4-FFF2-40B4-BE49-F238E27FC236}">
-                <a16:creationId xmlns:a16="http://schemas.microsoft.com/office/drawing/2014/main" id="{97E514FA-2D7B-B36D-D278-B2FA3FCC9FE8}"/>
+                <a16:creationId xmlns:a16="http://schemas.microsoft.com/office/drawing/2014/main" xmlns="" id="{97E514FA-2D7B-B36D-D278-B2FA3FCC9FE8}"/>
               </a:ext>
             </a:extLst>
           </p:cNvPr>
@@ -5085,7 +5085,7 @@
           <p:cNvPr id="13" name="사각형: 둥근 모서리 12">
             <a:extLst>
               <a:ext uri="{FF2B5EF4-FFF2-40B4-BE49-F238E27FC236}">
-                <a16:creationId xmlns:a16="http://schemas.microsoft.com/office/drawing/2014/main" id="{514A602B-A69A-3240-562B-2EE520D5020E}"/>
+                <a16:creationId xmlns:a16="http://schemas.microsoft.com/office/drawing/2014/main" xmlns="" id="{514A602B-A69A-3240-562B-2EE520D5020E}"/>
               </a:ext>
             </a:extLst>
           </p:cNvPr>
@@ -5133,7 +5133,7 @@
           <p:cNvPr id="16" name="TextBox 15">
             <a:extLst>
               <a:ext uri="{FF2B5EF4-FFF2-40B4-BE49-F238E27FC236}">
-                <a16:creationId xmlns:a16="http://schemas.microsoft.com/office/drawing/2014/main" id="{45ADC754-A6BE-2745-C793-19F39EB81981}"/>
+                <a16:creationId xmlns:a16="http://schemas.microsoft.com/office/drawing/2014/main" xmlns="" id="{45ADC754-A6BE-2745-C793-19F39EB81981}"/>
               </a:ext>
             </a:extLst>
           </p:cNvPr>
@@ -5223,7 +5223,7 @@
           <p:cNvPr id="2" name="제목 1">
             <a:extLst>
               <a:ext uri="{FF2B5EF4-FFF2-40B4-BE49-F238E27FC236}">
-                <a16:creationId xmlns:a16="http://schemas.microsoft.com/office/drawing/2014/main" id="{635C47BF-19DD-7A68-913E-EF8F14DBA234}"/>
+                <a16:creationId xmlns:a16="http://schemas.microsoft.com/office/drawing/2014/main" xmlns="" id="{635C47BF-19DD-7A68-913E-EF8F14DBA234}"/>
               </a:ext>
             </a:extLst>
           </p:cNvPr>
@@ -5264,7 +5264,7 @@
           <p:cNvPr id="4" name="그림 3">
             <a:extLst>
               <a:ext uri="{FF2B5EF4-FFF2-40B4-BE49-F238E27FC236}">
-                <a16:creationId xmlns:a16="http://schemas.microsoft.com/office/drawing/2014/main" id="{C17C27DB-A7B4-6FDB-1826-62F88BE93AD1}"/>
+                <a16:creationId xmlns:a16="http://schemas.microsoft.com/office/drawing/2014/main" xmlns="" id="{C17C27DB-A7B4-6FDB-1826-62F88BE93AD1}"/>
               </a:ext>
             </a:extLst>
           </p:cNvPr>
@@ -5294,7 +5294,7 @@
           <p:cNvPr id="6" name="그림 5">
             <a:extLst>
               <a:ext uri="{FF2B5EF4-FFF2-40B4-BE49-F238E27FC236}">
-                <a16:creationId xmlns:a16="http://schemas.microsoft.com/office/drawing/2014/main" id="{38E32B38-5B6A-9E30-C0D4-412EC83C34D3}"/>
+                <a16:creationId xmlns:a16="http://schemas.microsoft.com/office/drawing/2014/main" xmlns="" id="{38E32B38-5B6A-9E30-C0D4-412EC83C34D3}"/>
               </a:ext>
             </a:extLst>
           </p:cNvPr>
@@ -5324,7 +5324,7 @@
           <p:cNvPr id="7" name="화살표: 오른쪽 6">
             <a:extLst>
               <a:ext uri="{FF2B5EF4-FFF2-40B4-BE49-F238E27FC236}">
-                <a16:creationId xmlns:a16="http://schemas.microsoft.com/office/drawing/2014/main" id="{A5102118-1104-CABE-E873-A594E62DACAD}"/>
+                <a16:creationId xmlns:a16="http://schemas.microsoft.com/office/drawing/2014/main" xmlns="" id="{A5102118-1104-CABE-E873-A594E62DACAD}"/>
               </a:ext>
             </a:extLst>
           </p:cNvPr>
@@ -5370,7 +5370,7 @@
           <p:cNvPr id="8" name="TextBox 7">
             <a:extLst>
               <a:ext uri="{FF2B5EF4-FFF2-40B4-BE49-F238E27FC236}">
-                <a16:creationId xmlns:a16="http://schemas.microsoft.com/office/drawing/2014/main" id="{DE8771B7-6222-47EF-BBE8-1ADBA696B5DF}"/>
+                <a16:creationId xmlns:a16="http://schemas.microsoft.com/office/drawing/2014/main" xmlns="" id="{DE8771B7-6222-47EF-BBE8-1ADBA696B5DF}"/>
               </a:ext>
             </a:extLst>
           </p:cNvPr>
@@ -5460,7 +5460,7 @@
           <p:cNvPr id="2" name="제목 1">
             <a:extLst>
               <a:ext uri="{FF2B5EF4-FFF2-40B4-BE49-F238E27FC236}">
-                <a16:creationId xmlns:a16="http://schemas.microsoft.com/office/drawing/2014/main" id="{635C47BF-19DD-7A68-913E-EF8F14DBA234}"/>
+                <a16:creationId xmlns:a16="http://schemas.microsoft.com/office/drawing/2014/main" xmlns="" id="{635C47BF-19DD-7A68-913E-EF8F14DBA234}"/>
               </a:ext>
             </a:extLst>
           </p:cNvPr>
@@ -5501,7 +5501,7 @@
           <p:cNvPr id="4" name="그림 3">
             <a:extLst>
               <a:ext uri="{FF2B5EF4-FFF2-40B4-BE49-F238E27FC236}">
-                <a16:creationId xmlns:a16="http://schemas.microsoft.com/office/drawing/2014/main" id="{106ABDD4-C8DF-4FEB-1E1F-7C2EB5BE4E64}"/>
+                <a16:creationId xmlns:a16="http://schemas.microsoft.com/office/drawing/2014/main" xmlns="" id="{106ABDD4-C8DF-4FEB-1E1F-7C2EB5BE4E64}"/>
               </a:ext>
             </a:extLst>
           </p:cNvPr>
@@ -5531,7 +5531,7 @@
           <p:cNvPr id="6" name="그림 5">
             <a:extLst>
               <a:ext uri="{FF2B5EF4-FFF2-40B4-BE49-F238E27FC236}">
-                <a16:creationId xmlns:a16="http://schemas.microsoft.com/office/drawing/2014/main" id="{463BE261-BE90-8155-A8C1-A36F8437415B}"/>
+                <a16:creationId xmlns:a16="http://schemas.microsoft.com/office/drawing/2014/main" xmlns="" id="{463BE261-BE90-8155-A8C1-A36F8437415B}"/>
               </a:ext>
             </a:extLst>
           </p:cNvPr>
@@ -5561,7 +5561,7 @@
           <p:cNvPr id="7" name="화살표: 오른쪽 6">
             <a:extLst>
               <a:ext uri="{FF2B5EF4-FFF2-40B4-BE49-F238E27FC236}">
-                <a16:creationId xmlns:a16="http://schemas.microsoft.com/office/drawing/2014/main" id="{186BEBA1-8610-B97A-5D4E-84DA666EB12E}"/>
+                <a16:creationId xmlns:a16="http://schemas.microsoft.com/office/drawing/2014/main" xmlns="" id="{186BEBA1-8610-B97A-5D4E-84DA666EB12E}"/>
               </a:ext>
             </a:extLst>
           </p:cNvPr>
@@ -5607,7 +5607,7 @@
           <p:cNvPr id="8" name="TextBox 7">
             <a:extLst>
               <a:ext uri="{FF2B5EF4-FFF2-40B4-BE49-F238E27FC236}">
-                <a16:creationId xmlns:a16="http://schemas.microsoft.com/office/drawing/2014/main" id="{8F093084-9902-13CE-CA47-297530B80C3D}"/>
+                <a16:creationId xmlns:a16="http://schemas.microsoft.com/office/drawing/2014/main" xmlns="" id="{8F093084-9902-13CE-CA47-297530B80C3D}"/>
               </a:ext>
             </a:extLst>
           </p:cNvPr>
@@ -5697,7 +5697,7 @@
           <p:cNvPr id="2" name="제목 1">
             <a:extLst>
               <a:ext uri="{FF2B5EF4-FFF2-40B4-BE49-F238E27FC236}">
-                <a16:creationId xmlns:a16="http://schemas.microsoft.com/office/drawing/2014/main" id="{635C47BF-19DD-7A68-913E-EF8F14DBA234}"/>
+                <a16:creationId xmlns:a16="http://schemas.microsoft.com/office/drawing/2014/main" xmlns="" id="{635C47BF-19DD-7A68-913E-EF8F14DBA234}"/>
               </a:ext>
             </a:extLst>
           </p:cNvPr>
@@ -5738,7 +5738,7 @@
           <p:cNvPr id="4" name="그림 3">
             <a:extLst>
               <a:ext uri="{FF2B5EF4-FFF2-40B4-BE49-F238E27FC236}">
-                <a16:creationId xmlns:a16="http://schemas.microsoft.com/office/drawing/2014/main" id="{42B0B1C8-368C-AD76-30D8-407573B5D32E}"/>
+                <a16:creationId xmlns:a16="http://schemas.microsoft.com/office/drawing/2014/main" xmlns="" id="{42B0B1C8-368C-AD76-30D8-407573B5D32E}"/>
               </a:ext>
             </a:extLst>
           </p:cNvPr>
@@ -5768,7 +5768,7 @@
           <p:cNvPr id="6" name="그림 5">
             <a:extLst>
               <a:ext uri="{FF2B5EF4-FFF2-40B4-BE49-F238E27FC236}">
-                <a16:creationId xmlns:a16="http://schemas.microsoft.com/office/drawing/2014/main" id="{60FB2311-8EB5-3C88-0769-FD984401103D}"/>
+                <a16:creationId xmlns:a16="http://schemas.microsoft.com/office/drawing/2014/main" xmlns="" id="{60FB2311-8EB5-3C88-0769-FD984401103D}"/>
               </a:ext>
             </a:extLst>
           </p:cNvPr>
@@ -5798,7 +5798,7 @@
           <p:cNvPr id="7" name="화살표: 오른쪽 6">
             <a:extLst>
               <a:ext uri="{FF2B5EF4-FFF2-40B4-BE49-F238E27FC236}">
-                <a16:creationId xmlns:a16="http://schemas.microsoft.com/office/drawing/2014/main" id="{834B34F8-0503-4E7B-6118-AB8A16D3C333}"/>
+                <a16:creationId xmlns:a16="http://schemas.microsoft.com/office/drawing/2014/main" xmlns="" id="{834B34F8-0503-4E7B-6118-AB8A16D3C333}"/>
               </a:ext>
             </a:extLst>
           </p:cNvPr>
@@ -5844,7 +5844,7 @@
           <p:cNvPr id="8" name="TextBox 7">
             <a:extLst>
               <a:ext uri="{FF2B5EF4-FFF2-40B4-BE49-F238E27FC236}">
-                <a16:creationId xmlns:a16="http://schemas.microsoft.com/office/drawing/2014/main" id="{E18708F3-BBDF-FFE5-DE01-8BF6A3557574}"/>
+                <a16:creationId xmlns:a16="http://schemas.microsoft.com/office/drawing/2014/main" xmlns="" id="{E18708F3-BBDF-FFE5-DE01-8BF6A3557574}"/>
               </a:ext>
             </a:extLst>
           </p:cNvPr>
@@ -5934,7 +5934,7 @@
           <p:cNvPr id="2" name="제목 1">
             <a:extLst>
               <a:ext uri="{FF2B5EF4-FFF2-40B4-BE49-F238E27FC236}">
-                <a16:creationId xmlns:a16="http://schemas.microsoft.com/office/drawing/2014/main" id="{635C47BF-19DD-7A68-913E-EF8F14DBA234}"/>
+                <a16:creationId xmlns:a16="http://schemas.microsoft.com/office/drawing/2014/main" xmlns="" id="{635C47BF-19DD-7A68-913E-EF8F14DBA234}"/>
               </a:ext>
             </a:extLst>
           </p:cNvPr>
@@ -5975,7 +5975,7 @@
           <p:cNvPr id="4" name="그림 3">
             <a:extLst>
               <a:ext uri="{FF2B5EF4-FFF2-40B4-BE49-F238E27FC236}">
-                <a16:creationId xmlns:a16="http://schemas.microsoft.com/office/drawing/2014/main" id="{5F938DED-8F40-BC3F-0AA9-27627D33F2A5}"/>
+                <a16:creationId xmlns:a16="http://schemas.microsoft.com/office/drawing/2014/main" xmlns="" id="{5F938DED-8F40-BC3F-0AA9-27627D33F2A5}"/>
               </a:ext>
             </a:extLst>
           </p:cNvPr>
@@ -6005,7 +6005,7 @@
           <p:cNvPr id="6" name="그림 5">
             <a:extLst>
               <a:ext uri="{FF2B5EF4-FFF2-40B4-BE49-F238E27FC236}">
-                <a16:creationId xmlns:a16="http://schemas.microsoft.com/office/drawing/2014/main" id="{1A256742-830C-DC57-445B-162C65FD9C45}"/>
+                <a16:creationId xmlns:a16="http://schemas.microsoft.com/office/drawing/2014/main" xmlns="" id="{1A256742-830C-DC57-445B-162C65FD9C45}"/>
               </a:ext>
             </a:extLst>
           </p:cNvPr>
@@ -6035,7 +6035,7 @@
           <p:cNvPr id="7" name="화살표: 오른쪽 6">
             <a:extLst>
               <a:ext uri="{FF2B5EF4-FFF2-40B4-BE49-F238E27FC236}">
-                <a16:creationId xmlns:a16="http://schemas.microsoft.com/office/drawing/2014/main" id="{07C7293A-F2BE-4F74-680B-B0FB75AE9BCA}"/>
+                <a16:creationId xmlns:a16="http://schemas.microsoft.com/office/drawing/2014/main" xmlns="" id="{07C7293A-F2BE-4F74-680B-B0FB75AE9BCA}"/>
               </a:ext>
             </a:extLst>
           </p:cNvPr>
@@ -6081,7 +6081,7 @@
           <p:cNvPr id="8" name="TextBox 7">
             <a:extLst>
               <a:ext uri="{FF2B5EF4-FFF2-40B4-BE49-F238E27FC236}">
-                <a16:creationId xmlns:a16="http://schemas.microsoft.com/office/drawing/2014/main" id="{684A099B-C378-4AE2-7A74-03DFE5C26BCB}"/>
+                <a16:creationId xmlns:a16="http://schemas.microsoft.com/office/drawing/2014/main" xmlns="" id="{684A099B-C378-4AE2-7A74-03DFE5C26BCB}"/>
               </a:ext>
             </a:extLst>
           </p:cNvPr>
@@ -6171,7 +6171,7 @@
           <p:cNvPr id="2" name="제목 1">
             <a:extLst>
               <a:ext uri="{FF2B5EF4-FFF2-40B4-BE49-F238E27FC236}">
-                <a16:creationId xmlns:a16="http://schemas.microsoft.com/office/drawing/2014/main" id="{FB32A8CE-07CC-9609-7A69-E66CD99D4153}"/>
+                <a16:creationId xmlns:a16="http://schemas.microsoft.com/office/drawing/2014/main" xmlns="" id="{FB32A8CE-07CC-9609-7A69-E66CD99D4153}"/>
               </a:ext>
             </a:extLst>
           </p:cNvPr>
@@ -6214,7 +6214,7 @@
           <p:cNvPr id="3" name="TextBox 2">
             <a:extLst>
               <a:ext uri="{FF2B5EF4-FFF2-40B4-BE49-F238E27FC236}">
-                <a16:creationId xmlns:a16="http://schemas.microsoft.com/office/drawing/2014/main" id="{DDCEE8A9-2178-BDAB-9AA1-73F5EC93914F}"/>
+                <a16:creationId xmlns:a16="http://schemas.microsoft.com/office/drawing/2014/main" xmlns="" id="{DDCEE8A9-2178-BDAB-9AA1-73F5EC93914F}"/>
               </a:ext>
             </a:extLst>
           </p:cNvPr>
@@ -6663,7 +6663,7 @@
           <p:cNvPr id="2" name="제목 1">
             <a:extLst>
               <a:ext uri="{FF2B5EF4-FFF2-40B4-BE49-F238E27FC236}">
-                <a16:creationId xmlns:a16="http://schemas.microsoft.com/office/drawing/2014/main" id="{635C47BF-19DD-7A68-913E-EF8F14DBA234}"/>
+                <a16:creationId xmlns:a16="http://schemas.microsoft.com/office/drawing/2014/main" xmlns="" id="{635C47BF-19DD-7A68-913E-EF8F14DBA234}"/>
               </a:ext>
             </a:extLst>
           </p:cNvPr>
@@ -6704,7 +6704,7 @@
           <p:cNvPr id="4" name="그림 3">
             <a:extLst>
               <a:ext uri="{FF2B5EF4-FFF2-40B4-BE49-F238E27FC236}">
-                <a16:creationId xmlns:a16="http://schemas.microsoft.com/office/drawing/2014/main" id="{00923515-A5B3-265C-CB51-500099103611}"/>
+                <a16:creationId xmlns:a16="http://schemas.microsoft.com/office/drawing/2014/main" xmlns="" id="{00923515-A5B3-265C-CB51-500099103611}"/>
               </a:ext>
             </a:extLst>
           </p:cNvPr>
@@ -6734,7 +6734,7 @@
           <p:cNvPr id="6" name="그림 5">
             <a:extLst>
               <a:ext uri="{FF2B5EF4-FFF2-40B4-BE49-F238E27FC236}">
-                <a16:creationId xmlns:a16="http://schemas.microsoft.com/office/drawing/2014/main" id="{7F193B0E-621E-5C86-4D07-680539179B3A}"/>
+                <a16:creationId xmlns:a16="http://schemas.microsoft.com/office/drawing/2014/main" xmlns="" id="{7F193B0E-621E-5C86-4D07-680539179B3A}"/>
               </a:ext>
             </a:extLst>
           </p:cNvPr>
@@ -6764,7 +6764,7 @@
           <p:cNvPr id="7" name="화살표: 오른쪽 6">
             <a:extLst>
               <a:ext uri="{FF2B5EF4-FFF2-40B4-BE49-F238E27FC236}">
-                <a16:creationId xmlns:a16="http://schemas.microsoft.com/office/drawing/2014/main" id="{9131DA1B-21E0-4D0B-0E63-0AF6B839E557}"/>
+                <a16:creationId xmlns:a16="http://schemas.microsoft.com/office/drawing/2014/main" xmlns="" id="{9131DA1B-21E0-4D0B-0E63-0AF6B839E557}"/>
               </a:ext>
             </a:extLst>
           </p:cNvPr>
@@ -6810,7 +6810,7 @@
           <p:cNvPr id="8" name="TextBox 7">
             <a:extLst>
               <a:ext uri="{FF2B5EF4-FFF2-40B4-BE49-F238E27FC236}">
-                <a16:creationId xmlns:a16="http://schemas.microsoft.com/office/drawing/2014/main" id="{A350AC6E-4663-2718-9156-276D689B64DE}"/>
+                <a16:creationId xmlns:a16="http://schemas.microsoft.com/office/drawing/2014/main" xmlns="" id="{A350AC6E-4663-2718-9156-276D689B64DE}"/>
               </a:ext>
             </a:extLst>
           </p:cNvPr>
@@ -6900,7 +6900,7 @@
           <p:cNvPr id="2" name="제목 1">
             <a:extLst>
               <a:ext uri="{FF2B5EF4-FFF2-40B4-BE49-F238E27FC236}">
-                <a16:creationId xmlns:a16="http://schemas.microsoft.com/office/drawing/2014/main" id="{635C47BF-19DD-7A68-913E-EF8F14DBA234}"/>
+                <a16:creationId xmlns:a16="http://schemas.microsoft.com/office/drawing/2014/main" xmlns="" id="{635C47BF-19DD-7A68-913E-EF8F14DBA234}"/>
               </a:ext>
             </a:extLst>
           </p:cNvPr>
@@ -6947,7 +6947,7 @@
           <p:cNvPr id="4" name="그림 3">
             <a:extLst>
               <a:ext uri="{FF2B5EF4-FFF2-40B4-BE49-F238E27FC236}">
-                <a16:creationId xmlns:a16="http://schemas.microsoft.com/office/drawing/2014/main" id="{BA164B4D-7B2A-55D6-E238-6FA871E4224C}"/>
+                <a16:creationId xmlns:a16="http://schemas.microsoft.com/office/drawing/2014/main" xmlns="" id="{BA164B4D-7B2A-55D6-E238-6FA871E4224C}"/>
               </a:ext>
             </a:extLst>
           </p:cNvPr>
@@ -6977,7 +6977,7 @@
           <p:cNvPr id="7" name="그림 6">
             <a:extLst>
               <a:ext uri="{FF2B5EF4-FFF2-40B4-BE49-F238E27FC236}">
-                <a16:creationId xmlns:a16="http://schemas.microsoft.com/office/drawing/2014/main" id="{C183592E-0C8E-4E38-38CD-D6F9D0277337}"/>
+                <a16:creationId xmlns:a16="http://schemas.microsoft.com/office/drawing/2014/main" xmlns="" id="{C183592E-0C8E-4E38-38CD-D6F9D0277337}"/>
               </a:ext>
             </a:extLst>
           </p:cNvPr>
@@ -7007,7 +7007,7 @@
           <p:cNvPr id="9" name="그림 8">
             <a:extLst>
               <a:ext uri="{FF2B5EF4-FFF2-40B4-BE49-F238E27FC236}">
-                <a16:creationId xmlns:a16="http://schemas.microsoft.com/office/drawing/2014/main" id="{B667BE30-D4B6-A8B8-DDB0-2165CA49ACAF}"/>
+                <a16:creationId xmlns:a16="http://schemas.microsoft.com/office/drawing/2014/main" xmlns="" id="{B667BE30-D4B6-A8B8-DDB0-2165CA49ACAF}"/>
               </a:ext>
             </a:extLst>
           </p:cNvPr>
@@ -7037,7 +7037,7 @@
           <p:cNvPr id="11" name="TextBox 10">
             <a:extLst>
               <a:ext uri="{FF2B5EF4-FFF2-40B4-BE49-F238E27FC236}">
-                <a16:creationId xmlns:a16="http://schemas.microsoft.com/office/drawing/2014/main" id="{34EC1517-1EFD-300B-F753-B939EE9E6E0D}"/>
+                <a16:creationId xmlns:a16="http://schemas.microsoft.com/office/drawing/2014/main" xmlns="" id="{34EC1517-1EFD-300B-F753-B939EE9E6E0D}"/>
               </a:ext>
             </a:extLst>
           </p:cNvPr>
@@ -7110,7 +7110,7 @@
           <p:cNvPr id="3" name="TextBox 2">
             <a:extLst>
               <a:ext uri="{FF2B5EF4-FFF2-40B4-BE49-F238E27FC236}">
-                <a16:creationId xmlns:a16="http://schemas.microsoft.com/office/drawing/2014/main" id="{67FA0D5F-DB02-E0EC-7E2D-24B0A5A7AF9B}"/>
+                <a16:creationId xmlns:a16="http://schemas.microsoft.com/office/drawing/2014/main" xmlns="" id="{67FA0D5F-DB02-E0EC-7E2D-24B0A5A7AF9B}"/>
               </a:ext>
             </a:extLst>
           </p:cNvPr>
@@ -7153,7 +7153,7 @@
           <p:cNvPr id="5" name="그림 4">
             <a:extLst>
               <a:ext uri="{FF2B5EF4-FFF2-40B4-BE49-F238E27FC236}">
-                <a16:creationId xmlns:a16="http://schemas.microsoft.com/office/drawing/2014/main" id="{043EECE2-38F1-023D-5237-C2668FD6E9A1}"/>
+                <a16:creationId xmlns:a16="http://schemas.microsoft.com/office/drawing/2014/main" xmlns="" id="{043EECE2-38F1-023D-5237-C2668FD6E9A1}"/>
               </a:ext>
             </a:extLst>
           </p:cNvPr>
@@ -7213,7 +7213,7 @@
           <p:cNvPr id="5" name="그림 4">
             <a:extLst>
               <a:ext uri="{FF2B5EF4-FFF2-40B4-BE49-F238E27FC236}">
-                <a16:creationId xmlns:a16="http://schemas.microsoft.com/office/drawing/2014/main" id="{5409DB29-1F61-3CCA-B241-D9BB52B50AB6}"/>
+                <a16:creationId xmlns:a16="http://schemas.microsoft.com/office/drawing/2014/main" xmlns="" id="{5409DB29-1F61-3CCA-B241-D9BB52B50AB6}"/>
               </a:ext>
             </a:extLst>
           </p:cNvPr>
@@ -7268,10 +7268,229 @@
           <a:chExt cx="0" cy="0"/>
         </a:xfrm>
       </p:grpSpPr>
+      <p:sp>
+        <p:nvSpPr>
+          <p:cNvPr id="2" name="제목 1">
+            <a:extLst>
+              <a:ext uri="{FF2B5EF4-FFF2-40B4-BE49-F238E27FC236}">
+                <a16:creationId xmlns:a16="http://schemas.microsoft.com/office/drawing/2014/main" xmlns="" id="{635C47BF-19DD-7A68-913E-EF8F14DBA234}"/>
+              </a:ext>
+            </a:extLst>
+          </p:cNvPr>
+          <p:cNvSpPr>
+            <a:spLocks noGrp="1"/>
+          </p:cNvSpPr>
+          <p:nvPr>
+            <p:ph type="title"/>
+          </p:nvPr>
+        </p:nvSpPr>
+        <p:spPr>
+          <a:xfrm>
+            <a:off x="479323" y="550606"/>
+            <a:ext cx="9875520" cy="481781"/>
+          </a:xfrm>
+        </p:spPr>
+        <p:txBody>
+          <a:bodyPr>
+            <a:noAutofit/>
+          </a:bodyPr>
+          <a:lstStyle/>
+          <a:p>
+            <a:pPr marL="571500" indent="-571500">
+              <a:buFont typeface="Arial" panose="020B0604020202020204" pitchFamily="34" charset="0"/>
+              <a:buChar char="•"/>
+            </a:pPr>
+            <a:r>
+              <a:rPr lang="ko-KR" altLang="en-US" sz="3200" dirty="0">
+                <a:latin typeface="+mj-ea"/>
+              </a:rPr>
+              <a:t>블록태그</a:t>
+            </a:r>
+            <a:r>
+              <a:rPr lang="en-US" altLang="ko-KR" sz="3200" dirty="0">
+                <a:latin typeface="+mj-ea"/>
+              </a:rPr>
+              <a:t>, </a:t>
+            </a:r>
+            <a:r>
+              <a:rPr lang="ko-KR" altLang="en-US" sz="3200" dirty="0">
+                <a:latin typeface="+mj-ea"/>
+              </a:rPr>
+              <a:t>인라인 태그</a:t>
+            </a:r>
+          </a:p>
+        </p:txBody>
+      </p:sp>
+      <p:pic>
+        <p:nvPicPr>
+          <p:cNvPr id="4" name="그림 3">
+            <a:extLst>
+              <a:ext uri="{FF2B5EF4-FFF2-40B4-BE49-F238E27FC236}">
+                <a16:creationId xmlns:a16="http://schemas.microsoft.com/office/drawing/2014/main" xmlns="" id="{193FB077-7CCF-D0B8-D767-BBCAE58C9723}"/>
+              </a:ext>
+            </a:extLst>
+          </p:cNvPr>
+          <p:cNvPicPr>
+            <a:picLocks noChangeAspect="1"/>
+          </p:cNvPicPr>
+          <p:nvPr/>
+        </p:nvPicPr>
+        <p:blipFill>
+          <a:blip r:embed="rId2"/>
+          <a:stretch>
+            <a:fillRect/>
+          </a:stretch>
+        </p:blipFill>
+        <p:spPr>
+          <a:xfrm>
+            <a:off x="479323" y="1157078"/>
+            <a:ext cx="7542459" cy="4312576"/>
+          </a:xfrm>
+          <a:prstGeom prst="rect">
+            <a:avLst/>
+          </a:prstGeom>
+        </p:spPr>
+      </p:pic>
+      <p:pic>
+        <p:nvPicPr>
+          <p:cNvPr id="6" name="그림 5">
+            <a:extLst>
+              <a:ext uri="{FF2B5EF4-FFF2-40B4-BE49-F238E27FC236}">
+                <a16:creationId xmlns:a16="http://schemas.microsoft.com/office/drawing/2014/main" xmlns="" id="{3745059D-4E8A-6BEF-02C4-9A1E057D05A3}"/>
+              </a:ext>
+            </a:extLst>
+          </p:cNvPr>
+          <p:cNvPicPr>
+            <a:picLocks noChangeAspect="1"/>
+          </p:cNvPicPr>
+          <p:nvPr/>
+        </p:nvPicPr>
+        <p:blipFill>
+          <a:blip r:embed="rId3"/>
+          <a:stretch>
+            <a:fillRect/>
+          </a:stretch>
+        </p:blipFill>
+        <p:spPr>
+          <a:xfrm>
+            <a:off x="6096000" y="4812523"/>
+            <a:ext cx="5838208" cy="1708744"/>
+          </a:xfrm>
+          <a:prstGeom prst="rect">
+            <a:avLst/>
+          </a:prstGeom>
+        </p:spPr>
+      </p:pic>
+      <p:sp>
+        <p:nvSpPr>
+          <p:cNvPr id="7" name="화살표: 오른쪽 6">
+            <a:extLst>
+              <a:ext uri="{FF2B5EF4-FFF2-40B4-BE49-F238E27FC236}">
+                <a16:creationId xmlns:a16="http://schemas.microsoft.com/office/drawing/2014/main" xmlns="" id="{104168AD-4AA7-2EBC-C39A-732FC9581025}"/>
+              </a:ext>
+            </a:extLst>
+          </p:cNvPr>
+          <p:cNvSpPr/>
+          <p:nvPr/>
+        </p:nvSpPr>
+        <p:spPr>
+          <a:xfrm>
+            <a:off x="4676433" y="5662015"/>
+            <a:ext cx="1335428" cy="666891"/>
+          </a:xfrm>
+          <a:prstGeom prst="rightArrow">
+            <a:avLst/>
+          </a:prstGeom>
+        </p:spPr>
+        <p:style>
+          <a:lnRef idx="2">
+            <a:schemeClr val="accent1">
+              <a:shade val="50000"/>
+            </a:schemeClr>
+          </a:lnRef>
+          <a:fillRef idx="1">
+            <a:schemeClr val="accent1"/>
+          </a:fillRef>
+          <a:effectRef idx="0">
+            <a:schemeClr val="accent1"/>
+          </a:effectRef>
+          <a:fontRef idx="minor">
+            <a:schemeClr val="lt1"/>
+          </a:fontRef>
+        </p:style>
+        <p:txBody>
+          <a:bodyPr rtlCol="0" anchor="ctr"/>
+          <a:lstStyle/>
+          <a:p>
+            <a:pPr algn="ctr"/>
+            <a:endParaRPr lang="ko-KR" altLang="en-US"/>
+          </a:p>
+        </p:txBody>
+      </p:sp>
+      <p:sp>
+        <p:nvSpPr>
+          <p:cNvPr id="8" name="TextBox 7">
+            <a:extLst>
+              <a:ext uri="{FF2B5EF4-FFF2-40B4-BE49-F238E27FC236}">
+                <a16:creationId xmlns:a16="http://schemas.microsoft.com/office/drawing/2014/main" xmlns="" id="{C27938AF-C4CD-C307-1903-32B5207903C5}"/>
+              </a:ext>
+            </a:extLst>
+          </p:cNvPr>
+          <p:cNvSpPr txBox="1"/>
+          <p:nvPr/>
+        </p:nvSpPr>
+        <p:spPr>
+          <a:xfrm>
+            <a:off x="4569769" y="5138795"/>
+            <a:ext cx="1442092" cy="523220"/>
+          </a:xfrm>
+          <a:prstGeom prst="rect">
+            <a:avLst/>
+          </a:prstGeom>
+          <a:noFill/>
+        </p:spPr>
+        <p:txBody>
+          <a:bodyPr wrap="square" rtlCol="0">
+            <a:spAutoFit/>
+          </a:bodyPr>
+          <a:lstStyle/>
+          <a:p>
+            <a:r>
+              <a:rPr lang="en-US" altLang="ko-KR" sz="2800" dirty="0">
+                <a:solidFill>
+                  <a:schemeClr val="accent1"/>
+                </a:solidFill>
+              </a:rPr>
+              <a:t>&lt; </a:t>
+            </a:r>
+            <a:r>
+              <a:rPr lang="ko-KR" altLang="en-US" sz="2800" dirty="0">
+                <a:solidFill>
+                  <a:schemeClr val="accent1"/>
+                </a:solidFill>
+              </a:rPr>
+              <a:t>결과 </a:t>
+            </a:r>
+            <a:r>
+              <a:rPr lang="en-US" altLang="ko-KR" sz="2800" dirty="0">
+                <a:solidFill>
+                  <a:schemeClr val="accent1"/>
+                </a:solidFill>
+              </a:rPr>
+              <a:t>&gt;</a:t>
+            </a:r>
+            <a:endParaRPr lang="ko-KR" altLang="en-US" sz="2800" dirty="0">
+              <a:solidFill>
+                <a:schemeClr val="accent1"/>
+              </a:solidFill>
+            </a:endParaRPr>
+          </a:p>
+        </p:txBody>
+      </p:sp>
     </p:spTree>
     <p:extLst>
       <p:ext uri="{BB962C8B-B14F-4D97-AF65-F5344CB8AC3E}">
-        <p14:creationId xmlns:p14="http://schemas.microsoft.com/office/powerpoint/2010/main" val="1735865810"/>
+        <p14:creationId xmlns:p14="http://schemas.microsoft.com/office/powerpoint/2010/main" val="130721161"/>
       </p:ext>
     </p:extLst>
   </p:cSld>
@@ -7298,229 +7517,10 @@
           <a:chExt cx="0" cy="0"/>
         </a:xfrm>
       </p:grpSpPr>
-      <p:sp>
-        <p:nvSpPr>
-          <p:cNvPr id="2" name="제목 1">
-            <a:extLst>
-              <a:ext uri="{FF2B5EF4-FFF2-40B4-BE49-F238E27FC236}">
-                <a16:creationId xmlns:a16="http://schemas.microsoft.com/office/drawing/2014/main" id="{635C47BF-19DD-7A68-913E-EF8F14DBA234}"/>
-              </a:ext>
-            </a:extLst>
-          </p:cNvPr>
-          <p:cNvSpPr>
-            <a:spLocks noGrp="1"/>
-          </p:cNvSpPr>
-          <p:nvPr>
-            <p:ph type="title"/>
-          </p:nvPr>
-        </p:nvSpPr>
-        <p:spPr>
-          <a:xfrm>
-            <a:off x="479323" y="550606"/>
-            <a:ext cx="9875520" cy="481781"/>
-          </a:xfrm>
-        </p:spPr>
-        <p:txBody>
-          <a:bodyPr>
-            <a:noAutofit/>
-          </a:bodyPr>
-          <a:lstStyle/>
-          <a:p>
-            <a:pPr marL="571500" indent="-571500">
-              <a:buFont typeface="Arial" panose="020B0604020202020204" pitchFamily="34" charset="0"/>
-              <a:buChar char="•"/>
-            </a:pPr>
-            <a:r>
-              <a:rPr lang="ko-KR" altLang="en-US" sz="3200" dirty="0">
-                <a:latin typeface="+mj-ea"/>
-              </a:rPr>
-              <a:t>블록태그</a:t>
-            </a:r>
-            <a:r>
-              <a:rPr lang="en-US" altLang="ko-KR" sz="3200" dirty="0">
-                <a:latin typeface="+mj-ea"/>
-              </a:rPr>
-              <a:t>, </a:t>
-            </a:r>
-            <a:r>
-              <a:rPr lang="ko-KR" altLang="en-US" sz="3200" dirty="0">
-                <a:latin typeface="+mj-ea"/>
-              </a:rPr>
-              <a:t>인라인 태그</a:t>
-            </a:r>
-          </a:p>
-        </p:txBody>
-      </p:sp>
-      <p:pic>
-        <p:nvPicPr>
-          <p:cNvPr id="4" name="그림 3">
-            <a:extLst>
-              <a:ext uri="{FF2B5EF4-FFF2-40B4-BE49-F238E27FC236}">
-                <a16:creationId xmlns:a16="http://schemas.microsoft.com/office/drawing/2014/main" id="{193FB077-7CCF-D0B8-D767-BBCAE58C9723}"/>
-              </a:ext>
-            </a:extLst>
-          </p:cNvPr>
-          <p:cNvPicPr>
-            <a:picLocks noChangeAspect="1"/>
-          </p:cNvPicPr>
-          <p:nvPr/>
-        </p:nvPicPr>
-        <p:blipFill>
-          <a:blip r:embed="rId2"/>
-          <a:stretch>
-            <a:fillRect/>
-          </a:stretch>
-        </p:blipFill>
-        <p:spPr>
-          <a:xfrm>
-            <a:off x="479323" y="1157078"/>
-            <a:ext cx="7542459" cy="4312576"/>
-          </a:xfrm>
-          <a:prstGeom prst="rect">
-            <a:avLst/>
-          </a:prstGeom>
-        </p:spPr>
-      </p:pic>
-      <p:pic>
-        <p:nvPicPr>
-          <p:cNvPr id="6" name="그림 5">
-            <a:extLst>
-              <a:ext uri="{FF2B5EF4-FFF2-40B4-BE49-F238E27FC236}">
-                <a16:creationId xmlns:a16="http://schemas.microsoft.com/office/drawing/2014/main" id="{3745059D-4E8A-6BEF-02C4-9A1E057D05A3}"/>
-              </a:ext>
-            </a:extLst>
-          </p:cNvPr>
-          <p:cNvPicPr>
-            <a:picLocks noChangeAspect="1"/>
-          </p:cNvPicPr>
-          <p:nvPr/>
-        </p:nvPicPr>
-        <p:blipFill>
-          <a:blip r:embed="rId3"/>
-          <a:stretch>
-            <a:fillRect/>
-          </a:stretch>
-        </p:blipFill>
-        <p:spPr>
-          <a:xfrm>
-            <a:off x="6096000" y="4812523"/>
-            <a:ext cx="5838208" cy="1708744"/>
-          </a:xfrm>
-          <a:prstGeom prst="rect">
-            <a:avLst/>
-          </a:prstGeom>
-        </p:spPr>
-      </p:pic>
-      <p:sp>
-        <p:nvSpPr>
-          <p:cNvPr id="7" name="화살표: 오른쪽 6">
-            <a:extLst>
-              <a:ext uri="{FF2B5EF4-FFF2-40B4-BE49-F238E27FC236}">
-                <a16:creationId xmlns:a16="http://schemas.microsoft.com/office/drawing/2014/main" id="{104168AD-4AA7-2EBC-C39A-732FC9581025}"/>
-              </a:ext>
-            </a:extLst>
-          </p:cNvPr>
-          <p:cNvSpPr/>
-          <p:nvPr/>
-        </p:nvSpPr>
-        <p:spPr>
-          <a:xfrm>
-            <a:off x="4676433" y="5662015"/>
-            <a:ext cx="1335428" cy="666891"/>
-          </a:xfrm>
-          <a:prstGeom prst="rightArrow">
-            <a:avLst/>
-          </a:prstGeom>
-        </p:spPr>
-        <p:style>
-          <a:lnRef idx="2">
-            <a:schemeClr val="accent1">
-              <a:shade val="50000"/>
-            </a:schemeClr>
-          </a:lnRef>
-          <a:fillRef idx="1">
-            <a:schemeClr val="accent1"/>
-          </a:fillRef>
-          <a:effectRef idx="0">
-            <a:schemeClr val="accent1"/>
-          </a:effectRef>
-          <a:fontRef idx="minor">
-            <a:schemeClr val="lt1"/>
-          </a:fontRef>
-        </p:style>
-        <p:txBody>
-          <a:bodyPr rtlCol="0" anchor="ctr"/>
-          <a:lstStyle/>
-          <a:p>
-            <a:pPr algn="ctr"/>
-            <a:endParaRPr lang="ko-KR" altLang="en-US"/>
-          </a:p>
-        </p:txBody>
-      </p:sp>
-      <p:sp>
-        <p:nvSpPr>
-          <p:cNvPr id="8" name="TextBox 7">
-            <a:extLst>
-              <a:ext uri="{FF2B5EF4-FFF2-40B4-BE49-F238E27FC236}">
-                <a16:creationId xmlns:a16="http://schemas.microsoft.com/office/drawing/2014/main" id="{C27938AF-C4CD-C307-1903-32B5207903C5}"/>
-              </a:ext>
-            </a:extLst>
-          </p:cNvPr>
-          <p:cNvSpPr txBox="1"/>
-          <p:nvPr/>
-        </p:nvSpPr>
-        <p:spPr>
-          <a:xfrm>
-            <a:off x="4569769" y="5138795"/>
-            <a:ext cx="1442092" cy="523220"/>
-          </a:xfrm>
-          <a:prstGeom prst="rect">
-            <a:avLst/>
-          </a:prstGeom>
-          <a:noFill/>
-        </p:spPr>
-        <p:txBody>
-          <a:bodyPr wrap="square" rtlCol="0">
-            <a:spAutoFit/>
-          </a:bodyPr>
-          <a:lstStyle/>
-          <a:p>
-            <a:r>
-              <a:rPr lang="en-US" altLang="ko-KR" sz="2800" dirty="0">
-                <a:solidFill>
-                  <a:schemeClr val="accent1"/>
-                </a:solidFill>
-              </a:rPr>
-              <a:t>&lt; </a:t>
-            </a:r>
-            <a:r>
-              <a:rPr lang="ko-KR" altLang="en-US" sz="2800" dirty="0">
-                <a:solidFill>
-                  <a:schemeClr val="accent1"/>
-                </a:solidFill>
-              </a:rPr>
-              <a:t>결과 </a:t>
-            </a:r>
-            <a:r>
-              <a:rPr lang="en-US" altLang="ko-KR" sz="2800" dirty="0">
-                <a:solidFill>
-                  <a:schemeClr val="accent1"/>
-                </a:solidFill>
-              </a:rPr>
-              <a:t>&gt;</a:t>
-            </a:r>
-            <a:endParaRPr lang="ko-KR" altLang="en-US" sz="2800" dirty="0">
-              <a:solidFill>
-                <a:schemeClr val="accent1"/>
-              </a:solidFill>
-            </a:endParaRPr>
-          </a:p>
-        </p:txBody>
-      </p:sp>
     </p:spTree>
     <p:extLst>
       <p:ext uri="{BB962C8B-B14F-4D97-AF65-F5344CB8AC3E}">
-        <p14:creationId xmlns:p14="http://schemas.microsoft.com/office/powerpoint/2010/main" val="130721161"/>
+        <p14:creationId xmlns:p14="http://schemas.microsoft.com/office/powerpoint/2010/main" val="1735865810"/>
       </p:ext>
     </p:extLst>
   </p:cSld>
@@ -8138,7 +8138,7 @@
           <p:cNvPr id="2" name="제목 1">
             <a:extLst>
               <a:ext uri="{FF2B5EF4-FFF2-40B4-BE49-F238E27FC236}">
-                <a16:creationId xmlns:a16="http://schemas.microsoft.com/office/drawing/2014/main" id="{635C47BF-19DD-7A68-913E-EF8F14DBA234}"/>
+                <a16:creationId xmlns:a16="http://schemas.microsoft.com/office/drawing/2014/main" xmlns="" id="{635C47BF-19DD-7A68-913E-EF8F14DBA234}"/>
               </a:ext>
             </a:extLst>
           </p:cNvPr>
@@ -8179,7 +8179,7 @@
           <p:cNvPr id="6" name="그림 5">
             <a:extLst>
               <a:ext uri="{FF2B5EF4-FFF2-40B4-BE49-F238E27FC236}">
-                <a16:creationId xmlns:a16="http://schemas.microsoft.com/office/drawing/2014/main" id="{34FAFA3B-E645-FFF9-D532-E3E71813ADB5}"/>
+                <a16:creationId xmlns:a16="http://schemas.microsoft.com/office/drawing/2014/main" xmlns="" id="{34FAFA3B-E645-FFF9-D532-E3E71813ADB5}"/>
               </a:ext>
             </a:extLst>
           </p:cNvPr>
@@ -8209,7 +8209,7 @@
           <p:cNvPr id="8" name="그림 7">
             <a:extLst>
               <a:ext uri="{FF2B5EF4-FFF2-40B4-BE49-F238E27FC236}">
-                <a16:creationId xmlns:a16="http://schemas.microsoft.com/office/drawing/2014/main" id="{8ADC3045-6FD4-192E-CB85-EF7A7EE499B5}"/>
+                <a16:creationId xmlns:a16="http://schemas.microsoft.com/office/drawing/2014/main" xmlns="" id="{8ADC3045-6FD4-192E-CB85-EF7A7EE499B5}"/>
               </a:ext>
             </a:extLst>
           </p:cNvPr>
@@ -8239,7 +8239,7 @@
           <p:cNvPr id="9" name="화살표: 오른쪽 8">
             <a:extLst>
               <a:ext uri="{FF2B5EF4-FFF2-40B4-BE49-F238E27FC236}">
-                <a16:creationId xmlns:a16="http://schemas.microsoft.com/office/drawing/2014/main" id="{F7A0CACB-9090-1CB4-6886-F1C5F67174B1}"/>
+                <a16:creationId xmlns:a16="http://schemas.microsoft.com/office/drawing/2014/main" xmlns="" id="{F7A0CACB-9090-1CB4-6886-F1C5F67174B1}"/>
               </a:ext>
             </a:extLst>
           </p:cNvPr>
@@ -8285,7 +8285,7 @@
           <p:cNvPr id="10" name="TextBox 9">
             <a:extLst>
               <a:ext uri="{FF2B5EF4-FFF2-40B4-BE49-F238E27FC236}">
-                <a16:creationId xmlns:a16="http://schemas.microsoft.com/office/drawing/2014/main" id="{774316CF-2689-3C85-4391-F0E702A69276}"/>
+                <a16:creationId xmlns:a16="http://schemas.microsoft.com/office/drawing/2014/main" xmlns="" id="{774316CF-2689-3C85-4391-F0E702A69276}"/>
               </a:ext>
             </a:extLst>
           </p:cNvPr>
@@ -8375,7 +8375,7 @@
           <p:cNvPr id="2" name="제목 1">
             <a:extLst>
               <a:ext uri="{FF2B5EF4-FFF2-40B4-BE49-F238E27FC236}">
-                <a16:creationId xmlns:a16="http://schemas.microsoft.com/office/drawing/2014/main" id="{635C47BF-19DD-7A68-913E-EF8F14DBA234}"/>
+                <a16:creationId xmlns:a16="http://schemas.microsoft.com/office/drawing/2014/main" xmlns="" id="{635C47BF-19DD-7A68-913E-EF8F14DBA234}"/>
               </a:ext>
             </a:extLst>
           </p:cNvPr>
@@ -8416,7 +8416,7 @@
           <p:cNvPr id="4" name="그림 3">
             <a:extLst>
               <a:ext uri="{FF2B5EF4-FFF2-40B4-BE49-F238E27FC236}">
-                <a16:creationId xmlns:a16="http://schemas.microsoft.com/office/drawing/2014/main" id="{50D262FB-5543-7D51-03D2-66C1112FDFED}"/>
+                <a16:creationId xmlns:a16="http://schemas.microsoft.com/office/drawing/2014/main" xmlns="" id="{50D262FB-5543-7D51-03D2-66C1112FDFED}"/>
               </a:ext>
             </a:extLst>
           </p:cNvPr>
@@ -8446,7 +8446,7 @@
           <p:cNvPr id="6" name="그림 5">
             <a:extLst>
               <a:ext uri="{FF2B5EF4-FFF2-40B4-BE49-F238E27FC236}">
-                <a16:creationId xmlns:a16="http://schemas.microsoft.com/office/drawing/2014/main" id="{6B055145-4B79-F648-F72B-3E98C6263863}"/>
+                <a16:creationId xmlns:a16="http://schemas.microsoft.com/office/drawing/2014/main" xmlns="" id="{6B055145-4B79-F648-F72B-3E98C6263863}"/>
               </a:ext>
             </a:extLst>
           </p:cNvPr>
@@ -8476,7 +8476,7 @@
           <p:cNvPr id="8" name="화살표: 오른쪽 7">
             <a:extLst>
               <a:ext uri="{FF2B5EF4-FFF2-40B4-BE49-F238E27FC236}">
-                <a16:creationId xmlns:a16="http://schemas.microsoft.com/office/drawing/2014/main" id="{2915661F-C83D-5244-8CC2-8094D825A072}"/>
+                <a16:creationId xmlns:a16="http://schemas.microsoft.com/office/drawing/2014/main" xmlns="" id="{2915661F-C83D-5244-8CC2-8094D825A072}"/>
               </a:ext>
             </a:extLst>
           </p:cNvPr>
@@ -8522,7 +8522,7 @@
           <p:cNvPr id="9" name="TextBox 8">
             <a:extLst>
               <a:ext uri="{FF2B5EF4-FFF2-40B4-BE49-F238E27FC236}">
-                <a16:creationId xmlns:a16="http://schemas.microsoft.com/office/drawing/2014/main" id="{F236DDC0-AFCA-76E4-C0BC-D41A22F62A28}"/>
+                <a16:creationId xmlns:a16="http://schemas.microsoft.com/office/drawing/2014/main" xmlns="" id="{F236DDC0-AFCA-76E4-C0BC-D41A22F62A28}"/>
               </a:ext>
             </a:extLst>
           </p:cNvPr>
@@ -8612,7 +8612,7 @@
           <p:cNvPr id="2" name="제목 1">
             <a:extLst>
               <a:ext uri="{FF2B5EF4-FFF2-40B4-BE49-F238E27FC236}">
-                <a16:creationId xmlns:a16="http://schemas.microsoft.com/office/drawing/2014/main" id="{635C47BF-19DD-7A68-913E-EF8F14DBA234}"/>
+                <a16:creationId xmlns:a16="http://schemas.microsoft.com/office/drawing/2014/main" xmlns="" id="{635C47BF-19DD-7A68-913E-EF8F14DBA234}"/>
               </a:ext>
             </a:extLst>
           </p:cNvPr>
@@ -8653,7 +8653,7 @@
           <p:cNvPr id="4" name="그림 3">
             <a:extLst>
               <a:ext uri="{FF2B5EF4-FFF2-40B4-BE49-F238E27FC236}">
-                <a16:creationId xmlns:a16="http://schemas.microsoft.com/office/drawing/2014/main" id="{1873CC68-B47F-E1DB-38B5-B3160A3BD68C}"/>
+                <a16:creationId xmlns:a16="http://schemas.microsoft.com/office/drawing/2014/main" xmlns="" id="{1873CC68-B47F-E1DB-38B5-B3160A3BD68C}"/>
               </a:ext>
             </a:extLst>
           </p:cNvPr>
@@ -8683,7 +8683,7 @@
           <p:cNvPr id="6" name="그림 5">
             <a:extLst>
               <a:ext uri="{FF2B5EF4-FFF2-40B4-BE49-F238E27FC236}">
-                <a16:creationId xmlns:a16="http://schemas.microsoft.com/office/drawing/2014/main" id="{60063130-F9CE-B1C8-F7CA-57D7BF89039A}"/>
+                <a16:creationId xmlns:a16="http://schemas.microsoft.com/office/drawing/2014/main" xmlns="" id="{60063130-F9CE-B1C8-F7CA-57D7BF89039A}"/>
               </a:ext>
             </a:extLst>
           </p:cNvPr>
@@ -8713,7 +8713,7 @@
           <p:cNvPr id="9" name="화살표: 오른쪽 8">
             <a:extLst>
               <a:ext uri="{FF2B5EF4-FFF2-40B4-BE49-F238E27FC236}">
-                <a16:creationId xmlns:a16="http://schemas.microsoft.com/office/drawing/2014/main" id="{D50A1D10-5904-C61D-3996-C5AB0AF205B1}"/>
+                <a16:creationId xmlns:a16="http://schemas.microsoft.com/office/drawing/2014/main" xmlns="" id="{D50A1D10-5904-C61D-3996-C5AB0AF205B1}"/>
               </a:ext>
             </a:extLst>
           </p:cNvPr>
@@ -8759,7 +8759,7 @@
           <p:cNvPr id="10" name="TextBox 9">
             <a:extLst>
               <a:ext uri="{FF2B5EF4-FFF2-40B4-BE49-F238E27FC236}">
-                <a16:creationId xmlns:a16="http://schemas.microsoft.com/office/drawing/2014/main" id="{45EE9717-4C9A-FE98-6435-3D4D2F9A9661}"/>
+                <a16:creationId xmlns:a16="http://schemas.microsoft.com/office/drawing/2014/main" xmlns="" id="{45EE9717-4C9A-FE98-6435-3D4D2F9A9661}"/>
               </a:ext>
             </a:extLst>
           </p:cNvPr>
@@ -8849,7 +8849,7 @@
           <p:cNvPr id="2" name="제목 1">
             <a:extLst>
               <a:ext uri="{FF2B5EF4-FFF2-40B4-BE49-F238E27FC236}">
-                <a16:creationId xmlns:a16="http://schemas.microsoft.com/office/drawing/2014/main" id="{635C47BF-19DD-7A68-913E-EF8F14DBA234}"/>
+                <a16:creationId xmlns:a16="http://schemas.microsoft.com/office/drawing/2014/main" xmlns="" id="{635C47BF-19DD-7A68-913E-EF8F14DBA234}"/>
               </a:ext>
             </a:extLst>
           </p:cNvPr>
@@ -8890,7 +8890,7 @@
           <p:cNvPr id="4" name="그림 3">
             <a:extLst>
               <a:ext uri="{FF2B5EF4-FFF2-40B4-BE49-F238E27FC236}">
-                <a16:creationId xmlns:a16="http://schemas.microsoft.com/office/drawing/2014/main" id="{CE4C73DC-12F5-CDE0-9C32-D4E59EDDA179}"/>
+                <a16:creationId xmlns:a16="http://schemas.microsoft.com/office/drawing/2014/main" xmlns="" id="{CE4C73DC-12F5-CDE0-9C32-D4E59EDDA179}"/>
               </a:ext>
             </a:extLst>
           </p:cNvPr>
@@ -8920,7 +8920,7 @@
           <p:cNvPr id="6" name="그림 5">
             <a:extLst>
               <a:ext uri="{FF2B5EF4-FFF2-40B4-BE49-F238E27FC236}">
-                <a16:creationId xmlns:a16="http://schemas.microsoft.com/office/drawing/2014/main" id="{F31EC88E-920E-2080-9B14-06FADC17EB5E}"/>
+                <a16:creationId xmlns:a16="http://schemas.microsoft.com/office/drawing/2014/main" xmlns="" id="{F31EC88E-920E-2080-9B14-06FADC17EB5E}"/>
               </a:ext>
             </a:extLst>
           </p:cNvPr>
@@ -8950,7 +8950,7 @@
           <p:cNvPr id="7" name="화살표: 오른쪽 6">
             <a:extLst>
               <a:ext uri="{FF2B5EF4-FFF2-40B4-BE49-F238E27FC236}">
-                <a16:creationId xmlns:a16="http://schemas.microsoft.com/office/drawing/2014/main" id="{FEAC9E94-B572-FCE5-6DD8-DFEE4D0D4410}"/>
+                <a16:creationId xmlns:a16="http://schemas.microsoft.com/office/drawing/2014/main" xmlns="" id="{FEAC9E94-B572-FCE5-6DD8-DFEE4D0D4410}"/>
               </a:ext>
             </a:extLst>
           </p:cNvPr>
@@ -8996,7 +8996,7 @@
           <p:cNvPr id="8" name="TextBox 7">
             <a:extLst>
               <a:ext uri="{FF2B5EF4-FFF2-40B4-BE49-F238E27FC236}">
-                <a16:creationId xmlns:a16="http://schemas.microsoft.com/office/drawing/2014/main" id="{0CD6325E-8D4A-7302-3C0A-32043D15849F}"/>
+                <a16:creationId xmlns:a16="http://schemas.microsoft.com/office/drawing/2014/main" xmlns="" id="{0CD6325E-8D4A-7302-3C0A-32043D15849F}"/>
               </a:ext>
             </a:extLst>
           </p:cNvPr>

--- a/과제PPT/기업업무 1강.pptx
+++ b/과제PPT/기업업무 1강.pptx
@@ -31,6 +31,7 @@
     <p:sldId id="281" r:id="rId25"/>
     <p:sldId id="284" r:id="rId26"/>
     <p:sldId id="263" r:id="rId27"/>
+    <p:sldId id="285" r:id="rId28"/>
   </p:sldIdLst>
   <p:sldSz cx="12192000" cy="6858000"/>
   <p:notesSz cx="6858000" cy="9144000"/>
@@ -349,7 +350,7 @@
             <a:fld id="{96DFF08F-DC6B-4601-B491-B0F83F6DD2DA}" type="datetimeFigureOut">
               <a:rPr lang="en-US" dirty="0"/>
               <a:pPr/>
-              <a:t>5/15/2023</a:t>
+              <a:t>5/16/2023</a:t>
             </a:fld>
             <a:endParaRPr lang="en-US" dirty="0"/>
           </a:p>
@@ -566,7 +567,7 @@
           <a:p>
             <a:fld id="{96DFF08F-DC6B-4601-B491-B0F83F6DD2DA}" type="datetimeFigureOut">
               <a:rPr lang="en-US" dirty="0"/>
-              <a:t>5/15/2023</a:t>
+              <a:t>5/16/2023</a:t>
             </a:fld>
             <a:endParaRPr lang="en-US" dirty="0"/>
           </a:p>
@@ -741,7 +742,7 @@
           <a:p>
             <a:fld id="{96DFF08F-DC6B-4601-B491-B0F83F6DD2DA}" type="datetimeFigureOut">
               <a:rPr lang="en-US" dirty="0"/>
-              <a:t>5/15/2023</a:t>
+              <a:t>5/16/2023</a:t>
             </a:fld>
             <a:endParaRPr lang="en-US" dirty="0"/>
           </a:p>
@@ -906,7 +907,7 @@
           <a:p>
             <a:fld id="{96DFF08F-DC6B-4601-B491-B0F83F6DD2DA}" type="datetimeFigureOut">
               <a:rPr lang="en-US" dirty="0"/>
-              <a:t>5/15/2023</a:t>
+              <a:t>5/16/2023</a:t>
             </a:fld>
             <a:endParaRPr lang="en-US" dirty="0"/>
           </a:p>
@@ -1175,7 +1176,7 @@
           <a:p>
             <a:fld id="{96DFF08F-DC6B-4601-B491-B0F83F6DD2DA}" type="datetimeFigureOut">
               <a:rPr lang="en-US" dirty="0"/>
-              <a:t>5/15/2023</a:t>
+              <a:t>5/16/2023</a:t>
             </a:fld>
             <a:endParaRPr lang="en-US" dirty="0"/>
           </a:p>
@@ -1493,7 +1494,7 @@
           <a:p>
             <a:fld id="{96DFF08F-DC6B-4601-B491-B0F83F6DD2DA}" type="datetimeFigureOut">
               <a:rPr lang="en-US" dirty="0"/>
-              <a:t>5/15/2023</a:t>
+              <a:t>5/16/2023</a:t>
             </a:fld>
             <a:endParaRPr lang="en-US" dirty="0"/>
           </a:p>
@@ -1912,7 +1913,7 @@
           <a:p>
             <a:fld id="{96DFF08F-DC6B-4601-B491-B0F83F6DD2DA}" type="datetimeFigureOut">
               <a:rPr lang="en-US" dirty="0"/>
-              <a:t>5/15/2023</a:t>
+              <a:t>5/16/2023</a:t>
             </a:fld>
             <a:endParaRPr lang="en-US" dirty="0"/>
           </a:p>
@@ -2025,7 +2026,7 @@
           <a:p>
             <a:fld id="{96DFF08F-DC6B-4601-B491-B0F83F6DD2DA}" type="datetimeFigureOut">
               <a:rPr lang="en-US" dirty="0"/>
-              <a:t>5/15/2023</a:t>
+              <a:t>5/16/2023</a:t>
             </a:fld>
             <a:endParaRPr lang="en-US" dirty="0"/>
           </a:p>
@@ -2115,7 +2116,7 @@
           <a:p>
             <a:fld id="{96DFF08F-DC6B-4601-B491-B0F83F6DD2DA}" type="datetimeFigureOut">
               <a:rPr lang="en-US" dirty="0"/>
-              <a:t>5/15/2023</a:t>
+              <a:t>5/16/2023</a:t>
             </a:fld>
             <a:endParaRPr lang="en-US" dirty="0"/>
           </a:p>
@@ -2400,7 +2401,7 @@
           <a:p>
             <a:fld id="{96DFF08F-DC6B-4601-B491-B0F83F6DD2DA}" type="datetimeFigureOut">
               <a:rPr lang="en-US" dirty="0"/>
-              <a:t>5/15/2023</a:t>
+              <a:t>5/16/2023</a:t>
             </a:fld>
             <a:endParaRPr lang="en-US" dirty="0"/>
           </a:p>
@@ -2667,7 +2668,7 @@
           <a:p>
             <a:fld id="{96DFF08F-DC6B-4601-B491-B0F83F6DD2DA}" type="datetimeFigureOut">
               <a:rPr lang="en-US" dirty="0"/>
-              <a:t>5/15/2023</a:t>
+              <a:t>5/16/2023</a:t>
             </a:fld>
             <a:endParaRPr lang="en-US" dirty="0"/>
           </a:p>
@@ -2917,7 +2918,7 @@
             <a:fld id="{96DFF08F-DC6B-4601-B491-B0F83F6DD2DA}" type="datetimeFigureOut">
               <a:rPr lang="en-US" dirty="0"/>
               <a:pPr/>
-              <a:t>5/15/2023</a:t>
+              <a:t>5/16/2023</a:t>
             </a:fld>
             <a:endParaRPr lang="en-US" dirty="0"/>
           </a:p>
@@ -7238,6 +7239,66 @@
           </a:prstGeom>
         </p:spPr>
       </p:pic>
+      <p:sp>
+        <p:nvSpPr>
+          <p:cNvPr id="3" name="TextBox 2">
+            <a:extLst>
+              <a:ext uri="{FF2B5EF4-FFF2-40B4-BE49-F238E27FC236}">
+                <a16:creationId xmlns:a16="http://schemas.microsoft.com/office/drawing/2014/main" xmlns="" id="{C27938AF-C4CD-C307-1903-32B5207903C5}"/>
+              </a:ext>
+            </a:extLst>
+          </p:cNvPr>
+          <p:cNvSpPr txBox="1"/>
+          <p:nvPr/>
+        </p:nvSpPr>
+        <p:spPr>
+          <a:xfrm>
+            <a:off x="509046" y="429144"/>
+            <a:ext cx="1442092" cy="523220"/>
+          </a:xfrm>
+          <a:prstGeom prst="rect">
+            <a:avLst/>
+          </a:prstGeom>
+          <a:noFill/>
+        </p:spPr>
+        <p:txBody>
+          <a:bodyPr wrap="square" rtlCol="0">
+            <a:spAutoFit/>
+          </a:bodyPr>
+          <a:lstStyle/>
+          <a:p>
+            <a:r>
+              <a:rPr lang="en-US" altLang="ko-KR" sz="2800" dirty="0">
+                <a:solidFill>
+                  <a:schemeClr val="accent1"/>
+                </a:solidFill>
+              </a:rPr>
+              <a:t>&lt; </a:t>
+            </a:r>
+            <a:r>
+              <a:rPr lang="ko-KR" altLang="en-US" sz="2800" dirty="0">
+                <a:solidFill>
+                  <a:schemeClr val="accent1"/>
+                </a:solidFill>
+              </a:rPr>
+              <a:t>결과 </a:t>
+            </a:r>
+            <a:r>
+              <a:rPr lang="en-US" altLang="ko-KR" sz="2800" dirty="0">
+                <a:solidFill>
+                  <a:schemeClr val="accent1"/>
+                </a:solidFill>
+              </a:rPr>
+              <a:t>&gt;</a:t>
+            </a:r>
+            <a:endParaRPr lang="ko-KR" altLang="en-US" sz="2800" dirty="0">
+              <a:solidFill>
+                <a:schemeClr val="accent1"/>
+              </a:solidFill>
+            </a:endParaRPr>
+          </a:p>
+        </p:txBody>
+      </p:sp>
     </p:spTree>
     <p:extLst>
       <p:ext uri="{BB962C8B-B14F-4D97-AF65-F5344CB8AC3E}">
@@ -7517,6 +7578,61 @@
           <a:chExt cx="0" cy="0"/>
         </a:xfrm>
       </p:grpSpPr>
+      <p:sp>
+        <p:nvSpPr>
+          <p:cNvPr id="2" name="TextBox 1"/>
+          <p:cNvSpPr txBox="1"/>
+          <p:nvPr/>
+        </p:nvSpPr>
+        <p:spPr>
+          <a:xfrm>
+            <a:off x="2084438" y="2664543"/>
+            <a:ext cx="8062452" cy="830997"/>
+          </a:xfrm>
+          <a:prstGeom prst="rect">
+            <a:avLst/>
+          </a:prstGeom>
+          <a:noFill/>
+        </p:spPr>
+        <p:txBody>
+          <a:bodyPr wrap="square" rtlCol="0">
+            <a:spAutoFit/>
+          </a:bodyPr>
+          <a:lstStyle/>
+          <a:p>
+            <a:pPr algn="ctr"/>
+            <a:r>
+              <a:rPr lang="en-US" altLang="ko-KR" sz="4800" b="1" dirty="0" smtClean="0">
+                <a:solidFill>
+                  <a:schemeClr val="accent1"/>
+                </a:solidFill>
+              </a:rPr>
+              <a:t>&lt; </a:t>
+            </a:r>
+            <a:r>
+              <a:rPr lang="ko-KR" altLang="en-US" sz="4800" b="1" dirty="0" smtClean="0">
+                <a:solidFill>
+                  <a:schemeClr val="accent1"/>
+                </a:solidFill>
+              </a:rPr>
+              <a:t>노트필기 정리하기 </a:t>
+            </a:r>
+            <a:r>
+              <a:rPr lang="en-US" altLang="ko-KR" sz="4800" b="1" dirty="0" smtClean="0">
+                <a:solidFill>
+                  <a:schemeClr val="accent1"/>
+                </a:solidFill>
+              </a:rPr>
+              <a:t>&gt;</a:t>
+            </a:r>
+            <a:endParaRPr lang="ko-KR" altLang="en-US" sz="4800" b="1" dirty="0">
+              <a:solidFill>
+                <a:schemeClr val="accent1"/>
+              </a:solidFill>
+            </a:endParaRPr>
+          </a:p>
+        </p:txBody>
+      </p:sp>
     </p:spTree>
     <p:extLst>
       <p:ext uri="{BB962C8B-B14F-4D97-AF65-F5344CB8AC3E}">
@@ -7547,10 +7663,136 @@
           <a:chExt cx="0" cy="0"/>
         </a:xfrm>
       </p:grpSpPr>
+      <p:pic>
+        <p:nvPicPr>
+          <p:cNvPr id="2" name="그림 1"/>
+          <p:cNvPicPr>
+            <a:picLocks noChangeAspect="1"/>
+          </p:cNvPicPr>
+          <p:nvPr/>
+        </p:nvPicPr>
+        <p:blipFill>
+          <a:blip r:embed="rId2"/>
+          <a:stretch>
+            <a:fillRect/>
+          </a:stretch>
+        </p:blipFill>
+        <p:spPr>
+          <a:xfrm>
+            <a:off x="329648" y="353961"/>
+            <a:ext cx="4153862" cy="6204831"/>
+          </a:xfrm>
+          <a:prstGeom prst="rect">
+            <a:avLst/>
+          </a:prstGeom>
+        </p:spPr>
+      </p:pic>
+      <p:pic>
+        <p:nvPicPr>
+          <p:cNvPr id="3" name="그림 2"/>
+          <p:cNvPicPr>
+            <a:picLocks noChangeAspect="1"/>
+          </p:cNvPicPr>
+          <p:nvPr/>
+        </p:nvPicPr>
+        <p:blipFill>
+          <a:blip r:embed="rId3"/>
+          <a:stretch>
+            <a:fillRect/>
+          </a:stretch>
+        </p:blipFill>
+        <p:spPr>
+          <a:xfrm>
+            <a:off x="4631270" y="353961"/>
+            <a:ext cx="4482989" cy="6204831"/>
+          </a:xfrm>
+          <a:prstGeom prst="rect">
+            <a:avLst/>
+          </a:prstGeom>
+        </p:spPr>
+      </p:pic>
     </p:spTree>
     <p:extLst>
       <p:ext uri="{BB962C8B-B14F-4D97-AF65-F5344CB8AC3E}">
         <p14:creationId xmlns:p14="http://schemas.microsoft.com/office/powerpoint/2010/main" val="196054215"/>
+      </p:ext>
+    </p:extLst>
+  </p:cSld>
+  <p:clrMapOvr>
+    <a:masterClrMapping/>
+  </p:clrMapOvr>
+</p:sld>
+</file>
+
+<file path=ppt/slides/slide27.xml><?xml version="1.0" encoding="utf-8"?>
+<p:sld xmlns:a="http://schemas.openxmlformats.org/drawingml/2006/main" xmlns:r="http://schemas.openxmlformats.org/officeDocument/2006/relationships" xmlns:p="http://schemas.openxmlformats.org/presentationml/2006/main">
+  <p:cSld>
+    <p:spTree>
+      <p:nvGrpSpPr>
+        <p:cNvPr id="1" name=""/>
+        <p:cNvGrpSpPr/>
+        <p:nvPr/>
+      </p:nvGrpSpPr>
+      <p:grpSpPr>
+        <a:xfrm>
+          <a:off x="0" y="0"/>
+          <a:ext cx="0" cy="0"/>
+          <a:chOff x="0" y="0"/>
+          <a:chExt cx="0" cy="0"/>
+        </a:xfrm>
+      </p:grpSpPr>
+      <p:pic>
+        <p:nvPicPr>
+          <p:cNvPr id="2" name="그림 1"/>
+          <p:cNvPicPr>
+            <a:picLocks noChangeAspect="1"/>
+          </p:cNvPicPr>
+          <p:nvPr/>
+        </p:nvPicPr>
+        <p:blipFill>
+          <a:blip r:embed="rId2"/>
+          <a:stretch>
+            <a:fillRect/>
+          </a:stretch>
+        </p:blipFill>
+        <p:spPr>
+          <a:xfrm>
+            <a:off x="346252" y="334297"/>
+            <a:ext cx="4245414" cy="6226607"/>
+          </a:xfrm>
+          <a:prstGeom prst="rect">
+            <a:avLst/>
+          </a:prstGeom>
+        </p:spPr>
+      </p:pic>
+      <p:pic>
+        <p:nvPicPr>
+          <p:cNvPr id="3" name="그림 2"/>
+          <p:cNvPicPr>
+            <a:picLocks noChangeAspect="1"/>
+          </p:cNvPicPr>
+          <p:nvPr/>
+        </p:nvPicPr>
+        <p:blipFill>
+          <a:blip r:embed="rId3"/>
+          <a:stretch>
+            <a:fillRect/>
+          </a:stretch>
+        </p:blipFill>
+        <p:spPr>
+          <a:xfrm>
+            <a:off x="4710341" y="334297"/>
+            <a:ext cx="4480120" cy="6226607"/>
+          </a:xfrm>
+          <a:prstGeom prst="rect">
+            <a:avLst/>
+          </a:prstGeom>
+        </p:spPr>
+      </p:pic>
+    </p:spTree>
+    <p:extLst>
+      <p:ext uri="{BB962C8B-B14F-4D97-AF65-F5344CB8AC3E}">
+        <p14:creationId xmlns:p14="http://schemas.microsoft.com/office/powerpoint/2010/main" val="3107886752"/>
       </p:ext>
     </p:extLst>
   </p:cSld>

--- a/과제PPT/기업업무 1강.pptx
+++ b/과제PPT/기업업무 1강.pptx
@@ -350,7 +350,7 @@
             <a:fld id="{96DFF08F-DC6B-4601-B491-B0F83F6DD2DA}" type="datetimeFigureOut">
               <a:rPr lang="en-US" dirty="0"/>
               <a:pPr/>
-              <a:t>5/16/2023</a:t>
+              <a:t>5/19/2023</a:t>
             </a:fld>
             <a:endParaRPr lang="en-US" dirty="0"/>
           </a:p>
@@ -567,7 +567,7 @@
           <a:p>
             <a:fld id="{96DFF08F-DC6B-4601-B491-B0F83F6DD2DA}" type="datetimeFigureOut">
               <a:rPr lang="en-US" dirty="0"/>
-              <a:t>5/16/2023</a:t>
+              <a:t>5/19/2023</a:t>
             </a:fld>
             <a:endParaRPr lang="en-US" dirty="0"/>
           </a:p>
@@ -742,7 +742,7 @@
           <a:p>
             <a:fld id="{96DFF08F-DC6B-4601-B491-B0F83F6DD2DA}" type="datetimeFigureOut">
               <a:rPr lang="en-US" dirty="0"/>
-              <a:t>5/16/2023</a:t>
+              <a:t>5/19/2023</a:t>
             </a:fld>
             <a:endParaRPr lang="en-US" dirty="0"/>
           </a:p>
@@ -907,7 +907,7 @@
           <a:p>
             <a:fld id="{96DFF08F-DC6B-4601-B491-B0F83F6DD2DA}" type="datetimeFigureOut">
               <a:rPr lang="en-US" dirty="0"/>
-              <a:t>5/16/2023</a:t>
+              <a:t>5/19/2023</a:t>
             </a:fld>
             <a:endParaRPr lang="en-US" dirty="0"/>
           </a:p>
@@ -1176,7 +1176,7 @@
           <a:p>
             <a:fld id="{96DFF08F-DC6B-4601-B491-B0F83F6DD2DA}" type="datetimeFigureOut">
               <a:rPr lang="en-US" dirty="0"/>
-              <a:t>5/16/2023</a:t>
+              <a:t>5/19/2023</a:t>
             </a:fld>
             <a:endParaRPr lang="en-US" dirty="0"/>
           </a:p>
@@ -1494,7 +1494,7 @@
           <a:p>
             <a:fld id="{96DFF08F-DC6B-4601-B491-B0F83F6DD2DA}" type="datetimeFigureOut">
               <a:rPr lang="en-US" dirty="0"/>
-              <a:t>5/16/2023</a:t>
+              <a:t>5/19/2023</a:t>
             </a:fld>
             <a:endParaRPr lang="en-US" dirty="0"/>
           </a:p>
@@ -1913,7 +1913,7 @@
           <a:p>
             <a:fld id="{96DFF08F-DC6B-4601-B491-B0F83F6DD2DA}" type="datetimeFigureOut">
               <a:rPr lang="en-US" dirty="0"/>
-              <a:t>5/16/2023</a:t>
+              <a:t>5/19/2023</a:t>
             </a:fld>
             <a:endParaRPr lang="en-US" dirty="0"/>
           </a:p>
@@ -2026,7 +2026,7 @@
           <a:p>
             <a:fld id="{96DFF08F-DC6B-4601-B491-B0F83F6DD2DA}" type="datetimeFigureOut">
               <a:rPr lang="en-US" dirty="0"/>
-              <a:t>5/16/2023</a:t>
+              <a:t>5/19/2023</a:t>
             </a:fld>
             <a:endParaRPr lang="en-US" dirty="0"/>
           </a:p>
@@ -2116,7 +2116,7 @@
           <a:p>
             <a:fld id="{96DFF08F-DC6B-4601-B491-B0F83F6DD2DA}" type="datetimeFigureOut">
               <a:rPr lang="en-US" dirty="0"/>
-              <a:t>5/16/2023</a:t>
+              <a:t>5/19/2023</a:t>
             </a:fld>
             <a:endParaRPr lang="en-US" dirty="0"/>
           </a:p>
@@ -2401,7 +2401,7 @@
           <a:p>
             <a:fld id="{96DFF08F-DC6B-4601-B491-B0F83F6DD2DA}" type="datetimeFigureOut">
               <a:rPr lang="en-US" dirty="0"/>
-              <a:t>5/16/2023</a:t>
+              <a:t>5/19/2023</a:t>
             </a:fld>
             <a:endParaRPr lang="en-US" dirty="0"/>
           </a:p>
@@ -2668,7 +2668,7 @@
           <a:p>
             <a:fld id="{96DFF08F-DC6B-4601-B491-B0F83F6DD2DA}" type="datetimeFigureOut">
               <a:rPr lang="en-US" dirty="0"/>
-              <a:t>5/16/2023</a:t>
+              <a:t>5/19/2023</a:t>
             </a:fld>
             <a:endParaRPr lang="en-US" dirty="0"/>
           </a:p>
@@ -2918,7 +2918,7 @@
             <a:fld id="{96DFF08F-DC6B-4601-B491-B0F83F6DD2DA}" type="datetimeFigureOut">
               <a:rPr lang="en-US" dirty="0"/>
               <a:pPr/>
-              <a:t>5/16/2023</a:t>
+              <a:t>5/19/2023</a:t>
             </a:fld>
             <a:endParaRPr lang="en-US" dirty="0"/>
           </a:p>
@@ -3589,12 +3589,36 @@
           <a:chExt cx="0" cy="0"/>
         </a:xfrm>
       </p:grpSpPr>
+      <p:pic>
+        <p:nvPicPr>
+          <p:cNvPr id="3" name="그림 2"/>
+          <p:cNvPicPr>
+            <a:picLocks noChangeAspect="1"/>
+          </p:cNvPicPr>
+          <p:nvPr/>
+        </p:nvPicPr>
+        <p:blipFill>
+          <a:blip r:embed="rId2"/>
+          <a:stretch>
+            <a:fillRect/>
+          </a:stretch>
+        </p:blipFill>
+        <p:spPr>
+          <a:xfrm>
+            <a:off x="479323" y="1098686"/>
+            <a:ext cx="6329691" cy="3944754"/>
+          </a:xfrm>
+          <a:prstGeom prst="rect">
+            <a:avLst/>
+          </a:prstGeom>
+        </p:spPr>
+      </p:pic>
       <p:sp>
         <p:nvSpPr>
           <p:cNvPr id="2" name="제목 1">
             <a:extLst>
               <a:ext uri="{FF2B5EF4-FFF2-40B4-BE49-F238E27FC236}">
-                <a16:creationId xmlns:a16="http://schemas.microsoft.com/office/drawing/2014/main" xmlns="" id="{635C47BF-19DD-7A68-913E-EF8F14DBA234}"/>
+                <a16:creationId xmlns="" xmlns:a16="http://schemas.microsoft.com/office/drawing/2014/main" id="{635C47BF-19DD-7A68-913E-EF8F14DBA234}"/>
               </a:ext>
             </a:extLst>
           </p:cNvPr>
@@ -3650,40 +3674,10 @@
       </p:sp>
       <p:pic>
         <p:nvPicPr>
-          <p:cNvPr id="4" name="그림 3">
-            <a:extLst>
-              <a:ext uri="{FF2B5EF4-FFF2-40B4-BE49-F238E27FC236}">
-                <a16:creationId xmlns:a16="http://schemas.microsoft.com/office/drawing/2014/main" xmlns="" id="{39EC71CB-B1C3-8E9E-D662-050355F93B1A}"/>
-              </a:ext>
-            </a:extLst>
-          </p:cNvPr>
-          <p:cNvPicPr>
-            <a:picLocks noChangeAspect="1"/>
-          </p:cNvPicPr>
-          <p:nvPr/>
-        </p:nvPicPr>
-        <p:blipFill>
-          <a:blip r:embed="rId2"/>
-          <a:stretch>
-            <a:fillRect/>
-          </a:stretch>
-        </p:blipFill>
-        <p:spPr>
-          <a:xfrm>
-            <a:off x="479323" y="1150799"/>
-            <a:ext cx="7611537" cy="3477110"/>
-          </a:xfrm>
-          <a:prstGeom prst="rect">
-            <a:avLst/>
-          </a:prstGeom>
-        </p:spPr>
-      </p:pic>
-      <p:pic>
-        <p:nvPicPr>
           <p:cNvPr id="6" name="그림 5">
             <a:extLst>
               <a:ext uri="{FF2B5EF4-FFF2-40B4-BE49-F238E27FC236}">
-                <a16:creationId xmlns:a16="http://schemas.microsoft.com/office/drawing/2014/main" xmlns="" id="{19E66B89-9C85-0124-F897-2BE6763FD64E}"/>
+                <a16:creationId xmlns="" xmlns:a16="http://schemas.microsoft.com/office/drawing/2014/main" id="{19E66B89-9C85-0124-F897-2BE6763FD64E}"/>
               </a:ext>
             </a:extLst>
           </p:cNvPr>
@@ -3713,7 +3707,7 @@
           <p:cNvPr id="7" name="화살표: 오른쪽 6">
             <a:extLst>
               <a:ext uri="{FF2B5EF4-FFF2-40B4-BE49-F238E27FC236}">
-                <a16:creationId xmlns:a16="http://schemas.microsoft.com/office/drawing/2014/main" xmlns="" id="{348A3A05-3D1E-008D-641B-4D4CA575520F}"/>
+                <a16:creationId xmlns="" xmlns:a16="http://schemas.microsoft.com/office/drawing/2014/main" id="{348A3A05-3D1E-008D-641B-4D4CA575520F}"/>
               </a:ext>
             </a:extLst>
           </p:cNvPr>
@@ -3759,7 +3753,7 @@
           <p:cNvPr id="8" name="TextBox 7">
             <a:extLst>
               <a:ext uri="{FF2B5EF4-FFF2-40B4-BE49-F238E27FC236}">
-                <a16:creationId xmlns:a16="http://schemas.microsoft.com/office/drawing/2014/main" xmlns="" id="{57AF1518-7916-E1C3-6AEA-0A58605640CD}"/>
+                <a16:creationId xmlns="" xmlns:a16="http://schemas.microsoft.com/office/drawing/2014/main" id="{57AF1518-7916-E1C3-6AEA-0A58605640CD}"/>
               </a:ext>
             </a:extLst>
           </p:cNvPr>
@@ -3844,12 +3838,36 @@
           <a:chExt cx="0" cy="0"/>
         </a:xfrm>
       </p:grpSpPr>
+      <p:pic>
+        <p:nvPicPr>
+          <p:cNvPr id="3" name="그림 2"/>
+          <p:cNvPicPr>
+            <a:picLocks noChangeAspect="1"/>
+          </p:cNvPicPr>
+          <p:nvPr/>
+        </p:nvPicPr>
+        <p:blipFill>
+          <a:blip r:embed="rId2"/>
+          <a:stretch>
+            <a:fillRect/>
+          </a:stretch>
+        </p:blipFill>
+        <p:spPr>
+          <a:xfrm>
+            <a:off x="479323" y="1098686"/>
+            <a:ext cx="6657562" cy="3909245"/>
+          </a:xfrm>
+          <a:prstGeom prst="rect">
+            <a:avLst/>
+          </a:prstGeom>
+        </p:spPr>
+      </p:pic>
       <p:sp>
         <p:nvSpPr>
           <p:cNvPr id="2" name="제목 1">
             <a:extLst>
               <a:ext uri="{FF2B5EF4-FFF2-40B4-BE49-F238E27FC236}">
-                <a16:creationId xmlns:a16="http://schemas.microsoft.com/office/drawing/2014/main" xmlns="" id="{635C47BF-19DD-7A68-913E-EF8F14DBA234}"/>
+                <a16:creationId xmlns="" xmlns:a16="http://schemas.microsoft.com/office/drawing/2014/main" id="{635C47BF-19DD-7A68-913E-EF8F14DBA234}"/>
               </a:ext>
             </a:extLst>
           </p:cNvPr>
@@ -3905,40 +3923,10 @@
       </p:sp>
       <p:pic>
         <p:nvPicPr>
-          <p:cNvPr id="4" name="그림 3">
-            <a:extLst>
-              <a:ext uri="{FF2B5EF4-FFF2-40B4-BE49-F238E27FC236}">
-                <a16:creationId xmlns:a16="http://schemas.microsoft.com/office/drawing/2014/main" xmlns="" id="{0957AA1C-EDF3-EE0C-32A0-FDF0287D7850}"/>
-              </a:ext>
-            </a:extLst>
-          </p:cNvPr>
-          <p:cNvPicPr>
-            <a:picLocks noChangeAspect="1"/>
-          </p:cNvPicPr>
-          <p:nvPr/>
-        </p:nvPicPr>
-        <p:blipFill>
-          <a:blip r:embed="rId2"/>
-          <a:stretch>
-            <a:fillRect/>
-          </a:stretch>
-        </p:blipFill>
-        <p:spPr>
-          <a:xfrm>
-            <a:off x="479323" y="1231772"/>
-            <a:ext cx="8340462" cy="3610051"/>
-          </a:xfrm>
-          <a:prstGeom prst="rect">
-            <a:avLst/>
-          </a:prstGeom>
-        </p:spPr>
-      </p:pic>
-      <p:pic>
-        <p:nvPicPr>
           <p:cNvPr id="6" name="그림 5">
             <a:extLst>
               <a:ext uri="{FF2B5EF4-FFF2-40B4-BE49-F238E27FC236}">
-                <a16:creationId xmlns:a16="http://schemas.microsoft.com/office/drawing/2014/main" xmlns="" id="{1E9DEBCF-96B8-E7AA-B3D8-79CF024D9731}"/>
+                <a16:creationId xmlns="" xmlns:a16="http://schemas.microsoft.com/office/drawing/2014/main" id="{1E9DEBCF-96B8-E7AA-B3D8-79CF024D9731}"/>
               </a:ext>
             </a:extLst>
           </p:cNvPr>
@@ -3968,7 +3956,7 @@
           <p:cNvPr id="7" name="화살표: 오른쪽 6">
             <a:extLst>
               <a:ext uri="{FF2B5EF4-FFF2-40B4-BE49-F238E27FC236}">
-                <a16:creationId xmlns:a16="http://schemas.microsoft.com/office/drawing/2014/main" xmlns="" id="{377F6EB9-04DD-E48B-35F4-1FDC8C656B50}"/>
+                <a16:creationId xmlns="" xmlns:a16="http://schemas.microsoft.com/office/drawing/2014/main" id="{377F6EB9-04DD-E48B-35F4-1FDC8C656B50}"/>
               </a:ext>
             </a:extLst>
           </p:cNvPr>
@@ -4014,7 +4002,7 @@
           <p:cNvPr id="8" name="TextBox 7">
             <a:extLst>
               <a:ext uri="{FF2B5EF4-FFF2-40B4-BE49-F238E27FC236}">
-                <a16:creationId xmlns:a16="http://schemas.microsoft.com/office/drawing/2014/main" xmlns="" id="{9EACEF18-3773-C1E3-C895-16E79BA820EE}"/>
+                <a16:creationId xmlns="" xmlns:a16="http://schemas.microsoft.com/office/drawing/2014/main" id="{9EACEF18-3773-C1E3-C895-16E79BA820EE}"/>
               </a:ext>
             </a:extLst>
           </p:cNvPr>
@@ -4104,7 +4092,7 @@
           <p:cNvPr id="2" name="제목 1">
             <a:extLst>
               <a:ext uri="{FF2B5EF4-FFF2-40B4-BE49-F238E27FC236}">
-                <a16:creationId xmlns:a16="http://schemas.microsoft.com/office/drawing/2014/main" xmlns="" id="{635C47BF-19DD-7A68-913E-EF8F14DBA234}"/>
+                <a16:creationId xmlns="" xmlns:a16="http://schemas.microsoft.com/office/drawing/2014/main" id="{635C47BF-19DD-7A68-913E-EF8F14DBA234}"/>
               </a:ext>
             </a:extLst>
           </p:cNvPr>
@@ -4145,7 +4133,7 @@
           <p:cNvPr id="4" name="그림 3">
             <a:extLst>
               <a:ext uri="{FF2B5EF4-FFF2-40B4-BE49-F238E27FC236}">
-                <a16:creationId xmlns:a16="http://schemas.microsoft.com/office/drawing/2014/main" xmlns="" id="{0CCFF9D3-5444-26E8-15BB-C1C93D5703D4}"/>
+                <a16:creationId xmlns="" xmlns:a16="http://schemas.microsoft.com/office/drawing/2014/main" id="{0CCFF9D3-5444-26E8-15BB-C1C93D5703D4}"/>
               </a:ext>
             </a:extLst>
           </p:cNvPr>
@@ -4175,7 +4163,7 @@
           <p:cNvPr id="6" name="그림 5">
             <a:extLst>
               <a:ext uri="{FF2B5EF4-FFF2-40B4-BE49-F238E27FC236}">
-                <a16:creationId xmlns:a16="http://schemas.microsoft.com/office/drawing/2014/main" xmlns="" id="{182E2669-04BF-B00B-015A-9A5125870AC4}"/>
+                <a16:creationId xmlns="" xmlns:a16="http://schemas.microsoft.com/office/drawing/2014/main" id="{182E2669-04BF-B00B-015A-9A5125870AC4}"/>
               </a:ext>
             </a:extLst>
           </p:cNvPr>
@@ -4205,7 +4193,7 @@
           <p:cNvPr id="7" name="화살표: 오른쪽 6">
             <a:extLst>
               <a:ext uri="{FF2B5EF4-FFF2-40B4-BE49-F238E27FC236}">
-                <a16:creationId xmlns:a16="http://schemas.microsoft.com/office/drawing/2014/main" xmlns="" id="{6DCEBFB2-C9E8-2E53-75C1-573454306C7D}"/>
+                <a16:creationId xmlns="" xmlns:a16="http://schemas.microsoft.com/office/drawing/2014/main" id="{6DCEBFB2-C9E8-2E53-75C1-573454306C7D}"/>
               </a:ext>
             </a:extLst>
           </p:cNvPr>
@@ -4251,7 +4239,7 @@
           <p:cNvPr id="8" name="TextBox 7">
             <a:extLst>
               <a:ext uri="{FF2B5EF4-FFF2-40B4-BE49-F238E27FC236}">
-                <a16:creationId xmlns:a16="http://schemas.microsoft.com/office/drawing/2014/main" xmlns="" id="{82D2A4B0-45CD-4F74-F411-1CE3BD84ADA9}"/>
+                <a16:creationId xmlns="" xmlns:a16="http://schemas.microsoft.com/office/drawing/2014/main" id="{82D2A4B0-45CD-4F74-F411-1CE3BD84ADA9}"/>
               </a:ext>
             </a:extLst>
           </p:cNvPr>
@@ -4341,7 +4329,7 @@
           <p:cNvPr id="2" name="제목 1">
             <a:extLst>
               <a:ext uri="{FF2B5EF4-FFF2-40B4-BE49-F238E27FC236}">
-                <a16:creationId xmlns:a16="http://schemas.microsoft.com/office/drawing/2014/main" xmlns="" id="{635C47BF-19DD-7A68-913E-EF8F14DBA234}"/>
+                <a16:creationId xmlns="" xmlns:a16="http://schemas.microsoft.com/office/drawing/2014/main" id="{635C47BF-19DD-7A68-913E-EF8F14DBA234}"/>
               </a:ext>
             </a:extLst>
           </p:cNvPr>
@@ -4391,7 +4379,7 @@
           <p:cNvPr id="4" name="그림 3">
             <a:extLst>
               <a:ext uri="{FF2B5EF4-FFF2-40B4-BE49-F238E27FC236}">
-                <a16:creationId xmlns:a16="http://schemas.microsoft.com/office/drawing/2014/main" xmlns="" id="{FA6E82DB-0B30-4A69-36D1-E33010E36AF1}"/>
+                <a16:creationId xmlns="" xmlns:a16="http://schemas.microsoft.com/office/drawing/2014/main" id="{FA6E82DB-0B30-4A69-36D1-E33010E36AF1}"/>
               </a:ext>
             </a:extLst>
           </p:cNvPr>
@@ -4421,7 +4409,7 @@
           <p:cNvPr id="6" name="그림 5">
             <a:extLst>
               <a:ext uri="{FF2B5EF4-FFF2-40B4-BE49-F238E27FC236}">
-                <a16:creationId xmlns:a16="http://schemas.microsoft.com/office/drawing/2014/main" xmlns="" id="{3AB2A78B-6F32-7CAF-0DF2-E19A949771E7}"/>
+                <a16:creationId xmlns="" xmlns:a16="http://schemas.microsoft.com/office/drawing/2014/main" id="{3AB2A78B-6F32-7CAF-0DF2-E19A949771E7}"/>
               </a:ext>
             </a:extLst>
           </p:cNvPr>
@@ -4451,7 +4439,7 @@
           <p:cNvPr id="7" name="화살표: 오른쪽 6">
             <a:extLst>
               <a:ext uri="{FF2B5EF4-FFF2-40B4-BE49-F238E27FC236}">
-                <a16:creationId xmlns:a16="http://schemas.microsoft.com/office/drawing/2014/main" xmlns="" id="{2E52D649-F013-8717-AF4F-5792F88809A9}"/>
+                <a16:creationId xmlns="" xmlns:a16="http://schemas.microsoft.com/office/drawing/2014/main" id="{2E52D649-F013-8717-AF4F-5792F88809A9}"/>
               </a:ext>
             </a:extLst>
           </p:cNvPr>
@@ -4497,7 +4485,7 @@
           <p:cNvPr id="8" name="TextBox 7">
             <a:extLst>
               <a:ext uri="{FF2B5EF4-FFF2-40B4-BE49-F238E27FC236}">
-                <a16:creationId xmlns:a16="http://schemas.microsoft.com/office/drawing/2014/main" xmlns="" id="{6C5B5E04-678C-3E3A-CF98-754E7F60DD80}"/>
+                <a16:creationId xmlns="" xmlns:a16="http://schemas.microsoft.com/office/drawing/2014/main" id="{6C5B5E04-678C-3E3A-CF98-754E7F60DD80}"/>
               </a:ext>
             </a:extLst>
           </p:cNvPr>
@@ -4587,7 +4575,7 @@
           <p:cNvPr id="2" name="제목 1">
             <a:extLst>
               <a:ext uri="{FF2B5EF4-FFF2-40B4-BE49-F238E27FC236}">
-                <a16:creationId xmlns:a16="http://schemas.microsoft.com/office/drawing/2014/main" xmlns="" id="{635C47BF-19DD-7A68-913E-EF8F14DBA234}"/>
+                <a16:creationId xmlns="" xmlns:a16="http://schemas.microsoft.com/office/drawing/2014/main" id="{635C47BF-19DD-7A68-913E-EF8F14DBA234}"/>
               </a:ext>
             </a:extLst>
           </p:cNvPr>
@@ -4637,7 +4625,7 @@
           <p:cNvPr id="4" name="그림 3">
             <a:extLst>
               <a:ext uri="{FF2B5EF4-FFF2-40B4-BE49-F238E27FC236}">
-                <a16:creationId xmlns:a16="http://schemas.microsoft.com/office/drawing/2014/main" xmlns="" id="{1187F3FF-F4F3-CD77-9918-A06EB400D219}"/>
+                <a16:creationId xmlns="" xmlns:a16="http://schemas.microsoft.com/office/drawing/2014/main" id="{1187F3FF-F4F3-CD77-9918-A06EB400D219}"/>
               </a:ext>
             </a:extLst>
           </p:cNvPr>
@@ -4667,7 +4655,7 @@
           <p:cNvPr id="6" name="그림 5">
             <a:extLst>
               <a:ext uri="{FF2B5EF4-FFF2-40B4-BE49-F238E27FC236}">
-                <a16:creationId xmlns:a16="http://schemas.microsoft.com/office/drawing/2014/main" xmlns="" id="{28046C9D-A7B9-CA45-360D-8B0A94231D4E}"/>
+                <a16:creationId xmlns="" xmlns:a16="http://schemas.microsoft.com/office/drawing/2014/main" id="{28046C9D-A7B9-CA45-360D-8B0A94231D4E}"/>
               </a:ext>
             </a:extLst>
           </p:cNvPr>
@@ -4697,7 +4685,7 @@
           <p:cNvPr id="7" name="화살표: 오른쪽 6">
             <a:extLst>
               <a:ext uri="{FF2B5EF4-FFF2-40B4-BE49-F238E27FC236}">
-                <a16:creationId xmlns:a16="http://schemas.microsoft.com/office/drawing/2014/main" xmlns="" id="{DD8C83BB-8C77-CA1B-52D4-48048C992DC1}"/>
+                <a16:creationId xmlns="" xmlns:a16="http://schemas.microsoft.com/office/drawing/2014/main" id="{DD8C83BB-8C77-CA1B-52D4-48048C992DC1}"/>
               </a:ext>
             </a:extLst>
           </p:cNvPr>
@@ -4743,7 +4731,7 @@
           <p:cNvPr id="8" name="TextBox 7">
             <a:extLst>
               <a:ext uri="{FF2B5EF4-FFF2-40B4-BE49-F238E27FC236}">
-                <a16:creationId xmlns:a16="http://schemas.microsoft.com/office/drawing/2014/main" xmlns="" id="{D0CF2C55-0674-8640-68E8-816D4D59C6AF}"/>
+                <a16:creationId xmlns="" xmlns:a16="http://schemas.microsoft.com/office/drawing/2014/main" id="{D0CF2C55-0674-8640-68E8-816D4D59C6AF}"/>
               </a:ext>
             </a:extLst>
           </p:cNvPr>
@@ -4833,7 +4821,7 @@
           <p:cNvPr id="2" name="제목 1">
             <a:extLst>
               <a:ext uri="{FF2B5EF4-FFF2-40B4-BE49-F238E27FC236}">
-                <a16:creationId xmlns:a16="http://schemas.microsoft.com/office/drawing/2014/main" xmlns="" id="{635C47BF-19DD-7A68-913E-EF8F14DBA234}"/>
+                <a16:creationId xmlns="" xmlns:a16="http://schemas.microsoft.com/office/drawing/2014/main" id="{635C47BF-19DD-7A68-913E-EF8F14DBA234}"/>
               </a:ext>
             </a:extLst>
           </p:cNvPr>
@@ -4874,7 +4862,7 @@
           <p:cNvPr id="4" name="그림 3">
             <a:extLst>
               <a:ext uri="{FF2B5EF4-FFF2-40B4-BE49-F238E27FC236}">
-                <a16:creationId xmlns:a16="http://schemas.microsoft.com/office/drawing/2014/main" xmlns="" id="{9AFDC4F0-8DD4-0FE8-9131-9C93B6D8775C}"/>
+                <a16:creationId xmlns="" xmlns:a16="http://schemas.microsoft.com/office/drawing/2014/main" id="{9AFDC4F0-8DD4-0FE8-9131-9C93B6D8775C}"/>
               </a:ext>
             </a:extLst>
           </p:cNvPr>
@@ -4904,7 +4892,7 @@
           <p:cNvPr id="6" name="그림 5">
             <a:extLst>
               <a:ext uri="{FF2B5EF4-FFF2-40B4-BE49-F238E27FC236}">
-                <a16:creationId xmlns:a16="http://schemas.microsoft.com/office/drawing/2014/main" xmlns="" id="{35213836-96D2-2C88-A01C-9B466B3AC3B4}"/>
+                <a16:creationId xmlns="" xmlns:a16="http://schemas.microsoft.com/office/drawing/2014/main" id="{35213836-96D2-2C88-A01C-9B466B3AC3B4}"/>
               </a:ext>
             </a:extLst>
           </p:cNvPr>
@@ -4934,7 +4922,7 @@
           <p:cNvPr id="8" name="그림 7">
             <a:extLst>
               <a:ext uri="{FF2B5EF4-FFF2-40B4-BE49-F238E27FC236}">
-                <a16:creationId xmlns:a16="http://schemas.microsoft.com/office/drawing/2014/main" xmlns="" id="{DAFE2B7C-7252-6903-AB33-5D54FF3A9352}"/>
+                <a16:creationId xmlns="" xmlns:a16="http://schemas.microsoft.com/office/drawing/2014/main" id="{DAFE2B7C-7252-6903-AB33-5D54FF3A9352}"/>
               </a:ext>
             </a:extLst>
           </p:cNvPr>
@@ -4964,7 +4952,7 @@
           <p:cNvPr id="10" name="그림 9">
             <a:extLst>
               <a:ext uri="{FF2B5EF4-FFF2-40B4-BE49-F238E27FC236}">
-                <a16:creationId xmlns:a16="http://schemas.microsoft.com/office/drawing/2014/main" xmlns="" id="{647FC1BE-CC0F-0CD0-5FF3-189068C64692}"/>
+                <a16:creationId xmlns="" xmlns:a16="http://schemas.microsoft.com/office/drawing/2014/main" id="{647FC1BE-CC0F-0CD0-5FF3-189068C64692}"/>
               </a:ext>
             </a:extLst>
           </p:cNvPr>
@@ -4994,7 +4982,7 @@
           <p:cNvPr id="11" name="화살표: 오른쪽 10">
             <a:extLst>
               <a:ext uri="{FF2B5EF4-FFF2-40B4-BE49-F238E27FC236}">
-                <a16:creationId xmlns:a16="http://schemas.microsoft.com/office/drawing/2014/main" xmlns="" id="{BA064BA3-3F21-E42C-1DBF-DF36450B10D2}"/>
+                <a16:creationId xmlns="" xmlns:a16="http://schemas.microsoft.com/office/drawing/2014/main" id="{BA064BA3-3F21-E42C-1DBF-DF36450B10D2}"/>
               </a:ext>
             </a:extLst>
           </p:cNvPr>
@@ -5040,7 +5028,7 @@
           <p:cNvPr id="12" name="화살표: 오른쪽 11">
             <a:extLst>
               <a:ext uri="{FF2B5EF4-FFF2-40B4-BE49-F238E27FC236}">
-                <a16:creationId xmlns:a16="http://schemas.microsoft.com/office/drawing/2014/main" xmlns="" id="{97E514FA-2D7B-B36D-D278-B2FA3FCC9FE8}"/>
+                <a16:creationId xmlns="" xmlns:a16="http://schemas.microsoft.com/office/drawing/2014/main" id="{97E514FA-2D7B-B36D-D278-B2FA3FCC9FE8}"/>
               </a:ext>
             </a:extLst>
           </p:cNvPr>
@@ -5086,7 +5074,7 @@
           <p:cNvPr id="13" name="사각형: 둥근 모서리 12">
             <a:extLst>
               <a:ext uri="{FF2B5EF4-FFF2-40B4-BE49-F238E27FC236}">
-                <a16:creationId xmlns:a16="http://schemas.microsoft.com/office/drawing/2014/main" xmlns="" id="{514A602B-A69A-3240-562B-2EE520D5020E}"/>
+                <a16:creationId xmlns="" xmlns:a16="http://schemas.microsoft.com/office/drawing/2014/main" id="{514A602B-A69A-3240-562B-2EE520D5020E}"/>
               </a:ext>
             </a:extLst>
           </p:cNvPr>
@@ -5134,7 +5122,7 @@
           <p:cNvPr id="16" name="TextBox 15">
             <a:extLst>
               <a:ext uri="{FF2B5EF4-FFF2-40B4-BE49-F238E27FC236}">
-                <a16:creationId xmlns:a16="http://schemas.microsoft.com/office/drawing/2014/main" xmlns="" id="{45ADC754-A6BE-2745-C793-19F39EB81981}"/>
+                <a16:creationId xmlns="" xmlns:a16="http://schemas.microsoft.com/office/drawing/2014/main" id="{45ADC754-A6BE-2745-C793-19F39EB81981}"/>
               </a:ext>
             </a:extLst>
           </p:cNvPr>
@@ -5224,7 +5212,7 @@
           <p:cNvPr id="2" name="제목 1">
             <a:extLst>
               <a:ext uri="{FF2B5EF4-FFF2-40B4-BE49-F238E27FC236}">
-                <a16:creationId xmlns:a16="http://schemas.microsoft.com/office/drawing/2014/main" xmlns="" id="{635C47BF-19DD-7A68-913E-EF8F14DBA234}"/>
+                <a16:creationId xmlns="" xmlns:a16="http://schemas.microsoft.com/office/drawing/2014/main" id="{635C47BF-19DD-7A68-913E-EF8F14DBA234}"/>
               </a:ext>
             </a:extLst>
           </p:cNvPr>
@@ -5265,7 +5253,7 @@
           <p:cNvPr id="4" name="그림 3">
             <a:extLst>
               <a:ext uri="{FF2B5EF4-FFF2-40B4-BE49-F238E27FC236}">
-                <a16:creationId xmlns:a16="http://schemas.microsoft.com/office/drawing/2014/main" xmlns="" id="{C17C27DB-A7B4-6FDB-1826-62F88BE93AD1}"/>
+                <a16:creationId xmlns="" xmlns:a16="http://schemas.microsoft.com/office/drawing/2014/main" id="{C17C27DB-A7B4-6FDB-1826-62F88BE93AD1}"/>
               </a:ext>
             </a:extLst>
           </p:cNvPr>
@@ -5295,7 +5283,7 @@
           <p:cNvPr id="6" name="그림 5">
             <a:extLst>
               <a:ext uri="{FF2B5EF4-FFF2-40B4-BE49-F238E27FC236}">
-                <a16:creationId xmlns:a16="http://schemas.microsoft.com/office/drawing/2014/main" xmlns="" id="{38E32B38-5B6A-9E30-C0D4-412EC83C34D3}"/>
+                <a16:creationId xmlns="" xmlns:a16="http://schemas.microsoft.com/office/drawing/2014/main" id="{38E32B38-5B6A-9E30-C0D4-412EC83C34D3}"/>
               </a:ext>
             </a:extLst>
           </p:cNvPr>
@@ -5325,7 +5313,7 @@
           <p:cNvPr id="7" name="화살표: 오른쪽 6">
             <a:extLst>
               <a:ext uri="{FF2B5EF4-FFF2-40B4-BE49-F238E27FC236}">
-                <a16:creationId xmlns:a16="http://schemas.microsoft.com/office/drawing/2014/main" xmlns="" id="{A5102118-1104-CABE-E873-A594E62DACAD}"/>
+                <a16:creationId xmlns="" xmlns:a16="http://schemas.microsoft.com/office/drawing/2014/main" id="{A5102118-1104-CABE-E873-A594E62DACAD}"/>
               </a:ext>
             </a:extLst>
           </p:cNvPr>
@@ -5371,7 +5359,7 @@
           <p:cNvPr id="8" name="TextBox 7">
             <a:extLst>
               <a:ext uri="{FF2B5EF4-FFF2-40B4-BE49-F238E27FC236}">
-                <a16:creationId xmlns:a16="http://schemas.microsoft.com/office/drawing/2014/main" xmlns="" id="{DE8771B7-6222-47EF-BBE8-1ADBA696B5DF}"/>
+                <a16:creationId xmlns="" xmlns:a16="http://schemas.microsoft.com/office/drawing/2014/main" id="{DE8771B7-6222-47EF-BBE8-1ADBA696B5DF}"/>
               </a:ext>
             </a:extLst>
           </p:cNvPr>
@@ -5461,7 +5449,7 @@
           <p:cNvPr id="2" name="제목 1">
             <a:extLst>
               <a:ext uri="{FF2B5EF4-FFF2-40B4-BE49-F238E27FC236}">
-                <a16:creationId xmlns:a16="http://schemas.microsoft.com/office/drawing/2014/main" xmlns="" id="{635C47BF-19DD-7A68-913E-EF8F14DBA234}"/>
+                <a16:creationId xmlns="" xmlns:a16="http://schemas.microsoft.com/office/drawing/2014/main" id="{635C47BF-19DD-7A68-913E-EF8F14DBA234}"/>
               </a:ext>
             </a:extLst>
           </p:cNvPr>
@@ -5502,7 +5490,7 @@
           <p:cNvPr id="4" name="그림 3">
             <a:extLst>
               <a:ext uri="{FF2B5EF4-FFF2-40B4-BE49-F238E27FC236}">
-                <a16:creationId xmlns:a16="http://schemas.microsoft.com/office/drawing/2014/main" xmlns="" id="{106ABDD4-C8DF-4FEB-1E1F-7C2EB5BE4E64}"/>
+                <a16:creationId xmlns="" xmlns:a16="http://schemas.microsoft.com/office/drawing/2014/main" id="{106ABDD4-C8DF-4FEB-1E1F-7C2EB5BE4E64}"/>
               </a:ext>
             </a:extLst>
           </p:cNvPr>
@@ -5532,7 +5520,7 @@
           <p:cNvPr id="6" name="그림 5">
             <a:extLst>
               <a:ext uri="{FF2B5EF4-FFF2-40B4-BE49-F238E27FC236}">
-                <a16:creationId xmlns:a16="http://schemas.microsoft.com/office/drawing/2014/main" xmlns="" id="{463BE261-BE90-8155-A8C1-A36F8437415B}"/>
+                <a16:creationId xmlns="" xmlns:a16="http://schemas.microsoft.com/office/drawing/2014/main" id="{463BE261-BE90-8155-A8C1-A36F8437415B}"/>
               </a:ext>
             </a:extLst>
           </p:cNvPr>
@@ -5562,7 +5550,7 @@
           <p:cNvPr id="7" name="화살표: 오른쪽 6">
             <a:extLst>
               <a:ext uri="{FF2B5EF4-FFF2-40B4-BE49-F238E27FC236}">
-                <a16:creationId xmlns:a16="http://schemas.microsoft.com/office/drawing/2014/main" xmlns="" id="{186BEBA1-8610-B97A-5D4E-84DA666EB12E}"/>
+                <a16:creationId xmlns="" xmlns:a16="http://schemas.microsoft.com/office/drawing/2014/main" id="{186BEBA1-8610-B97A-5D4E-84DA666EB12E}"/>
               </a:ext>
             </a:extLst>
           </p:cNvPr>
@@ -5608,7 +5596,7 @@
           <p:cNvPr id="8" name="TextBox 7">
             <a:extLst>
               <a:ext uri="{FF2B5EF4-FFF2-40B4-BE49-F238E27FC236}">
-                <a16:creationId xmlns:a16="http://schemas.microsoft.com/office/drawing/2014/main" xmlns="" id="{8F093084-9902-13CE-CA47-297530B80C3D}"/>
+                <a16:creationId xmlns="" xmlns:a16="http://schemas.microsoft.com/office/drawing/2014/main" id="{8F093084-9902-13CE-CA47-297530B80C3D}"/>
               </a:ext>
             </a:extLst>
           </p:cNvPr>
@@ -5698,7 +5686,7 @@
           <p:cNvPr id="2" name="제목 1">
             <a:extLst>
               <a:ext uri="{FF2B5EF4-FFF2-40B4-BE49-F238E27FC236}">
-                <a16:creationId xmlns:a16="http://schemas.microsoft.com/office/drawing/2014/main" xmlns="" id="{635C47BF-19DD-7A68-913E-EF8F14DBA234}"/>
+                <a16:creationId xmlns="" xmlns:a16="http://schemas.microsoft.com/office/drawing/2014/main" id="{635C47BF-19DD-7A68-913E-EF8F14DBA234}"/>
               </a:ext>
             </a:extLst>
           </p:cNvPr>
@@ -5739,7 +5727,7 @@
           <p:cNvPr id="4" name="그림 3">
             <a:extLst>
               <a:ext uri="{FF2B5EF4-FFF2-40B4-BE49-F238E27FC236}">
-                <a16:creationId xmlns:a16="http://schemas.microsoft.com/office/drawing/2014/main" xmlns="" id="{42B0B1C8-368C-AD76-30D8-407573B5D32E}"/>
+                <a16:creationId xmlns="" xmlns:a16="http://schemas.microsoft.com/office/drawing/2014/main" id="{42B0B1C8-368C-AD76-30D8-407573B5D32E}"/>
               </a:ext>
             </a:extLst>
           </p:cNvPr>
@@ -5769,7 +5757,7 @@
           <p:cNvPr id="6" name="그림 5">
             <a:extLst>
               <a:ext uri="{FF2B5EF4-FFF2-40B4-BE49-F238E27FC236}">
-                <a16:creationId xmlns:a16="http://schemas.microsoft.com/office/drawing/2014/main" xmlns="" id="{60FB2311-8EB5-3C88-0769-FD984401103D}"/>
+                <a16:creationId xmlns="" xmlns:a16="http://schemas.microsoft.com/office/drawing/2014/main" id="{60FB2311-8EB5-3C88-0769-FD984401103D}"/>
               </a:ext>
             </a:extLst>
           </p:cNvPr>
@@ -5799,7 +5787,7 @@
           <p:cNvPr id="7" name="화살표: 오른쪽 6">
             <a:extLst>
               <a:ext uri="{FF2B5EF4-FFF2-40B4-BE49-F238E27FC236}">
-                <a16:creationId xmlns:a16="http://schemas.microsoft.com/office/drawing/2014/main" xmlns="" id="{834B34F8-0503-4E7B-6118-AB8A16D3C333}"/>
+                <a16:creationId xmlns="" xmlns:a16="http://schemas.microsoft.com/office/drawing/2014/main" id="{834B34F8-0503-4E7B-6118-AB8A16D3C333}"/>
               </a:ext>
             </a:extLst>
           </p:cNvPr>
@@ -5845,7 +5833,7 @@
           <p:cNvPr id="8" name="TextBox 7">
             <a:extLst>
               <a:ext uri="{FF2B5EF4-FFF2-40B4-BE49-F238E27FC236}">
-                <a16:creationId xmlns:a16="http://schemas.microsoft.com/office/drawing/2014/main" xmlns="" id="{E18708F3-BBDF-FFE5-DE01-8BF6A3557574}"/>
+                <a16:creationId xmlns="" xmlns:a16="http://schemas.microsoft.com/office/drawing/2014/main" id="{E18708F3-BBDF-FFE5-DE01-8BF6A3557574}"/>
               </a:ext>
             </a:extLst>
           </p:cNvPr>
@@ -5935,7 +5923,7 @@
           <p:cNvPr id="2" name="제목 1">
             <a:extLst>
               <a:ext uri="{FF2B5EF4-FFF2-40B4-BE49-F238E27FC236}">
-                <a16:creationId xmlns:a16="http://schemas.microsoft.com/office/drawing/2014/main" xmlns="" id="{635C47BF-19DD-7A68-913E-EF8F14DBA234}"/>
+                <a16:creationId xmlns="" xmlns:a16="http://schemas.microsoft.com/office/drawing/2014/main" id="{635C47BF-19DD-7A68-913E-EF8F14DBA234}"/>
               </a:ext>
             </a:extLst>
           </p:cNvPr>
@@ -5976,7 +5964,7 @@
           <p:cNvPr id="4" name="그림 3">
             <a:extLst>
               <a:ext uri="{FF2B5EF4-FFF2-40B4-BE49-F238E27FC236}">
-                <a16:creationId xmlns:a16="http://schemas.microsoft.com/office/drawing/2014/main" xmlns="" id="{5F938DED-8F40-BC3F-0AA9-27627D33F2A5}"/>
+                <a16:creationId xmlns="" xmlns:a16="http://schemas.microsoft.com/office/drawing/2014/main" id="{5F938DED-8F40-BC3F-0AA9-27627D33F2A5}"/>
               </a:ext>
             </a:extLst>
           </p:cNvPr>
@@ -6006,7 +5994,7 @@
           <p:cNvPr id="6" name="그림 5">
             <a:extLst>
               <a:ext uri="{FF2B5EF4-FFF2-40B4-BE49-F238E27FC236}">
-                <a16:creationId xmlns:a16="http://schemas.microsoft.com/office/drawing/2014/main" xmlns="" id="{1A256742-830C-DC57-445B-162C65FD9C45}"/>
+                <a16:creationId xmlns="" xmlns:a16="http://schemas.microsoft.com/office/drawing/2014/main" id="{1A256742-830C-DC57-445B-162C65FD9C45}"/>
               </a:ext>
             </a:extLst>
           </p:cNvPr>
@@ -6036,7 +6024,7 @@
           <p:cNvPr id="7" name="화살표: 오른쪽 6">
             <a:extLst>
               <a:ext uri="{FF2B5EF4-FFF2-40B4-BE49-F238E27FC236}">
-                <a16:creationId xmlns:a16="http://schemas.microsoft.com/office/drawing/2014/main" xmlns="" id="{07C7293A-F2BE-4F74-680B-B0FB75AE9BCA}"/>
+                <a16:creationId xmlns="" xmlns:a16="http://schemas.microsoft.com/office/drawing/2014/main" id="{07C7293A-F2BE-4F74-680B-B0FB75AE9BCA}"/>
               </a:ext>
             </a:extLst>
           </p:cNvPr>
@@ -6082,7 +6070,7 @@
           <p:cNvPr id="8" name="TextBox 7">
             <a:extLst>
               <a:ext uri="{FF2B5EF4-FFF2-40B4-BE49-F238E27FC236}">
-                <a16:creationId xmlns:a16="http://schemas.microsoft.com/office/drawing/2014/main" xmlns="" id="{684A099B-C378-4AE2-7A74-03DFE5C26BCB}"/>
+                <a16:creationId xmlns="" xmlns:a16="http://schemas.microsoft.com/office/drawing/2014/main" id="{684A099B-C378-4AE2-7A74-03DFE5C26BCB}"/>
               </a:ext>
             </a:extLst>
           </p:cNvPr>
@@ -6172,7 +6160,7 @@
           <p:cNvPr id="2" name="제목 1">
             <a:extLst>
               <a:ext uri="{FF2B5EF4-FFF2-40B4-BE49-F238E27FC236}">
-                <a16:creationId xmlns:a16="http://schemas.microsoft.com/office/drawing/2014/main" xmlns="" id="{FB32A8CE-07CC-9609-7A69-E66CD99D4153}"/>
+                <a16:creationId xmlns="" xmlns:a16="http://schemas.microsoft.com/office/drawing/2014/main" id="{FB32A8CE-07CC-9609-7A69-E66CD99D4153}"/>
               </a:ext>
             </a:extLst>
           </p:cNvPr>
@@ -6215,7 +6203,7 @@
           <p:cNvPr id="3" name="TextBox 2">
             <a:extLst>
               <a:ext uri="{FF2B5EF4-FFF2-40B4-BE49-F238E27FC236}">
-                <a16:creationId xmlns:a16="http://schemas.microsoft.com/office/drawing/2014/main" xmlns="" id="{DDCEE8A9-2178-BDAB-9AA1-73F5EC93914F}"/>
+                <a16:creationId xmlns="" xmlns:a16="http://schemas.microsoft.com/office/drawing/2014/main" id="{DDCEE8A9-2178-BDAB-9AA1-73F5EC93914F}"/>
               </a:ext>
             </a:extLst>
           </p:cNvPr>
@@ -6664,7 +6652,7 @@
           <p:cNvPr id="2" name="제목 1">
             <a:extLst>
               <a:ext uri="{FF2B5EF4-FFF2-40B4-BE49-F238E27FC236}">
-                <a16:creationId xmlns:a16="http://schemas.microsoft.com/office/drawing/2014/main" xmlns="" id="{635C47BF-19DD-7A68-913E-EF8F14DBA234}"/>
+                <a16:creationId xmlns="" xmlns:a16="http://schemas.microsoft.com/office/drawing/2014/main" id="{635C47BF-19DD-7A68-913E-EF8F14DBA234}"/>
               </a:ext>
             </a:extLst>
           </p:cNvPr>
@@ -6705,7 +6693,7 @@
           <p:cNvPr id="4" name="그림 3">
             <a:extLst>
               <a:ext uri="{FF2B5EF4-FFF2-40B4-BE49-F238E27FC236}">
-                <a16:creationId xmlns:a16="http://schemas.microsoft.com/office/drawing/2014/main" xmlns="" id="{00923515-A5B3-265C-CB51-500099103611}"/>
+                <a16:creationId xmlns="" xmlns:a16="http://schemas.microsoft.com/office/drawing/2014/main" id="{00923515-A5B3-265C-CB51-500099103611}"/>
               </a:ext>
             </a:extLst>
           </p:cNvPr>
@@ -6735,7 +6723,7 @@
           <p:cNvPr id="6" name="그림 5">
             <a:extLst>
               <a:ext uri="{FF2B5EF4-FFF2-40B4-BE49-F238E27FC236}">
-                <a16:creationId xmlns:a16="http://schemas.microsoft.com/office/drawing/2014/main" xmlns="" id="{7F193B0E-621E-5C86-4D07-680539179B3A}"/>
+                <a16:creationId xmlns="" xmlns:a16="http://schemas.microsoft.com/office/drawing/2014/main" id="{7F193B0E-621E-5C86-4D07-680539179B3A}"/>
               </a:ext>
             </a:extLst>
           </p:cNvPr>
@@ -6765,7 +6753,7 @@
           <p:cNvPr id="7" name="화살표: 오른쪽 6">
             <a:extLst>
               <a:ext uri="{FF2B5EF4-FFF2-40B4-BE49-F238E27FC236}">
-                <a16:creationId xmlns:a16="http://schemas.microsoft.com/office/drawing/2014/main" xmlns="" id="{9131DA1B-21E0-4D0B-0E63-0AF6B839E557}"/>
+                <a16:creationId xmlns="" xmlns:a16="http://schemas.microsoft.com/office/drawing/2014/main" id="{9131DA1B-21E0-4D0B-0E63-0AF6B839E557}"/>
               </a:ext>
             </a:extLst>
           </p:cNvPr>
@@ -6811,7 +6799,7 @@
           <p:cNvPr id="8" name="TextBox 7">
             <a:extLst>
               <a:ext uri="{FF2B5EF4-FFF2-40B4-BE49-F238E27FC236}">
-                <a16:creationId xmlns:a16="http://schemas.microsoft.com/office/drawing/2014/main" xmlns="" id="{A350AC6E-4663-2718-9156-276D689B64DE}"/>
+                <a16:creationId xmlns="" xmlns:a16="http://schemas.microsoft.com/office/drawing/2014/main" id="{A350AC6E-4663-2718-9156-276D689B64DE}"/>
               </a:ext>
             </a:extLst>
           </p:cNvPr>
@@ -6901,7 +6889,7 @@
           <p:cNvPr id="2" name="제목 1">
             <a:extLst>
               <a:ext uri="{FF2B5EF4-FFF2-40B4-BE49-F238E27FC236}">
-                <a16:creationId xmlns:a16="http://schemas.microsoft.com/office/drawing/2014/main" xmlns="" id="{635C47BF-19DD-7A68-913E-EF8F14DBA234}"/>
+                <a16:creationId xmlns="" xmlns:a16="http://schemas.microsoft.com/office/drawing/2014/main" id="{635C47BF-19DD-7A68-913E-EF8F14DBA234}"/>
               </a:ext>
             </a:extLst>
           </p:cNvPr>
@@ -6948,7 +6936,7 @@
           <p:cNvPr id="4" name="그림 3">
             <a:extLst>
               <a:ext uri="{FF2B5EF4-FFF2-40B4-BE49-F238E27FC236}">
-                <a16:creationId xmlns:a16="http://schemas.microsoft.com/office/drawing/2014/main" xmlns="" id="{BA164B4D-7B2A-55D6-E238-6FA871E4224C}"/>
+                <a16:creationId xmlns="" xmlns:a16="http://schemas.microsoft.com/office/drawing/2014/main" id="{BA164B4D-7B2A-55D6-E238-6FA871E4224C}"/>
               </a:ext>
             </a:extLst>
           </p:cNvPr>
@@ -6978,7 +6966,7 @@
           <p:cNvPr id="7" name="그림 6">
             <a:extLst>
               <a:ext uri="{FF2B5EF4-FFF2-40B4-BE49-F238E27FC236}">
-                <a16:creationId xmlns:a16="http://schemas.microsoft.com/office/drawing/2014/main" xmlns="" id="{C183592E-0C8E-4E38-38CD-D6F9D0277337}"/>
+                <a16:creationId xmlns="" xmlns:a16="http://schemas.microsoft.com/office/drawing/2014/main" id="{C183592E-0C8E-4E38-38CD-D6F9D0277337}"/>
               </a:ext>
             </a:extLst>
           </p:cNvPr>
@@ -7008,7 +6996,7 @@
           <p:cNvPr id="9" name="그림 8">
             <a:extLst>
               <a:ext uri="{FF2B5EF4-FFF2-40B4-BE49-F238E27FC236}">
-                <a16:creationId xmlns:a16="http://schemas.microsoft.com/office/drawing/2014/main" xmlns="" id="{B667BE30-D4B6-A8B8-DDB0-2165CA49ACAF}"/>
+                <a16:creationId xmlns="" xmlns:a16="http://schemas.microsoft.com/office/drawing/2014/main" id="{B667BE30-D4B6-A8B8-DDB0-2165CA49ACAF}"/>
               </a:ext>
             </a:extLst>
           </p:cNvPr>
@@ -7038,7 +7026,7 @@
           <p:cNvPr id="11" name="TextBox 10">
             <a:extLst>
               <a:ext uri="{FF2B5EF4-FFF2-40B4-BE49-F238E27FC236}">
-                <a16:creationId xmlns:a16="http://schemas.microsoft.com/office/drawing/2014/main" xmlns="" id="{34EC1517-1EFD-300B-F753-B939EE9E6E0D}"/>
+                <a16:creationId xmlns="" xmlns:a16="http://schemas.microsoft.com/office/drawing/2014/main" id="{34EC1517-1EFD-300B-F753-B939EE9E6E0D}"/>
               </a:ext>
             </a:extLst>
           </p:cNvPr>
@@ -7111,7 +7099,7 @@
           <p:cNvPr id="3" name="TextBox 2">
             <a:extLst>
               <a:ext uri="{FF2B5EF4-FFF2-40B4-BE49-F238E27FC236}">
-                <a16:creationId xmlns:a16="http://schemas.microsoft.com/office/drawing/2014/main" xmlns="" id="{67FA0D5F-DB02-E0EC-7E2D-24B0A5A7AF9B}"/>
+                <a16:creationId xmlns="" xmlns:a16="http://schemas.microsoft.com/office/drawing/2014/main" id="{67FA0D5F-DB02-E0EC-7E2D-24B0A5A7AF9B}"/>
               </a:ext>
             </a:extLst>
           </p:cNvPr>
@@ -7154,7 +7142,7 @@
           <p:cNvPr id="5" name="그림 4">
             <a:extLst>
               <a:ext uri="{FF2B5EF4-FFF2-40B4-BE49-F238E27FC236}">
-                <a16:creationId xmlns:a16="http://schemas.microsoft.com/office/drawing/2014/main" xmlns="" id="{043EECE2-38F1-023D-5237-C2668FD6E9A1}"/>
+                <a16:creationId xmlns="" xmlns:a16="http://schemas.microsoft.com/office/drawing/2014/main" id="{043EECE2-38F1-023D-5237-C2668FD6E9A1}"/>
               </a:ext>
             </a:extLst>
           </p:cNvPr>
@@ -7214,7 +7202,7 @@
           <p:cNvPr id="5" name="그림 4">
             <a:extLst>
               <a:ext uri="{FF2B5EF4-FFF2-40B4-BE49-F238E27FC236}">
-                <a16:creationId xmlns:a16="http://schemas.microsoft.com/office/drawing/2014/main" xmlns="" id="{5409DB29-1F61-3CCA-B241-D9BB52B50AB6}"/>
+                <a16:creationId xmlns="" xmlns:a16="http://schemas.microsoft.com/office/drawing/2014/main" id="{5409DB29-1F61-3CCA-B241-D9BB52B50AB6}"/>
               </a:ext>
             </a:extLst>
           </p:cNvPr>
@@ -7244,7 +7232,7 @@
           <p:cNvPr id="3" name="TextBox 2">
             <a:extLst>
               <a:ext uri="{FF2B5EF4-FFF2-40B4-BE49-F238E27FC236}">
-                <a16:creationId xmlns:a16="http://schemas.microsoft.com/office/drawing/2014/main" xmlns="" id="{C27938AF-C4CD-C307-1903-32B5207903C5}"/>
+                <a16:creationId xmlns="" xmlns:a16="http://schemas.microsoft.com/office/drawing/2014/main" id="{C27938AF-C4CD-C307-1903-32B5207903C5}"/>
               </a:ext>
             </a:extLst>
           </p:cNvPr>
@@ -7329,12 +7317,36 @@
           <a:chExt cx="0" cy="0"/>
         </a:xfrm>
       </p:grpSpPr>
+      <p:pic>
+        <p:nvPicPr>
+          <p:cNvPr id="3" name="그림 2"/>
+          <p:cNvPicPr>
+            <a:picLocks noChangeAspect="1"/>
+          </p:cNvPicPr>
+          <p:nvPr/>
+        </p:nvPicPr>
+        <p:blipFill>
+          <a:blip r:embed="rId2"/>
+          <a:stretch>
+            <a:fillRect/>
+          </a:stretch>
+        </p:blipFill>
+        <p:spPr>
+          <a:xfrm>
+            <a:off x="479323" y="1032387"/>
+            <a:ext cx="7309406" cy="4675870"/>
+          </a:xfrm>
+          <a:prstGeom prst="rect">
+            <a:avLst/>
+          </a:prstGeom>
+        </p:spPr>
+      </p:pic>
       <p:sp>
         <p:nvSpPr>
           <p:cNvPr id="2" name="제목 1">
             <a:extLst>
               <a:ext uri="{FF2B5EF4-FFF2-40B4-BE49-F238E27FC236}">
-                <a16:creationId xmlns:a16="http://schemas.microsoft.com/office/drawing/2014/main" xmlns="" id="{635C47BF-19DD-7A68-913E-EF8F14DBA234}"/>
+                <a16:creationId xmlns="" xmlns:a16="http://schemas.microsoft.com/office/drawing/2014/main" id="{635C47BF-19DD-7A68-913E-EF8F14DBA234}"/>
               </a:ext>
             </a:extLst>
           </p:cNvPr>
@@ -7384,40 +7396,10 @@
       </p:sp>
       <p:pic>
         <p:nvPicPr>
-          <p:cNvPr id="4" name="그림 3">
-            <a:extLst>
-              <a:ext uri="{FF2B5EF4-FFF2-40B4-BE49-F238E27FC236}">
-                <a16:creationId xmlns:a16="http://schemas.microsoft.com/office/drawing/2014/main" xmlns="" id="{193FB077-7CCF-D0B8-D767-BBCAE58C9723}"/>
-              </a:ext>
-            </a:extLst>
-          </p:cNvPr>
-          <p:cNvPicPr>
-            <a:picLocks noChangeAspect="1"/>
-          </p:cNvPicPr>
-          <p:nvPr/>
-        </p:nvPicPr>
-        <p:blipFill>
-          <a:blip r:embed="rId2"/>
-          <a:stretch>
-            <a:fillRect/>
-          </a:stretch>
-        </p:blipFill>
-        <p:spPr>
-          <a:xfrm>
-            <a:off x="479323" y="1157078"/>
-            <a:ext cx="7542459" cy="4312576"/>
-          </a:xfrm>
-          <a:prstGeom prst="rect">
-            <a:avLst/>
-          </a:prstGeom>
-        </p:spPr>
-      </p:pic>
-      <p:pic>
-        <p:nvPicPr>
           <p:cNvPr id="6" name="그림 5">
             <a:extLst>
               <a:ext uri="{FF2B5EF4-FFF2-40B4-BE49-F238E27FC236}">
-                <a16:creationId xmlns:a16="http://schemas.microsoft.com/office/drawing/2014/main" xmlns="" id="{3745059D-4E8A-6BEF-02C4-9A1E057D05A3}"/>
+                <a16:creationId xmlns="" xmlns:a16="http://schemas.microsoft.com/office/drawing/2014/main" id="{3745059D-4E8A-6BEF-02C4-9A1E057D05A3}"/>
               </a:ext>
             </a:extLst>
           </p:cNvPr>
@@ -7447,7 +7429,7 @@
           <p:cNvPr id="7" name="화살표: 오른쪽 6">
             <a:extLst>
               <a:ext uri="{FF2B5EF4-FFF2-40B4-BE49-F238E27FC236}">
-                <a16:creationId xmlns:a16="http://schemas.microsoft.com/office/drawing/2014/main" xmlns="" id="{104168AD-4AA7-2EBC-C39A-732FC9581025}"/>
+                <a16:creationId xmlns="" xmlns:a16="http://schemas.microsoft.com/office/drawing/2014/main" id="{104168AD-4AA7-2EBC-C39A-732FC9581025}"/>
               </a:ext>
             </a:extLst>
           </p:cNvPr>
@@ -7493,7 +7475,7 @@
           <p:cNvPr id="8" name="TextBox 7">
             <a:extLst>
               <a:ext uri="{FF2B5EF4-FFF2-40B4-BE49-F238E27FC236}">
-                <a16:creationId xmlns:a16="http://schemas.microsoft.com/office/drawing/2014/main" xmlns="" id="{C27938AF-C4CD-C307-1903-32B5207903C5}"/>
+                <a16:creationId xmlns="" xmlns:a16="http://schemas.microsoft.com/office/drawing/2014/main" id="{C27938AF-C4CD-C307-1903-32B5207903C5}"/>
               </a:ext>
             </a:extLst>
           </p:cNvPr>
@@ -8380,7 +8362,7 @@
           <p:cNvPr id="2" name="제목 1">
             <a:extLst>
               <a:ext uri="{FF2B5EF4-FFF2-40B4-BE49-F238E27FC236}">
-                <a16:creationId xmlns:a16="http://schemas.microsoft.com/office/drawing/2014/main" xmlns="" id="{635C47BF-19DD-7A68-913E-EF8F14DBA234}"/>
+                <a16:creationId xmlns="" xmlns:a16="http://schemas.microsoft.com/office/drawing/2014/main" id="{635C47BF-19DD-7A68-913E-EF8F14DBA234}"/>
               </a:ext>
             </a:extLst>
           </p:cNvPr>
@@ -8421,7 +8403,7 @@
           <p:cNvPr id="6" name="그림 5">
             <a:extLst>
               <a:ext uri="{FF2B5EF4-FFF2-40B4-BE49-F238E27FC236}">
-                <a16:creationId xmlns:a16="http://schemas.microsoft.com/office/drawing/2014/main" xmlns="" id="{34FAFA3B-E645-FFF9-D532-E3E71813ADB5}"/>
+                <a16:creationId xmlns="" xmlns:a16="http://schemas.microsoft.com/office/drawing/2014/main" id="{34FAFA3B-E645-FFF9-D532-E3E71813ADB5}"/>
               </a:ext>
             </a:extLst>
           </p:cNvPr>
@@ -8451,7 +8433,7 @@
           <p:cNvPr id="8" name="그림 7">
             <a:extLst>
               <a:ext uri="{FF2B5EF4-FFF2-40B4-BE49-F238E27FC236}">
-                <a16:creationId xmlns:a16="http://schemas.microsoft.com/office/drawing/2014/main" xmlns="" id="{8ADC3045-6FD4-192E-CB85-EF7A7EE499B5}"/>
+                <a16:creationId xmlns="" xmlns:a16="http://schemas.microsoft.com/office/drawing/2014/main" id="{8ADC3045-6FD4-192E-CB85-EF7A7EE499B5}"/>
               </a:ext>
             </a:extLst>
           </p:cNvPr>
@@ -8481,7 +8463,7 @@
           <p:cNvPr id="9" name="화살표: 오른쪽 8">
             <a:extLst>
               <a:ext uri="{FF2B5EF4-FFF2-40B4-BE49-F238E27FC236}">
-                <a16:creationId xmlns:a16="http://schemas.microsoft.com/office/drawing/2014/main" xmlns="" id="{F7A0CACB-9090-1CB4-6886-F1C5F67174B1}"/>
+                <a16:creationId xmlns="" xmlns:a16="http://schemas.microsoft.com/office/drawing/2014/main" id="{F7A0CACB-9090-1CB4-6886-F1C5F67174B1}"/>
               </a:ext>
             </a:extLst>
           </p:cNvPr>
@@ -8527,7 +8509,7 @@
           <p:cNvPr id="10" name="TextBox 9">
             <a:extLst>
               <a:ext uri="{FF2B5EF4-FFF2-40B4-BE49-F238E27FC236}">
-                <a16:creationId xmlns:a16="http://schemas.microsoft.com/office/drawing/2014/main" xmlns="" id="{774316CF-2689-3C85-4391-F0E702A69276}"/>
+                <a16:creationId xmlns="" xmlns:a16="http://schemas.microsoft.com/office/drawing/2014/main" id="{774316CF-2689-3C85-4391-F0E702A69276}"/>
               </a:ext>
             </a:extLst>
           </p:cNvPr>
@@ -8617,7 +8599,7 @@
           <p:cNvPr id="2" name="제목 1">
             <a:extLst>
               <a:ext uri="{FF2B5EF4-FFF2-40B4-BE49-F238E27FC236}">
-                <a16:creationId xmlns:a16="http://schemas.microsoft.com/office/drawing/2014/main" xmlns="" id="{635C47BF-19DD-7A68-913E-EF8F14DBA234}"/>
+                <a16:creationId xmlns="" xmlns:a16="http://schemas.microsoft.com/office/drawing/2014/main" id="{635C47BF-19DD-7A68-913E-EF8F14DBA234}"/>
               </a:ext>
             </a:extLst>
           </p:cNvPr>
@@ -8658,7 +8640,7 @@
           <p:cNvPr id="4" name="그림 3">
             <a:extLst>
               <a:ext uri="{FF2B5EF4-FFF2-40B4-BE49-F238E27FC236}">
-                <a16:creationId xmlns:a16="http://schemas.microsoft.com/office/drawing/2014/main" xmlns="" id="{50D262FB-5543-7D51-03D2-66C1112FDFED}"/>
+                <a16:creationId xmlns="" xmlns:a16="http://schemas.microsoft.com/office/drawing/2014/main" id="{50D262FB-5543-7D51-03D2-66C1112FDFED}"/>
               </a:ext>
             </a:extLst>
           </p:cNvPr>
@@ -8688,7 +8670,7 @@
           <p:cNvPr id="6" name="그림 5">
             <a:extLst>
               <a:ext uri="{FF2B5EF4-FFF2-40B4-BE49-F238E27FC236}">
-                <a16:creationId xmlns:a16="http://schemas.microsoft.com/office/drawing/2014/main" xmlns="" id="{6B055145-4B79-F648-F72B-3E98C6263863}"/>
+                <a16:creationId xmlns="" xmlns:a16="http://schemas.microsoft.com/office/drawing/2014/main" id="{6B055145-4B79-F648-F72B-3E98C6263863}"/>
               </a:ext>
             </a:extLst>
           </p:cNvPr>
@@ -8718,7 +8700,7 @@
           <p:cNvPr id="8" name="화살표: 오른쪽 7">
             <a:extLst>
               <a:ext uri="{FF2B5EF4-FFF2-40B4-BE49-F238E27FC236}">
-                <a16:creationId xmlns:a16="http://schemas.microsoft.com/office/drawing/2014/main" xmlns="" id="{2915661F-C83D-5244-8CC2-8094D825A072}"/>
+                <a16:creationId xmlns="" xmlns:a16="http://schemas.microsoft.com/office/drawing/2014/main" id="{2915661F-C83D-5244-8CC2-8094D825A072}"/>
               </a:ext>
             </a:extLst>
           </p:cNvPr>
@@ -8764,7 +8746,7 @@
           <p:cNvPr id="9" name="TextBox 8">
             <a:extLst>
               <a:ext uri="{FF2B5EF4-FFF2-40B4-BE49-F238E27FC236}">
-                <a16:creationId xmlns:a16="http://schemas.microsoft.com/office/drawing/2014/main" xmlns="" id="{F236DDC0-AFCA-76E4-C0BC-D41A22F62A28}"/>
+                <a16:creationId xmlns="" xmlns:a16="http://schemas.microsoft.com/office/drawing/2014/main" id="{F236DDC0-AFCA-76E4-C0BC-D41A22F62A28}"/>
               </a:ext>
             </a:extLst>
           </p:cNvPr>
@@ -8854,7 +8836,7 @@
           <p:cNvPr id="2" name="제목 1">
             <a:extLst>
               <a:ext uri="{FF2B5EF4-FFF2-40B4-BE49-F238E27FC236}">
-                <a16:creationId xmlns:a16="http://schemas.microsoft.com/office/drawing/2014/main" xmlns="" id="{635C47BF-19DD-7A68-913E-EF8F14DBA234}"/>
+                <a16:creationId xmlns="" xmlns:a16="http://schemas.microsoft.com/office/drawing/2014/main" id="{635C47BF-19DD-7A68-913E-EF8F14DBA234}"/>
               </a:ext>
             </a:extLst>
           </p:cNvPr>
@@ -8895,7 +8877,7 @@
           <p:cNvPr id="4" name="그림 3">
             <a:extLst>
               <a:ext uri="{FF2B5EF4-FFF2-40B4-BE49-F238E27FC236}">
-                <a16:creationId xmlns:a16="http://schemas.microsoft.com/office/drawing/2014/main" xmlns="" id="{1873CC68-B47F-E1DB-38B5-B3160A3BD68C}"/>
+                <a16:creationId xmlns="" xmlns:a16="http://schemas.microsoft.com/office/drawing/2014/main" id="{1873CC68-B47F-E1DB-38B5-B3160A3BD68C}"/>
               </a:ext>
             </a:extLst>
           </p:cNvPr>
@@ -8925,7 +8907,7 @@
           <p:cNvPr id="6" name="그림 5">
             <a:extLst>
               <a:ext uri="{FF2B5EF4-FFF2-40B4-BE49-F238E27FC236}">
-                <a16:creationId xmlns:a16="http://schemas.microsoft.com/office/drawing/2014/main" xmlns="" id="{60063130-F9CE-B1C8-F7CA-57D7BF89039A}"/>
+                <a16:creationId xmlns="" xmlns:a16="http://schemas.microsoft.com/office/drawing/2014/main" id="{60063130-F9CE-B1C8-F7CA-57D7BF89039A}"/>
               </a:ext>
             </a:extLst>
           </p:cNvPr>
@@ -8955,7 +8937,7 @@
           <p:cNvPr id="9" name="화살표: 오른쪽 8">
             <a:extLst>
               <a:ext uri="{FF2B5EF4-FFF2-40B4-BE49-F238E27FC236}">
-                <a16:creationId xmlns:a16="http://schemas.microsoft.com/office/drawing/2014/main" xmlns="" id="{D50A1D10-5904-C61D-3996-C5AB0AF205B1}"/>
+                <a16:creationId xmlns="" xmlns:a16="http://schemas.microsoft.com/office/drawing/2014/main" id="{D50A1D10-5904-C61D-3996-C5AB0AF205B1}"/>
               </a:ext>
             </a:extLst>
           </p:cNvPr>
@@ -9001,7 +8983,7 @@
           <p:cNvPr id="10" name="TextBox 9">
             <a:extLst>
               <a:ext uri="{FF2B5EF4-FFF2-40B4-BE49-F238E27FC236}">
-                <a16:creationId xmlns:a16="http://schemas.microsoft.com/office/drawing/2014/main" xmlns="" id="{45EE9717-4C9A-FE98-6435-3D4D2F9A9661}"/>
+                <a16:creationId xmlns="" xmlns:a16="http://schemas.microsoft.com/office/drawing/2014/main" id="{45EE9717-4C9A-FE98-6435-3D4D2F9A9661}"/>
               </a:ext>
             </a:extLst>
           </p:cNvPr>
@@ -9091,7 +9073,7 @@
           <p:cNvPr id="2" name="제목 1">
             <a:extLst>
               <a:ext uri="{FF2B5EF4-FFF2-40B4-BE49-F238E27FC236}">
-                <a16:creationId xmlns:a16="http://schemas.microsoft.com/office/drawing/2014/main" xmlns="" id="{635C47BF-19DD-7A68-913E-EF8F14DBA234}"/>
+                <a16:creationId xmlns="" xmlns:a16="http://schemas.microsoft.com/office/drawing/2014/main" id="{635C47BF-19DD-7A68-913E-EF8F14DBA234}"/>
               </a:ext>
             </a:extLst>
           </p:cNvPr>
@@ -9132,7 +9114,7 @@
           <p:cNvPr id="4" name="그림 3">
             <a:extLst>
               <a:ext uri="{FF2B5EF4-FFF2-40B4-BE49-F238E27FC236}">
-                <a16:creationId xmlns:a16="http://schemas.microsoft.com/office/drawing/2014/main" xmlns="" id="{CE4C73DC-12F5-CDE0-9C32-D4E59EDDA179}"/>
+                <a16:creationId xmlns="" xmlns:a16="http://schemas.microsoft.com/office/drawing/2014/main" id="{CE4C73DC-12F5-CDE0-9C32-D4E59EDDA179}"/>
               </a:ext>
             </a:extLst>
           </p:cNvPr>
@@ -9162,7 +9144,7 @@
           <p:cNvPr id="6" name="그림 5">
             <a:extLst>
               <a:ext uri="{FF2B5EF4-FFF2-40B4-BE49-F238E27FC236}">
-                <a16:creationId xmlns:a16="http://schemas.microsoft.com/office/drawing/2014/main" xmlns="" id="{F31EC88E-920E-2080-9B14-06FADC17EB5E}"/>
+                <a16:creationId xmlns="" xmlns:a16="http://schemas.microsoft.com/office/drawing/2014/main" id="{F31EC88E-920E-2080-9B14-06FADC17EB5E}"/>
               </a:ext>
             </a:extLst>
           </p:cNvPr>
@@ -9192,7 +9174,7 @@
           <p:cNvPr id="7" name="화살표: 오른쪽 6">
             <a:extLst>
               <a:ext uri="{FF2B5EF4-FFF2-40B4-BE49-F238E27FC236}">
-                <a16:creationId xmlns:a16="http://schemas.microsoft.com/office/drawing/2014/main" xmlns="" id="{FEAC9E94-B572-FCE5-6DD8-DFEE4D0D4410}"/>
+                <a16:creationId xmlns="" xmlns:a16="http://schemas.microsoft.com/office/drawing/2014/main" id="{FEAC9E94-B572-FCE5-6DD8-DFEE4D0D4410}"/>
               </a:ext>
             </a:extLst>
           </p:cNvPr>
@@ -9238,7 +9220,7 @@
           <p:cNvPr id="8" name="TextBox 7">
             <a:extLst>
               <a:ext uri="{FF2B5EF4-FFF2-40B4-BE49-F238E27FC236}">
-                <a16:creationId xmlns:a16="http://schemas.microsoft.com/office/drawing/2014/main" xmlns="" id="{0CD6325E-8D4A-7302-3C0A-32043D15849F}"/>
+                <a16:creationId xmlns="" xmlns:a16="http://schemas.microsoft.com/office/drawing/2014/main" id="{0CD6325E-8D4A-7302-3C0A-32043D15849F}"/>
               </a:ext>
             </a:extLst>
           </p:cNvPr>
